--- a/borderland/1-cadusd/Presentation/CADUSD.pptx
+++ b/borderland/1-cadusd/Presentation/CADUSD.pptx
@@ -4,20 +4,34 @@
   <p:sldMasterIdLst>
     <p:sldMasterId id="2147483684" r:id="rId1"/>
   </p:sldMasterIdLst>
+  <p:notesMasterIdLst>
+    <p:notesMasterId r:id="rId26"/>
+  </p:notesMasterIdLst>
   <p:sldIdLst>
     <p:sldId id="256" r:id="rId2"/>
-    <p:sldId id="268" r:id="rId3"/>
-    <p:sldId id="258" r:id="rId4"/>
-    <p:sldId id="259" r:id="rId5"/>
-    <p:sldId id="266" r:id="rId6"/>
-    <p:sldId id="262" r:id="rId7"/>
-    <p:sldId id="267" r:id="rId8"/>
-    <p:sldId id="261" r:id="rId9"/>
-    <p:sldId id="263" r:id="rId10"/>
-    <p:sldId id="264" r:id="rId11"/>
-    <p:sldId id="270" r:id="rId12"/>
-    <p:sldId id="265" r:id="rId13"/>
-    <p:sldId id="269" r:id="rId14"/>
+    <p:sldId id="259" r:id="rId3"/>
+    <p:sldId id="257" r:id="rId4"/>
+    <p:sldId id="258" r:id="rId5"/>
+    <p:sldId id="260" r:id="rId6"/>
+    <p:sldId id="261" r:id="rId7"/>
+    <p:sldId id="262" r:id="rId8"/>
+    <p:sldId id="263" r:id="rId9"/>
+    <p:sldId id="264" r:id="rId10"/>
+    <p:sldId id="265" r:id="rId11"/>
+    <p:sldId id="280" r:id="rId12"/>
+    <p:sldId id="279" r:id="rId13"/>
+    <p:sldId id="273" r:id="rId14"/>
+    <p:sldId id="274" r:id="rId15"/>
+    <p:sldId id="275" r:id="rId16"/>
+    <p:sldId id="277" r:id="rId17"/>
+    <p:sldId id="276" r:id="rId18"/>
+    <p:sldId id="278" r:id="rId19"/>
+    <p:sldId id="269" r:id="rId20"/>
+    <p:sldId id="270" r:id="rId21"/>
+    <p:sldId id="281" r:id="rId22"/>
+    <p:sldId id="282" r:id="rId23"/>
+    <p:sldId id="271" r:id="rId24"/>
+    <p:sldId id="272" r:id="rId25"/>
   </p:sldIdLst>
   <p:sldSz cx="12192000" cy="6858000"/>
   <p:notesSz cx="6858000" cy="9144000"/>
@@ -116,7 +130,1115 @@
       </a:defRPr>
     </a:lvl9pPr>
   </p:defaultTextStyle>
+  <p:extLst>
+    <p:ext uri="{EFAFB233-063F-42B5-8137-9DF3F51BA10A}">
+      <p15:sldGuideLst xmlns:p15="http://schemas.microsoft.com/office/powerpoint/2012/main"/>
+    </p:ext>
+  </p:extLst>
 </p:presentation>
+</file>
+
+<file path=ppt/notesMasters/notesMaster1.xml><?xml version="1.0" encoding="utf-8"?>
+<p:notesMaster xmlns:a="http://schemas.openxmlformats.org/drawingml/2006/main" xmlns:r="http://schemas.openxmlformats.org/officeDocument/2006/relationships" xmlns:p="http://schemas.openxmlformats.org/presentationml/2006/main">
+  <p:cSld>
+    <p:bg>
+      <p:bgRef idx="1001">
+        <a:schemeClr val="bg1"/>
+      </p:bgRef>
+    </p:bg>
+    <p:spTree>
+      <p:nvGrpSpPr>
+        <p:cNvPr id="1" name=""/>
+        <p:cNvGrpSpPr/>
+        <p:nvPr/>
+      </p:nvGrpSpPr>
+      <p:grpSpPr>
+        <a:xfrm>
+          <a:off x="0" y="0"/>
+          <a:ext cx="0" cy="0"/>
+          <a:chOff x="0" y="0"/>
+          <a:chExt cx="0" cy="0"/>
+        </a:xfrm>
+      </p:grpSpPr>
+      <p:sp>
+        <p:nvSpPr>
+          <p:cNvPr id="2" name="Header Placeholder 1"/>
+          <p:cNvSpPr>
+            <a:spLocks noGrp="1"/>
+          </p:cNvSpPr>
+          <p:nvPr>
+            <p:ph type="hdr" sz="quarter"/>
+          </p:nvPr>
+        </p:nvSpPr>
+        <p:spPr>
+          <a:xfrm>
+            <a:off x="0" y="0"/>
+            <a:ext cx="2971800" cy="458788"/>
+          </a:xfrm>
+          <a:prstGeom prst="rect">
+            <a:avLst/>
+          </a:prstGeom>
+        </p:spPr>
+        <p:txBody>
+          <a:bodyPr vert="horz" lIns="91440" tIns="45720" rIns="91440" bIns="45720" rtlCol="0"/>
+          <a:lstStyle>
+            <a:lvl1pPr algn="l">
+              <a:defRPr sz="1200"/>
+            </a:lvl1pPr>
+          </a:lstStyle>
+          <a:p>
+            <a:endParaRPr lang="en-US"/>
+          </a:p>
+        </p:txBody>
+      </p:sp>
+      <p:sp>
+        <p:nvSpPr>
+          <p:cNvPr id="3" name="Date Placeholder 2"/>
+          <p:cNvSpPr>
+            <a:spLocks noGrp="1"/>
+          </p:cNvSpPr>
+          <p:nvPr>
+            <p:ph type="dt" idx="1"/>
+          </p:nvPr>
+        </p:nvSpPr>
+        <p:spPr>
+          <a:xfrm>
+            <a:off x="3884613" y="0"/>
+            <a:ext cx="2971800" cy="458788"/>
+          </a:xfrm>
+          <a:prstGeom prst="rect">
+            <a:avLst/>
+          </a:prstGeom>
+        </p:spPr>
+        <p:txBody>
+          <a:bodyPr vert="horz" lIns="91440" tIns="45720" rIns="91440" bIns="45720" rtlCol="0"/>
+          <a:lstStyle>
+            <a:lvl1pPr algn="r">
+              <a:defRPr sz="1200"/>
+            </a:lvl1pPr>
+          </a:lstStyle>
+          <a:p>
+            <a:fld id="{A0D978CE-A6C1-477F-AF83-A7D9EEED15D0}" type="datetimeFigureOut">
+              <a:rPr lang="en-US" smtClean="0"/>
+              <a:t>2025-09-27</a:t>
+            </a:fld>
+            <a:endParaRPr lang="en-US"/>
+          </a:p>
+        </p:txBody>
+      </p:sp>
+      <p:sp>
+        <p:nvSpPr>
+          <p:cNvPr id="4" name="Slide Image Placeholder 3"/>
+          <p:cNvSpPr>
+            <a:spLocks noGrp="1" noRot="1" noChangeAspect="1"/>
+          </p:cNvSpPr>
+          <p:nvPr>
+            <p:ph type="sldImg" idx="2"/>
+          </p:nvPr>
+        </p:nvSpPr>
+        <p:spPr>
+          <a:xfrm>
+            <a:off x="685800" y="1143000"/>
+            <a:ext cx="5486400" cy="3086100"/>
+          </a:xfrm>
+          <a:prstGeom prst="rect">
+            <a:avLst/>
+          </a:prstGeom>
+          <a:noFill/>
+          <a:ln w="12700">
+            <a:solidFill>
+              <a:prstClr val="black"/>
+            </a:solidFill>
+          </a:ln>
+        </p:spPr>
+        <p:txBody>
+          <a:bodyPr vert="horz" lIns="91440" tIns="45720" rIns="91440" bIns="45720" rtlCol="0" anchor="ctr"/>
+          <a:lstStyle/>
+          <a:p>
+            <a:endParaRPr lang="en-US"/>
+          </a:p>
+        </p:txBody>
+      </p:sp>
+      <p:sp>
+        <p:nvSpPr>
+          <p:cNvPr id="5" name="Notes Placeholder 4"/>
+          <p:cNvSpPr>
+            <a:spLocks noGrp="1"/>
+          </p:cNvSpPr>
+          <p:nvPr>
+            <p:ph type="body" sz="quarter" idx="3"/>
+          </p:nvPr>
+        </p:nvSpPr>
+        <p:spPr>
+          <a:xfrm>
+            <a:off x="685800" y="4400550"/>
+            <a:ext cx="5486400" cy="3600450"/>
+          </a:xfrm>
+          <a:prstGeom prst="rect">
+            <a:avLst/>
+          </a:prstGeom>
+        </p:spPr>
+        <p:txBody>
+          <a:bodyPr vert="horz" lIns="91440" tIns="45720" rIns="91440" bIns="45720" rtlCol="0"/>
+          <a:lstStyle/>
+          <a:p>
+            <a:pPr lvl="0"/>
+            <a:r>
+              <a:rPr lang="en-US"/>
+              <a:t>Click to edit Master text styles</a:t>
+            </a:r>
+          </a:p>
+          <a:p>
+            <a:pPr lvl="1"/>
+            <a:r>
+              <a:rPr lang="en-US"/>
+              <a:t>Second level</a:t>
+            </a:r>
+          </a:p>
+          <a:p>
+            <a:pPr lvl="2"/>
+            <a:r>
+              <a:rPr lang="en-US"/>
+              <a:t>Third level</a:t>
+            </a:r>
+          </a:p>
+          <a:p>
+            <a:pPr lvl="3"/>
+            <a:r>
+              <a:rPr lang="en-US"/>
+              <a:t>Fourth level</a:t>
+            </a:r>
+          </a:p>
+          <a:p>
+            <a:pPr lvl="4"/>
+            <a:r>
+              <a:rPr lang="en-US"/>
+              <a:t>Fifth level</a:t>
+            </a:r>
+          </a:p>
+        </p:txBody>
+      </p:sp>
+      <p:sp>
+        <p:nvSpPr>
+          <p:cNvPr id="6" name="Footer Placeholder 5"/>
+          <p:cNvSpPr>
+            <a:spLocks noGrp="1"/>
+          </p:cNvSpPr>
+          <p:nvPr>
+            <p:ph type="ftr" sz="quarter" idx="4"/>
+          </p:nvPr>
+        </p:nvSpPr>
+        <p:spPr>
+          <a:xfrm>
+            <a:off x="0" y="8685213"/>
+            <a:ext cx="2971800" cy="458787"/>
+          </a:xfrm>
+          <a:prstGeom prst="rect">
+            <a:avLst/>
+          </a:prstGeom>
+        </p:spPr>
+        <p:txBody>
+          <a:bodyPr vert="horz" lIns="91440" tIns="45720" rIns="91440" bIns="45720" rtlCol="0" anchor="b"/>
+          <a:lstStyle>
+            <a:lvl1pPr algn="l">
+              <a:defRPr sz="1200"/>
+            </a:lvl1pPr>
+          </a:lstStyle>
+          <a:p>
+            <a:endParaRPr lang="en-US"/>
+          </a:p>
+        </p:txBody>
+      </p:sp>
+      <p:sp>
+        <p:nvSpPr>
+          <p:cNvPr id="7" name="Slide Number Placeholder 6"/>
+          <p:cNvSpPr>
+            <a:spLocks noGrp="1"/>
+          </p:cNvSpPr>
+          <p:nvPr>
+            <p:ph type="sldNum" sz="quarter" idx="5"/>
+          </p:nvPr>
+        </p:nvSpPr>
+        <p:spPr>
+          <a:xfrm>
+            <a:off x="3884613" y="8685213"/>
+            <a:ext cx="2971800" cy="458787"/>
+          </a:xfrm>
+          <a:prstGeom prst="rect">
+            <a:avLst/>
+          </a:prstGeom>
+        </p:spPr>
+        <p:txBody>
+          <a:bodyPr vert="horz" lIns="91440" tIns="45720" rIns="91440" bIns="45720" rtlCol="0" anchor="b"/>
+          <a:lstStyle>
+            <a:lvl1pPr algn="r">
+              <a:defRPr sz="1200"/>
+            </a:lvl1pPr>
+          </a:lstStyle>
+          <a:p>
+            <a:fld id="{3A99376B-ADBF-4BED-A802-ABAD07EED65B}" type="slidenum">
+              <a:rPr lang="en-US" smtClean="0"/>
+              <a:t>‹#›</a:t>
+            </a:fld>
+            <a:endParaRPr lang="en-US"/>
+          </a:p>
+        </p:txBody>
+      </p:sp>
+    </p:spTree>
+    <p:extLst>
+      <p:ext uri="{BB962C8B-B14F-4D97-AF65-F5344CB8AC3E}">
+        <p14:creationId xmlns:p14="http://schemas.microsoft.com/office/powerpoint/2010/main" val="864199611"/>
+      </p:ext>
+    </p:extLst>
+  </p:cSld>
+  <p:clrMap bg1="lt1" tx1="dk1" bg2="lt2" tx2="dk2" accent1="accent1" accent2="accent2" accent3="accent3" accent4="accent4" accent5="accent5" accent6="accent6" hlink="hlink" folHlink="folHlink"/>
+  <p:notesStyle>
+    <a:lvl1pPr marL="0" algn="l" defTabSz="914400" rtl="0" eaLnBrk="1" latinLnBrk="0" hangingPunct="1">
+      <a:defRPr sz="1200" kern="1200">
+        <a:solidFill>
+          <a:schemeClr val="tx1"/>
+        </a:solidFill>
+        <a:latin typeface="+mn-lt"/>
+        <a:ea typeface="+mn-ea"/>
+        <a:cs typeface="+mn-cs"/>
+      </a:defRPr>
+    </a:lvl1pPr>
+    <a:lvl2pPr marL="457200" algn="l" defTabSz="914400" rtl="0" eaLnBrk="1" latinLnBrk="0" hangingPunct="1">
+      <a:defRPr sz="1200" kern="1200">
+        <a:solidFill>
+          <a:schemeClr val="tx1"/>
+        </a:solidFill>
+        <a:latin typeface="+mn-lt"/>
+        <a:ea typeface="+mn-ea"/>
+        <a:cs typeface="+mn-cs"/>
+      </a:defRPr>
+    </a:lvl2pPr>
+    <a:lvl3pPr marL="914400" algn="l" defTabSz="914400" rtl="0" eaLnBrk="1" latinLnBrk="0" hangingPunct="1">
+      <a:defRPr sz="1200" kern="1200">
+        <a:solidFill>
+          <a:schemeClr val="tx1"/>
+        </a:solidFill>
+        <a:latin typeface="+mn-lt"/>
+        <a:ea typeface="+mn-ea"/>
+        <a:cs typeface="+mn-cs"/>
+      </a:defRPr>
+    </a:lvl3pPr>
+    <a:lvl4pPr marL="1371600" algn="l" defTabSz="914400" rtl="0" eaLnBrk="1" latinLnBrk="0" hangingPunct="1">
+      <a:defRPr sz="1200" kern="1200">
+        <a:solidFill>
+          <a:schemeClr val="tx1"/>
+        </a:solidFill>
+        <a:latin typeface="+mn-lt"/>
+        <a:ea typeface="+mn-ea"/>
+        <a:cs typeface="+mn-cs"/>
+      </a:defRPr>
+    </a:lvl4pPr>
+    <a:lvl5pPr marL="1828800" algn="l" defTabSz="914400" rtl="0" eaLnBrk="1" latinLnBrk="0" hangingPunct="1">
+      <a:defRPr sz="1200" kern="1200">
+        <a:solidFill>
+          <a:schemeClr val="tx1"/>
+        </a:solidFill>
+        <a:latin typeface="+mn-lt"/>
+        <a:ea typeface="+mn-ea"/>
+        <a:cs typeface="+mn-cs"/>
+      </a:defRPr>
+    </a:lvl5pPr>
+    <a:lvl6pPr marL="2286000" algn="l" defTabSz="914400" rtl="0" eaLnBrk="1" latinLnBrk="0" hangingPunct="1">
+      <a:defRPr sz="1200" kern="1200">
+        <a:solidFill>
+          <a:schemeClr val="tx1"/>
+        </a:solidFill>
+        <a:latin typeface="+mn-lt"/>
+        <a:ea typeface="+mn-ea"/>
+        <a:cs typeface="+mn-cs"/>
+      </a:defRPr>
+    </a:lvl6pPr>
+    <a:lvl7pPr marL="2743200" algn="l" defTabSz="914400" rtl="0" eaLnBrk="1" latinLnBrk="0" hangingPunct="1">
+      <a:defRPr sz="1200" kern="1200">
+        <a:solidFill>
+          <a:schemeClr val="tx1"/>
+        </a:solidFill>
+        <a:latin typeface="+mn-lt"/>
+        <a:ea typeface="+mn-ea"/>
+        <a:cs typeface="+mn-cs"/>
+      </a:defRPr>
+    </a:lvl7pPr>
+    <a:lvl8pPr marL="3200400" algn="l" defTabSz="914400" rtl="0" eaLnBrk="1" latinLnBrk="0" hangingPunct="1">
+      <a:defRPr sz="1200" kern="1200">
+        <a:solidFill>
+          <a:schemeClr val="tx1"/>
+        </a:solidFill>
+        <a:latin typeface="+mn-lt"/>
+        <a:ea typeface="+mn-ea"/>
+        <a:cs typeface="+mn-cs"/>
+      </a:defRPr>
+    </a:lvl8pPr>
+    <a:lvl9pPr marL="3657600" algn="l" defTabSz="914400" rtl="0" eaLnBrk="1" latinLnBrk="0" hangingPunct="1">
+      <a:defRPr sz="1200" kern="1200">
+        <a:solidFill>
+          <a:schemeClr val="tx1"/>
+        </a:solidFill>
+        <a:latin typeface="+mn-lt"/>
+        <a:ea typeface="+mn-ea"/>
+        <a:cs typeface="+mn-cs"/>
+      </a:defRPr>
+    </a:lvl9pPr>
+  </p:notesStyle>
+</p:notesMaster>
+</file>
+
+<file path=ppt/notesSlides/notesSlide1.xml><?xml version="1.0" encoding="utf-8"?>
+<p:notes xmlns:a="http://schemas.openxmlformats.org/drawingml/2006/main" xmlns:r="http://schemas.openxmlformats.org/officeDocument/2006/relationships" xmlns:p="http://schemas.openxmlformats.org/presentationml/2006/main">
+  <p:cSld>
+    <p:spTree>
+      <p:nvGrpSpPr>
+        <p:cNvPr id="1" name=""/>
+        <p:cNvGrpSpPr/>
+        <p:nvPr/>
+      </p:nvGrpSpPr>
+      <p:grpSpPr>
+        <a:xfrm>
+          <a:off x="0" y="0"/>
+          <a:ext cx="0" cy="0"/>
+          <a:chOff x="0" y="0"/>
+          <a:chExt cx="0" cy="0"/>
+        </a:xfrm>
+      </p:grpSpPr>
+      <p:sp>
+        <p:nvSpPr>
+          <p:cNvPr id="2" name="Slide Image Placeholder 1"/>
+          <p:cNvSpPr>
+            <a:spLocks noGrp="1" noRot="1" noChangeAspect="1"/>
+          </p:cNvSpPr>
+          <p:nvPr>
+            <p:ph type="sldImg"/>
+          </p:nvPr>
+        </p:nvSpPr>
+        <p:spPr/>
+      </p:sp>
+      <p:sp>
+        <p:nvSpPr>
+          <p:cNvPr id="3" name="Notes Placeholder 2"/>
+          <p:cNvSpPr>
+            <a:spLocks noGrp="1"/>
+          </p:cNvSpPr>
+          <p:nvPr>
+            <p:ph type="body" idx="1"/>
+          </p:nvPr>
+        </p:nvSpPr>
+        <p:spPr/>
+        <p:txBody>
+          <a:bodyPr/>
+          <a:lstStyle/>
+          <a:p>
+            <a:endParaRPr lang="en-US" dirty="0"/>
+          </a:p>
+        </p:txBody>
+      </p:sp>
+      <p:sp>
+        <p:nvSpPr>
+          <p:cNvPr id="4" name="Slide Number Placeholder 3"/>
+          <p:cNvSpPr>
+            <a:spLocks noGrp="1"/>
+          </p:cNvSpPr>
+          <p:nvPr>
+            <p:ph type="sldNum" sz="quarter" idx="5"/>
+          </p:nvPr>
+        </p:nvSpPr>
+        <p:spPr/>
+        <p:txBody>
+          <a:bodyPr/>
+          <a:lstStyle/>
+          <a:p>
+            <a:fld id="{3A99376B-ADBF-4BED-A802-ABAD07EED65B}" type="slidenum">
+              <a:rPr lang="en-US" smtClean="0"/>
+              <a:t>3</a:t>
+            </a:fld>
+            <a:endParaRPr lang="en-US"/>
+          </a:p>
+        </p:txBody>
+      </p:sp>
+    </p:spTree>
+    <p:extLst>
+      <p:ext uri="{BB962C8B-B14F-4D97-AF65-F5344CB8AC3E}">
+        <p14:creationId xmlns:p14="http://schemas.microsoft.com/office/powerpoint/2010/main" val="3575413657"/>
+      </p:ext>
+    </p:extLst>
+  </p:cSld>
+  <p:clrMapOvr>
+    <a:masterClrMapping/>
+  </p:clrMapOvr>
+</p:notes>
+</file>
+
+<file path=ppt/notesSlides/notesSlide2.xml><?xml version="1.0" encoding="utf-8"?>
+<p:notes xmlns:a="http://schemas.openxmlformats.org/drawingml/2006/main" xmlns:r="http://schemas.openxmlformats.org/officeDocument/2006/relationships" xmlns:p="http://schemas.openxmlformats.org/presentationml/2006/main">
+  <p:cSld>
+    <p:spTree>
+      <p:nvGrpSpPr>
+        <p:cNvPr id="1" name=""/>
+        <p:cNvGrpSpPr/>
+        <p:nvPr/>
+      </p:nvGrpSpPr>
+      <p:grpSpPr>
+        <a:xfrm>
+          <a:off x="0" y="0"/>
+          <a:ext cx="0" cy="0"/>
+          <a:chOff x="0" y="0"/>
+          <a:chExt cx="0" cy="0"/>
+        </a:xfrm>
+      </p:grpSpPr>
+      <p:sp>
+        <p:nvSpPr>
+          <p:cNvPr id="2" name="Slide Image Placeholder 1"/>
+          <p:cNvSpPr>
+            <a:spLocks noGrp="1" noRot="1" noChangeAspect="1"/>
+          </p:cNvSpPr>
+          <p:nvPr>
+            <p:ph type="sldImg"/>
+          </p:nvPr>
+        </p:nvSpPr>
+        <p:spPr/>
+        <p:txBody>
+          <a:bodyPr/>
+          <a:lstStyle/>
+          <a:p>
+            <a:endParaRPr lang="en-US"/>
+          </a:p>
+        </p:txBody>
+      </p:sp>
+      <p:sp>
+        <p:nvSpPr>
+          <p:cNvPr id="3" name="Notes Placeholder 2"/>
+          <p:cNvSpPr>
+            <a:spLocks noGrp="1"/>
+          </p:cNvSpPr>
+          <p:nvPr>
+            <p:ph type="body" idx="1"/>
+          </p:nvPr>
+        </p:nvSpPr>
+        <p:spPr/>
+        <p:txBody>
+          <a:bodyPr/>
+          <a:lstStyle/>
+          <a:p>
+            <a:r>
+              <a:rPr lang="en-US" dirty="0"/>
+              <a:t>Model 3: OLS, using observations 2000:01-2025:09 (T = 309)</a:t>
+            </a:r>
+          </a:p>
+          <a:p>
+            <a:r>
+              <a:rPr lang="en-US" dirty="0"/>
+              <a:t>Dependent variable: CAD_USD</a:t>
+            </a:r>
+          </a:p>
+          <a:p>
+            <a:endParaRPr lang="en-US" dirty="0"/>
+          </a:p>
+          <a:p>
+            <a:r>
+              <a:rPr lang="en-US" dirty="0"/>
+              <a:t>             coefficient   std. error    t-ratio    p-value </a:t>
+            </a:r>
+          </a:p>
+          <a:p>
+            <a:r>
+              <a:rPr lang="en-US" dirty="0"/>
+              <a:t>  ----------------------------------------------------------</a:t>
+            </a:r>
+          </a:p>
+          <a:p>
+            <a:r>
+              <a:rPr lang="en-US" dirty="0"/>
+              <a:t>  const       1.36524      0.0250267      54.55    1.07e-159 ***</a:t>
+            </a:r>
+          </a:p>
+          <a:p>
+            <a:r>
+              <a:rPr lang="en-US" dirty="0"/>
+              <a:t>  WTI         0.00151539   0.000100173    15.13    5.46e-039 ***</a:t>
+            </a:r>
+          </a:p>
+          <a:p>
+            <a:r>
+              <a:rPr lang="en-US" dirty="0"/>
+              <a:t>  DX         −0.00699391   0.000221306   −31.60    2.27e-098 ***</a:t>
+            </a:r>
+          </a:p>
+          <a:p>
+            <a:endParaRPr lang="en-US" dirty="0"/>
+          </a:p>
+          <a:p>
+            <a:r>
+              <a:rPr lang="en-US" dirty="0"/>
+              <a:t>Mean dependent var   0.812704   S.D. dependent var   0.111882</a:t>
+            </a:r>
+          </a:p>
+          <a:p>
+            <a:r>
+              <a:rPr lang="en-US" dirty="0"/>
+              <a:t>Sum squared resid    0.370919   S.E. of regression   0.034816</a:t>
+            </a:r>
+          </a:p>
+          <a:p>
+            <a:r>
+              <a:rPr lang="en-US" dirty="0"/>
+              <a:t>R-squared            0.903792   Adjusted R-squared   0.903164</a:t>
+            </a:r>
+          </a:p>
+          <a:p>
+            <a:r>
+              <a:rPr lang="en-US" dirty="0"/>
+              <a:t>F(2, 306)            1437.309   P-value(F)           2.7e-156</a:t>
+            </a:r>
+          </a:p>
+          <a:p>
+            <a:r>
+              <a:rPr lang="en-US" dirty="0"/>
+              <a:t>Log-likelihood       600.5780   Akaike criterion    −1195.156</a:t>
+            </a:r>
+          </a:p>
+          <a:p>
+            <a:r>
+              <a:rPr lang="en-US" dirty="0"/>
+              <a:t>Schwarz criterion   −1183.956   Hannan-Quinn        −1190.678</a:t>
+            </a:r>
+          </a:p>
+          <a:p>
+            <a:r>
+              <a:rPr lang="en-US" dirty="0"/>
+              <a:t>rho                  0.944612   Durbin-Watson        0.118346</a:t>
+            </a:r>
+          </a:p>
+          <a:p>
+            <a:endParaRPr lang="en-US" dirty="0"/>
+          </a:p>
+        </p:txBody>
+      </p:sp>
+      <p:sp>
+        <p:nvSpPr>
+          <p:cNvPr id="4" name="Slide Number Placeholder 3"/>
+          <p:cNvSpPr>
+            <a:spLocks noGrp="1"/>
+          </p:cNvSpPr>
+          <p:nvPr>
+            <p:ph type="sldNum" sz="quarter" idx="5"/>
+          </p:nvPr>
+        </p:nvSpPr>
+        <p:spPr/>
+        <p:txBody>
+          <a:bodyPr/>
+          <a:lstStyle/>
+          <a:p>
+            <a:fld id="{3A99376B-ADBF-4BED-A802-ABAD07EED65B}" type="slidenum">
+              <a:rPr lang="en-US" smtClean="0"/>
+              <a:t>9</a:t>
+            </a:fld>
+            <a:endParaRPr lang="en-US"/>
+          </a:p>
+        </p:txBody>
+      </p:sp>
+    </p:spTree>
+    <p:extLst>
+      <p:ext uri="{BB962C8B-B14F-4D97-AF65-F5344CB8AC3E}">
+        <p14:creationId xmlns:p14="http://schemas.microsoft.com/office/powerpoint/2010/main" val="2062744851"/>
+      </p:ext>
+    </p:extLst>
+  </p:cSld>
+  <p:clrMapOvr>
+    <a:masterClrMapping/>
+  </p:clrMapOvr>
+</p:notes>
+</file>
+
+<file path=ppt/notesSlides/notesSlide3.xml><?xml version="1.0" encoding="utf-8"?>
+<p:notes xmlns:a="http://schemas.openxmlformats.org/drawingml/2006/main" xmlns:r="http://schemas.openxmlformats.org/officeDocument/2006/relationships" xmlns:p="http://schemas.openxmlformats.org/presentationml/2006/main">
+  <p:cSld>
+    <p:spTree>
+      <p:nvGrpSpPr>
+        <p:cNvPr id="1" name="">
+          <a:extLst>
+            <a:ext uri="{FF2B5EF4-FFF2-40B4-BE49-F238E27FC236}">
+              <a16:creationId xmlns:a16="http://schemas.microsoft.com/office/drawing/2014/main" id="{CF3552B2-9955-3B50-56D3-2F2EA9D58556}"/>
+            </a:ext>
+          </a:extLst>
+        </p:cNvPr>
+        <p:cNvGrpSpPr/>
+        <p:nvPr/>
+      </p:nvGrpSpPr>
+      <p:grpSpPr>
+        <a:xfrm>
+          <a:off x="0" y="0"/>
+          <a:ext cx="0" cy="0"/>
+          <a:chOff x="0" y="0"/>
+          <a:chExt cx="0" cy="0"/>
+        </a:xfrm>
+      </p:grpSpPr>
+      <p:sp>
+        <p:nvSpPr>
+          <p:cNvPr id="2" name="Slide Image Placeholder 1">
+            <a:extLst>
+              <a:ext uri="{FF2B5EF4-FFF2-40B4-BE49-F238E27FC236}">
+                <a16:creationId xmlns:a16="http://schemas.microsoft.com/office/drawing/2014/main" id="{3C99E3C1-FA5E-2045-5A2E-97EA5265F86F}"/>
+              </a:ext>
+            </a:extLst>
+          </p:cNvPr>
+          <p:cNvSpPr>
+            <a:spLocks noGrp="1" noRot="1" noChangeAspect="1"/>
+          </p:cNvSpPr>
+          <p:nvPr>
+            <p:ph type="sldImg"/>
+          </p:nvPr>
+        </p:nvSpPr>
+        <p:spPr/>
+        <p:txBody>
+          <a:bodyPr/>
+          <a:lstStyle/>
+          <a:p>
+            <a:endParaRPr lang="en-US"/>
+          </a:p>
+        </p:txBody>
+      </p:sp>
+      <p:sp>
+        <p:nvSpPr>
+          <p:cNvPr id="3" name="Notes Placeholder 2">
+            <a:extLst>
+              <a:ext uri="{FF2B5EF4-FFF2-40B4-BE49-F238E27FC236}">
+                <a16:creationId xmlns:a16="http://schemas.microsoft.com/office/drawing/2014/main" id="{CFC839A8-0C5B-E949-6A2C-B7D78CBD3FE4}"/>
+              </a:ext>
+            </a:extLst>
+          </p:cNvPr>
+          <p:cNvSpPr>
+            <a:spLocks noGrp="1"/>
+          </p:cNvSpPr>
+          <p:nvPr>
+            <p:ph type="body" idx="1"/>
+          </p:nvPr>
+        </p:nvSpPr>
+        <p:spPr/>
+        <p:txBody>
+          <a:bodyPr/>
+          <a:lstStyle/>
+          <a:p>
+            <a:endParaRPr lang="en-US" dirty="0"/>
+          </a:p>
+        </p:txBody>
+      </p:sp>
+      <p:sp>
+        <p:nvSpPr>
+          <p:cNvPr id="4" name="Slide Number Placeholder 3">
+            <a:extLst>
+              <a:ext uri="{FF2B5EF4-FFF2-40B4-BE49-F238E27FC236}">
+                <a16:creationId xmlns:a16="http://schemas.microsoft.com/office/drawing/2014/main" id="{D3DE2C15-815D-3C56-29A7-6481BCF3D17A}"/>
+              </a:ext>
+            </a:extLst>
+          </p:cNvPr>
+          <p:cNvSpPr>
+            <a:spLocks noGrp="1"/>
+          </p:cNvSpPr>
+          <p:nvPr>
+            <p:ph type="sldNum" sz="quarter" idx="5"/>
+          </p:nvPr>
+        </p:nvSpPr>
+        <p:spPr/>
+        <p:txBody>
+          <a:bodyPr/>
+          <a:lstStyle/>
+          <a:p>
+            <a:fld id="{3A99376B-ADBF-4BED-A802-ABAD07EED65B}" type="slidenum">
+              <a:rPr lang="en-US" smtClean="0"/>
+              <a:t>12</a:t>
+            </a:fld>
+            <a:endParaRPr lang="en-US"/>
+          </a:p>
+        </p:txBody>
+      </p:sp>
+    </p:spTree>
+    <p:extLst>
+      <p:ext uri="{BB962C8B-B14F-4D97-AF65-F5344CB8AC3E}">
+        <p14:creationId xmlns:p14="http://schemas.microsoft.com/office/powerpoint/2010/main" val="3951699878"/>
+      </p:ext>
+    </p:extLst>
+  </p:cSld>
+  <p:clrMapOvr>
+    <a:masterClrMapping/>
+  </p:clrMapOvr>
+</p:notes>
+</file>
+
+<file path=ppt/notesSlides/notesSlide4.xml><?xml version="1.0" encoding="utf-8"?>
+<p:notes xmlns:a="http://schemas.openxmlformats.org/drawingml/2006/main" xmlns:r="http://schemas.openxmlformats.org/officeDocument/2006/relationships" xmlns:p="http://schemas.openxmlformats.org/presentationml/2006/main">
+  <p:cSld>
+    <p:spTree>
+      <p:nvGrpSpPr>
+        <p:cNvPr id="1" name=""/>
+        <p:cNvGrpSpPr/>
+        <p:nvPr/>
+      </p:nvGrpSpPr>
+      <p:grpSpPr>
+        <a:xfrm>
+          <a:off x="0" y="0"/>
+          <a:ext cx="0" cy="0"/>
+          <a:chOff x="0" y="0"/>
+          <a:chExt cx="0" cy="0"/>
+        </a:xfrm>
+      </p:grpSpPr>
+      <p:sp>
+        <p:nvSpPr>
+          <p:cNvPr id="2" name="Slide Image Placeholder 1"/>
+          <p:cNvSpPr>
+            <a:spLocks noGrp="1" noRot="1" noChangeAspect="1"/>
+          </p:cNvSpPr>
+          <p:nvPr>
+            <p:ph type="sldImg"/>
+          </p:nvPr>
+        </p:nvSpPr>
+        <p:spPr/>
+        <p:txBody>
+          <a:bodyPr/>
+          <a:lstStyle/>
+          <a:p>
+            <a:endParaRPr lang="en-US"/>
+          </a:p>
+        </p:txBody>
+      </p:sp>
+      <p:sp>
+        <p:nvSpPr>
+          <p:cNvPr id="3" name="Notes Placeholder 2"/>
+          <p:cNvSpPr>
+            <a:spLocks noGrp="1"/>
+          </p:cNvSpPr>
+          <p:nvPr>
+            <p:ph type="body" idx="1"/>
+          </p:nvPr>
+        </p:nvSpPr>
+        <p:spPr/>
+        <p:txBody>
+          <a:bodyPr/>
+          <a:lstStyle/>
+          <a:p>
+            <a:endParaRPr lang="en-US" dirty="0"/>
+          </a:p>
+        </p:txBody>
+      </p:sp>
+      <p:sp>
+        <p:nvSpPr>
+          <p:cNvPr id="4" name="Slide Number Placeholder 3"/>
+          <p:cNvSpPr>
+            <a:spLocks noGrp="1"/>
+          </p:cNvSpPr>
+          <p:nvPr>
+            <p:ph type="sldNum" sz="quarter" idx="5"/>
+          </p:nvPr>
+        </p:nvSpPr>
+        <p:spPr/>
+        <p:txBody>
+          <a:bodyPr/>
+          <a:lstStyle/>
+          <a:p>
+            <a:fld id="{3A99376B-ADBF-4BED-A802-ABAD07EED65B}" type="slidenum">
+              <a:rPr lang="en-US" smtClean="0"/>
+              <a:t>14</a:t>
+            </a:fld>
+            <a:endParaRPr lang="en-US"/>
+          </a:p>
+        </p:txBody>
+      </p:sp>
+    </p:spTree>
+    <p:extLst>
+      <p:ext uri="{BB962C8B-B14F-4D97-AF65-F5344CB8AC3E}">
+        <p14:creationId xmlns:p14="http://schemas.microsoft.com/office/powerpoint/2010/main" val="3856974292"/>
+      </p:ext>
+    </p:extLst>
+  </p:cSld>
+  <p:clrMapOvr>
+    <a:masterClrMapping/>
+  </p:clrMapOvr>
+</p:notes>
+</file>
+
+<file path=ppt/notesSlides/notesSlide5.xml><?xml version="1.0" encoding="utf-8"?>
+<p:notes xmlns:a="http://schemas.openxmlformats.org/drawingml/2006/main" xmlns:r="http://schemas.openxmlformats.org/officeDocument/2006/relationships" xmlns:p="http://schemas.openxmlformats.org/presentationml/2006/main">
+  <p:cSld>
+    <p:spTree>
+      <p:nvGrpSpPr>
+        <p:cNvPr id="1" name=""/>
+        <p:cNvGrpSpPr/>
+        <p:nvPr/>
+      </p:nvGrpSpPr>
+      <p:grpSpPr>
+        <a:xfrm>
+          <a:off x="0" y="0"/>
+          <a:ext cx="0" cy="0"/>
+          <a:chOff x="0" y="0"/>
+          <a:chExt cx="0" cy="0"/>
+        </a:xfrm>
+      </p:grpSpPr>
+      <p:sp>
+        <p:nvSpPr>
+          <p:cNvPr id="2" name="Slide Image Placeholder 1"/>
+          <p:cNvSpPr>
+            <a:spLocks noGrp="1" noRot="1" noChangeAspect="1"/>
+          </p:cNvSpPr>
+          <p:nvPr>
+            <p:ph type="sldImg"/>
+          </p:nvPr>
+        </p:nvSpPr>
+        <p:spPr/>
+        <p:txBody>
+          <a:bodyPr/>
+          <a:lstStyle/>
+          <a:p>
+            <a:endParaRPr lang="en-US"/>
+          </a:p>
+        </p:txBody>
+      </p:sp>
+      <p:sp>
+        <p:nvSpPr>
+          <p:cNvPr id="3" name="Notes Placeholder 2"/>
+          <p:cNvSpPr>
+            <a:spLocks noGrp="1"/>
+          </p:cNvSpPr>
+          <p:nvPr>
+            <p:ph type="body" idx="1"/>
+          </p:nvPr>
+        </p:nvSpPr>
+        <p:spPr/>
+        <p:txBody>
+          <a:bodyPr/>
+          <a:lstStyle/>
+          <a:p>
+            <a:r>
+              <a:rPr lang="en-US" dirty="0"/>
+              <a:t>EIA</a:t>
+            </a:r>
+          </a:p>
+        </p:txBody>
+      </p:sp>
+      <p:sp>
+        <p:nvSpPr>
+          <p:cNvPr id="4" name="Slide Number Placeholder 3"/>
+          <p:cNvSpPr>
+            <a:spLocks noGrp="1"/>
+          </p:cNvSpPr>
+          <p:nvPr>
+            <p:ph type="sldNum" sz="quarter" idx="5"/>
+          </p:nvPr>
+        </p:nvSpPr>
+        <p:spPr/>
+        <p:txBody>
+          <a:bodyPr/>
+          <a:lstStyle/>
+          <a:p>
+            <a:fld id="{3A99376B-ADBF-4BED-A802-ABAD07EED65B}" type="slidenum">
+              <a:rPr lang="en-US" smtClean="0"/>
+              <a:t>15</a:t>
+            </a:fld>
+            <a:endParaRPr lang="en-US"/>
+          </a:p>
+        </p:txBody>
+      </p:sp>
+    </p:spTree>
+    <p:extLst>
+      <p:ext uri="{BB962C8B-B14F-4D97-AF65-F5344CB8AC3E}">
+        <p14:creationId xmlns:p14="http://schemas.microsoft.com/office/powerpoint/2010/main" val="3691587558"/>
+      </p:ext>
+    </p:extLst>
+  </p:cSld>
+  <p:clrMapOvr>
+    <a:masterClrMapping/>
+  </p:clrMapOvr>
+</p:notes>
+</file>
+
+<file path=ppt/notesSlides/notesSlide6.xml><?xml version="1.0" encoding="utf-8"?>
+<p:notes xmlns:a="http://schemas.openxmlformats.org/drawingml/2006/main" xmlns:r="http://schemas.openxmlformats.org/officeDocument/2006/relationships" xmlns:p="http://schemas.openxmlformats.org/presentationml/2006/main">
+  <p:cSld>
+    <p:spTree>
+      <p:nvGrpSpPr>
+        <p:cNvPr id="1" name=""/>
+        <p:cNvGrpSpPr/>
+        <p:nvPr/>
+      </p:nvGrpSpPr>
+      <p:grpSpPr>
+        <a:xfrm>
+          <a:off x="0" y="0"/>
+          <a:ext cx="0" cy="0"/>
+          <a:chOff x="0" y="0"/>
+          <a:chExt cx="0" cy="0"/>
+        </a:xfrm>
+      </p:grpSpPr>
+      <p:sp>
+        <p:nvSpPr>
+          <p:cNvPr id="2" name="Slide Image Placeholder 1"/>
+          <p:cNvSpPr>
+            <a:spLocks noGrp="1" noRot="1" noChangeAspect="1"/>
+          </p:cNvSpPr>
+          <p:nvPr>
+            <p:ph type="sldImg"/>
+          </p:nvPr>
+        </p:nvSpPr>
+        <p:spPr/>
+      </p:sp>
+      <p:sp>
+        <p:nvSpPr>
+          <p:cNvPr id="3" name="Notes Placeholder 2"/>
+          <p:cNvSpPr>
+            <a:spLocks noGrp="1"/>
+          </p:cNvSpPr>
+          <p:nvPr>
+            <p:ph type="body" idx="1"/>
+          </p:nvPr>
+        </p:nvSpPr>
+        <p:spPr/>
+        <p:txBody>
+          <a:bodyPr/>
+          <a:lstStyle/>
+          <a:p>
+            <a:r>
+              <a:rPr lang="en-US" dirty="0"/>
+              <a:t>2025:09                    0.7257</a:t>
+            </a:r>
+          </a:p>
+          <a:p>
+            <a:r>
+              <a:rPr lang="en-US" dirty="0"/>
+              <a:t>2026:09                    0.7270       0.0504       0.6441 -   0.8099</a:t>
+            </a:r>
+          </a:p>
+          <a:p>
+            <a:endParaRPr lang="en-US" dirty="0"/>
+          </a:p>
+        </p:txBody>
+      </p:sp>
+      <p:sp>
+        <p:nvSpPr>
+          <p:cNvPr id="4" name="Slide Number Placeholder 3"/>
+          <p:cNvSpPr>
+            <a:spLocks noGrp="1"/>
+          </p:cNvSpPr>
+          <p:nvPr>
+            <p:ph type="sldNum" sz="quarter" idx="5"/>
+          </p:nvPr>
+        </p:nvSpPr>
+        <p:spPr/>
+        <p:txBody>
+          <a:bodyPr/>
+          <a:lstStyle/>
+          <a:p>
+            <a:fld id="{3A99376B-ADBF-4BED-A802-ABAD07EED65B}" type="slidenum">
+              <a:rPr lang="en-US" smtClean="0"/>
+              <a:t>20</a:t>
+            </a:fld>
+            <a:endParaRPr lang="en-US"/>
+          </a:p>
+        </p:txBody>
+      </p:sp>
+    </p:spTree>
+    <p:extLst>
+      <p:ext uri="{BB962C8B-B14F-4D97-AF65-F5344CB8AC3E}">
+        <p14:creationId xmlns:p14="http://schemas.microsoft.com/office/powerpoint/2010/main" val="3242751265"/>
+      </p:ext>
+    </p:extLst>
+  </p:cSld>
+  <p:clrMapOvr>
+    <a:masterClrMapping/>
+  </p:clrMapOvr>
+</p:notes>
+</file>
+
+<file path=ppt/notesSlides/notesSlide7.xml><?xml version="1.0" encoding="utf-8"?>
+<p:notes xmlns:a="http://schemas.openxmlformats.org/drawingml/2006/main" xmlns:r="http://schemas.openxmlformats.org/officeDocument/2006/relationships" xmlns:p="http://schemas.openxmlformats.org/presentationml/2006/main">
+  <p:cSld>
+    <p:spTree>
+      <p:nvGrpSpPr>
+        <p:cNvPr id="1" name=""/>
+        <p:cNvGrpSpPr/>
+        <p:nvPr/>
+      </p:nvGrpSpPr>
+      <p:grpSpPr>
+        <a:xfrm>
+          <a:off x="0" y="0"/>
+          <a:ext cx="0" cy="0"/>
+          <a:chOff x="0" y="0"/>
+          <a:chExt cx="0" cy="0"/>
+        </a:xfrm>
+      </p:grpSpPr>
+      <p:sp>
+        <p:nvSpPr>
+          <p:cNvPr id="2" name="Slide Image Placeholder 1"/>
+          <p:cNvSpPr>
+            <a:spLocks noGrp="1" noRot="1" noChangeAspect="1"/>
+          </p:cNvSpPr>
+          <p:nvPr>
+            <p:ph type="sldImg"/>
+          </p:nvPr>
+        </p:nvSpPr>
+        <p:spPr/>
+      </p:sp>
+      <p:sp>
+        <p:nvSpPr>
+          <p:cNvPr id="3" name="Notes Placeholder 2"/>
+          <p:cNvSpPr>
+            <a:spLocks noGrp="1"/>
+          </p:cNvSpPr>
+          <p:nvPr>
+            <p:ph type="body" idx="1"/>
+          </p:nvPr>
+        </p:nvSpPr>
+        <p:spPr/>
+        <p:txBody>
+          <a:bodyPr/>
+          <a:lstStyle/>
+          <a:p>
+            <a:r>
+              <a:rPr lang="en-US" dirty="0"/>
+              <a:t>2025:09       0.7257</a:t>
+            </a:r>
+          </a:p>
+          <a:p>
+            <a:r>
+              <a:rPr lang="en-US" dirty="0"/>
+              <a:t>2026:09       0.6804       0.0130       0.6586 -   0.7022</a:t>
+            </a:r>
+          </a:p>
+        </p:txBody>
+      </p:sp>
+      <p:sp>
+        <p:nvSpPr>
+          <p:cNvPr id="4" name="Slide Number Placeholder 3"/>
+          <p:cNvSpPr>
+            <a:spLocks noGrp="1"/>
+          </p:cNvSpPr>
+          <p:nvPr>
+            <p:ph type="sldNum" sz="quarter" idx="5"/>
+          </p:nvPr>
+        </p:nvSpPr>
+        <p:spPr/>
+        <p:txBody>
+          <a:bodyPr/>
+          <a:lstStyle/>
+          <a:p>
+            <a:fld id="{3A99376B-ADBF-4BED-A802-ABAD07EED65B}" type="slidenum">
+              <a:rPr lang="en-US" smtClean="0"/>
+              <a:t>22</a:t>
+            </a:fld>
+            <a:endParaRPr lang="en-US"/>
+          </a:p>
+        </p:txBody>
+      </p:sp>
+    </p:spTree>
+    <p:extLst>
+      <p:ext uri="{BB962C8B-B14F-4D97-AF65-F5344CB8AC3E}">
+        <p14:creationId xmlns:p14="http://schemas.microsoft.com/office/powerpoint/2010/main" val="1421688694"/>
+      </p:ext>
+    </p:extLst>
+  </p:cSld>
+  <p:clrMapOvr>
+    <a:masterClrMapping/>
+  </p:clrMapOvr>
+</p:notes>
 </file>
 
 <file path=ppt/slideLayouts/slideLayout1.xml><?xml version="1.0" encoding="utf-8"?>
@@ -250,7 +1372,7 @@
           <a:p>
             <a:fld id="{3BBA5F19-0A58-430F-853A-2A12FA5EF2AB}" type="datetimeFigureOut">
               <a:rPr lang="en-US" smtClean="0"/>
-              <a:t>9/18/2025</a:t>
+              <a:t>2025-09-27</a:t>
             </a:fld>
             <a:endParaRPr lang="en-US"/>
           </a:p>
@@ -420,7 +1542,7 @@
           <a:p>
             <a:fld id="{3BBA5F19-0A58-430F-853A-2A12FA5EF2AB}" type="datetimeFigureOut">
               <a:rPr lang="en-US" smtClean="0"/>
-              <a:t>9/18/2025</a:t>
+              <a:t>2025-09-27</a:t>
             </a:fld>
             <a:endParaRPr lang="en-US"/>
           </a:p>
@@ -600,7 +1722,7 @@
           <a:p>
             <a:fld id="{3BBA5F19-0A58-430F-853A-2A12FA5EF2AB}" type="datetimeFigureOut">
               <a:rPr lang="en-US" smtClean="0"/>
-              <a:t>9/18/2025</a:t>
+              <a:t>2025-09-27</a:t>
             </a:fld>
             <a:endParaRPr lang="en-US"/>
           </a:p>
@@ -770,7 +1892,7 @@
           <a:p>
             <a:fld id="{3BBA5F19-0A58-430F-853A-2A12FA5EF2AB}" type="datetimeFigureOut">
               <a:rPr lang="en-US" smtClean="0"/>
-              <a:t>9/18/2025</a:t>
+              <a:t>2025-09-27</a:t>
             </a:fld>
             <a:endParaRPr lang="en-US"/>
           </a:p>
@@ -1016,7 +2138,7 @@
           <a:p>
             <a:fld id="{3BBA5F19-0A58-430F-853A-2A12FA5EF2AB}" type="datetimeFigureOut">
               <a:rPr lang="en-US" smtClean="0"/>
-              <a:t>9/18/2025</a:t>
+              <a:t>2025-09-27</a:t>
             </a:fld>
             <a:endParaRPr lang="en-US"/>
           </a:p>
@@ -1248,7 +2370,7 @@
           <a:p>
             <a:fld id="{3BBA5F19-0A58-430F-853A-2A12FA5EF2AB}" type="datetimeFigureOut">
               <a:rPr lang="en-US" smtClean="0"/>
-              <a:t>9/18/2025</a:t>
+              <a:t>2025-09-27</a:t>
             </a:fld>
             <a:endParaRPr lang="en-US"/>
           </a:p>
@@ -1615,7 +2737,7 @@
           <a:p>
             <a:fld id="{3BBA5F19-0A58-430F-853A-2A12FA5EF2AB}" type="datetimeFigureOut">
               <a:rPr lang="en-US" smtClean="0"/>
-              <a:t>9/18/2025</a:t>
+              <a:t>2025-09-27</a:t>
             </a:fld>
             <a:endParaRPr lang="en-US"/>
           </a:p>
@@ -1733,7 +2855,7 @@
           <a:p>
             <a:fld id="{3BBA5F19-0A58-430F-853A-2A12FA5EF2AB}" type="datetimeFigureOut">
               <a:rPr lang="en-US" smtClean="0"/>
-              <a:t>9/18/2025</a:t>
+              <a:t>2025-09-27</a:t>
             </a:fld>
             <a:endParaRPr lang="en-US"/>
           </a:p>
@@ -1828,7 +2950,7 @@
           <a:p>
             <a:fld id="{3BBA5F19-0A58-430F-853A-2A12FA5EF2AB}" type="datetimeFigureOut">
               <a:rPr lang="en-US" smtClean="0"/>
-              <a:t>9/18/2025</a:t>
+              <a:t>2025-09-27</a:t>
             </a:fld>
             <a:endParaRPr lang="en-US"/>
           </a:p>
@@ -2105,7 +3227,7 @@
           <a:p>
             <a:fld id="{3BBA5F19-0A58-430F-853A-2A12FA5EF2AB}" type="datetimeFigureOut">
               <a:rPr lang="en-US" smtClean="0"/>
-              <a:t>9/18/2025</a:t>
+              <a:t>2025-09-27</a:t>
             </a:fld>
             <a:endParaRPr lang="en-US"/>
           </a:p>
@@ -2362,7 +3484,7 @@
           <a:p>
             <a:fld id="{3BBA5F19-0A58-430F-853A-2A12FA5EF2AB}" type="datetimeFigureOut">
               <a:rPr lang="en-US" smtClean="0"/>
-              <a:t>9/18/2025</a:t>
+              <a:t>2025-09-27</a:t>
             </a:fld>
             <a:endParaRPr lang="en-US"/>
           </a:p>
@@ -2575,7 +3697,7 @@
           <a:p>
             <a:fld id="{3BBA5F19-0A58-430F-853A-2A12FA5EF2AB}" type="datetimeFigureOut">
               <a:rPr lang="en-US" smtClean="0"/>
-              <a:t>9/18/2025</a:t>
+              <a:t>2025-09-27</a:t>
             </a:fld>
             <a:endParaRPr lang="en-US"/>
           </a:p>
@@ -3031,13 +4153,14 @@
           <a:p>
             <a:r>
               <a:rPr lang="en-US" dirty="0"/>
-              <a:t>Mahdi </a:t>
-            </a:r>
-            <a:r>
-              <a:rPr lang="en-US" dirty="0" err="1"/>
-              <a:t>Ghafarian</a:t>
-            </a:r>
-            <a:endParaRPr lang="en-US" dirty="0"/>
+              <a:t>Borderland Co-op</a:t>
+            </a:r>
+          </a:p>
+          <a:p>
+            <a:r>
+              <a:rPr lang="en-US" dirty="0"/>
+              <a:t>Mahdi Ghafarian</a:t>
+            </a:r>
           </a:p>
           <a:p>
             <a:r>
@@ -3079,10 +4202,10 @@
       </p:grpSpPr>
       <p:sp>
         <p:nvSpPr>
-          <p:cNvPr id="2" name="Title 1">
+          <p:cNvPr id="4" name="Title 3">
             <a:extLst>
               <a:ext uri="{FF2B5EF4-FFF2-40B4-BE49-F238E27FC236}">
-                <a16:creationId xmlns:a16="http://schemas.microsoft.com/office/drawing/2014/main" id="{B73EEAF9-790E-C2D2-DF39-01B0B7BF37FA}"/>
+                <a16:creationId xmlns:a16="http://schemas.microsoft.com/office/drawing/2014/main" id="{EEC66F14-1159-A4C7-BF27-3956C76B429A}"/>
               </a:ext>
             </a:extLst>
           </p:cNvPr>
@@ -3100,17 +4223,17 @@
           <a:p>
             <a:r>
               <a:rPr lang="en-US" dirty="0"/>
-              <a:t>Multiple Linear Regression</a:t>
-            </a:r>
-          </a:p>
-        </p:txBody>
-      </p:sp>
-      <p:sp>
-        <p:nvSpPr>
-          <p:cNvPr id="3" name="Content Placeholder 2">
+              <a:t>Global Economy</a:t>
+            </a:r>
+          </a:p>
+        </p:txBody>
+      </p:sp>
+      <p:sp>
+        <p:nvSpPr>
+          <p:cNvPr id="5" name="Text Placeholder 4">
             <a:extLst>
               <a:ext uri="{FF2B5EF4-FFF2-40B4-BE49-F238E27FC236}">
-                <a16:creationId xmlns:a16="http://schemas.microsoft.com/office/drawing/2014/main" id="{4B6A75FB-9C50-1109-77CF-3AC8B2B8DFA0}"/>
+                <a16:creationId xmlns:a16="http://schemas.microsoft.com/office/drawing/2014/main" id="{7BB505BA-23C5-4351-C416-4482B74C6CBB}"/>
               </a:ext>
             </a:extLst>
           </p:cNvPr>
@@ -3118,7 +4241,7 @@
             <a:spLocks noGrp="1"/>
           </p:cNvSpPr>
           <p:nvPr>
-            <p:ph idx="1"/>
+            <p:ph type="body" idx="1"/>
           </p:nvPr>
         </p:nvSpPr>
         <p:spPr/>
@@ -3133,7 +4256,7 @@
     </p:spTree>
     <p:extLst>
       <p:ext uri="{BB962C8B-B14F-4D97-AF65-F5344CB8AC3E}">
-        <p14:creationId xmlns:p14="http://schemas.microsoft.com/office/powerpoint/2010/main" val="1224458236"/>
+        <p14:creationId xmlns:p14="http://schemas.microsoft.com/office/powerpoint/2010/main" val="814161276"/>
       </p:ext>
     </p:extLst>
   </p:cSld>
@@ -3165,7 +4288,7 @@
           <p:cNvPr id="4" name="Title 3">
             <a:extLst>
               <a:ext uri="{FF2B5EF4-FFF2-40B4-BE49-F238E27FC236}">
-                <a16:creationId xmlns:a16="http://schemas.microsoft.com/office/drawing/2014/main" id="{4FF18EBA-7DD1-30BA-4B7E-34765F9AB4FE}"/>
+                <a16:creationId xmlns:a16="http://schemas.microsoft.com/office/drawing/2014/main" id="{9FB5C929-75BC-5937-28E4-E5E15193C995}"/>
               </a:ext>
             </a:extLst>
           </p:cNvPr>
@@ -3183,17 +4306,17 @@
           <a:p>
             <a:r>
               <a:rPr lang="en-US" dirty="0"/>
-              <a:t>4. Conclusion</a:t>
-            </a:r>
-          </a:p>
-        </p:txBody>
-      </p:sp>
-      <p:sp>
-        <p:nvSpPr>
-          <p:cNvPr id="5" name="Text Placeholder 4">
+              <a:t>Global Growth is Slowing</a:t>
+            </a:r>
+          </a:p>
+        </p:txBody>
+      </p:sp>
+      <p:sp>
+        <p:nvSpPr>
+          <p:cNvPr id="5" name="Content Placeholder 4">
             <a:extLst>
               <a:ext uri="{FF2B5EF4-FFF2-40B4-BE49-F238E27FC236}">
-                <a16:creationId xmlns:a16="http://schemas.microsoft.com/office/drawing/2014/main" id="{5AAFB37F-7286-C4CB-7C8E-DC3FC176993D}"/>
+                <a16:creationId xmlns:a16="http://schemas.microsoft.com/office/drawing/2014/main" id="{11C9B9A9-D2F2-707B-DBE6-E42304084A5F}"/>
               </a:ext>
             </a:extLst>
           </p:cNvPr>
@@ -3201,22 +4324,161 @@
             <a:spLocks noGrp="1"/>
           </p:cNvSpPr>
           <p:nvPr>
-            <p:ph type="body" idx="1"/>
-          </p:nvPr>
-        </p:nvSpPr>
-        <p:spPr/>
-        <p:txBody>
-          <a:bodyPr/>
-          <a:lstStyle/>
-          <a:p>
-            <a:endParaRPr lang="en-US"/>
+            <p:ph sz="half" idx="1"/>
+          </p:nvPr>
+        </p:nvSpPr>
+        <p:spPr/>
+        <p:txBody>
+          <a:bodyPr>
+            <a:normAutofit fontScale="85000" lnSpcReduction="20000"/>
+          </a:bodyPr>
+          <a:lstStyle/>
+          <a:p>
+            <a:r>
+              <a:rPr lang="en-US" b="1" dirty="0"/>
+              <a:t>2025 – Uncertainty in Global Policy</a:t>
+            </a:r>
+            <a:endParaRPr lang="en-US" dirty="0"/>
+          </a:p>
+          <a:p>
+            <a:pPr lvl="1"/>
+            <a:r>
+              <a:rPr lang="en-US" dirty="0"/>
+              <a:t>Global growth is slowing due to a substantial rise in trade barriers and the pervasive effects of an uncertain global policy environment. </a:t>
+            </a:r>
+          </a:p>
+          <a:p>
+            <a:pPr lvl="1"/>
+            <a:r>
+              <a:rPr lang="en-US" dirty="0"/>
+              <a:t> </a:t>
+            </a:r>
+            <a:r>
+              <a:rPr lang="en-US" b="1" dirty="0"/>
+              <a:t>Growth </a:t>
+            </a:r>
+            <a:r>
+              <a:rPr lang="en-US" dirty="0"/>
+              <a:t>is expected to weaken to 2.3 percent in 2025, with deceleration in most economies relative to last year. This would mark the </a:t>
+            </a:r>
+            <a:r>
+              <a:rPr lang="en-US" b="1" dirty="0"/>
+              <a:t>slowest rate of global growth since 2008</a:t>
+            </a:r>
+            <a:r>
+              <a:rPr lang="en-US" dirty="0"/>
+              <a:t>, aside from outright global recessions.</a:t>
+            </a:r>
+          </a:p>
+          <a:p>
+            <a:r>
+              <a:rPr lang="en-US" dirty="0"/>
+              <a:t> </a:t>
+            </a:r>
+            <a:r>
+              <a:rPr lang="en-US" b="1" dirty="0"/>
+              <a:t>2026-2027 – Moderate Growth</a:t>
+            </a:r>
+            <a:endParaRPr lang="en-US" dirty="0"/>
+          </a:p>
+          <a:p>
+            <a:pPr lvl="1"/>
+            <a:r>
+              <a:rPr lang="en-US" dirty="0"/>
+              <a:t>In 2026-27, a tepid recovery is expected.</a:t>
+            </a:r>
+          </a:p>
+          <a:p>
+            <a:pPr lvl="1"/>
+            <a:r>
+              <a:rPr lang="en-US" dirty="0"/>
+              <a:t> The outlook largely hinges on the evolution of trade policy globally.</a:t>
+            </a:r>
+          </a:p>
+          <a:p>
+            <a:endParaRPr lang="en-US" dirty="0"/>
+          </a:p>
+        </p:txBody>
+      </p:sp>
+      <p:pic>
+        <p:nvPicPr>
+          <p:cNvPr id="8" name="Content Placeholder 7">
+            <a:extLst>
+              <a:ext uri="{FF2B5EF4-FFF2-40B4-BE49-F238E27FC236}">
+                <a16:creationId xmlns:a16="http://schemas.microsoft.com/office/drawing/2014/main" id="{7A42C477-F858-0156-8741-9D4D25FEBF39}"/>
+              </a:ext>
+            </a:extLst>
+          </p:cNvPr>
+          <p:cNvPicPr>
+            <a:picLocks noGrp="1" noChangeAspect="1"/>
+          </p:cNvPicPr>
+          <p:nvPr>
+            <p:ph sz="half" idx="2"/>
+          </p:nvPr>
+        </p:nvPicPr>
+        <p:blipFill>
+          <a:blip r:embed="rId2"/>
+          <a:stretch>
+            <a:fillRect/>
+          </a:stretch>
+        </p:blipFill>
+        <p:spPr>
+          <a:xfrm>
+            <a:off x="6172200" y="3180606"/>
+            <a:ext cx="5181600" cy="1641376"/>
+          </a:xfrm>
+          <a:prstGeom prst="rect">
+            <a:avLst/>
+          </a:prstGeom>
+        </p:spPr>
+      </p:pic>
+      <p:sp>
+        <p:nvSpPr>
+          <p:cNvPr id="10" name="TextBox 9">
+            <a:extLst>
+              <a:ext uri="{FF2B5EF4-FFF2-40B4-BE49-F238E27FC236}">
+                <a16:creationId xmlns:a16="http://schemas.microsoft.com/office/drawing/2014/main" id="{238EE25C-4E0B-8292-D94F-301AB155ADB7}"/>
+              </a:ext>
+            </a:extLst>
+          </p:cNvPr>
+          <p:cNvSpPr txBox="1"/>
+          <p:nvPr/>
+        </p:nvSpPr>
+        <p:spPr>
+          <a:xfrm>
+            <a:off x="0" y="6475714"/>
+            <a:ext cx="12192000" cy="369332"/>
+          </a:xfrm>
+          <a:prstGeom prst="rect">
+            <a:avLst/>
+          </a:prstGeom>
+          <a:noFill/>
+        </p:spPr>
+        <p:txBody>
+          <a:bodyPr wrap="square" rtlCol="0">
+            <a:spAutoFit/>
+          </a:bodyPr>
+          <a:lstStyle/>
+          <a:p>
+            <a:pPr algn="ctr"/>
+            <a:r>
+              <a:rPr lang="en-US" dirty="0"/>
+              <a:t>Reference: </a:t>
+            </a:r>
+            <a:r>
+              <a:rPr lang="en-US" dirty="0">
+                <a:hlinkClick r:id="rId3"/>
+              </a:rPr>
+              <a:t>World Bank (June 2025), Global Economic Prospects</a:t>
+            </a:r>
+            <a:endParaRPr lang="en-US" dirty="0"/>
           </a:p>
         </p:txBody>
       </p:sp>
     </p:spTree>
     <p:extLst>
       <p:ext uri="{BB962C8B-B14F-4D97-AF65-F5344CB8AC3E}">
-        <p14:creationId xmlns:p14="http://schemas.microsoft.com/office/powerpoint/2010/main" val="534897782"/>
+        <p14:creationId xmlns:p14="http://schemas.microsoft.com/office/powerpoint/2010/main" val="1405742001"/>
       </p:ext>
     </p:extLst>
   </p:cSld>
@@ -3231,7 +4493,13 @@
   <p:cSld>
     <p:spTree>
       <p:nvGrpSpPr>
-        <p:cNvPr id="1" name=""/>
+        <p:cNvPr id="1" name="">
+          <a:extLst>
+            <a:ext uri="{FF2B5EF4-FFF2-40B4-BE49-F238E27FC236}">
+              <a16:creationId xmlns:a16="http://schemas.microsoft.com/office/drawing/2014/main" id="{63EFB464-95A5-B290-5C58-C5687482282C}"/>
+            </a:ext>
+          </a:extLst>
+        </p:cNvPr>
         <p:cNvGrpSpPr/>
         <p:nvPr/>
       </p:nvGrpSpPr>
@@ -3245,10 +4513,10 @@
       </p:grpSpPr>
       <p:sp>
         <p:nvSpPr>
-          <p:cNvPr id="2" name="Title 1">
+          <p:cNvPr id="9" name="Title 8">
             <a:extLst>
               <a:ext uri="{FF2B5EF4-FFF2-40B4-BE49-F238E27FC236}">
-                <a16:creationId xmlns:a16="http://schemas.microsoft.com/office/drawing/2014/main" id="{CB1EB0A6-B792-8A52-262B-6C773A3EC835}"/>
+                <a16:creationId xmlns:a16="http://schemas.microsoft.com/office/drawing/2014/main" id="{B31AD901-9609-CD6C-A307-58BDFE453E97}"/>
               </a:ext>
             </a:extLst>
           </p:cNvPr>
@@ -3266,124 +4534,122 @@
           <a:p>
             <a:r>
               <a:rPr lang="en-US" dirty="0"/>
-              <a:t>Recap and Outlook</a:t>
-            </a:r>
-          </a:p>
-        </p:txBody>
-      </p:sp>
-      <p:sp>
-        <p:nvSpPr>
-          <p:cNvPr id="3" name="Content Placeholder 2">
+              <a:t>Slowing Economy in 2025-2026</a:t>
+            </a:r>
+          </a:p>
+        </p:txBody>
+      </p:sp>
+      <p:pic>
+        <p:nvPicPr>
+          <p:cNvPr id="10" name="Content Placeholder 9">
             <a:extLst>
               <a:ext uri="{FF2B5EF4-FFF2-40B4-BE49-F238E27FC236}">
-                <a16:creationId xmlns:a16="http://schemas.microsoft.com/office/drawing/2014/main" id="{D4AEE535-FE96-EBFA-5AA7-E831A13D6D76}"/>
+                <a16:creationId xmlns:a16="http://schemas.microsoft.com/office/drawing/2014/main" id="{E160079D-1C22-8A4D-9391-70EE7577A55F}"/>
               </a:ext>
             </a:extLst>
           </p:cNvPr>
-          <p:cNvSpPr>
-            <a:spLocks noGrp="1"/>
-          </p:cNvSpPr>
-          <p:nvPr>
-            <p:ph idx="1"/>
-          </p:nvPr>
-        </p:nvSpPr>
-        <p:spPr/>
-        <p:txBody>
-          <a:bodyPr/>
-          <a:lstStyle/>
-          <a:p>
-            <a:r>
-              <a:rPr lang="en-US" b="1" dirty="0"/>
-              <a:t>Assumptions</a:t>
-            </a:r>
-          </a:p>
-          <a:p>
-            <a:pPr marL="914400" lvl="1" indent="-457200">
-              <a:buFont typeface="+mj-lt"/>
-              <a:buAutoNum type="arabicPeriod"/>
-            </a:pPr>
+          <p:cNvPicPr>
+            <a:picLocks noGrp="1" noChangeAspect="1"/>
+          </p:cNvPicPr>
+          <p:nvPr>
+            <p:ph sz="half" idx="1"/>
+          </p:nvPr>
+        </p:nvPicPr>
+        <p:blipFill>
+          <a:blip r:embed="rId3"/>
+          <a:stretch>
+            <a:fillRect/>
+          </a:stretch>
+        </p:blipFill>
+        <p:spPr>
+          <a:xfrm>
+            <a:off x="914182" y="2054215"/>
+            <a:ext cx="5029636" cy="3894157"/>
+          </a:xfrm>
+          <a:prstGeom prst="rect">
+            <a:avLst/>
+          </a:prstGeom>
+        </p:spPr>
+      </p:pic>
+      <p:pic>
+        <p:nvPicPr>
+          <p:cNvPr id="12" name="Content Placeholder 11">
+            <a:extLst>
+              <a:ext uri="{FF2B5EF4-FFF2-40B4-BE49-F238E27FC236}">
+                <a16:creationId xmlns:a16="http://schemas.microsoft.com/office/drawing/2014/main" id="{75A1C3D1-BE5D-5179-2221-D0A7D6545FB2}"/>
+              </a:ext>
+            </a:extLst>
+          </p:cNvPr>
+          <p:cNvPicPr>
+            <a:picLocks noGrp="1" noChangeAspect="1"/>
+          </p:cNvPicPr>
+          <p:nvPr>
+            <p:ph sz="half" idx="2"/>
+          </p:nvPr>
+        </p:nvPicPr>
+        <p:blipFill>
+          <a:blip r:embed="rId4"/>
+          <a:stretch>
+            <a:fillRect/>
+          </a:stretch>
+        </p:blipFill>
+        <p:spPr>
+          <a:xfrm>
+            <a:off x="6172200" y="2064482"/>
+            <a:ext cx="5181600" cy="3873623"/>
+          </a:xfrm>
+          <a:prstGeom prst="rect">
+            <a:avLst/>
+          </a:prstGeom>
+        </p:spPr>
+      </p:pic>
+      <p:sp>
+        <p:nvSpPr>
+          <p:cNvPr id="6" name="TextBox 5">
+            <a:extLst>
+              <a:ext uri="{FF2B5EF4-FFF2-40B4-BE49-F238E27FC236}">
+                <a16:creationId xmlns:a16="http://schemas.microsoft.com/office/drawing/2014/main" id="{0F6567E1-392B-2AFA-EBC2-6030CC091DA0}"/>
+              </a:ext>
+            </a:extLst>
+          </p:cNvPr>
+          <p:cNvSpPr txBox="1"/>
+          <p:nvPr/>
+        </p:nvSpPr>
+        <p:spPr>
+          <a:xfrm>
+            <a:off x="0" y="6492875"/>
+            <a:ext cx="12192000" cy="369332"/>
+          </a:xfrm>
+          <a:prstGeom prst="rect">
+            <a:avLst/>
+          </a:prstGeom>
+          <a:noFill/>
+        </p:spPr>
+        <p:txBody>
+          <a:bodyPr wrap="square" rtlCol="0">
+            <a:spAutoFit/>
+          </a:bodyPr>
+          <a:lstStyle/>
+          <a:p>
+            <a:pPr algn="ctr"/>
             <a:r>
               <a:rPr lang="en-US" dirty="0"/>
-              <a:t>Bullish Dollar Index</a:t>
-            </a:r>
-          </a:p>
-          <a:p>
-            <a:pPr marL="914400" lvl="1" indent="-457200">
-              <a:buFont typeface="+mj-lt"/>
-              <a:buAutoNum type="arabicPeriod"/>
-            </a:pPr>
-            <a:r>
-              <a:rPr lang="en-US" dirty="0"/>
-              <a:t>Bearish Oil</a:t>
-            </a:r>
-          </a:p>
-          <a:p>
-            <a:r>
-              <a:rPr lang="en-US" b="1" dirty="0"/>
-              <a:t>Conclusion</a:t>
-            </a:r>
-          </a:p>
-          <a:p>
-            <a:pPr lvl="1"/>
-            <a:r>
-              <a:rPr lang="en-US" dirty="0"/>
-              <a:t>Continuation of CAD/USD Downtrend</a:t>
-            </a:r>
-          </a:p>
-          <a:p>
-            <a:r>
-              <a:rPr lang="en-US" b="1" dirty="0"/>
-              <a:t>One-Year Forecast </a:t>
-            </a:r>
-            <a:r>
-              <a:rPr lang="en-US" dirty="0"/>
-              <a:t>Using Linear Regression from 20XX</a:t>
-            </a:r>
-          </a:p>
-          <a:p>
-            <a:pPr lvl="1"/>
-            <a:r>
-              <a:rPr lang="en-US" dirty="0"/>
-              <a:t>Point Forecast:</a:t>
-            </a:r>
-          </a:p>
-          <a:p>
-            <a:pPr lvl="1"/>
-            <a:r>
-              <a:rPr lang="en-US" dirty="0"/>
-              <a:t>Prediction Interval (80%):  </a:t>
-            </a:r>
-          </a:p>
-          <a:p>
-            <a:pPr marL="457200" lvl="1" indent="0">
-              <a:buNone/>
-            </a:pPr>
-            <a:endParaRPr lang="en-US" dirty="0"/>
-          </a:p>
-          <a:p>
-            <a:endParaRPr lang="en-US" dirty="0"/>
-          </a:p>
-          <a:p>
-            <a:endParaRPr lang="en-US" dirty="0"/>
-          </a:p>
-          <a:p>
-            <a:endParaRPr lang="en-US" dirty="0"/>
-          </a:p>
-          <a:p>
-            <a:endParaRPr lang="en-US" dirty="0"/>
-          </a:p>
-          <a:p>
-            <a:pPr marL="0" indent="0">
-              <a:buNone/>
-            </a:pPr>
-            <a:endParaRPr lang="en-US" dirty="0"/>
+              <a:t>Reference: </a:t>
+            </a:r>
+            <a:r>
+              <a:rPr lang="en-US" dirty="0">
+                <a:hlinkClick r:id="rId5"/>
+              </a:rPr>
+              <a:t>Wells Fargo, International Economic Outlook: August 2025</a:t>
+            </a:r>
+            <a:endParaRPr lang="x-none" dirty="0"/>
           </a:p>
         </p:txBody>
       </p:sp>
     </p:spTree>
     <p:extLst>
       <p:ext uri="{BB962C8B-B14F-4D97-AF65-F5344CB8AC3E}">
-        <p14:creationId xmlns:p14="http://schemas.microsoft.com/office/powerpoint/2010/main" val="731476964"/>
+        <p14:creationId xmlns:p14="http://schemas.microsoft.com/office/powerpoint/2010/main" val="472888934"/>
       </p:ext>
     </p:extLst>
   </p:cSld>
@@ -3415,7 +4681,7 @@
           <p:cNvPr id="2" name="Title 1">
             <a:extLst>
               <a:ext uri="{FF2B5EF4-FFF2-40B4-BE49-F238E27FC236}">
-                <a16:creationId xmlns:a16="http://schemas.microsoft.com/office/drawing/2014/main" id="{B96DCE96-90A0-C2A9-ECA7-5134104F2FDC}"/>
+                <a16:creationId xmlns:a16="http://schemas.microsoft.com/office/drawing/2014/main" id="{C6D5A9EF-8DC0-66BA-2632-1FBC18E7225E}"/>
               </a:ext>
             </a:extLst>
           </p:cNvPr>
@@ -3433,17 +4699,17 @@
           <a:p>
             <a:r>
               <a:rPr lang="en-US" dirty="0"/>
-              <a:t>Recommendations</a:t>
-            </a:r>
-          </a:p>
-        </p:txBody>
-      </p:sp>
-      <p:sp>
-        <p:nvSpPr>
-          <p:cNvPr id="3" name="Content Placeholder 2">
+              <a:t>Crude Oil</a:t>
+            </a:r>
+          </a:p>
+        </p:txBody>
+      </p:sp>
+      <p:sp>
+        <p:nvSpPr>
+          <p:cNvPr id="3" name="Text Placeholder 2">
             <a:extLst>
               <a:ext uri="{FF2B5EF4-FFF2-40B4-BE49-F238E27FC236}">
-                <a16:creationId xmlns:a16="http://schemas.microsoft.com/office/drawing/2014/main" id="{6C1E11F6-1B9E-FCC0-5AAC-55883DD37865}"/>
+                <a16:creationId xmlns:a16="http://schemas.microsoft.com/office/drawing/2014/main" id="{A0128142-672B-89AC-B154-CCFAC4F54995}"/>
               </a:ext>
             </a:extLst>
           </p:cNvPr>
@@ -3451,7 +4717,7 @@
             <a:spLocks noGrp="1"/>
           </p:cNvSpPr>
           <p:nvPr>
-            <p:ph idx="1"/>
+            <p:ph type="body" idx="1"/>
           </p:nvPr>
         </p:nvSpPr>
         <p:spPr/>
@@ -3466,7 +4732,851 @@
     </p:spTree>
     <p:extLst>
       <p:ext uri="{BB962C8B-B14F-4D97-AF65-F5344CB8AC3E}">
-        <p14:creationId xmlns:p14="http://schemas.microsoft.com/office/powerpoint/2010/main" val="499458683"/>
+        <p14:creationId xmlns:p14="http://schemas.microsoft.com/office/powerpoint/2010/main" val="941935554"/>
+      </p:ext>
+    </p:extLst>
+  </p:cSld>
+  <p:clrMapOvr>
+    <a:masterClrMapping/>
+  </p:clrMapOvr>
+</p:sld>
+</file>
+
+<file path=ppt/slides/slide14.xml><?xml version="1.0" encoding="utf-8"?>
+<p:sld xmlns:a="http://schemas.openxmlformats.org/drawingml/2006/main" xmlns:r="http://schemas.openxmlformats.org/officeDocument/2006/relationships" xmlns:p="http://schemas.openxmlformats.org/presentationml/2006/main">
+  <p:cSld>
+    <p:spTree>
+      <p:nvGrpSpPr>
+        <p:cNvPr id="1" name=""/>
+        <p:cNvGrpSpPr/>
+        <p:nvPr/>
+      </p:nvGrpSpPr>
+      <p:grpSpPr>
+        <a:xfrm>
+          <a:off x="0" y="0"/>
+          <a:ext cx="0" cy="0"/>
+          <a:chOff x="0" y="0"/>
+          <a:chExt cx="0" cy="0"/>
+        </a:xfrm>
+      </p:grpSpPr>
+      <p:sp>
+        <p:nvSpPr>
+          <p:cNvPr id="9" name="Title 8">
+            <a:extLst>
+              <a:ext uri="{FF2B5EF4-FFF2-40B4-BE49-F238E27FC236}">
+                <a16:creationId xmlns:a16="http://schemas.microsoft.com/office/drawing/2014/main" id="{52EECC4C-6323-340D-26BA-278012181B6C}"/>
+              </a:ext>
+            </a:extLst>
+          </p:cNvPr>
+          <p:cNvSpPr>
+            <a:spLocks noGrp="1"/>
+          </p:cNvSpPr>
+          <p:nvPr>
+            <p:ph type="title"/>
+          </p:nvPr>
+        </p:nvSpPr>
+        <p:spPr/>
+        <p:txBody>
+          <a:bodyPr/>
+          <a:lstStyle/>
+          <a:p>
+            <a:r>
+              <a:rPr lang="en-US" dirty="0"/>
+              <a:t>Oil Demand Falls as Global Economy Slows (2025–2026)</a:t>
+            </a:r>
+          </a:p>
+        </p:txBody>
+      </p:sp>
+      <p:pic>
+        <p:nvPicPr>
+          <p:cNvPr id="13" name="Content Placeholder 12">
+            <a:extLst>
+              <a:ext uri="{FF2B5EF4-FFF2-40B4-BE49-F238E27FC236}">
+                <a16:creationId xmlns:a16="http://schemas.microsoft.com/office/drawing/2014/main" id="{9F52436C-65E6-9A7A-FB1F-D8B905D5EC7B}"/>
+              </a:ext>
+            </a:extLst>
+          </p:cNvPr>
+          <p:cNvPicPr>
+            <a:picLocks noGrp="1" noChangeAspect="1"/>
+          </p:cNvPicPr>
+          <p:nvPr>
+            <p:ph sz="half" idx="1"/>
+          </p:nvPr>
+        </p:nvPicPr>
+        <p:blipFill>
+          <a:blip r:embed="rId3"/>
+          <a:stretch>
+            <a:fillRect/>
+          </a:stretch>
+        </p:blipFill>
+        <p:spPr>
+          <a:xfrm>
+            <a:off x="522369" y="1825625"/>
+            <a:ext cx="5406207" cy="4351338"/>
+          </a:xfrm>
+          <a:prstGeom prst="rect">
+            <a:avLst/>
+          </a:prstGeom>
+        </p:spPr>
+      </p:pic>
+      <p:pic>
+        <p:nvPicPr>
+          <p:cNvPr id="15" name="Content Placeholder 14">
+            <a:extLst>
+              <a:ext uri="{FF2B5EF4-FFF2-40B4-BE49-F238E27FC236}">
+                <a16:creationId xmlns:a16="http://schemas.microsoft.com/office/drawing/2014/main" id="{D02E21CD-557A-2AD5-93D3-899760D7048A}"/>
+              </a:ext>
+            </a:extLst>
+          </p:cNvPr>
+          <p:cNvPicPr>
+            <a:picLocks noGrp="1" noChangeAspect="1"/>
+          </p:cNvPicPr>
+          <p:nvPr>
+            <p:ph sz="half" idx="2"/>
+          </p:nvPr>
+        </p:nvPicPr>
+        <p:blipFill>
+          <a:blip r:embed="rId4"/>
+          <a:stretch>
+            <a:fillRect/>
+          </a:stretch>
+        </p:blipFill>
+        <p:spPr>
+          <a:xfrm>
+            <a:off x="6418270" y="1825625"/>
+            <a:ext cx="5114332" cy="4351338"/>
+          </a:xfrm>
+          <a:prstGeom prst="rect">
+            <a:avLst/>
+          </a:prstGeom>
+        </p:spPr>
+      </p:pic>
+      <p:sp>
+        <p:nvSpPr>
+          <p:cNvPr id="17" name="TextBox 16">
+            <a:extLst>
+              <a:ext uri="{FF2B5EF4-FFF2-40B4-BE49-F238E27FC236}">
+                <a16:creationId xmlns:a16="http://schemas.microsoft.com/office/drawing/2014/main" id="{0C7D84ED-4D1D-F4D7-E412-3BF251502601}"/>
+              </a:ext>
+            </a:extLst>
+          </p:cNvPr>
+          <p:cNvSpPr txBox="1"/>
+          <p:nvPr/>
+        </p:nvSpPr>
+        <p:spPr>
+          <a:xfrm>
+            <a:off x="0" y="6475714"/>
+            <a:ext cx="12192000" cy="369332"/>
+          </a:xfrm>
+          <a:prstGeom prst="rect">
+            <a:avLst/>
+          </a:prstGeom>
+          <a:noFill/>
+        </p:spPr>
+        <p:txBody>
+          <a:bodyPr wrap="square" rtlCol="0">
+            <a:spAutoFit/>
+          </a:bodyPr>
+          <a:lstStyle/>
+          <a:p>
+            <a:pPr algn="ctr"/>
+            <a:r>
+              <a:rPr lang="en-US" dirty="0"/>
+              <a:t>Reference: </a:t>
+            </a:r>
+            <a:r>
+              <a:rPr lang="en-US" dirty="0">
+                <a:hlinkClick r:id="rId5"/>
+              </a:rPr>
+              <a:t>World Bank (June 2025), Global Economic Prospects</a:t>
+            </a:r>
+            <a:endParaRPr lang="en-US" dirty="0"/>
+          </a:p>
+        </p:txBody>
+      </p:sp>
+    </p:spTree>
+    <p:extLst>
+      <p:ext uri="{BB962C8B-B14F-4D97-AF65-F5344CB8AC3E}">
+        <p14:creationId xmlns:p14="http://schemas.microsoft.com/office/powerpoint/2010/main" val="3565452992"/>
+      </p:ext>
+    </p:extLst>
+  </p:cSld>
+  <p:clrMapOvr>
+    <a:masterClrMapping/>
+  </p:clrMapOvr>
+</p:sld>
+</file>
+
+<file path=ppt/slides/slide15.xml><?xml version="1.0" encoding="utf-8"?>
+<p:sld xmlns:a="http://schemas.openxmlformats.org/drawingml/2006/main" xmlns:r="http://schemas.openxmlformats.org/officeDocument/2006/relationships" xmlns:p="http://schemas.openxmlformats.org/presentationml/2006/main">
+  <p:cSld>
+    <p:spTree>
+      <p:nvGrpSpPr>
+        <p:cNvPr id="1" name=""/>
+        <p:cNvGrpSpPr/>
+        <p:nvPr/>
+      </p:nvGrpSpPr>
+      <p:grpSpPr>
+        <a:xfrm>
+          <a:off x="0" y="0"/>
+          <a:ext cx="0" cy="0"/>
+          <a:chOff x="0" y="0"/>
+          <a:chExt cx="0" cy="0"/>
+        </a:xfrm>
+      </p:grpSpPr>
+      <p:sp>
+        <p:nvSpPr>
+          <p:cNvPr id="2" name="Title 1">
+            <a:extLst>
+              <a:ext uri="{FF2B5EF4-FFF2-40B4-BE49-F238E27FC236}">
+                <a16:creationId xmlns:a16="http://schemas.microsoft.com/office/drawing/2014/main" id="{26D5FF64-0CDE-0DC6-931F-44688785F22F}"/>
+              </a:ext>
+            </a:extLst>
+          </p:cNvPr>
+          <p:cNvSpPr>
+            <a:spLocks noGrp="1"/>
+          </p:cNvSpPr>
+          <p:nvPr>
+            <p:ph type="title"/>
+          </p:nvPr>
+        </p:nvSpPr>
+        <p:spPr/>
+        <p:txBody>
+          <a:bodyPr/>
+          <a:lstStyle/>
+          <a:p>
+            <a:r>
+              <a:rPr lang="en-US" dirty="0"/>
+              <a:t>Increasing Oil Inventories</a:t>
+            </a:r>
+          </a:p>
+        </p:txBody>
+      </p:sp>
+      <p:sp>
+        <p:nvSpPr>
+          <p:cNvPr id="14" name="TextBox 13">
+            <a:extLst>
+              <a:ext uri="{FF2B5EF4-FFF2-40B4-BE49-F238E27FC236}">
+                <a16:creationId xmlns:a16="http://schemas.microsoft.com/office/drawing/2014/main" id="{8ABED2F8-19EB-612A-AB5F-9DFF1845E031}"/>
+              </a:ext>
+            </a:extLst>
+          </p:cNvPr>
+          <p:cNvSpPr txBox="1"/>
+          <p:nvPr/>
+        </p:nvSpPr>
+        <p:spPr>
+          <a:xfrm>
+            <a:off x="0" y="6492875"/>
+            <a:ext cx="12192000" cy="369332"/>
+          </a:xfrm>
+          <a:prstGeom prst="rect">
+            <a:avLst/>
+          </a:prstGeom>
+          <a:noFill/>
+        </p:spPr>
+        <p:txBody>
+          <a:bodyPr wrap="square" rtlCol="0">
+            <a:spAutoFit/>
+          </a:bodyPr>
+          <a:lstStyle/>
+          <a:p>
+            <a:pPr algn="ctr"/>
+            <a:r>
+              <a:rPr lang="en-US" dirty="0"/>
+              <a:t>Reference: </a:t>
+            </a:r>
+            <a:r>
+              <a:rPr lang="en-US" dirty="0">
+                <a:hlinkClick r:id="rId3"/>
+              </a:rPr>
+              <a:t>U.S. Energy Information Administration (EIA), Short-Term Energy Outlook</a:t>
+            </a:r>
+            <a:endParaRPr lang="x-none" dirty="0"/>
+          </a:p>
+        </p:txBody>
+      </p:sp>
+      <p:pic>
+        <p:nvPicPr>
+          <p:cNvPr id="17" name="Content Placeholder 5">
+            <a:extLst>
+              <a:ext uri="{FF2B5EF4-FFF2-40B4-BE49-F238E27FC236}">
+                <a16:creationId xmlns:a16="http://schemas.microsoft.com/office/drawing/2014/main" id="{5405D9E0-1B71-56C0-9D6A-BCFB3AE5AC9D}"/>
+              </a:ext>
+            </a:extLst>
+          </p:cNvPr>
+          <p:cNvPicPr>
+            <a:picLocks noGrp="1" noChangeAspect="1"/>
+          </p:cNvPicPr>
+          <p:nvPr>
+            <p:ph idx="1"/>
+          </p:nvPr>
+        </p:nvPicPr>
+        <p:blipFill>
+          <a:blip r:embed="rId4"/>
+          <a:stretch>
+            <a:fillRect/>
+          </a:stretch>
+        </p:blipFill>
+        <p:spPr>
+          <a:xfrm>
+            <a:off x="2307103" y="1825625"/>
+            <a:ext cx="7577793" cy="4351338"/>
+          </a:xfrm>
+          <a:prstGeom prst="rect">
+            <a:avLst/>
+          </a:prstGeom>
+        </p:spPr>
+      </p:pic>
+    </p:spTree>
+    <p:extLst>
+      <p:ext uri="{BB962C8B-B14F-4D97-AF65-F5344CB8AC3E}">
+        <p14:creationId xmlns:p14="http://schemas.microsoft.com/office/powerpoint/2010/main" val="1737193659"/>
+      </p:ext>
+    </p:extLst>
+  </p:cSld>
+  <p:clrMapOvr>
+    <a:masterClrMapping/>
+  </p:clrMapOvr>
+</p:sld>
+</file>
+
+<file path=ppt/slides/slide16.xml><?xml version="1.0" encoding="utf-8"?>
+<p:sld xmlns:a="http://schemas.openxmlformats.org/drawingml/2006/main" xmlns:r="http://schemas.openxmlformats.org/officeDocument/2006/relationships" xmlns:p="http://schemas.openxmlformats.org/presentationml/2006/main">
+  <p:cSld>
+    <p:spTree>
+      <p:nvGrpSpPr>
+        <p:cNvPr id="1" name=""/>
+        <p:cNvGrpSpPr/>
+        <p:nvPr/>
+      </p:nvGrpSpPr>
+      <p:grpSpPr>
+        <a:xfrm>
+          <a:off x="0" y="0"/>
+          <a:ext cx="0" cy="0"/>
+          <a:chOff x="0" y="0"/>
+          <a:chExt cx="0" cy="0"/>
+        </a:xfrm>
+      </p:grpSpPr>
+      <p:sp>
+        <p:nvSpPr>
+          <p:cNvPr id="4" name="Title 3">
+            <a:extLst>
+              <a:ext uri="{FF2B5EF4-FFF2-40B4-BE49-F238E27FC236}">
+                <a16:creationId xmlns:a16="http://schemas.microsoft.com/office/drawing/2014/main" id="{BEF7BD5C-F9CE-9977-ABC9-A2BF5F4E1EAE}"/>
+              </a:ext>
+            </a:extLst>
+          </p:cNvPr>
+          <p:cNvSpPr>
+            <a:spLocks noGrp="1"/>
+          </p:cNvSpPr>
+          <p:nvPr>
+            <p:ph type="title"/>
+          </p:nvPr>
+        </p:nvSpPr>
+        <p:spPr/>
+        <p:txBody>
+          <a:bodyPr/>
+          <a:lstStyle/>
+          <a:p>
+            <a:r>
+              <a:rPr lang="en-US" dirty="0"/>
+              <a:t>Bearish Oil Outlook for 2025-2026</a:t>
+            </a:r>
+          </a:p>
+        </p:txBody>
+      </p:sp>
+      <p:sp>
+        <p:nvSpPr>
+          <p:cNvPr id="5" name="Content Placeholder 4">
+            <a:extLst>
+              <a:ext uri="{FF2B5EF4-FFF2-40B4-BE49-F238E27FC236}">
+                <a16:creationId xmlns:a16="http://schemas.microsoft.com/office/drawing/2014/main" id="{F87A2C41-CE1F-AB73-738B-3E15C2452502}"/>
+              </a:ext>
+            </a:extLst>
+          </p:cNvPr>
+          <p:cNvSpPr>
+            <a:spLocks noGrp="1"/>
+          </p:cNvSpPr>
+          <p:nvPr>
+            <p:ph sz="half" idx="1"/>
+          </p:nvPr>
+        </p:nvSpPr>
+        <p:spPr>
+          <a:xfrm>
+            <a:off x="838200" y="1825625"/>
+            <a:ext cx="4306455" cy="4351338"/>
+          </a:xfrm>
+        </p:spPr>
+        <p:txBody>
+          <a:bodyPr>
+            <a:normAutofit fontScale="77500" lnSpcReduction="20000"/>
+          </a:bodyPr>
+          <a:lstStyle/>
+          <a:p>
+            <a:r>
+              <a:rPr lang="en-US" dirty="0"/>
+              <a:t>J.P. Morgan’s base case for oil remains anchored by the supply-demand balance. Since February, </a:t>
+            </a:r>
+            <a:r>
+              <a:rPr lang="en-US" b="1" dirty="0"/>
+              <a:t>global oil inventories</a:t>
+            </a:r>
+            <a:r>
+              <a:rPr lang="en-US" dirty="0"/>
+              <a:t> have </a:t>
+            </a:r>
+            <a:r>
+              <a:rPr lang="en-US" b="1" dirty="0"/>
+              <a:t>increased</a:t>
+            </a:r>
+            <a:r>
+              <a:rPr lang="en-US" dirty="0"/>
+              <a:t> by almost 240 million barrels, indicating that supply is abundant. </a:t>
+            </a:r>
+          </a:p>
+          <a:p>
+            <a:r>
+              <a:rPr lang="en-US" dirty="0"/>
+              <a:t>Based on our forward physical oil balances, which show a market in a 2.2–2.4 mbd surplus over the second half of 2025, oil is anticipated to trade in the low- to mid-$60/bbl range for the remainder of 2025 and settle at </a:t>
+            </a:r>
+            <a:r>
+              <a:rPr lang="en-US" b="1" dirty="0"/>
+              <a:t>$60/bbl </a:t>
+            </a:r>
+            <a:r>
+              <a:rPr lang="en-US" dirty="0"/>
+              <a:t>in </a:t>
+            </a:r>
+            <a:r>
+              <a:rPr lang="en-US" b="1" dirty="0"/>
+              <a:t>2026</a:t>
+            </a:r>
+            <a:r>
+              <a:rPr lang="en-US" dirty="0"/>
+              <a:t>.</a:t>
+            </a:r>
+          </a:p>
+          <a:p>
+            <a:endParaRPr lang="en-US" dirty="0"/>
+          </a:p>
+        </p:txBody>
+      </p:sp>
+      <p:pic>
+        <p:nvPicPr>
+          <p:cNvPr id="8" name="Content Placeholder 7">
+            <a:extLst>
+              <a:ext uri="{FF2B5EF4-FFF2-40B4-BE49-F238E27FC236}">
+                <a16:creationId xmlns:a16="http://schemas.microsoft.com/office/drawing/2014/main" id="{A429C3CD-A829-AC32-7852-5A826168A66B}"/>
+              </a:ext>
+            </a:extLst>
+          </p:cNvPr>
+          <p:cNvPicPr>
+            <a:picLocks noGrp="1" noChangeAspect="1"/>
+          </p:cNvPicPr>
+          <p:nvPr>
+            <p:ph sz="half" idx="2"/>
+          </p:nvPr>
+        </p:nvPicPr>
+        <p:blipFill>
+          <a:blip r:embed="rId2"/>
+          <a:stretch>
+            <a:fillRect/>
+          </a:stretch>
+        </p:blipFill>
+        <p:spPr>
+          <a:xfrm>
+            <a:off x="5737161" y="1882085"/>
+            <a:ext cx="5616639" cy="4213915"/>
+          </a:xfrm>
+          <a:prstGeom prst="rect">
+            <a:avLst/>
+          </a:prstGeom>
+        </p:spPr>
+      </p:pic>
+      <p:sp>
+        <p:nvSpPr>
+          <p:cNvPr id="9" name="TextBox 8">
+            <a:extLst>
+              <a:ext uri="{FF2B5EF4-FFF2-40B4-BE49-F238E27FC236}">
+                <a16:creationId xmlns:a16="http://schemas.microsoft.com/office/drawing/2014/main" id="{1FD5CF44-CDE2-8807-1CBD-C66E93B6BEFD}"/>
+              </a:ext>
+            </a:extLst>
+          </p:cNvPr>
+          <p:cNvSpPr txBox="1"/>
+          <p:nvPr/>
+        </p:nvSpPr>
+        <p:spPr>
+          <a:xfrm>
+            <a:off x="0" y="6492875"/>
+            <a:ext cx="12192000" cy="369332"/>
+          </a:xfrm>
+          <a:prstGeom prst="rect">
+            <a:avLst/>
+          </a:prstGeom>
+          <a:noFill/>
+        </p:spPr>
+        <p:txBody>
+          <a:bodyPr wrap="square" rtlCol="0">
+            <a:spAutoFit/>
+          </a:bodyPr>
+          <a:lstStyle/>
+          <a:p>
+            <a:pPr algn="ctr"/>
+            <a:r>
+              <a:rPr lang="en-US" dirty="0"/>
+              <a:t>Reference: </a:t>
+            </a:r>
+            <a:r>
+              <a:rPr lang="en-US" dirty="0">
+                <a:hlinkClick r:id="rId3"/>
+              </a:rPr>
+              <a:t> J.P. Morgan Research, Mid-year market outlook 2025</a:t>
+            </a:r>
+            <a:endParaRPr lang="x-none" dirty="0"/>
+          </a:p>
+        </p:txBody>
+      </p:sp>
+    </p:spTree>
+    <p:extLst>
+      <p:ext uri="{BB962C8B-B14F-4D97-AF65-F5344CB8AC3E}">
+        <p14:creationId xmlns:p14="http://schemas.microsoft.com/office/powerpoint/2010/main" val="3952441491"/>
+      </p:ext>
+    </p:extLst>
+  </p:cSld>
+  <p:clrMapOvr>
+    <a:masterClrMapping/>
+  </p:clrMapOvr>
+</p:sld>
+</file>
+
+<file path=ppt/slides/slide17.xml><?xml version="1.0" encoding="utf-8"?>
+<p:sld xmlns:a="http://schemas.openxmlformats.org/drawingml/2006/main" xmlns:r="http://schemas.openxmlformats.org/officeDocument/2006/relationships" xmlns:p="http://schemas.openxmlformats.org/presentationml/2006/main">
+  <p:cSld>
+    <p:spTree>
+      <p:nvGrpSpPr>
+        <p:cNvPr id="1" name="">
+          <a:extLst>
+            <a:ext uri="{FF2B5EF4-FFF2-40B4-BE49-F238E27FC236}">
+              <a16:creationId xmlns:a16="http://schemas.microsoft.com/office/drawing/2014/main" id="{6DDF2AB2-6393-6872-57EB-BFFCAFA0589A}"/>
+            </a:ext>
+          </a:extLst>
+        </p:cNvPr>
+        <p:cNvGrpSpPr/>
+        <p:nvPr/>
+      </p:nvGrpSpPr>
+      <p:grpSpPr>
+        <a:xfrm>
+          <a:off x="0" y="0"/>
+          <a:ext cx="0" cy="0"/>
+          <a:chOff x="0" y="0"/>
+          <a:chExt cx="0" cy="0"/>
+        </a:xfrm>
+      </p:grpSpPr>
+      <p:sp>
+        <p:nvSpPr>
+          <p:cNvPr id="2" name="Title 1">
+            <a:extLst>
+              <a:ext uri="{FF2B5EF4-FFF2-40B4-BE49-F238E27FC236}">
+                <a16:creationId xmlns:a16="http://schemas.microsoft.com/office/drawing/2014/main" id="{12DD5ED4-F806-7131-B2F9-97E3771D5EEE}"/>
+              </a:ext>
+            </a:extLst>
+          </p:cNvPr>
+          <p:cNvSpPr>
+            <a:spLocks noGrp="1"/>
+          </p:cNvSpPr>
+          <p:nvPr>
+            <p:ph type="title"/>
+          </p:nvPr>
+        </p:nvSpPr>
+        <p:spPr/>
+        <p:txBody>
+          <a:bodyPr/>
+          <a:lstStyle/>
+          <a:p>
+            <a:r>
+              <a:rPr lang="en-US" dirty="0"/>
+              <a:t>U.S. Dollar</a:t>
+            </a:r>
+          </a:p>
+        </p:txBody>
+      </p:sp>
+      <p:sp>
+        <p:nvSpPr>
+          <p:cNvPr id="3" name="Text Placeholder 2">
+            <a:extLst>
+              <a:ext uri="{FF2B5EF4-FFF2-40B4-BE49-F238E27FC236}">
+                <a16:creationId xmlns:a16="http://schemas.microsoft.com/office/drawing/2014/main" id="{F71D4701-1E88-7BD3-B4D6-1D79CE70BB42}"/>
+              </a:ext>
+            </a:extLst>
+          </p:cNvPr>
+          <p:cNvSpPr>
+            <a:spLocks noGrp="1"/>
+          </p:cNvSpPr>
+          <p:nvPr>
+            <p:ph type="body" idx="1"/>
+          </p:nvPr>
+        </p:nvSpPr>
+        <p:spPr/>
+        <p:txBody>
+          <a:bodyPr/>
+          <a:lstStyle/>
+          <a:p>
+            <a:endParaRPr lang="en-US"/>
+          </a:p>
+        </p:txBody>
+      </p:sp>
+    </p:spTree>
+    <p:extLst>
+      <p:ext uri="{BB962C8B-B14F-4D97-AF65-F5344CB8AC3E}">
+        <p14:creationId xmlns:p14="http://schemas.microsoft.com/office/powerpoint/2010/main" val="1537158543"/>
+      </p:ext>
+    </p:extLst>
+  </p:cSld>
+  <p:clrMapOvr>
+    <a:masterClrMapping/>
+  </p:clrMapOvr>
+</p:sld>
+</file>
+
+<file path=ppt/slides/slide18.xml><?xml version="1.0" encoding="utf-8"?>
+<p:sld xmlns:a="http://schemas.openxmlformats.org/drawingml/2006/main" xmlns:r="http://schemas.openxmlformats.org/officeDocument/2006/relationships" xmlns:p="http://schemas.openxmlformats.org/presentationml/2006/main">
+  <p:cSld>
+    <p:spTree>
+      <p:nvGrpSpPr>
+        <p:cNvPr id="1" name=""/>
+        <p:cNvGrpSpPr/>
+        <p:nvPr/>
+      </p:nvGrpSpPr>
+      <p:grpSpPr>
+        <a:xfrm>
+          <a:off x="0" y="0"/>
+          <a:ext cx="0" cy="0"/>
+          <a:chOff x="0" y="0"/>
+          <a:chExt cx="0" cy="0"/>
+        </a:xfrm>
+      </p:grpSpPr>
+      <p:sp>
+        <p:nvSpPr>
+          <p:cNvPr id="4" name="Title 3">
+            <a:extLst>
+              <a:ext uri="{FF2B5EF4-FFF2-40B4-BE49-F238E27FC236}">
+                <a16:creationId xmlns:a16="http://schemas.microsoft.com/office/drawing/2014/main" id="{0F5CEE2D-A57C-9FB3-2F26-6BBD0D32E741}"/>
+              </a:ext>
+            </a:extLst>
+          </p:cNvPr>
+          <p:cNvSpPr>
+            <a:spLocks noGrp="1"/>
+          </p:cNvSpPr>
+          <p:nvPr>
+            <p:ph type="title"/>
+          </p:nvPr>
+        </p:nvSpPr>
+        <p:spPr/>
+        <p:txBody>
+          <a:bodyPr/>
+          <a:lstStyle/>
+          <a:p>
+            <a:r>
+              <a:rPr lang="en-US" dirty="0"/>
+              <a:t>U.S. Dollar Recovers in 2026</a:t>
+            </a:r>
+          </a:p>
+        </p:txBody>
+      </p:sp>
+      <p:pic>
+        <p:nvPicPr>
+          <p:cNvPr id="8" name="Content Placeholder 7">
+            <a:extLst>
+              <a:ext uri="{FF2B5EF4-FFF2-40B4-BE49-F238E27FC236}">
+                <a16:creationId xmlns:a16="http://schemas.microsoft.com/office/drawing/2014/main" id="{E0A1164B-39E3-1F1E-0DC7-33C5DC02FB5E}"/>
+              </a:ext>
+            </a:extLst>
+          </p:cNvPr>
+          <p:cNvPicPr>
+            <a:picLocks noGrp="1" noChangeAspect="1"/>
+          </p:cNvPicPr>
+          <p:nvPr>
+            <p:ph sz="half" idx="1"/>
+          </p:nvPr>
+        </p:nvPicPr>
+        <p:blipFill>
+          <a:blip r:embed="rId2"/>
+          <a:stretch>
+            <a:fillRect/>
+          </a:stretch>
+        </p:blipFill>
+        <p:spPr>
+          <a:xfrm>
+            <a:off x="838200" y="2015597"/>
+            <a:ext cx="5181600" cy="3971394"/>
+          </a:xfrm>
+          <a:prstGeom prst="rect">
+            <a:avLst/>
+          </a:prstGeom>
+        </p:spPr>
+      </p:pic>
+      <p:pic>
+        <p:nvPicPr>
+          <p:cNvPr id="10" name="Content Placeholder 9">
+            <a:extLst>
+              <a:ext uri="{FF2B5EF4-FFF2-40B4-BE49-F238E27FC236}">
+                <a16:creationId xmlns:a16="http://schemas.microsoft.com/office/drawing/2014/main" id="{5D3D8341-AC52-BB7A-FC02-E59C847DE9BC}"/>
+              </a:ext>
+            </a:extLst>
+          </p:cNvPr>
+          <p:cNvPicPr>
+            <a:picLocks noGrp="1" noChangeAspect="1"/>
+          </p:cNvPicPr>
+          <p:nvPr>
+            <p:ph sz="half" idx="2"/>
+          </p:nvPr>
+        </p:nvPicPr>
+        <p:blipFill>
+          <a:blip r:embed="rId3"/>
+          <a:stretch>
+            <a:fillRect/>
+          </a:stretch>
+        </p:blipFill>
+        <p:spPr>
+          <a:xfrm>
+            <a:off x="6172200" y="2016759"/>
+            <a:ext cx="5181600" cy="3969070"/>
+          </a:xfrm>
+          <a:prstGeom prst="rect">
+            <a:avLst/>
+          </a:prstGeom>
+        </p:spPr>
+      </p:pic>
+      <p:sp>
+        <p:nvSpPr>
+          <p:cNvPr id="11" name="TextBox 10">
+            <a:extLst>
+              <a:ext uri="{FF2B5EF4-FFF2-40B4-BE49-F238E27FC236}">
+                <a16:creationId xmlns:a16="http://schemas.microsoft.com/office/drawing/2014/main" id="{C5F93193-585D-1DEB-122E-DEEE87AE9261}"/>
+              </a:ext>
+            </a:extLst>
+          </p:cNvPr>
+          <p:cNvSpPr txBox="1"/>
+          <p:nvPr/>
+        </p:nvSpPr>
+        <p:spPr>
+          <a:xfrm>
+            <a:off x="0" y="6492875"/>
+            <a:ext cx="12192000" cy="369332"/>
+          </a:xfrm>
+          <a:prstGeom prst="rect">
+            <a:avLst/>
+          </a:prstGeom>
+          <a:noFill/>
+        </p:spPr>
+        <p:txBody>
+          <a:bodyPr wrap="square" rtlCol="0">
+            <a:spAutoFit/>
+          </a:bodyPr>
+          <a:lstStyle/>
+          <a:p>
+            <a:pPr algn="ctr"/>
+            <a:r>
+              <a:rPr lang="en-US" dirty="0"/>
+              <a:t>Reference: </a:t>
+            </a:r>
+            <a:r>
+              <a:rPr lang="en-US" dirty="0">
+                <a:hlinkClick r:id="rId4"/>
+              </a:rPr>
+              <a:t>Wells Fargo, International Economic Outlook: August 2025</a:t>
+            </a:r>
+            <a:endParaRPr lang="x-none" dirty="0"/>
+          </a:p>
+        </p:txBody>
+      </p:sp>
+    </p:spTree>
+    <p:extLst>
+      <p:ext uri="{BB962C8B-B14F-4D97-AF65-F5344CB8AC3E}">
+        <p14:creationId xmlns:p14="http://schemas.microsoft.com/office/powerpoint/2010/main" val="78220860"/>
+      </p:ext>
+    </p:extLst>
+  </p:cSld>
+  <p:clrMapOvr>
+    <a:masterClrMapping/>
+  </p:clrMapOvr>
+</p:sld>
+</file>
+
+<file path=ppt/slides/slide19.xml><?xml version="1.0" encoding="utf-8"?>
+<p:sld xmlns:a="http://schemas.openxmlformats.org/drawingml/2006/main" xmlns:r="http://schemas.openxmlformats.org/officeDocument/2006/relationships" xmlns:p="http://schemas.openxmlformats.org/presentationml/2006/main">
+  <p:cSld>
+    <p:spTree>
+      <p:nvGrpSpPr>
+        <p:cNvPr id="1" name=""/>
+        <p:cNvGrpSpPr/>
+        <p:nvPr/>
+      </p:nvGrpSpPr>
+      <p:grpSpPr>
+        <a:xfrm>
+          <a:off x="0" y="0"/>
+          <a:ext cx="0" cy="0"/>
+          <a:chOff x="0" y="0"/>
+          <a:chExt cx="0" cy="0"/>
+        </a:xfrm>
+      </p:grpSpPr>
+      <p:sp>
+        <p:nvSpPr>
+          <p:cNvPr id="2" name="Title 1">
+            <a:extLst>
+              <a:ext uri="{FF2B5EF4-FFF2-40B4-BE49-F238E27FC236}">
+                <a16:creationId xmlns:a16="http://schemas.microsoft.com/office/drawing/2014/main" id="{F9C550A7-A14D-8F56-6E78-536304B5E29D}"/>
+              </a:ext>
+            </a:extLst>
+          </p:cNvPr>
+          <p:cNvSpPr>
+            <a:spLocks noGrp="1"/>
+          </p:cNvSpPr>
+          <p:nvPr>
+            <p:ph type="title"/>
+          </p:nvPr>
+        </p:nvSpPr>
+        <p:spPr/>
+        <p:txBody>
+          <a:bodyPr/>
+          <a:lstStyle/>
+          <a:p>
+            <a:r>
+              <a:rPr lang="en-US" dirty="0"/>
+              <a:t>Forecast</a:t>
+            </a:r>
+          </a:p>
+        </p:txBody>
+      </p:sp>
+      <p:sp>
+        <p:nvSpPr>
+          <p:cNvPr id="3" name="Text Placeholder 2">
+            <a:extLst>
+              <a:ext uri="{FF2B5EF4-FFF2-40B4-BE49-F238E27FC236}">
+                <a16:creationId xmlns:a16="http://schemas.microsoft.com/office/drawing/2014/main" id="{141B9FD5-312C-3B4A-B9FA-0C8C46F92573}"/>
+              </a:ext>
+            </a:extLst>
+          </p:cNvPr>
+          <p:cNvSpPr>
+            <a:spLocks noGrp="1"/>
+          </p:cNvSpPr>
+          <p:nvPr>
+            <p:ph type="body" idx="1"/>
+          </p:nvPr>
+        </p:nvSpPr>
+        <p:spPr/>
+        <p:txBody>
+          <a:bodyPr/>
+          <a:lstStyle/>
+          <a:p>
+            <a:endParaRPr lang="en-US"/>
+          </a:p>
+        </p:txBody>
+      </p:sp>
+    </p:spTree>
+    <p:extLst>
+      <p:ext uri="{BB962C8B-B14F-4D97-AF65-F5344CB8AC3E}">
+        <p14:creationId xmlns:p14="http://schemas.microsoft.com/office/powerpoint/2010/main" val="2423505088"/>
       </p:ext>
     </p:extLst>
   </p:cSld>
@@ -3498,7 +5608,7 @@
           <p:cNvPr id="4" name="Title 3">
             <a:extLst>
               <a:ext uri="{FF2B5EF4-FFF2-40B4-BE49-F238E27FC236}">
-                <a16:creationId xmlns:a16="http://schemas.microsoft.com/office/drawing/2014/main" id="{B29BB06A-DB42-2A0C-C363-7470FAACE09C}"/>
+                <a16:creationId xmlns:a16="http://schemas.microsoft.com/office/drawing/2014/main" id="{3C9174E9-4CDF-052B-06AA-5618A1B221FE}"/>
               </a:ext>
             </a:extLst>
           </p:cNvPr>
@@ -3516,7 +5626,7 @@
           <a:p>
             <a:r>
               <a:rPr lang="en-US" dirty="0"/>
-              <a:t>1. Introduction</a:t>
+              <a:t>Key Drivers of the CAD/USD Exchange Rate</a:t>
             </a:r>
           </a:p>
         </p:txBody>
@@ -3526,7 +5636,7 @@
           <p:cNvPr id="5" name="Text Placeholder 4">
             <a:extLst>
               <a:ext uri="{FF2B5EF4-FFF2-40B4-BE49-F238E27FC236}">
-                <a16:creationId xmlns:a16="http://schemas.microsoft.com/office/drawing/2014/main" id="{8B42EB4D-0E32-4913-E661-1A204B26D114}"/>
+                <a16:creationId xmlns:a16="http://schemas.microsoft.com/office/drawing/2014/main" id="{9D397D09-EF1C-035D-B6EB-408290330A93}"/>
               </a:ext>
             </a:extLst>
           </p:cNvPr>
@@ -3549,7 +5659,837 @@
     </p:spTree>
     <p:extLst>
       <p:ext uri="{BB962C8B-B14F-4D97-AF65-F5344CB8AC3E}">
-        <p14:creationId xmlns:p14="http://schemas.microsoft.com/office/powerpoint/2010/main" val="2544826013"/>
+        <p14:creationId xmlns:p14="http://schemas.microsoft.com/office/powerpoint/2010/main" val="591847203"/>
+      </p:ext>
+    </p:extLst>
+  </p:cSld>
+  <p:clrMapOvr>
+    <a:masterClrMapping/>
+  </p:clrMapOvr>
+</p:sld>
+</file>
+
+<file path=ppt/slides/slide20.xml><?xml version="1.0" encoding="utf-8"?>
+<p:sld xmlns:a="http://schemas.openxmlformats.org/drawingml/2006/main" xmlns:r="http://schemas.openxmlformats.org/officeDocument/2006/relationships" xmlns:p="http://schemas.openxmlformats.org/presentationml/2006/main">
+  <p:cSld>
+    <p:spTree>
+      <p:nvGrpSpPr>
+        <p:cNvPr id="1" name=""/>
+        <p:cNvGrpSpPr/>
+        <p:nvPr/>
+      </p:nvGrpSpPr>
+      <p:grpSpPr>
+        <a:xfrm>
+          <a:off x="0" y="0"/>
+          <a:ext cx="0" cy="0"/>
+          <a:chOff x="0" y="0"/>
+          <a:chExt cx="0" cy="0"/>
+        </a:xfrm>
+      </p:grpSpPr>
+      <p:sp>
+        <p:nvSpPr>
+          <p:cNvPr id="4" name="Title 3">
+            <a:extLst>
+              <a:ext uri="{FF2B5EF4-FFF2-40B4-BE49-F238E27FC236}">
+                <a16:creationId xmlns:a16="http://schemas.microsoft.com/office/drawing/2014/main" id="{19CAEFB2-924D-BF98-8683-2880275D83B4}"/>
+              </a:ext>
+            </a:extLst>
+          </p:cNvPr>
+          <p:cNvSpPr>
+            <a:spLocks noGrp="1"/>
+          </p:cNvSpPr>
+          <p:nvPr>
+            <p:ph type="title"/>
+          </p:nvPr>
+        </p:nvSpPr>
+        <p:spPr/>
+        <p:txBody>
+          <a:bodyPr/>
+          <a:lstStyle/>
+          <a:p>
+            <a:r>
+              <a:rPr lang="en-US" dirty="0"/>
+              <a:t>Scenario Planning – Random Walk Model</a:t>
+            </a:r>
+          </a:p>
+        </p:txBody>
+      </p:sp>
+      <p:pic>
+        <p:nvPicPr>
+          <p:cNvPr id="7" name="Content Placeholder 6">
+            <a:extLst>
+              <a:ext uri="{FF2B5EF4-FFF2-40B4-BE49-F238E27FC236}">
+                <a16:creationId xmlns:a16="http://schemas.microsoft.com/office/drawing/2014/main" id="{69BF4DEF-114F-B14A-5EE1-58DB68A57800}"/>
+              </a:ext>
+            </a:extLst>
+          </p:cNvPr>
+          <p:cNvPicPr>
+            <a:picLocks noGrp="1" noChangeAspect="1"/>
+          </p:cNvPicPr>
+          <p:nvPr>
+            <p:ph idx="1"/>
+          </p:nvPr>
+        </p:nvPicPr>
+        <p:blipFill>
+          <a:blip r:embed="rId3"/>
+          <a:stretch>
+            <a:fillRect/>
+          </a:stretch>
+        </p:blipFill>
+        <p:spPr>
+          <a:xfrm>
+            <a:off x="2438400" y="1401580"/>
+            <a:ext cx="7315200" cy="4334645"/>
+          </a:xfrm>
+          <a:prstGeom prst="rect">
+            <a:avLst/>
+          </a:prstGeom>
+        </p:spPr>
+      </p:pic>
+      <p:graphicFrame>
+        <p:nvGraphicFramePr>
+          <p:cNvPr id="8" name="Table 7">
+            <a:extLst>
+              <a:ext uri="{FF2B5EF4-FFF2-40B4-BE49-F238E27FC236}">
+                <a16:creationId xmlns:a16="http://schemas.microsoft.com/office/drawing/2014/main" id="{BDAE9566-79AE-9615-7537-C8772C019838}"/>
+              </a:ext>
+            </a:extLst>
+          </p:cNvPr>
+          <p:cNvGraphicFramePr>
+            <a:graphicFrameLocks noGrp="1"/>
+          </p:cNvGraphicFramePr>
+          <p:nvPr>
+            <p:extLst>
+              <p:ext uri="{D42A27DB-BD31-4B8C-83A1-F6EECF244321}">
+                <p14:modId xmlns:p14="http://schemas.microsoft.com/office/powerpoint/2010/main" val="475370918"/>
+              </p:ext>
+            </p:extLst>
+          </p:nvPr>
+        </p:nvGraphicFramePr>
+        <p:xfrm>
+          <a:off x="2438400" y="5930189"/>
+          <a:ext cx="7315200" cy="914400"/>
+        </p:xfrm>
+        <a:graphic>
+          <a:graphicData uri="http://schemas.openxmlformats.org/drawingml/2006/table">
+            <a:tbl>
+              <a:tblPr firstRow="1" bandRow="1">
+                <a:tableStyleId>{5C22544A-7EE6-4342-B048-85BDC9FD1C3A}</a:tableStyleId>
+              </a:tblPr>
+              <a:tblGrid>
+                <a:gridCol w="1828800">
+                  <a:extLst>
+                    <a:ext uri="{9D8B030D-6E8A-4147-A177-3AD203B41FA5}">
+                      <a16:colId xmlns:a16="http://schemas.microsoft.com/office/drawing/2014/main" val="4155257274"/>
+                    </a:ext>
+                  </a:extLst>
+                </a:gridCol>
+                <a:gridCol w="1828800">
+                  <a:extLst>
+                    <a:ext uri="{9D8B030D-6E8A-4147-A177-3AD203B41FA5}">
+                      <a16:colId xmlns:a16="http://schemas.microsoft.com/office/drawing/2014/main" val="1784173928"/>
+                    </a:ext>
+                  </a:extLst>
+                </a:gridCol>
+                <a:gridCol w="1828800">
+                  <a:extLst>
+                    <a:ext uri="{9D8B030D-6E8A-4147-A177-3AD203B41FA5}">
+                      <a16:colId xmlns:a16="http://schemas.microsoft.com/office/drawing/2014/main" val="1622761043"/>
+                    </a:ext>
+                  </a:extLst>
+                </a:gridCol>
+                <a:gridCol w="1828800">
+                  <a:extLst>
+                    <a:ext uri="{9D8B030D-6E8A-4147-A177-3AD203B41FA5}">
+                      <a16:colId xmlns:a16="http://schemas.microsoft.com/office/drawing/2014/main" val="990677731"/>
+                    </a:ext>
+                  </a:extLst>
+                </a:gridCol>
+              </a:tblGrid>
+              <a:tr h="565709">
+                <a:tc>
+                  <a:txBody>
+                    <a:bodyPr/>
+                    <a:lstStyle/>
+                    <a:p>
+                      <a:r>
+                        <a:rPr lang="en-US" sz="1600" dirty="0"/>
+                        <a:t>Price (Sep 2026)</a:t>
+                      </a:r>
+                    </a:p>
+                  </a:txBody>
+                  <a:tcPr/>
+                </a:tc>
+                <a:tc>
+                  <a:txBody>
+                    <a:bodyPr/>
+                    <a:lstStyle/>
+                    <a:p>
+                      <a:r>
+                        <a:rPr lang="en-US" sz="1600" dirty="0"/>
+                        <a:t>Std Error</a:t>
+                      </a:r>
+                    </a:p>
+                  </a:txBody>
+                  <a:tcPr/>
+                </a:tc>
+                <a:tc>
+                  <a:txBody>
+                    <a:bodyPr/>
+                    <a:lstStyle/>
+                    <a:p>
+                      <a:r>
+                        <a:rPr lang="en-US" sz="1600" dirty="0"/>
+                        <a:t>Lower Band (5%)</a:t>
+                      </a:r>
+                    </a:p>
+                  </a:txBody>
+                  <a:tcPr/>
+                </a:tc>
+                <a:tc>
+                  <a:txBody>
+                    <a:bodyPr/>
+                    <a:lstStyle/>
+                    <a:p>
+                      <a:r>
+                        <a:rPr lang="en-US" sz="1600" dirty="0"/>
+                        <a:t>Upper Band (95%)</a:t>
+                      </a:r>
+                    </a:p>
+                  </a:txBody>
+                  <a:tcPr/>
+                </a:tc>
+                <a:extLst>
+                  <a:ext uri="{0D108BD9-81ED-4DB2-BD59-A6C34878D82A}">
+                    <a16:rowId xmlns:a16="http://schemas.microsoft.com/office/drawing/2014/main" val="1050015936"/>
+                  </a:ext>
+                </a:extLst>
+              </a:tr>
+              <a:tr h="348691">
+                <a:tc>
+                  <a:txBody>
+                    <a:bodyPr/>
+                    <a:lstStyle/>
+                    <a:p>
+                      <a:r>
+                        <a:rPr lang="en-US" sz="1600" dirty="0"/>
+                        <a:t>0.7270 (+0.2%)</a:t>
+                      </a:r>
+                    </a:p>
+                  </a:txBody>
+                  <a:tcPr/>
+                </a:tc>
+                <a:tc>
+                  <a:txBody>
+                    <a:bodyPr/>
+                    <a:lstStyle/>
+                    <a:p>
+                      <a:r>
+                        <a:rPr lang="en-US" sz="1600" dirty="0"/>
+                        <a:t>0.05</a:t>
+                      </a:r>
+                    </a:p>
+                  </a:txBody>
+                  <a:tcPr/>
+                </a:tc>
+                <a:tc>
+                  <a:txBody>
+                    <a:bodyPr/>
+                    <a:lstStyle/>
+                    <a:p>
+                      <a:r>
+                        <a:rPr lang="en-US" sz="1600" dirty="0"/>
+                        <a:t>0.6440 (-11%)</a:t>
+                      </a:r>
+                    </a:p>
+                  </a:txBody>
+                  <a:tcPr/>
+                </a:tc>
+                <a:tc>
+                  <a:txBody>
+                    <a:bodyPr/>
+                    <a:lstStyle/>
+                    <a:p>
+                      <a:r>
+                        <a:rPr lang="en-US" sz="1600" dirty="0"/>
+                        <a:t>0.8099 (+12%)</a:t>
+                      </a:r>
+                    </a:p>
+                  </a:txBody>
+                  <a:tcPr/>
+                </a:tc>
+                <a:extLst>
+                  <a:ext uri="{0D108BD9-81ED-4DB2-BD59-A6C34878D82A}">
+                    <a16:rowId xmlns:a16="http://schemas.microsoft.com/office/drawing/2014/main" val="150066975"/>
+                  </a:ext>
+                </a:extLst>
+              </a:tr>
+            </a:tbl>
+          </a:graphicData>
+        </a:graphic>
+      </p:graphicFrame>
+    </p:spTree>
+    <p:extLst>
+      <p:ext uri="{BB962C8B-B14F-4D97-AF65-F5344CB8AC3E}">
+        <p14:creationId xmlns:p14="http://schemas.microsoft.com/office/powerpoint/2010/main" val="3012957158"/>
+      </p:ext>
+    </p:extLst>
+  </p:cSld>
+  <p:clrMapOvr>
+    <a:masterClrMapping/>
+  </p:clrMapOvr>
+</p:sld>
+</file>
+
+<file path=ppt/slides/slide21.xml><?xml version="1.0" encoding="utf-8"?>
+<p:sld xmlns:a="http://schemas.openxmlformats.org/drawingml/2006/main" xmlns:r="http://schemas.openxmlformats.org/officeDocument/2006/relationships" xmlns:p="http://schemas.openxmlformats.org/presentationml/2006/main">
+  <p:cSld>
+    <p:spTree>
+      <p:nvGrpSpPr>
+        <p:cNvPr id="1" name=""/>
+        <p:cNvGrpSpPr/>
+        <p:nvPr/>
+      </p:nvGrpSpPr>
+      <p:grpSpPr>
+        <a:xfrm>
+          <a:off x="0" y="0"/>
+          <a:ext cx="0" cy="0"/>
+          <a:chOff x="0" y="0"/>
+          <a:chExt cx="0" cy="0"/>
+        </a:xfrm>
+      </p:grpSpPr>
+      <p:sp>
+        <p:nvSpPr>
+          <p:cNvPr id="2" name="Title 1">
+            <a:extLst>
+              <a:ext uri="{FF2B5EF4-FFF2-40B4-BE49-F238E27FC236}">
+                <a16:creationId xmlns:a16="http://schemas.microsoft.com/office/drawing/2014/main" id="{EA3F1B50-0FBE-ADD3-00B5-CF0A3E675731}"/>
+              </a:ext>
+            </a:extLst>
+          </p:cNvPr>
+          <p:cNvSpPr>
+            <a:spLocks noGrp="1"/>
+          </p:cNvSpPr>
+          <p:nvPr>
+            <p:ph type="title"/>
+          </p:nvPr>
+        </p:nvSpPr>
+        <p:spPr/>
+        <p:txBody>
+          <a:bodyPr/>
+          <a:lstStyle/>
+          <a:p>
+            <a:r>
+              <a:rPr lang="en-US" dirty="0"/>
+              <a:t>Prediction Intervals and Risk Management</a:t>
+            </a:r>
+          </a:p>
+        </p:txBody>
+      </p:sp>
+      <p:pic>
+        <p:nvPicPr>
+          <p:cNvPr id="5" name="Content Placeholder 4">
+            <a:extLst>
+              <a:ext uri="{FF2B5EF4-FFF2-40B4-BE49-F238E27FC236}">
+                <a16:creationId xmlns:a16="http://schemas.microsoft.com/office/drawing/2014/main" id="{19D711D8-E3EC-E522-1243-3CBB0639516A}"/>
+              </a:ext>
+            </a:extLst>
+          </p:cNvPr>
+          <p:cNvPicPr>
+            <a:picLocks noGrp="1" noChangeAspect="1"/>
+          </p:cNvPicPr>
+          <p:nvPr>
+            <p:ph idx="1"/>
+          </p:nvPr>
+        </p:nvPicPr>
+        <p:blipFill>
+          <a:blip r:embed="rId2"/>
+          <a:stretch>
+            <a:fillRect/>
+          </a:stretch>
+        </p:blipFill>
+        <p:spPr>
+          <a:xfrm>
+            <a:off x="2456911" y="1825625"/>
+            <a:ext cx="7278177" cy="4351338"/>
+          </a:xfrm>
+          <a:prstGeom prst="rect">
+            <a:avLst/>
+          </a:prstGeom>
+        </p:spPr>
+      </p:pic>
+    </p:spTree>
+    <p:extLst>
+      <p:ext uri="{BB962C8B-B14F-4D97-AF65-F5344CB8AC3E}">
+        <p14:creationId xmlns:p14="http://schemas.microsoft.com/office/powerpoint/2010/main" val="373480249"/>
+      </p:ext>
+    </p:extLst>
+  </p:cSld>
+  <p:clrMapOvr>
+    <a:masterClrMapping/>
+  </p:clrMapOvr>
+</p:sld>
+</file>
+
+<file path=ppt/slides/slide22.xml><?xml version="1.0" encoding="utf-8"?>
+<p:sld xmlns:a="http://schemas.openxmlformats.org/drawingml/2006/main" xmlns:r="http://schemas.openxmlformats.org/officeDocument/2006/relationships" xmlns:p="http://schemas.openxmlformats.org/presentationml/2006/main">
+  <p:cSld>
+    <p:spTree>
+      <p:nvGrpSpPr>
+        <p:cNvPr id="1" name=""/>
+        <p:cNvGrpSpPr/>
+        <p:nvPr/>
+      </p:nvGrpSpPr>
+      <p:grpSpPr>
+        <a:xfrm>
+          <a:off x="0" y="0"/>
+          <a:ext cx="0" cy="0"/>
+          <a:chOff x="0" y="0"/>
+          <a:chExt cx="0" cy="0"/>
+        </a:xfrm>
+      </p:grpSpPr>
+      <p:sp>
+        <p:nvSpPr>
+          <p:cNvPr id="2" name="Title 1">
+            <a:extLst>
+              <a:ext uri="{FF2B5EF4-FFF2-40B4-BE49-F238E27FC236}">
+                <a16:creationId xmlns:a16="http://schemas.microsoft.com/office/drawing/2014/main" id="{1CA7CC15-BD71-080A-B072-A5C01DF16B7C}"/>
+              </a:ext>
+            </a:extLst>
+          </p:cNvPr>
+          <p:cNvSpPr>
+            <a:spLocks noGrp="1"/>
+          </p:cNvSpPr>
+          <p:nvPr>
+            <p:ph type="title"/>
+          </p:nvPr>
+        </p:nvSpPr>
+        <p:spPr/>
+        <p:txBody>
+          <a:bodyPr/>
+          <a:lstStyle/>
+          <a:p>
+            <a:r>
+              <a:rPr lang="en-US" dirty="0"/>
+              <a:t>Regression Model (2021-Present)</a:t>
+            </a:r>
+          </a:p>
+        </p:txBody>
+      </p:sp>
+      <p:pic>
+        <p:nvPicPr>
+          <p:cNvPr id="5" name="Content Placeholder 4">
+            <a:extLst>
+              <a:ext uri="{FF2B5EF4-FFF2-40B4-BE49-F238E27FC236}">
+                <a16:creationId xmlns:a16="http://schemas.microsoft.com/office/drawing/2014/main" id="{C2F5D886-F5B4-427D-9E41-E83D05403487}"/>
+              </a:ext>
+            </a:extLst>
+          </p:cNvPr>
+          <p:cNvPicPr>
+            <a:picLocks noGrp="1" noChangeAspect="1"/>
+          </p:cNvPicPr>
+          <p:nvPr>
+            <p:ph idx="1"/>
+          </p:nvPr>
+        </p:nvPicPr>
+        <p:blipFill>
+          <a:blip r:embed="rId3"/>
+          <a:stretch>
+            <a:fillRect/>
+          </a:stretch>
+        </p:blipFill>
+        <p:spPr>
+          <a:xfrm>
+            <a:off x="2438400" y="1400754"/>
+            <a:ext cx="7315200" cy="4328613"/>
+          </a:xfrm>
+          <a:prstGeom prst="rect">
+            <a:avLst/>
+          </a:prstGeom>
+        </p:spPr>
+      </p:pic>
+      <p:graphicFrame>
+        <p:nvGraphicFramePr>
+          <p:cNvPr id="10" name="Table 9">
+            <a:extLst>
+              <a:ext uri="{FF2B5EF4-FFF2-40B4-BE49-F238E27FC236}">
+                <a16:creationId xmlns:a16="http://schemas.microsoft.com/office/drawing/2014/main" id="{0C9D0F62-6171-8118-D169-118F0E486502}"/>
+              </a:ext>
+            </a:extLst>
+          </p:cNvPr>
+          <p:cNvGraphicFramePr>
+            <a:graphicFrameLocks noGrp="1"/>
+          </p:cNvGraphicFramePr>
+          <p:nvPr>
+            <p:extLst>
+              <p:ext uri="{D42A27DB-BD31-4B8C-83A1-F6EECF244321}">
+                <p14:modId xmlns:p14="http://schemas.microsoft.com/office/powerpoint/2010/main" val="383584103"/>
+              </p:ext>
+            </p:extLst>
+          </p:nvPr>
+        </p:nvGraphicFramePr>
+        <p:xfrm>
+          <a:off x="2438400" y="5930189"/>
+          <a:ext cx="7315200" cy="914400"/>
+        </p:xfrm>
+        <a:graphic>
+          <a:graphicData uri="http://schemas.openxmlformats.org/drawingml/2006/table">
+            <a:tbl>
+              <a:tblPr firstRow="1" bandRow="1">
+                <a:tableStyleId>{5C22544A-7EE6-4342-B048-85BDC9FD1C3A}</a:tableStyleId>
+              </a:tblPr>
+              <a:tblGrid>
+                <a:gridCol w="1828800">
+                  <a:extLst>
+                    <a:ext uri="{9D8B030D-6E8A-4147-A177-3AD203B41FA5}">
+                      <a16:colId xmlns:a16="http://schemas.microsoft.com/office/drawing/2014/main" val="4155257274"/>
+                    </a:ext>
+                  </a:extLst>
+                </a:gridCol>
+                <a:gridCol w="1828800">
+                  <a:extLst>
+                    <a:ext uri="{9D8B030D-6E8A-4147-A177-3AD203B41FA5}">
+                      <a16:colId xmlns:a16="http://schemas.microsoft.com/office/drawing/2014/main" val="1784173928"/>
+                    </a:ext>
+                  </a:extLst>
+                </a:gridCol>
+                <a:gridCol w="1828800">
+                  <a:extLst>
+                    <a:ext uri="{9D8B030D-6E8A-4147-A177-3AD203B41FA5}">
+                      <a16:colId xmlns:a16="http://schemas.microsoft.com/office/drawing/2014/main" val="1622761043"/>
+                    </a:ext>
+                  </a:extLst>
+                </a:gridCol>
+                <a:gridCol w="1828800">
+                  <a:extLst>
+                    <a:ext uri="{9D8B030D-6E8A-4147-A177-3AD203B41FA5}">
+                      <a16:colId xmlns:a16="http://schemas.microsoft.com/office/drawing/2014/main" val="990677731"/>
+                    </a:ext>
+                  </a:extLst>
+                </a:gridCol>
+              </a:tblGrid>
+              <a:tr h="565709">
+                <a:tc>
+                  <a:txBody>
+                    <a:bodyPr/>
+                    <a:lstStyle/>
+                    <a:p>
+                      <a:r>
+                        <a:rPr lang="en-US" sz="1600" dirty="0"/>
+                        <a:t>Price (Sep 2026)</a:t>
+                      </a:r>
+                    </a:p>
+                  </a:txBody>
+                  <a:tcPr/>
+                </a:tc>
+                <a:tc>
+                  <a:txBody>
+                    <a:bodyPr/>
+                    <a:lstStyle/>
+                    <a:p>
+                      <a:r>
+                        <a:rPr lang="en-US" sz="1600" dirty="0"/>
+                        <a:t>Std Error</a:t>
+                      </a:r>
+                    </a:p>
+                  </a:txBody>
+                  <a:tcPr/>
+                </a:tc>
+                <a:tc>
+                  <a:txBody>
+                    <a:bodyPr/>
+                    <a:lstStyle/>
+                    <a:p>
+                      <a:r>
+                        <a:rPr lang="en-US" sz="1600" dirty="0"/>
+                        <a:t>Lower Band (5%)</a:t>
+                      </a:r>
+                    </a:p>
+                  </a:txBody>
+                  <a:tcPr/>
+                </a:tc>
+                <a:tc>
+                  <a:txBody>
+                    <a:bodyPr/>
+                    <a:lstStyle/>
+                    <a:p>
+                      <a:r>
+                        <a:rPr lang="en-US" sz="1600" dirty="0"/>
+                        <a:t>Upper Band (95%)</a:t>
+                      </a:r>
+                    </a:p>
+                  </a:txBody>
+                  <a:tcPr/>
+                </a:tc>
+                <a:extLst>
+                  <a:ext uri="{0D108BD9-81ED-4DB2-BD59-A6C34878D82A}">
+                    <a16:rowId xmlns:a16="http://schemas.microsoft.com/office/drawing/2014/main" val="1050015936"/>
+                  </a:ext>
+                </a:extLst>
+              </a:tr>
+              <a:tr h="348691">
+                <a:tc>
+                  <a:txBody>
+                    <a:bodyPr/>
+                    <a:lstStyle/>
+                    <a:p>
+                      <a:r>
+                        <a:rPr lang="en-US" sz="1600" dirty="0"/>
+                        <a:t>0.6804 (-6%)</a:t>
+                      </a:r>
+                    </a:p>
+                  </a:txBody>
+                  <a:tcPr/>
+                </a:tc>
+                <a:tc>
+                  <a:txBody>
+                    <a:bodyPr/>
+                    <a:lstStyle/>
+                    <a:p>
+                      <a:r>
+                        <a:rPr lang="en-US" sz="1600" dirty="0"/>
+                        <a:t>0.01</a:t>
+                      </a:r>
+                    </a:p>
+                  </a:txBody>
+                  <a:tcPr/>
+                </a:tc>
+                <a:tc>
+                  <a:txBody>
+                    <a:bodyPr/>
+                    <a:lstStyle/>
+                    <a:p>
+                      <a:r>
+                        <a:rPr lang="en-US" sz="1600" dirty="0"/>
+                        <a:t>0.6585 (-9%)</a:t>
+                      </a:r>
+                    </a:p>
+                  </a:txBody>
+                  <a:tcPr/>
+                </a:tc>
+                <a:tc>
+                  <a:txBody>
+                    <a:bodyPr/>
+                    <a:lstStyle/>
+                    <a:p>
+                      <a:r>
+                        <a:rPr lang="en-US" sz="1600" dirty="0"/>
+                        <a:t>0.7022 (-3%)</a:t>
+                      </a:r>
+                    </a:p>
+                  </a:txBody>
+                  <a:tcPr/>
+                </a:tc>
+                <a:extLst>
+                  <a:ext uri="{0D108BD9-81ED-4DB2-BD59-A6C34878D82A}">
+                    <a16:rowId xmlns:a16="http://schemas.microsoft.com/office/drawing/2014/main" val="150066975"/>
+                  </a:ext>
+                </a:extLst>
+              </a:tr>
+            </a:tbl>
+          </a:graphicData>
+        </a:graphic>
+      </p:graphicFrame>
+    </p:spTree>
+    <p:extLst>
+      <p:ext uri="{BB962C8B-B14F-4D97-AF65-F5344CB8AC3E}">
+        <p14:creationId xmlns:p14="http://schemas.microsoft.com/office/powerpoint/2010/main" val="2840516967"/>
+      </p:ext>
+    </p:extLst>
+  </p:cSld>
+  <p:clrMapOvr>
+    <a:masterClrMapping/>
+  </p:clrMapOvr>
+</p:sld>
+</file>
+
+<file path=ppt/slides/slide23.xml><?xml version="1.0" encoding="utf-8"?>
+<p:sld xmlns:a="http://schemas.openxmlformats.org/drawingml/2006/main" xmlns:r="http://schemas.openxmlformats.org/officeDocument/2006/relationships" xmlns:p="http://schemas.openxmlformats.org/presentationml/2006/main">
+  <p:cSld>
+    <p:spTree>
+      <p:nvGrpSpPr>
+        <p:cNvPr id="1" name=""/>
+        <p:cNvGrpSpPr/>
+        <p:nvPr/>
+      </p:nvGrpSpPr>
+      <p:grpSpPr>
+        <a:xfrm>
+          <a:off x="0" y="0"/>
+          <a:ext cx="0" cy="0"/>
+          <a:chOff x="0" y="0"/>
+          <a:chExt cx="0" cy="0"/>
+        </a:xfrm>
+      </p:grpSpPr>
+      <p:sp>
+        <p:nvSpPr>
+          <p:cNvPr id="2" name="Title 1">
+            <a:extLst>
+              <a:ext uri="{FF2B5EF4-FFF2-40B4-BE49-F238E27FC236}">
+                <a16:creationId xmlns:a16="http://schemas.microsoft.com/office/drawing/2014/main" id="{96187574-30A3-5FAA-344E-634236DB3BD6}"/>
+              </a:ext>
+            </a:extLst>
+          </p:cNvPr>
+          <p:cNvSpPr>
+            <a:spLocks noGrp="1"/>
+          </p:cNvSpPr>
+          <p:nvPr>
+            <p:ph type="title"/>
+          </p:nvPr>
+        </p:nvSpPr>
+        <p:spPr/>
+        <p:txBody>
+          <a:bodyPr/>
+          <a:lstStyle/>
+          <a:p>
+            <a:r>
+              <a:rPr lang="en-US" dirty="0"/>
+              <a:t>Conclusion</a:t>
+            </a:r>
+          </a:p>
+        </p:txBody>
+      </p:sp>
+      <p:sp>
+        <p:nvSpPr>
+          <p:cNvPr id="3" name="Text Placeholder 2">
+            <a:extLst>
+              <a:ext uri="{FF2B5EF4-FFF2-40B4-BE49-F238E27FC236}">
+                <a16:creationId xmlns:a16="http://schemas.microsoft.com/office/drawing/2014/main" id="{E82B0123-1105-CEDF-A011-7470CFA351EC}"/>
+              </a:ext>
+            </a:extLst>
+          </p:cNvPr>
+          <p:cNvSpPr>
+            <a:spLocks noGrp="1"/>
+          </p:cNvSpPr>
+          <p:nvPr>
+            <p:ph type="body" idx="1"/>
+          </p:nvPr>
+        </p:nvSpPr>
+        <p:spPr/>
+        <p:txBody>
+          <a:bodyPr/>
+          <a:lstStyle/>
+          <a:p>
+            <a:r>
+              <a:rPr lang="en-US" dirty="0"/>
+              <a:t>CAD/USD Bearish Outlook for 2026</a:t>
+            </a:r>
+          </a:p>
+        </p:txBody>
+      </p:sp>
+    </p:spTree>
+    <p:extLst>
+      <p:ext uri="{BB962C8B-B14F-4D97-AF65-F5344CB8AC3E}">
+        <p14:creationId xmlns:p14="http://schemas.microsoft.com/office/powerpoint/2010/main" val="3618783459"/>
+      </p:ext>
+    </p:extLst>
+  </p:cSld>
+  <p:clrMapOvr>
+    <a:masterClrMapping/>
+  </p:clrMapOvr>
+</p:sld>
+</file>
+
+<file path=ppt/slides/slide24.xml><?xml version="1.0" encoding="utf-8"?>
+<p:sld xmlns:a="http://schemas.openxmlformats.org/drawingml/2006/main" xmlns:r="http://schemas.openxmlformats.org/officeDocument/2006/relationships" xmlns:p="http://schemas.openxmlformats.org/presentationml/2006/main">
+  <p:cSld>
+    <p:spTree>
+      <p:nvGrpSpPr>
+        <p:cNvPr id="1" name=""/>
+        <p:cNvGrpSpPr/>
+        <p:nvPr/>
+      </p:nvGrpSpPr>
+      <p:grpSpPr>
+        <a:xfrm>
+          <a:off x="0" y="0"/>
+          <a:ext cx="0" cy="0"/>
+          <a:chOff x="0" y="0"/>
+          <a:chExt cx="0" cy="0"/>
+        </a:xfrm>
+      </p:grpSpPr>
+      <p:sp>
+        <p:nvSpPr>
+          <p:cNvPr id="4" name="Title 3">
+            <a:extLst>
+              <a:ext uri="{FF2B5EF4-FFF2-40B4-BE49-F238E27FC236}">
+                <a16:creationId xmlns:a16="http://schemas.microsoft.com/office/drawing/2014/main" id="{CA76C0B7-99E4-240F-ADFA-256AD5CB968F}"/>
+              </a:ext>
+            </a:extLst>
+          </p:cNvPr>
+          <p:cNvSpPr>
+            <a:spLocks noGrp="1"/>
+          </p:cNvSpPr>
+          <p:nvPr>
+            <p:ph type="title"/>
+          </p:nvPr>
+        </p:nvSpPr>
+        <p:spPr/>
+        <p:txBody>
+          <a:bodyPr/>
+          <a:lstStyle/>
+          <a:p>
+            <a:r>
+              <a:rPr lang="en-US" dirty="0"/>
+              <a:t>Recap</a:t>
+            </a:r>
+          </a:p>
+        </p:txBody>
+      </p:sp>
+      <p:sp>
+        <p:nvSpPr>
+          <p:cNvPr id="5" name="Content Placeholder 4">
+            <a:extLst>
+              <a:ext uri="{FF2B5EF4-FFF2-40B4-BE49-F238E27FC236}">
+                <a16:creationId xmlns:a16="http://schemas.microsoft.com/office/drawing/2014/main" id="{B3D1EB59-8E10-96BE-BBA5-0D310BF762B2}"/>
+              </a:ext>
+            </a:extLst>
+          </p:cNvPr>
+          <p:cNvSpPr>
+            <a:spLocks noGrp="1"/>
+          </p:cNvSpPr>
+          <p:nvPr>
+            <p:ph idx="1"/>
+          </p:nvPr>
+        </p:nvSpPr>
+        <p:spPr/>
+        <p:txBody>
+          <a:bodyPr/>
+          <a:lstStyle/>
+          <a:p>
+            <a:r>
+              <a:rPr lang="en-US" dirty="0"/>
+              <a:t>Economic growth projected to slow in 2026</a:t>
+            </a:r>
+          </a:p>
+          <a:p>
+            <a:r>
+              <a:rPr lang="en-US" dirty="0"/>
+              <a:t>Oil demand declines while inventories rise, signaling oversupply</a:t>
+            </a:r>
+          </a:p>
+          <a:p>
+            <a:r>
+              <a:rPr lang="en-US" dirty="0"/>
+              <a:t>After a period of weakness due to Tariffs, the U.S. dollar rebounds in 2026</a:t>
+            </a:r>
+          </a:p>
+          <a:p>
+            <a:r>
+              <a:rPr lang="en-US" dirty="0"/>
+              <a:t>CAD/USD is positively correlated with oil prices and negatively correlated with the dollar index</a:t>
+            </a:r>
+          </a:p>
+          <a:p>
+            <a:r>
+              <a:rPr lang="en-US" dirty="0"/>
+              <a:t>The CAD/USD downtrend persists into 2026, continuing the decline initiated in 2022.</a:t>
+            </a:r>
+          </a:p>
+        </p:txBody>
+      </p:sp>
+    </p:spTree>
+    <p:extLst>
+      <p:ext uri="{BB962C8B-B14F-4D97-AF65-F5344CB8AC3E}">
+        <p14:creationId xmlns:p14="http://schemas.microsoft.com/office/powerpoint/2010/main" val="2636756083"/>
       </p:ext>
     </p:extLst>
   </p:cSld>
@@ -3581,7 +6521,7 @@
           <p:cNvPr id="2" name="Title 1">
             <a:extLst>
               <a:ext uri="{FF2B5EF4-FFF2-40B4-BE49-F238E27FC236}">
-                <a16:creationId xmlns:a16="http://schemas.microsoft.com/office/drawing/2014/main" id="{F92F6E53-B2B1-974C-A528-A2F8857ACD21}"/>
+                <a16:creationId xmlns:a16="http://schemas.microsoft.com/office/drawing/2014/main" id="{B572453D-FE0B-7161-F6F9-57BA4A917C6D}"/>
               </a:ext>
             </a:extLst>
           </p:cNvPr>
@@ -3599,96 +6539,90 @@
           <a:p>
             <a:r>
               <a:rPr lang="en-US" dirty="0"/>
-              <a:t>Forecasting Approaches</a:t>
-            </a:r>
-          </a:p>
-        </p:txBody>
-      </p:sp>
-      <p:sp>
-        <p:nvSpPr>
-          <p:cNvPr id="3" name="Content Placeholder 2">
+              <a:t>Exchange Rate Models in Economics</a:t>
+            </a:r>
+          </a:p>
+        </p:txBody>
+      </p:sp>
+      <p:pic>
+        <p:nvPicPr>
+          <p:cNvPr id="9" name="Content Placeholder 8" descr="A diagram of a currency&#10;&#10;AI-generated content may be incorrect.">
             <a:extLst>
               <a:ext uri="{FF2B5EF4-FFF2-40B4-BE49-F238E27FC236}">
-                <a16:creationId xmlns:a16="http://schemas.microsoft.com/office/drawing/2014/main" id="{1D6CF543-3291-DE2F-9FF9-97DBD4DD59C8}"/>
+                <a16:creationId xmlns:a16="http://schemas.microsoft.com/office/drawing/2014/main" id="{2DA107B5-EAB8-7EE1-DE1A-E284768C6479}"/>
               </a:ext>
             </a:extLst>
           </p:cNvPr>
-          <p:cNvSpPr>
-            <a:spLocks noGrp="1"/>
-          </p:cNvSpPr>
-          <p:nvPr>
-            <p:ph idx="1"/>
-          </p:nvPr>
-        </p:nvSpPr>
-        <p:spPr/>
-        <p:txBody>
-          <a:bodyPr/>
-          <a:lstStyle/>
-          <a:p>
-            <a:pPr marL="514350" indent="-514350">
-              <a:buFont typeface="+mj-lt"/>
-              <a:buAutoNum type="arabicPeriod"/>
-            </a:pPr>
-            <a:r>
-              <a:rPr lang="en-US" b="1" dirty="0"/>
-              <a:t>Technical Analysis</a:t>
-            </a:r>
+          <p:cNvPicPr>
+            <a:picLocks noGrp="1" noChangeAspect="1"/>
+          </p:cNvPicPr>
+          <p:nvPr>
+            <p:ph sz="half" idx="1"/>
+          </p:nvPr>
+        </p:nvPicPr>
+        <p:blipFill>
+          <a:blip r:embed="rId3">
+            <a:extLst>
+              <a:ext uri="{28A0092B-C50C-407E-A947-70E740481C1C}">
+                <a14:useLocalDpi xmlns:a14="http://schemas.microsoft.com/office/drawing/2010/main" val="0"/>
+              </a:ext>
+            </a:extLst>
+          </a:blip>
+          <a:stretch>
+            <a:fillRect/>
+          </a:stretch>
+        </p:blipFill>
+        <p:spPr>
+          <a:xfrm>
+            <a:off x="1185447" y="1825625"/>
+            <a:ext cx="4487105" cy="4351338"/>
+          </a:xfrm>
+        </p:spPr>
+      </p:pic>
+      <p:sp>
+        <p:nvSpPr>
+          <p:cNvPr id="10" name="Content Placeholder 9">
+            <a:extLst>
+              <a:ext uri="{FF2B5EF4-FFF2-40B4-BE49-F238E27FC236}">
+                <a16:creationId xmlns:a16="http://schemas.microsoft.com/office/drawing/2014/main" id="{717A645D-33CD-2F44-8ABA-658A781E3442}"/>
+              </a:ext>
+            </a:extLst>
+          </p:cNvPr>
+          <p:cNvSpPr>
+            <a:spLocks noGrp="1"/>
+          </p:cNvSpPr>
+          <p:nvPr>
+            <p:ph sz="half" idx="2"/>
+          </p:nvPr>
+        </p:nvSpPr>
+        <p:spPr/>
+        <p:txBody>
+          <a:bodyPr/>
+          <a:lstStyle/>
+          <a:p>
             <a:r>
               <a:rPr lang="en-US" dirty="0"/>
-              <a:t>: Discretionary price and volume analysis</a:t>
-            </a:r>
-          </a:p>
-          <a:p>
-            <a:pPr marL="514350" indent="-514350">
-              <a:buFont typeface="+mj-lt"/>
-              <a:buAutoNum type="arabicPeriod"/>
-            </a:pPr>
-            <a:r>
-              <a:rPr lang="en-US" b="1" dirty="0"/>
-              <a:t>Quantitative Analysis</a:t>
-            </a:r>
+              <a:t>Purchasing Power Parity</a:t>
+            </a:r>
+          </a:p>
+          <a:p>
             <a:r>
               <a:rPr lang="en-US" dirty="0"/>
-              <a:t>: Applying statistics and machine learning</a:t>
-            </a:r>
-          </a:p>
-          <a:p>
-            <a:pPr marL="514350" indent="-514350">
-              <a:buFont typeface="+mj-lt"/>
-              <a:buAutoNum type="arabicPeriod"/>
-            </a:pPr>
-            <a:r>
-              <a:rPr lang="en-US" b="1" dirty="0"/>
-              <a:t>Sentiment Analysis</a:t>
-            </a:r>
+              <a:t>Interest Rate Parity</a:t>
+            </a:r>
+          </a:p>
+          <a:p>
             <a:r>
               <a:rPr lang="en-US" dirty="0"/>
-              <a:t>: General sentiment of market participants</a:t>
-            </a:r>
-          </a:p>
-          <a:p>
-            <a:pPr marL="514350" indent="-514350">
-              <a:buFont typeface="+mj-lt"/>
-              <a:buAutoNum type="arabicPeriod"/>
-            </a:pPr>
-            <a:r>
-              <a:rPr lang="en-US" b="1" dirty="0"/>
-              <a:t>Fundamental Analysis</a:t>
-            </a:r>
-            <a:r>
-              <a:rPr lang="en-US" dirty="0"/>
-              <a:t>: Economical theories on value and equilibrium levels, and supply and demand</a:t>
-            </a:r>
-          </a:p>
-          <a:p>
-            <a:endParaRPr lang="en-US" dirty="0"/>
+              <a:t>Relative Economic Strength</a:t>
+            </a:r>
           </a:p>
         </p:txBody>
       </p:sp>
     </p:spTree>
     <p:extLst>
       <p:ext uri="{BB962C8B-B14F-4D97-AF65-F5344CB8AC3E}">
-        <p14:creationId xmlns:p14="http://schemas.microsoft.com/office/powerpoint/2010/main" val="2647621218"/>
+        <p14:creationId xmlns:p14="http://schemas.microsoft.com/office/powerpoint/2010/main" val="3293303752"/>
       </p:ext>
     </p:extLst>
   </p:cSld>
@@ -3720,7 +6654,7 @@
           <p:cNvPr id="2" name="Title 1">
             <a:extLst>
               <a:ext uri="{FF2B5EF4-FFF2-40B4-BE49-F238E27FC236}">
-                <a16:creationId xmlns:a16="http://schemas.microsoft.com/office/drawing/2014/main" id="{A905EDFC-535B-D5BC-1205-3BC27E0D85F6}"/>
+                <a16:creationId xmlns:a16="http://schemas.microsoft.com/office/drawing/2014/main" id="{9ECFC2CE-4B70-4809-C40F-942FA692527D}"/>
               </a:ext>
             </a:extLst>
           </p:cNvPr>
@@ -3738,99 +6672,47 @@
           <a:p>
             <a:r>
               <a:rPr lang="en-US" dirty="0"/>
-              <a:t>Key Drivers of CAD/USD rat</a:t>
-            </a:r>
-          </a:p>
-        </p:txBody>
-      </p:sp>
-      <p:sp>
-        <p:nvSpPr>
-          <p:cNvPr id="3" name="Content Placeholder 2">
+              <a:t>Interest Rate Parity</a:t>
+            </a:r>
+          </a:p>
+        </p:txBody>
+      </p:sp>
+      <p:pic>
+        <p:nvPicPr>
+          <p:cNvPr id="5" name="Content Placeholder 4">
             <a:extLst>
               <a:ext uri="{FF2B5EF4-FFF2-40B4-BE49-F238E27FC236}">
-                <a16:creationId xmlns:a16="http://schemas.microsoft.com/office/drawing/2014/main" id="{C5A6DC22-D1C6-4540-B615-88442DDF78C2}"/>
+                <a16:creationId xmlns:a16="http://schemas.microsoft.com/office/drawing/2014/main" id="{32641996-6730-F545-7BE6-DB58DA729CB5}"/>
               </a:ext>
             </a:extLst>
           </p:cNvPr>
-          <p:cNvSpPr>
-            <a:spLocks noGrp="1"/>
-          </p:cNvSpPr>
+          <p:cNvPicPr>
+            <a:picLocks noGrp="1" noChangeAspect="1"/>
+          </p:cNvPicPr>
           <p:nvPr>
             <p:ph idx="1"/>
           </p:nvPr>
-        </p:nvSpPr>
-        <p:spPr/>
-        <p:txBody>
-          <a:bodyPr/>
-          <a:lstStyle/>
-          <a:p>
-            <a:r>
-              <a:rPr lang="en-US" b="1" dirty="0"/>
-              <a:t>Oil Price</a:t>
-            </a:r>
-          </a:p>
-          <a:p>
-            <a:r>
-              <a:rPr lang="en-US" b="1" dirty="0"/>
-              <a:t>Interest Rates </a:t>
-            </a:r>
-            <a:r>
-              <a:rPr lang="en-US" dirty="0"/>
-              <a:t>in CA and US</a:t>
-            </a:r>
-          </a:p>
-          <a:p>
-            <a:r>
-              <a:rPr lang="en-US" b="1" dirty="0"/>
-              <a:t>Inflation Rates </a:t>
-            </a:r>
-            <a:r>
-              <a:rPr lang="en-US" dirty="0"/>
-              <a:t>in CA and US</a:t>
-            </a:r>
-          </a:p>
-          <a:p>
-            <a:r>
-              <a:rPr lang="en-US" b="1" dirty="0"/>
-              <a:t>GDP Growth Rates </a:t>
-            </a:r>
-            <a:r>
-              <a:rPr lang="en-US" dirty="0"/>
-              <a:t>in CA and US</a:t>
-            </a:r>
-          </a:p>
-          <a:p>
-            <a:r>
-              <a:rPr lang="en-US" b="1" dirty="0"/>
-              <a:t>Unemployment Rates </a:t>
-            </a:r>
-            <a:r>
-              <a:rPr lang="en-US" dirty="0"/>
-              <a:t>in CA and US</a:t>
-            </a:r>
-          </a:p>
-          <a:p>
-            <a:r>
-              <a:rPr lang="en-US" b="1" dirty="0"/>
-              <a:t>Trade Balance </a:t>
-            </a:r>
-            <a:r>
-              <a:rPr lang="en-US" dirty="0"/>
-              <a:t>(Export/Import) between CA and US</a:t>
-            </a:r>
-          </a:p>
-          <a:p>
-            <a:endParaRPr lang="en-US" dirty="0"/>
-          </a:p>
-          <a:p>
-            <a:endParaRPr lang="en-US" dirty="0"/>
-          </a:p>
-        </p:txBody>
-      </p:sp>
+        </p:nvPicPr>
+        <p:blipFill>
+          <a:blip r:embed="rId2"/>
+          <a:stretch>
+            <a:fillRect/>
+          </a:stretch>
+        </p:blipFill>
+        <p:spPr>
+          <a:xfrm>
+            <a:off x="3203833" y="1825625"/>
+            <a:ext cx="5784334" cy="4351338"/>
+          </a:xfrm>
+          <a:prstGeom prst="rect">
+            <a:avLst/>
+          </a:prstGeom>
+        </p:spPr>
+      </p:pic>
     </p:spTree>
     <p:extLst>
       <p:ext uri="{BB962C8B-B14F-4D97-AF65-F5344CB8AC3E}">
-        <p14:creationId xmlns:p14="http://schemas.microsoft.com/office/powerpoint/2010/main" val="1562479481"/>
+        <p14:creationId xmlns:p14="http://schemas.microsoft.com/office/powerpoint/2010/main" val="3762904306"/>
       </p:ext>
     </p:extLst>
   </p:cSld>
@@ -3862,7 +6744,7 @@
           <p:cNvPr id="2" name="Title 1">
             <a:extLst>
               <a:ext uri="{FF2B5EF4-FFF2-40B4-BE49-F238E27FC236}">
-                <a16:creationId xmlns:a16="http://schemas.microsoft.com/office/drawing/2014/main" id="{ABF9FF53-A2B8-4C91-891D-8B712502CD30}"/>
+                <a16:creationId xmlns:a16="http://schemas.microsoft.com/office/drawing/2014/main" id="{BF4FBA0B-C5C8-5853-7643-29F6C707CB1E}"/>
               </a:ext>
             </a:extLst>
           </p:cNvPr>
@@ -3880,40 +6762,47 @@
           <a:p>
             <a:r>
               <a:rPr lang="en-US" dirty="0"/>
-              <a:t>2. Historical Analysis</a:t>
-            </a:r>
-          </a:p>
-        </p:txBody>
-      </p:sp>
-      <p:sp>
-        <p:nvSpPr>
-          <p:cNvPr id="3" name="Text Placeholder 2">
+              <a:t>Conceptual Model</a:t>
+            </a:r>
+          </a:p>
+        </p:txBody>
+      </p:sp>
+      <p:pic>
+        <p:nvPicPr>
+          <p:cNvPr id="5" name="Content Placeholder 4">
             <a:extLst>
               <a:ext uri="{FF2B5EF4-FFF2-40B4-BE49-F238E27FC236}">
-                <a16:creationId xmlns:a16="http://schemas.microsoft.com/office/drawing/2014/main" id="{461468EE-03F3-3931-A0FF-397377822AC4}"/>
+                <a16:creationId xmlns:a16="http://schemas.microsoft.com/office/drawing/2014/main" id="{17697F39-A995-EAC0-2898-E987C78A7F78}"/>
               </a:ext>
             </a:extLst>
           </p:cNvPr>
-          <p:cNvSpPr>
-            <a:spLocks noGrp="1"/>
-          </p:cNvSpPr>
-          <p:nvPr>
-            <p:ph type="body" idx="1"/>
-          </p:nvPr>
-        </p:nvSpPr>
-        <p:spPr/>
-        <p:txBody>
-          <a:bodyPr/>
-          <a:lstStyle/>
-          <a:p>
-            <a:endParaRPr lang="en-US"/>
-          </a:p>
-        </p:txBody>
-      </p:sp>
+          <p:cNvPicPr>
+            <a:picLocks noGrp="1" noChangeAspect="1"/>
+          </p:cNvPicPr>
+          <p:nvPr>
+            <p:ph idx="1"/>
+          </p:nvPr>
+        </p:nvPicPr>
+        <p:blipFill>
+          <a:blip r:embed="rId2"/>
+          <a:stretch>
+            <a:fillRect/>
+          </a:stretch>
+        </p:blipFill>
+        <p:spPr>
+          <a:xfrm>
+            <a:off x="3653506" y="1690688"/>
+            <a:ext cx="4884987" cy="3733461"/>
+          </a:xfrm>
+          <a:prstGeom prst="rect">
+            <a:avLst/>
+          </a:prstGeom>
+        </p:spPr>
+      </p:pic>
     </p:spTree>
     <p:extLst>
       <p:ext uri="{BB962C8B-B14F-4D97-AF65-F5344CB8AC3E}">
-        <p14:creationId xmlns:p14="http://schemas.microsoft.com/office/powerpoint/2010/main" val="462920263"/>
+        <p14:creationId xmlns:p14="http://schemas.microsoft.com/office/powerpoint/2010/main" val="2371642627"/>
       </p:ext>
     </p:extLst>
   </p:cSld>
@@ -3945,7 +6834,7 @@
           <p:cNvPr id="2" name="Title 1">
             <a:extLst>
               <a:ext uri="{FF2B5EF4-FFF2-40B4-BE49-F238E27FC236}">
-                <a16:creationId xmlns:a16="http://schemas.microsoft.com/office/drawing/2014/main" id="{841627D3-1EA2-09A0-6D68-0B93679268FA}"/>
+                <a16:creationId xmlns:a16="http://schemas.microsoft.com/office/drawing/2014/main" id="{AC66D991-C37B-D398-A8DB-8A2F0ED036C6}"/>
               </a:ext>
             </a:extLst>
           </p:cNvPr>
@@ -3963,40 +6852,47 @@
           <a:p>
             <a:r>
               <a:rPr lang="en-US" dirty="0"/>
-              <a:t>Trend Analysis</a:t>
-            </a:r>
-          </a:p>
-        </p:txBody>
-      </p:sp>
-      <p:sp>
-        <p:nvSpPr>
-          <p:cNvPr id="3" name="Content Placeholder 2">
+              <a:t>Crude Oil (WTI)</a:t>
+            </a:r>
+          </a:p>
+        </p:txBody>
+      </p:sp>
+      <p:pic>
+        <p:nvPicPr>
+          <p:cNvPr id="5" name="Content Placeholder 4">
             <a:extLst>
               <a:ext uri="{FF2B5EF4-FFF2-40B4-BE49-F238E27FC236}">
-                <a16:creationId xmlns:a16="http://schemas.microsoft.com/office/drawing/2014/main" id="{C8518871-5ED6-97D7-661B-16FF3B6FDC56}"/>
+                <a16:creationId xmlns:a16="http://schemas.microsoft.com/office/drawing/2014/main" id="{42BB244C-FCD8-6E17-98CC-AF3F310A52DD}"/>
               </a:ext>
             </a:extLst>
           </p:cNvPr>
-          <p:cNvSpPr>
-            <a:spLocks noGrp="1"/>
-          </p:cNvSpPr>
+          <p:cNvPicPr>
+            <a:picLocks noGrp="1" noChangeAspect="1"/>
+          </p:cNvPicPr>
           <p:nvPr>
             <p:ph idx="1"/>
           </p:nvPr>
-        </p:nvSpPr>
-        <p:spPr/>
-        <p:txBody>
-          <a:bodyPr/>
-          <a:lstStyle/>
-          <a:p>
-            <a:endParaRPr lang="en-US"/>
-          </a:p>
-        </p:txBody>
-      </p:sp>
+        </p:nvPicPr>
+        <p:blipFill>
+          <a:blip r:embed="rId2"/>
+          <a:stretch>
+            <a:fillRect/>
+          </a:stretch>
+        </p:blipFill>
+        <p:spPr>
+          <a:xfrm>
+            <a:off x="2425537" y="1825625"/>
+            <a:ext cx="7340926" cy="4351338"/>
+          </a:xfrm>
+          <a:prstGeom prst="rect">
+            <a:avLst/>
+          </a:prstGeom>
+        </p:spPr>
+      </p:pic>
     </p:spTree>
     <p:extLst>
       <p:ext uri="{BB962C8B-B14F-4D97-AF65-F5344CB8AC3E}">
-        <p14:creationId xmlns:p14="http://schemas.microsoft.com/office/powerpoint/2010/main" val="2327323524"/>
+        <p14:creationId xmlns:p14="http://schemas.microsoft.com/office/powerpoint/2010/main" val="597341993"/>
       </p:ext>
     </p:extLst>
   </p:cSld>
@@ -4025,10 +6921,10 @@
       </p:grpSpPr>
       <p:sp>
         <p:nvSpPr>
-          <p:cNvPr id="4" name="Title 3">
+          <p:cNvPr id="2" name="Title 1">
             <a:extLst>
               <a:ext uri="{FF2B5EF4-FFF2-40B4-BE49-F238E27FC236}">
-                <a16:creationId xmlns:a16="http://schemas.microsoft.com/office/drawing/2014/main" id="{25C3C03C-57C8-F5FF-B54D-83A6FC1FA255}"/>
+                <a16:creationId xmlns:a16="http://schemas.microsoft.com/office/drawing/2014/main" id="{BB9F5CB4-761A-0CFA-6810-F801DAB87CFE}"/>
               </a:ext>
             </a:extLst>
           </p:cNvPr>
@@ -4046,43 +6942,47 @@
           <a:p>
             <a:r>
               <a:rPr lang="en-US" dirty="0"/>
-              <a:t>3. Forecast</a:t>
-            </a:r>
-          </a:p>
-        </p:txBody>
-      </p:sp>
-      <p:sp>
-        <p:nvSpPr>
-          <p:cNvPr id="5" name="Text Placeholder 4">
+              <a:t>Dollar Index (DXY)</a:t>
+            </a:r>
+          </a:p>
+        </p:txBody>
+      </p:sp>
+      <p:pic>
+        <p:nvPicPr>
+          <p:cNvPr id="5" name="Content Placeholder 4">
             <a:extLst>
               <a:ext uri="{FF2B5EF4-FFF2-40B4-BE49-F238E27FC236}">
-                <a16:creationId xmlns:a16="http://schemas.microsoft.com/office/drawing/2014/main" id="{25B9F37B-691A-E093-55AD-00D1B6CEFACE}"/>
+                <a16:creationId xmlns:a16="http://schemas.microsoft.com/office/drawing/2014/main" id="{269C7277-0160-3C52-0BF7-3D48BF5288E0}"/>
               </a:ext>
             </a:extLst>
           </p:cNvPr>
-          <p:cNvSpPr>
-            <a:spLocks noGrp="1"/>
-          </p:cNvSpPr>
-          <p:nvPr>
-            <p:ph type="body" idx="1"/>
-          </p:nvPr>
-        </p:nvSpPr>
-        <p:spPr/>
-        <p:txBody>
-          <a:bodyPr/>
-          <a:lstStyle/>
-          <a:p>
-            <a:r>
-              <a:rPr lang="en-US" dirty="0"/>
-              <a:t>Next 12 months</a:t>
-            </a:r>
-          </a:p>
-        </p:txBody>
-      </p:sp>
+          <p:cNvPicPr>
+            <a:picLocks noGrp="1" noChangeAspect="1"/>
+          </p:cNvPicPr>
+          <p:nvPr>
+            <p:ph idx="1"/>
+          </p:nvPr>
+        </p:nvPicPr>
+        <p:blipFill>
+          <a:blip r:embed="rId2"/>
+          <a:stretch>
+            <a:fillRect/>
+          </a:stretch>
+        </p:blipFill>
+        <p:spPr>
+          <a:xfrm>
+            <a:off x="2493406" y="1825625"/>
+            <a:ext cx="7205188" cy="4351338"/>
+          </a:xfrm>
+          <a:prstGeom prst="rect">
+            <a:avLst/>
+          </a:prstGeom>
+        </p:spPr>
+      </p:pic>
     </p:spTree>
     <p:extLst>
       <p:ext uri="{BB962C8B-B14F-4D97-AF65-F5344CB8AC3E}">
-        <p14:creationId xmlns:p14="http://schemas.microsoft.com/office/powerpoint/2010/main" val="12448883"/>
+        <p14:creationId xmlns:p14="http://schemas.microsoft.com/office/powerpoint/2010/main" val="403296574"/>
       </p:ext>
     </p:extLst>
   </p:cSld>
@@ -4114,7 +7014,7 @@
           <p:cNvPr id="2" name="Title 1">
             <a:extLst>
               <a:ext uri="{FF2B5EF4-FFF2-40B4-BE49-F238E27FC236}">
-                <a16:creationId xmlns:a16="http://schemas.microsoft.com/office/drawing/2014/main" id="{59FFC9C5-05D8-D643-1686-E1AD194661DC}"/>
+                <a16:creationId xmlns:a16="http://schemas.microsoft.com/office/drawing/2014/main" id="{6BC4E5D5-285B-BF73-C9EB-89A5A26AAE92}"/>
               </a:ext>
             </a:extLst>
           </p:cNvPr>
@@ -4132,40 +7032,79 @@
           <a:p>
             <a:r>
               <a:rPr lang="en-US" dirty="0"/>
-              <a:t>Baseline Model – Random Walk</a:t>
-            </a:r>
-          </a:p>
-        </p:txBody>
-      </p:sp>
-      <p:sp>
-        <p:nvSpPr>
-          <p:cNvPr id="3" name="Content Placeholder 2">
+              <a:t>Lasso (L1) Regularized Regression</a:t>
+            </a:r>
+          </a:p>
+        </p:txBody>
+      </p:sp>
+      <p:pic>
+        <p:nvPicPr>
+          <p:cNvPr id="13" name="Content Placeholder 12">
             <a:extLst>
               <a:ext uri="{FF2B5EF4-FFF2-40B4-BE49-F238E27FC236}">
-                <a16:creationId xmlns:a16="http://schemas.microsoft.com/office/drawing/2014/main" id="{A3803D77-9C2B-2DCF-35EF-23555902ED99}"/>
+                <a16:creationId xmlns:a16="http://schemas.microsoft.com/office/drawing/2014/main" id="{0A2BBA90-FA64-4E64-797E-6D986D3B1581}"/>
               </a:ext>
             </a:extLst>
           </p:cNvPr>
-          <p:cNvSpPr>
-            <a:spLocks noGrp="1"/>
-          </p:cNvSpPr>
-          <p:nvPr>
-            <p:ph idx="1"/>
-          </p:nvPr>
-        </p:nvSpPr>
-        <p:spPr/>
-        <p:txBody>
-          <a:bodyPr/>
-          <a:lstStyle/>
-          <a:p>
-            <a:endParaRPr lang="en-US"/>
-          </a:p>
-        </p:txBody>
-      </p:sp>
+          <p:cNvPicPr>
+            <a:picLocks noGrp="1" noChangeAspect="1"/>
+          </p:cNvPicPr>
+          <p:nvPr>
+            <p:ph sz="half" idx="2"/>
+          </p:nvPr>
+        </p:nvPicPr>
+        <p:blipFill>
+          <a:blip r:embed="rId2"/>
+          <a:stretch>
+            <a:fillRect/>
+          </a:stretch>
+        </p:blipFill>
+        <p:spPr>
+          <a:xfrm>
+            <a:off x="7362629" y="3353503"/>
+            <a:ext cx="2800741" cy="1295581"/>
+          </a:xfrm>
+          <a:prstGeom prst="rect">
+            <a:avLst/>
+          </a:prstGeom>
+        </p:spPr>
+      </p:pic>
+      <p:pic>
+        <p:nvPicPr>
+          <p:cNvPr id="11" name="Content Placeholder 10">
+            <a:extLst>
+              <a:ext uri="{FF2B5EF4-FFF2-40B4-BE49-F238E27FC236}">
+                <a16:creationId xmlns:a16="http://schemas.microsoft.com/office/drawing/2014/main" id="{58E2EEA7-B9A3-0E13-EC64-E391E9FFBA00}"/>
+              </a:ext>
+            </a:extLst>
+          </p:cNvPr>
+          <p:cNvPicPr>
+            <a:picLocks noGrp="1" noChangeAspect="1"/>
+          </p:cNvPicPr>
+          <p:nvPr>
+            <p:ph sz="half" idx="1"/>
+          </p:nvPr>
+        </p:nvPicPr>
+        <p:blipFill>
+          <a:blip r:embed="rId3"/>
+          <a:stretch>
+            <a:fillRect/>
+          </a:stretch>
+        </p:blipFill>
+        <p:spPr>
+          <a:xfrm>
+            <a:off x="1872303" y="1825625"/>
+            <a:ext cx="3113393" cy="4351338"/>
+          </a:xfrm>
+          <a:prstGeom prst="rect">
+            <a:avLst/>
+          </a:prstGeom>
+        </p:spPr>
+      </p:pic>
     </p:spTree>
     <p:extLst>
       <p:ext uri="{BB962C8B-B14F-4D97-AF65-F5344CB8AC3E}">
-        <p14:creationId xmlns:p14="http://schemas.microsoft.com/office/powerpoint/2010/main" val="3483344342"/>
+        <p14:creationId xmlns:p14="http://schemas.microsoft.com/office/powerpoint/2010/main" val="1384600304"/>
       </p:ext>
     </p:extLst>
   </p:cSld>
@@ -4197,7 +7136,7 @@
           <p:cNvPr id="2" name="Title 1">
             <a:extLst>
               <a:ext uri="{FF2B5EF4-FFF2-40B4-BE49-F238E27FC236}">
-                <a16:creationId xmlns:a16="http://schemas.microsoft.com/office/drawing/2014/main" id="{D6C9E18A-8FEE-9FCC-48A1-9807EFDD13C3}"/>
+                <a16:creationId xmlns:a16="http://schemas.microsoft.com/office/drawing/2014/main" id="{0B899074-A63A-EF49-A13A-EA32BC55FAE7}"/>
               </a:ext>
             </a:extLst>
           </p:cNvPr>
@@ -4215,40 +7154,47 @@
           <a:p>
             <a:r>
               <a:rPr lang="en-US" dirty="0"/>
-              <a:t>Simple Linear Regression</a:t>
-            </a:r>
-          </a:p>
-        </p:txBody>
-      </p:sp>
-      <p:sp>
-        <p:nvSpPr>
-          <p:cNvPr id="3" name="Content Placeholder 2">
+              <a:t>CAD/USD: Simple Linear Regression of Oil and Dollar Index</a:t>
+            </a:r>
+          </a:p>
+        </p:txBody>
+      </p:sp>
+      <p:pic>
+        <p:nvPicPr>
+          <p:cNvPr id="5" name="Content Placeholder 4">
             <a:extLst>
               <a:ext uri="{FF2B5EF4-FFF2-40B4-BE49-F238E27FC236}">
-                <a16:creationId xmlns:a16="http://schemas.microsoft.com/office/drawing/2014/main" id="{8BB66A4E-1D1D-8B05-D137-0A4A8F3E8518}"/>
+                <a16:creationId xmlns:a16="http://schemas.microsoft.com/office/drawing/2014/main" id="{99111528-A16C-B0B2-CC15-D39042BBC1D1}"/>
               </a:ext>
             </a:extLst>
           </p:cNvPr>
-          <p:cNvSpPr>
-            <a:spLocks noGrp="1"/>
-          </p:cNvSpPr>
+          <p:cNvPicPr>
+            <a:picLocks noGrp="1" noChangeAspect="1"/>
+          </p:cNvPicPr>
           <p:nvPr>
             <p:ph idx="1"/>
           </p:nvPr>
-        </p:nvSpPr>
-        <p:spPr/>
-        <p:txBody>
-          <a:bodyPr/>
-          <a:lstStyle/>
-          <a:p>
-            <a:endParaRPr lang="en-US"/>
-          </a:p>
-        </p:txBody>
-      </p:sp>
+        </p:nvPicPr>
+        <p:blipFill>
+          <a:blip r:embed="rId3"/>
+          <a:stretch>
+            <a:fillRect/>
+          </a:stretch>
+        </p:blipFill>
+        <p:spPr>
+          <a:xfrm>
+            <a:off x="2454289" y="1825625"/>
+            <a:ext cx="7283422" cy="4351338"/>
+          </a:xfrm>
+          <a:prstGeom prst="rect">
+            <a:avLst/>
+          </a:prstGeom>
+        </p:spPr>
+      </p:pic>
     </p:spTree>
     <p:extLst>
       <p:ext uri="{BB962C8B-B14F-4D97-AF65-F5344CB8AC3E}">
-        <p14:creationId xmlns:p14="http://schemas.microsoft.com/office/powerpoint/2010/main" val="1577198502"/>
+        <p14:creationId xmlns:p14="http://schemas.microsoft.com/office/powerpoint/2010/main" val="3768811327"/>
       </p:ext>
     </p:extLst>
   </p:cSld>
@@ -4573,6 +7519,321 @@
 </a:theme>
 </file>
 
+<file path=ppt/theme/theme2.xml><?xml version="1.0" encoding="utf-8"?>
+<a:theme xmlns:a="http://schemas.openxmlformats.org/drawingml/2006/main" name="Office Theme">
+  <a:themeElements>
+    <a:clrScheme name="Office">
+      <a:dk1>
+        <a:sysClr val="windowText" lastClr="000000"/>
+      </a:dk1>
+      <a:lt1>
+        <a:sysClr val="window" lastClr="FFFFFF"/>
+      </a:lt1>
+      <a:dk2>
+        <a:srgbClr val="0E2841"/>
+      </a:dk2>
+      <a:lt2>
+        <a:srgbClr val="E8E8E8"/>
+      </a:lt2>
+      <a:accent1>
+        <a:srgbClr val="156082"/>
+      </a:accent1>
+      <a:accent2>
+        <a:srgbClr val="E97132"/>
+      </a:accent2>
+      <a:accent3>
+        <a:srgbClr val="196B24"/>
+      </a:accent3>
+      <a:accent4>
+        <a:srgbClr val="0F9ED5"/>
+      </a:accent4>
+      <a:accent5>
+        <a:srgbClr val="A02B93"/>
+      </a:accent5>
+      <a:accent6>
+        <a:srgbClr val="4EA72E"/>
+      </a:accent6>
+      <a:hlink>
+        <a:srgbClr val="467886"/>
+      </a:hlink>
+      <a:folHlink>
+        <a:srgbClr val="96607D"/>
+      </a:folHlink>
+    </a:clrScheme>
+    <a:fontScheme name="Office">
+      <a:majorFont>
+        <a:latin typeface="Aptos Display" panose="02110004020202020204"/>
+        <a:ea typeface=""/>
+        <a:cs typeface=""/>
+        <a:font script="Jpan" typeface="游ゴシック Light"/>
+        <a:font script="Hang" typeface="맑은 고딕"/>
+        <a:font script="Hans" typeface="等线 Light"/>
+        <a:font script="Hant" typeface="新細明體"/>
+        <a:font script="Arab" typeface="Times New Roman"/>
+        <a:font script="Hebr" typeface="Times New Roman"/>
+        <a:font script="Thai" typeface="Angsana New"/>
+        <a:font script="Ethi" typeface="Nyala"/>
+        <a:font script="Beng" typeface="Vrinda"/>
+        <a:font script="Gujr" typeface="Shruti"/>
+        <a:font script="Khmr" typeface="MoolBoran"/>
+        <a:font script="Knda" typeface="Tunga"/>
+        <a:font script="Guru" typeface="Raavi"/>
+        <a:font script="Cans" typeface="Euphemia"/>
+        <a:font script="Cher" typeface="Plantagenet Cherokee"/>
+        <a:font script="Yiii" typeface="Microsoft Yi Baiti"/>
+        <a:font script="Tibt" typeface="Microsoft Himalaya"/>
+        <a:font script="Thaa" typeface="MV Boli"/>
+        <a:font script="Deva" typeface="Mangal"/>
+        <a:font script="Telu" typeface="Gautami"/>
+        <a:font script="Taml" typeface="Latha"/>
+        <a:font script="Syrc" typeface="Estrangelo Edessa"/>
+        <a:font script="Orya" typeface="Kalinga"/>
+        <a:font script="Mlym" typeface="Kartika"/>
+        <a:font script="Laoo" typeface="DokChampa"/>
+        <a:font script="Sinh" typeface="Iskoola Pota"/>
+        <a:font script="Mong" typeface="Mongolian Baiti"/>
+        <a:font script="Viet" typeface="Times New Roman"/>
+        <a:font script="Uigh" typeface="Microsoft Uighur"/>
+        <a:font script="Geor" typeface="Sylfaen"/>
+        <a:font script="Armn" typeface="Arial"/>
+        <a:font script="Bugi" typeface="Leelawadee UI"/>
+        <a:font script="Bopo" typeface="Microsoft JhengHei"/>
+        <a:font script="Java" typeface="Javanese Text"/>
+        <a:font script="Lisu" typeface="Segoe UI"/>
+        <a:font script="Mymr" typeface="Myanmar Text"/>
+        <a:font script="Nkoo" typeface="Ebrima"/>
+        <a:font script="Olck" typeface="Nirmala UI"/>
+        <a:font script="Osma" typeface="Ebrima"/>
+        <a:font script="Phag" typeface="Phagspa"/>
+        <a:font script="Syrn" typeface="Estrangelo Edessa"/>
+        <a:font script="Syrj" typeface="Estrangelo Edessa"/>
+        <a:font script="Syre" typeface="Estrangelo Edessa"/>
+        <a:font script="Sora" typeface="Nirmala UI"/>
+        <a:font script="Tale" typeface="Microsoft Tai Le"/>
+        <a:font script="Talu" typeface="Microsoft New Tai Lue"/>
+        <a:font script="Tfng" typeface="Ebrima"/>
+      </a:majorFont>
+      <a:minorFont>
+        <a:latin typeface="Aptos" panose="02110004020202020204"/>
+        <a:ea typeface=""/>
+        <a:cs typeface=""/>
+        <a:font script="Jpan" typeface="游ゴシック"/>
+        <a:font script="Hang" typeface="맑은 고딕"/>
+        <a:font script="Hans" typeface="等线"/>
+        <a:font script="Hant" typeface="新細明體"/>
+        <a:font script="Arab" typeface="Arial"/>
+        <a:font script="Hebr" typeface="Arial"/>
+        <a:font script="Thai" typeface="Cordia New"/>
+        <a:font script="Ethi" typeface="Nyala"/>
+        <a:font script="Beng" typeface="Vrinda"/>
+        <a:font script="Gujr" typeface="Shruti"/>
+        <a:font script="Khmr" typeface="DaunPenh"/>
+        <a:font script="Knda" typeface="Tunga"/>
+        <a:font script="Guru" typeface="Raavi"/>
+        <a:font script="Cans" typeface="Euphemia"/>
+        <a:font script="Cher" typeface="Plantagenet Cherokee"/>
+        <a:font script="Yiii" typeface="Microsoft Yi Baiti"/>
+        <a:font script="Tibt" typeface="Microsoft Himalaya"/>
+        <a:font script="Thaa" typeface="MV Boli"/>
+        <a:font script="Deva" typeface="Mangal"/>
+        <a:font script="Telu" typeface="Gautami"/>
+        <a:font script="Taml" typeface="Latha"/>
+        <a:font script="Syrc" typeface="Estrangelo Edessa"/>
+        <a:font script="Orya" typeface="Kalinga"/>
+        <a:font script="Mlym" typeface="Kartika"/>
+        <a:font script="Laoo" typeface="DokChampa"/>
+        <a:font script="Sinh" typeface="Iskoola Pota"/>
+        <a:font script="Mong" typeface="Mongolian Baiti"/>
+        <a:font script="Viet" typeface="Arial"/>
+        <a:font script="Uigh" typeface="Microsoft Uighur"/>
+        <a:font script="Geor" typeface="Sylfaen"/>
+        <a:font script="Armn" typeface="Arial"/>
+        <a:font script="Bugi" typeface="Leelawadee UI"/>
+        <a:font script="Bopo" typeface="Microsoft JhengHei"/>
+        <a:font script="Java" typeface="Javanese Text"/>
+        <a:font script="Lisu" typeface="Segoe UI"/>
+        <a:font script="Mymr" typeface="Myanmar Text"/>
+        <a:font script="Nkoo" typeface="Ebrima"/>
+        <a:font script="Olck" typeface="Nirmala UI"/>
+        <a:font script="Osma" typeface="Ebrima"/>
+        <a:font script="Phag" typeface="Phagspa"/>
+        <a:font script="Syrn" typeface="Estrangelo Edessa"/>
+        <a:font script="Syrj" typeface="Estrangelo Edessa"/>
+        <a:font script="Syre" typeface="Estrangelo Edessa"/>
+        <a:font script="Sora" typeface="Nirmala UI"/>
+        <a:font script="Tale" typeface="Microsoft Tai Le"/>
+        <a:font script="Talu" typeface="Microsoft New Tai Lue"/>
+        <a:font script="Tfng" typeface="Ebrima"/>
+      </a:minorFont>
+    </a:fontScheme>
+    <a:fmtScheme name="Office">
+      <a:fillStyleLst>
+        <a:solidFill>
+          <a:schemeClr val="phClr"/>
+        </a:solidFill>
+        <a:gradFill rotWithShape="1">
+          <a:gsLst>
+            <a:gs pos="0">
+              <a:schemeClr val="phClr">
+                <a:lumMod val="110000"/>
+                <a:satMod val="105000"/>
+                <a:tint val="67000"/>
+              </a:schemeClr>
+            </a:gs>
+            <a:gs pos="50000">
+              <a:schemeClr val="phClr">
+                <a:lumMod val="105000"/>
+                <a:satMod val="103000"/>
+                <a:tint val="73000"/>
+              </a:schemeClr>
+            </a:gs>
+            <a:gs pos="100000">
+              <a:schemeClr val="phClr">
+                <a:lumMod val="105000"/>
+                <a:satMod val="109000"/>
+                <a:tint val="81000"/>
+              </a:schemeClr>
+            </a:gs>
+          </a:gsLst>
+          <a:lin ang="5400000" scaled="0"/>
+        </a:gradFill>
+        <a:gradFill rotWithShape="1">
+          <a:gsLst>
+            <a:gs pos="0">
+              <a:schemeClr val="phClr">
+                <a:satMod val="103000"/>
+                <a:lumMod val="102000"/>
+                <a:tint val="94000"/>
+              </a:schemeClr>
+            </a:gs>
+            <a:gs pos="50000">
+              <a:schemeClr val="phClr">
+                <a:satMod val="110000"/>
+                <a:lumMod val="100000"/>
+                <a:shade val="100000"/>
+              </a:schemeClr>
+            </a:gs>
+            <a:gs pos="100000">
+              <a:schemeClr val="phClr">
+                <a:lumMod val="99000"/>
+                <a:satMod val="120000"/>
+                <a:shade val="78000"/>
+              </a:schemeClr>
+            </a:gs>
+          </a:gsLst>
+          <a:lin ang="5400000" scaled="0"/>
+        </a:gradFill>
+      </a:fillStyleLst>
+      <a:lnStyleLst>
+        <a:ln w="12700" cap="flat" cmpd="sng" algn="ctr">
+          <a:solidFill>
+            <a:schemeClr val="phClr"/>
+          </a:solidFill>
+          <a:prstDash val="solid"/>
+          <a:miter lim="800000"/>
+        </a:ln>
+        <a:ln w="19050" cap="flat" cmpd="sng" algn="ctr">
+          <a:solidFill>
+            <a:schemeClr val="phClr"/>
+          </a:solidFill>
+          <a:prstDash val="solid"/>
+          <a:miter lim="800000"/>
+        </a:ln>
+        <a:ln w="25400" cap="flat" cmpd="sng" algn="ctr">
+          <a:solidFill>
+            <a:schemeClr val="phClr"/>
+          </a:solidFill>
+          <a:prstDash val="solid"/>
+          <a:miter lim="800000"/>
+        </a:ln>
+      </a:lnStyleLst>
+      <a:effectStyleLst>
+        <a:effectStyle>
+          <a:effectLst/>
+        </a:effectStyle>
+        <a:effectStyle>
+          <a:effectLst/>
+        </a:effectStyle>
+        <a:effectStyle>
+          <a:effectLst>
+            <a:outerShdw blurRad="57150" dist="19050" dir="5400000" algn="ctr" rotWithShape="0">
+              <a:srgbClr val="000000">
+                <a:alpha val="63000"/>
+              </a:srgbClr>
+            </a:outerShdw>
+          </a:effectLst>
+        </a:effectStyle>
+      </a:effectStyleLst>
+      <a:bgFillStyleLst>
+        <a:solidFill>
+          <a:schemeClr val="phClr"/>
+        </a:solidFill>
+        <a:solidFill>
+          <a:schemeClr val="phClr">
+            <a:tint val="95000"/>
+            <a:satMod val="170000"/>
+          </a:schemeClr>
+        </a:solidFill>
+        <a:gradFill rotWithShape="1">
+          <a:gsLst>
+            <a:gs pos="0">
+              <a:schemeClr val="phClr">
+                <a:tint val="93000"/>
+                <a:satMod val="150000"/>
+                <a:shade val="98000"/>
+                <a:lumMod val="102000"/>
+              </a:schemeClr>
+            </a:gs>
+            <a:gs pos="50000">
+              <a:schemeClr val="phClr">
+                <a:tint val="98000"/>
+                <a:satMod val="130000"/>
+                <a:shade val="90000"/>
+                <a:lumMod val="103000"/>
+              </a:schemeClr>
+            </a:gs>
+            <a:gs pos="100000">
+              <a:schemeClr val="phClr">
+                <a:shade val="63000"/>
+                <a:satMod val="120000"/>
+              </a:schemeClr>
+            </a:gs>
+          </a:gsLst>
+          <a:lin ang="5400000" scaled="0"/>
+        </a:gradFill>
+      </a:bgFillStyleLst>
+    </a:fmtScheme>
+  </a:themeElements>
+  <a:objectDefaults>
+    <a:lnDef>
+      <a:spPr/>
+      <a:bodyPr/>
+      <a:lstStyle/>
+      <a:style>
+        <a:lnRef idx="2">
+          <a:schemeClr val="accent1"/>
+        </a:lnRef>
+        <a:fillRef idx="0">
+          <a:schemeClr val="accent1"/>
+        </a:fillRef>
+        <a:effectRef idx="1">
+          <a:schemeClr val="accent1"/>
+        </a:effectRef>
+        <a:fontRef idx="minor">
+          <a:schemeClr val="tx1"/>
+        </a:fontRef>
+      </a:style>
+    </a:lnDef>
+  </a:objectDefaults>
+  <a:extraClrSchemeLst/>
+  <a:extLst>
+    <a:ext uri="{05A4C25C-085E-4340-85A3-A5531E510DB2}">
+      <thm15:themeFamily xmlns:thm15="http://schemas.microsoft.com/office/thememl/2012/main" name="Office Theme" id="{2E142A2C-CD16-42D6-873A-C26D2A0506FA}" vid="{1BDDFF52-6CD6-40A5-AB3C-68EB2F1E4D0A}"/>
+    </a:ext>
+  </a:extLst>
+</a:theme>
+</file>
+
 <file path=docMetadata/LabelInfo.xml><?xml version="1.0" encoding="utf-8"?>
 <clbl:labelList xmlns:clbl="http://schemas.microsoft.com/office/2020/mipLabelMetadata">
   <clbl:label id="{9715e697-1c31-4156-8581-01c5d1e29c65}" enabled="1" method="Standard" siteId="{cf4e8a24-641b-40d2-905e-9a328b644fab}" contentBits="0" removed="0"/>

--- a/borderland/1-cadusd/Presentation/CADUSD.pptx
+++ b/borderland/1-cadusd/Presentation/CADUSD.pptx
@@ -5,33 +5,34 @@
     <p:sldMasterId id="2147483684" r:id="rId1"/>
   </p:sldMasterIdLst>
   <p:notesMasterIdLst>
-    <p:notesMasterId r:id="rId26"/>
+    <p:notesMasterId r:id="rId27"/>
   </p:notesMasterIdLst>
   <p:sldIdLst>
     <p:sldId id="256" r:id="rId2"/>
-    <p:sldId id="259" r:id="rId3"/>
-    <p:sldId id="257" r:id="rId4"/>
-    <p:sldId id="258" r:id="rId5"/>
-    <p:sldId id="260" r:id="rId6"/>
-    <p:sldId id="261" r:id="rId7"/>
-    <p:sldId id="262" r:id="rId8"/>
-    <p:sldId id="263" r:id="rId9"/>
-    <p:sldId id="264" r:id="rId10"/>
-    <p:sldId id="265" r:id="rId11"/>
-    <p:sldId id="280" r:id="rId12"/>
-    <p:sldId id="279" r:id="rId13"/>
-    <p:sldId id="273" r:id="rId14"/>
-    <p:sldId id="274" r:id="rId15"/>
-    <p:sldId id="275" r:id="rId16"/>
-    <p:sldId id="277" r:id="rId17"/>
-    <p:sldId id="276" r:id="rId18"/>
-    <p:sldId id="278" r:id="rId19"/>
-    <p:sldId id="269" r:id="rId20"/>
-    <p:sldId id="270" r:id="rId21"/>
-    <p:sldId id="281" r:id="rId22"/>
-    <p:sldId id="282" r:id="rId23"/>
-    <p:sldId id="271" r:id="rId24"/>
-    <p:sldId id="272" r:id="rId25"/>
+    <p:sldId id="283" r:id="rId3"/>
+    <p:sldId id="259" r:id="rId4"/>
+    <p:sldId id="257" r:id="rId5"/>
+    <p:sldId id="258" r:id="rId6"/>
+    <p:sldId id="260" r:id="rId7"/>
+    <p:sldId id="261" r:id="rId8"/>
+    <p:sldId id="262" r:id="rId9"/>
+    <p:sldId id="263" r:id="rId10"/>
+    <p:sldId id="264" r:id="rId11"/>
+    <p:sldId id="265" r:id="rId12"/>
+    <p:sldId id="280" r:id="rId13"/>
+    <p:sldId id="279" r:id="rId14"/>
+    <p:sldId id="273" r:id="rId15"/>
+    <p:sldId id="274" r:id="rId16"/>
+    <p:sldId id="275" r:id="rId17"/>
+    <p:sldId id="277" r:id="rId18"/>
+    <p:sldId id="276" r:id="rId19"/>
+    <p:sldId id="278" r:id="rId20"/>
+    <p:sldId id="269" r:id="rId21"/>
+    <p:sldId id="270" r:id="rId22"/>
+    <p:sldId id="281" r:id="rId23"/>
+    <p:sldId id="282" r:id="rId24"/>
+    <p:sldId id="271" r:id="rId25"/>
+    <p:sldId id="272" r:id="rId26"/>
   </p:sldIdLst>
   <p:sldSz cx="12192000" cy="6858000"/>
   <p:notesSz cx="6858000" cy="9144000"/>
@@ -220,7 +221,7 @@
           <a:p>
             <a:fld id="{A0D978CE-A6C1-477F-AF83-A7D9EEED15D0}" type="datetimeFigureOut">
               <a:rPr lang="en-US" smtClean="0"/>
-              <a:t>2025-09-27</a:t>
+              <a:t>9/29/2025</a:t>
             </a:fld>
             <a:endParaRPr lang="en-US"/>
           </a:p>
@@ -552,7 +553,7 @@
           <a:p>
             <a:fld id="{3A99376B-ADBF-4BED-A802-ABAD07EED65B}" type="slidenum">
               <a:rPr lang="en-US" smtClean="0"/>
-              <a:t>3</a:t>
+              <a:t>4</a:t>
             </a:fld>
             <a:endParaRPr lang="en-US"/>
           </a:p>
@@ -733,7 +734,7 @@
           <a:p>
             <a:fld id="{3A99376B-ADBF-4BED-A802-ABAD07EED65B}" type="slidenum">
               <a:rPr lang="en-US" smtClean="0"/>
-              <a:t>9</a:t>
+              <a:t>10</a:t>
             </a:fld>
             <a:endParaRPr lang="en-US"/>
           </a:p>
@@ -848,7 +849,7 @@
           <a:p>
             <a:fld id="{3A99376B-ADBF-4BED-A802-ABAD07EED65B}" type="slidenum">
               <a:rPr lang="en-US" smtClean="0"/>
-              <a:t>12</a:t>
+              <a:t>13</a:t>
             </a:fld>
             <a:endParaRPr lang="en-US"/>
           </a:p>
@@ -939,7 +940,7 @@
           <a:p>
             <a:fld id="{3A99376B-ADBF-4BED-A802-ABAD07EED65B}" type="slidenum">
               <a:rPr lang="en-US" smtClean="0"/>
-              <a:t>14</a:t>
+              <a:t>15</a:t>
             </a:fld>
             <a:endParaRPr lang="en-US"/>
           </a:p>
@@ -1033,7 +1034,7 @@
           <a:p>
             <a:fld id="{3A99376B-ADBF-4BED-A802-ABAD07EED65B}" type="slidenum">
               <a:rPr lang="en-US" smtClean="0"/>
-              <a:t>15</a:t>
+              <a:t>16</a:t>
             </a:fld>
             <a:endParaRPr lang="en-US"/>
           </a:p>
@@ -1129,7 +1130,7 @@
           <a:p>
             <a:fld id="{3A99376B-ADBF-4BED-A802-ABAD07EED65B}" type="slidenum">
               <a:rPr lang="en-US" smtClean="0"/>
-              <a:t>20</a:t>
+              <a:t>21</a:t>
             </a:fld>
             <a:endParaRPr lang="en-US"/>
           </a:p>
@@ -1222,7 +1223,7 @@
           <a:p>
             <a:fld id="{3A99376B-ADBF-4BED-A802-ABAD07EED65B}" type="slidenum">
               <a:rPr lang="en-US" smtClean="0"/>
-              <a:t>22</a:t>
+              <a:t>23</a:t>
             </a:fld>
             <a:endParaRPr lang="en-US"/>
           </a:p>
@@ -1372,7 +1373,7 @@
           <a:p>
             <a:fld id="{3BBA5F19-0A58-430F-853A-2A12FA5EF2AB}" type="datetimeFigureOut">
               <a:rPr lang="en-US" smtClean="0"/>
-              <a:t>2025-09-27</a:t>
+              <a:t>9/29/2025</a:t>
             </a:fld>
             <a:endParaRPr lang="en-US"/>
           </a:p>
@@ -1542,7 +1543,7 @@
           <a:p>
             <a:fld id="{3BBA5F19-0A58-430F-853A-2A12FA5EF2AB}" type="datetimeFigureOut">
               <a:rPr lang="en-US" smtClean="0"/>
-              <a:t>2025-09-27</a:t>
+              <a:t>9/29/2025</a:t>
             </a:fld>
             <a:endParaRPr lang="en-US"/>
           </a:p>
@@ -1722,7 +1723,7 @@
           <a:p>
             <a:fld id="{3BBA5F19-0A58-430F-853A-2A12FA5EF2AB}" type="datetimeFigureOut">
               <a:rPr lang="en-US" smtClean="0"/>
-              <a:t>2025-09-27</a:t>
+              <a:t>9/29/2025</a:t>
             </a:fld>
             <a:endParaRPr lang="en-US"/>
           </a:p>
@@ -1892,7 +1893,7 @@
           <a:p>
             <a:fld id="{3BBA5F19-0A58-430F-853A-2A12FA5EF2AB}" type="datetimeFigureOut">
               <a:rPr lang="en-US" smtClean="0"/>
-              <a:t>2025-09-27</a:t>
+              <a:t>9/29/2025</a:t>
             </a:fld>
             <a:endParaRPr lang="en-US"/>
           </a:p>
@@ -2138,7 +2139,7 @@
           <a:p>
             <a:fld id="{3BBA5F19-0A58-430F-853A-2A12FA5EF2AB}" type="datetimeFigureOut">
               <a:rPr lang="en-US" smtClean="0"/>
-              <a:t>2025-09-27</a:t>
+              <a:t>9/29/2025</a:t>
             </a:fld>
             <a:endParaRPr lang="en-US"/>
           </a:p>
@@ -2370,7 +2371,7 @@
           <a:p>
             <a:fld id="{3BBA5F19-0A58-430F-853A-2A12FA5EF2AB}" type="datetimeFigureOut">
               <a:rPr lang="en-US" smtClean="0"/>
-              <a:t>2025-09-27</a:t>
+              <a:t>9/29/2025</a:t>
             </a:fld>
             <a:endParaRPr lang="en-US"/>
           </a:p>
@@ -2737,7 +2738,7 @@
           <a:p>
             <a:fld id="{3BBA5F19-0A58-430F-853A-2A12FA5EF2AB}" type="datetimeFigureOut">
               <a:rPr lang="en-US" smtClean="0"/>
-              <a:t>2025-09-27</a:t>
+              <a:t>9/29/2025</a:t>
             </a:fld>
             <a:endParaRPr lang="en-US"/>
           </a:p>
@@ -2855,7 +2856,7 @@
           <a:p>
             <a:fld id="{3BBA5F19-0A58-430F-853A-2A12FA5EF2AB}" type="datetimeFigureOut">
               <a:rPr lang="en-US" smtClean="0"/>
-              <a:t>2025-09-27</a:t>
+              <a:t>9/29/2025</a:t>
             </a:fld>
             <a:endParaRPr lang="en-US"/>
           </a:p>
@@ -2950,7 +2951,7 @@
           <a:p>
             <a:fld id="{3BBA5F19-0A58-430F-853A-2A12FA5EF2AB}" type="datetimeFigureOut">
               <a:rPr lang="en-US" smtClean="0"/>
-              <a:t>2025-09-27</a:t>
+              <a:t>9/29/2025</a:t>
             </a:fld>
             <a:endParaRPr lang="en-US"/>
           </a:p>
@@ -3227,7 +3228,7 @@
           <a:p>
             <a:fld id="{3BBA5F19-0A58-430F-853A-2A12FA5EF2AB}" type="datetimeFigureOut">
               <a:rPr lang="en-US" smtClean="0"/>
-              <a:t>2025-09-27</a:t>
+              <a:t>9/29/2025</a:t>
             </a:fld>
             <a:endParaRPr lang="en-US"/>
           </a:p>
@@ -3484,7 +3485,7 @@
           <a:p>
             <a:fld id="{3BBA5F19-0A58-430F-853A-2A12FA5EF2AB}" type="datetimeFigureOut">
               <a:rPr lang="en-US" smtClean="0"/>
-              <a:t>2025-09-27</a:t>
+              <a:t>9/29/2025</a:t>
             </a:fld>
             <a:endParaRPr lang="en-US"/>
           </a:p>
@@ -3697,7 +3698,7 @@
           <a:p>
             <a:fld id="{3BBA5F19-0A58-430F-853A-2A12FA5EF2AB}" type="datetimeFigureOut">
               <a:rPr lang="en-US" smtClean="0"/>
-              <a:t>2025-09-27</a:t>
+              <a:t>9/29/2025</a:t>
             </a:fld>
             <a:endParaRPr lang="en-US"/>
           </a:p>
@@ -4202,10 +4203,10 @@
       </p:grpSpPr>
       <p:sp>
         <p:nvSpPr>
-          <p:cNvPr id="4" name="Title 3">
+          <p:cNvPr id="2" name="Title 1">
             <a:extLst>
               <a:ext uri="{FF2B5EF4-FFF2-40B4-BE49-F238E27FC236}">
-                <a16:creationId xmlns:a16="http://schemas.microsoft.com/office/drawing/2014/main" id="{EEC66F14-1159-A4C7-BF27-3956C76B429A}"/>
+                <a16:creationId xmlns:a16="http://schemas.microsoft.com/office/drawing/2014/main" id="{0B899074-A63A-EF49-A13A-EA32BC55FAE7}"/>
               </a:ext>
             </a:extLst>
           </p:cNvPr>
@@ -4223,40 +4224,47 @@
           <a:p>
             <a:r>
               <a:rPr lang="en-US" dirty="0"/>
-              <a:t>Global Economy</a:t>
-            </a:r>
-          </a:p>
-        </p:txBody>
-      </p:sp>
-      <p:sp>
-        <p:nvSpPr>
-          <p:cNvPr id="5" name="Text Placeholder 4">
+              <a:t>CAD/USD: Simple Linear Regression of Oil and Dollar Index</a:t>
+            </a:r>
+          </a:p>
+        </p:txBody>
+      </p:sp>
+      <p:pic>
+        <p:nvPicPr>
+          <p:cNvPr id="5" name="Content Placeholder 4">
             <a:extLst>
               <a:ext uri="{FF2B5EF4-FFF2-40B4-BE49-F238E27FC236}">
-                <a16:creationId xmlns:a16="http://schemas.microsoft.com/office/drawing/2014/main" id="{7BB505BA-23C5-4351-C416-4482B74C6CBB}"/>
+                <a16:creationId xmlns:a16="http://schemas.microsoft.com/office/drawing/2014/main" id="{99111528-A16C-B0B2-CC15-D39042BBC1D1}"/>
               </a:ext>
             </a:extLst>
           </p:cNvPr>
-          <p:cNvSpPr>
-            <a:spLocks noGrp="1"/>
-          </p:cNvSpPr>
-          <p:nvPr>
-            <p:ph type="body" idx="1"/>
-          </p:nvPr>
-        </p:nvSpPr>
-        <p:spPr/>
-        <p:txBody>
-          <a:bodyPr/>
-          <a:lstStyle/>
-          <a:p>
-            <a:endParaRPr lang="en-US"/>
-          </a:p>
-        </p:txBody>
-      </p:sp>
+          <p:cNvPicPr>
+            <a:picLocks noGrp="1" noChangeAspect="1"/>
+          </p:cNvPicPr>
+          <p:nvPr>
+            <p:ph idx="1"/>
+          </p:nvPr>
+        </p:nvPicPr>
+        <p:blipFill>
+          <a:blip r:embed="rId3"/>
+          <a:stretch>
+            <a:fillRect/>
+          </a:stretch>
+        </p:blipFill>
+        <p:spPr>
+          <a:xfrm>
+            <a:off x="2454289" y="1825625"/>
+            <a:ext cx="7283422" cy="4351338"/>
+          </a:xfrm>
+          <a:prstGeom prst="rect">
+            <a:avLst/>
+          </a:prstGeom>
+        </p:spPr>
+      </p:pic>
     </p:spTree>
     <p:extLst>
       <p:ext uri="{BB962C8B-B14F-4D97-AF65-F5344CB8AC3E}">
-        <p14:creationId xmlns:p14="http://schemas.microsoft.com/office/powerpoint/2010/main" val="814161276"/>
+        <p14:creationId xmlns:p14="http://schemas.microsoft.com/office/powerpoint/2010/main" val="3768811327"/>
       </p:ext>
     </p:extLst>
   </p:cSld>
@@ -4288,6 +4296,89 @@
           <p:cNvPr id="4" name="Title 3">
             <a:extLst>
               <a:ext uri="{FF2B5EF4-FFF2-40B4-BE49-F238E27FC236}">
+                <a16:creationId xmlns:a16="http://schemas.microsoft.com/office/drawing/2014/main" id="{EEC66F14-1159-A4C7-BF27-3956C76B429A}"/>
+              </a:ext>
+            </a:extLst>
+          </p:cNvPr>
+          <p:cNvSpPr>
+            <a:spLocks noGrp="1"/>
+          </p:cNvSpPr>
+          <p:nvPr>
+            <p:ph type="title"/>
+          </p:nvPr>
+        </p:nvSpPr>
+        <p:spPr/>
+        <p:txBody>
+          <a:bodyPr/>
+          <a:lstStyle/>
+          <a:p>
+            <a:r>
+              <a:rPr lang="en-US" dirty="0"/>
+              <a:t>Global Economy</a:t>
+            </a:r>
+          </a:p>
+        </p:txBody>
+      </p:sp>
+      <p:sp>
+        <p:nvSpPr>
+          <p:cNvPr id="5" name="Text Placeholder 4">
+            <a:extLst>
+              <a:ext uri="{FF2B5EF4-FFF2-40B4-BE49-F238E27FC236}">
+                <a16:creationId xmlns:a16="http://schemas.microsoft.com/office/drawing/2014/main" id="{7BB505BA-23C5-4351-C416-4482B74C6CBB}"/>
+              </a:ext>
+            </a:extLst>
+          </p:cNvPr>
+          <p:cNvSpPr>
+            <a:spLocks noGrp="1"/>
+          </p:cNvSpPr>
+          <p:nvPr>
+            <p:ph type="body" idx="1"/>
+          </p:nvPr>
+        </p:nvSpPr>
+        <p:spPr/>
+        <p:txBody>
+          <a:bodyPr/>
+          <a:lstStyle/>
+          <a:p>
+            <a:endParaRPr lang="en-US"/>
+          </a:p>
+        </p:txBody>
+      </p:sp>
+    </p:spTree>
+    <p:extLst>
+      <p:ext uri="{BB962C8B-B14F-4D97-AF65-F5344CB8AC3E}">
+        <p14:creationId xmlns:p14="http://schemas.microsoft.com/office/powerpoint/2010/main" val="814161276"/>
+      </p:ext>
+    </p:extLst>
+  </p:cSld>
+  <p:clrMapOvr>
+    <a:masterClrMapping/>
+  </p:clrMapOvr>
+</p:sld>
+</file>
+
+<file path=ppt/slides/slide12.xml><?xml version="1.0" encoding="utf-8"?>
+<p:sld xmlns:a="http://schemas.openxmlformats.org/drawingml/2006/main" xmlns:r="http://schemas.openxmlformats.org/officeDocument/2006/relationships" xmlns:p="http://schemas.openxmlformats.org/presentationml/2006/main">
+  <p:cSld>
+    <p:spTree>
+      <p:nvGrpSpPr>
+        <p:cNvPr id="1" name=""/>
+        <p:cNvGrpSpPr/>
+        <p:nvPr/>
+      </p:nvGrpSpPr>
+      <p:grpSpPr>
+        <a:xfrm>
+          <a:off x="0" y="0"/>
+          <a:ext cx="0" cy="0"/>
+          <a:chOff x="0" y="0"/>
+          <a:chExt cx="0" cy="0"/>
+        </a:xfrm>
+      </p:grpSpPr>
+      <p:sp>
+        <p:nvSpPr>
+          <p:cNvPr id="4" name="Title 3">
+            <a:extLst>
+              <a:ext uri="{FF2B5EF4-FFF2-40B4-BE49-F238E27FC236}">
                 <a16:creationId xmlns:a16="http://schemas.microsoft.com/office/drawing/2014/main" id="{9FB5C929-75BC-5937-28E4-E5E15193C995}"/>
               </a:ext>
             </a:extLst>
@@ -4488,7 +4579,7 @@
 </p:sld>
 </file>
 
-<file path=ppt/slides/slide12.xml><?xml version="1.0" encoding="utf-8"?>
+<file path=ppt/slides/slide13.xml><?xml version="1.0" encoding="utf-8"?>
 <p:sld xmlns:a="http://schemas.openxmlformats.org/drawingml/2006/main" xmlns:r="http://schemas.openxmlformats.org/officeDocument/2006/relationships" xmlns:p="http://schemas.openxmlformats.org/presentationml/2006/main">
   <p:cSld>
     <p:spTree>
@@ -4659,7 +4750,7 @@
 </p:sld>
 </file>
 
-<file path=ppt/slides/slide13.xml><?xml version="1.0" encoding="utf-8"?>
+<file path=ppt/slides/slide14.xml><?xml version="1.0" encoding="utf-8"?>
 <p:sld xmlns:a="http://schemas.openxmlformats.org/drawingml/2006/main" xmlns:r="http://schemas.openxmlformats.org/officeDocument/2006/relationships" xmlns:p="http://schemas.openxmlformats.org/presentationml/2006/main">
   <p:cSld>
     <p:spTree>
@@ -4742,7 +4833,7 @@
 </p:sld>
 </file>
 
-<file path=ppt/slides/slide14.xml><?xml version="1.0" encoding="utf-8"?>
+<file path=ppt/slides/slide15.xml><?xml version="1.0" encoding="utf-8"?>
 <p:sld xmlns:a="http://schemas.openxmlformats.org/drawingml/2006/main" xmlns:r="http://schemas.openxmlformats.org/officeDocument/2006/relationships" xmlns:p="http://schemas.openxmlformats.org/presentationml/2006/main">
   <p:cSld>
     <p:spTree>
@@ -4907,7 +4998,7 @@
 </p:sld>
 </file>
 
-<file path=ppt/slides/slide15.xml><?xml version="1.0" encoding="utf-8"?>
+<file path=ppt/slides/slide16.xml><?xml version="1.0" encoding="utf-8"?>
 <p:sld xmlns:a="http://schemas.openxmlformats.org/drawingml/2006/main" xmlns:r="http://schemas.openxmlformats.org/officeDocument/2006/relationships" xmlns:p="http://schemas.openxmlformats.org/presentationml/2006/main">
   <p:cSld>
     <p:spTree>
@@ -5040,7 +5131,7 @@
 </p:sld>
 </file>
 
-<file path=ppt/slides/slide16.xml><?xml version="1.0" encoding="utf-8"?>
+<file path=ppt/slides/slide17.xml><?xml version="1.0" encoding="utf-8"?>
 <p:sld xmlns:a="http://schemas.openxmlformats.org/drawingml/2006/main" xmlns:r="http://schemas.openxmlformats.org/officeDocument/2006/relationships" xmlns:p="http://schemas.openxmlformats.org/presentationml/2006/main">
   <p:cSld>
     <p:spTree>
@@ -5249,7 +5340,7 @@
 </p:sld>
 </file>
 
-<file path=ppt/slides/slide17.xml><?xml version="1.0" encoding="utf-8"?>
+<file path=ppt/slides/slide18.xml><?xml version="1.0" encoding="utf-8"?>
 <p:sld xmlns:a="http://schemas.openxmlformats.org/drawingml/2006/main" xmlns:r="http://schemas.openxmlformats.org/officeDocument/2006/relationships" xmlns:p="http://schemas.openxmlformats.org/presentationml/2006/main">
   <p:cSld>
     <p:spTree>
@@ -5338,7 +5429,7 @@
 </p:sld>
 </file>
 
-<file path=ppt/slides/slide18.xml><?xml version="1.0" encoding="utf-8"?>
+<file path=ppt/slides/slide19.xml><?xml version="1.0" encoding="utf-8"?>
 <p:sld xmlns:a="http://schemas.openxmlformats.org/drawingml/2006/main" xmlns:r="http://schemas.openxmlformats.org/officeDocument/2006/relationships" xmlns:p="http://schemas.openxmlformats.org/presentationml/2006/main">
   <p:cSld>
     <p:spTree>
@@ -5503,89 +5594,6 @@
 </p:sld>
 </file>
 
-<file path=ppt/slides/slide19.xml><?xml version="1.0" encoding="utf-8"?>
-<p:sld xmlns:a="http://schemas.openxmlformats.org/drawingml/2006/main" xmlns:r="http://schemas.openxmlformats.org/officeDocument/2006/relationships" xmlns:p="http://schemas.openxmlformats.org/presentationml/2006/main">
-  <p:cSld>
-    <p:spTree>
-      <p:nvGrpSpPr>
-        <p:cNvPr id="1" name=""/>
-        <p:cNvGrpSpPr/>
-        <p:nvPr/>
-      </p:nvGrpSpPr>
-      <p:grpSpPr>
-        <a:xfrm>
-          <a:off x="0" y="0"/>
-          <a:ext cx="0" cy="0"/>
-          <a:chOff x="0" y="0"/>
-          <a:chExt cx="0" cy="0"/>
-        </a:xfrm>
-      </p:grpSpPr>
-      <p:sp>
-        <p:nvSpPr>
-          <p:cNvPr id="2" name="Title 1">
-            <a:extLst>
-              <a:ext uri="{FF2B5EF4-FFF2-40B4-BE49-F238E27FC236}">
-                <a16:creationId xmlns:a16="http://schemas.microsoft.com/office/drawing/2014/main" id="{F9C550A7-A14D-8F56-6E78-536304B5E29D}"/>
-              </a:ext>
-            </a:extLst>
-          </p:cNvPr>
-          <p:cNvSpPr>
-            <a:spLocks noGrp="1"/>
-          </p:cNvSpPr>
-          <p:nvPr>
-            <p:ph type="title"/>
-          </p:nvPr>
-        </p:nvSpPr>
-        <p:spPr/>
-        <p:txBody>
-          <a:bodyPr/>
-          <a:lstStyle/>
-          <a:p>
-            <a:r>
-              <a:rPr lang="en-US" dirty="0"/>
-              <a:t>Forecast</a:t>
-            </a:r>
-          </a:p>
-        </p:txBody>
-      </p:sp>
-      <p:sp>
-        <p:nvSpPr>
-          <p:cNvPr id="3" name="Text Placeholder 2">
-            <a:extLst>
-              <a:ext uri="{FF2B5EF4-FFF2-40B4-BE49-F238E27FC236}">
-                <a16:creationId xmlns:a16="http://schemas.microsoft.com/office/drawing/2014/main" id="{141B9FD5-312C-3B4A-B9FA-0C8C46F92573}"/>
-              </a:ext>
-            </a:extLst>
-          </p:cNvPr>
-          <p:cNvSpPr>
-            <a:spLocks noGrp="1"/>
-          </p:cNvSpPr>
-          <p:nvPr>
-            <p:ph type="body" idx="1"/>
-          </p:nvPr>
-        </p:nvSpPr>
-        <p:spPr/>
-        <p:txBody>
-          <a:bodyPr/>
-          <a:lstStyle/>
-          <a:p>
-            <a:endParaRPr lang="en-US"/>
-          </a:p>
-        </p:txBody>
-      </p:sp>
-    </p:spTree>
-    <p:extLst>
-      <p:ext uri="{BB962C8B-B14F-4D97-AF65-F5344CB8AC3E}">
-        <p14:creationId xmlns:p14="http://schemas.microsoft.com/office/powerpoint/2010/main" val="2423505088"/>
-      </p:ext>
-    </p:extLst>
-  </p:cSld>
-  <p:clrMapOvr>
-    <a:masterClrMapping/>
-  </p:clrMapOvr>
-</p:sld>
-</file>
-
 <file path=ppt/slides/slide2.xml><?xml version="1.0" encoding="utf-8"?>
 <p:sld xmlns:a="http://schemas.openxmlformats.org/drawingml/2006/main" xmlns:r="http://schemas.openxmlformats.org/officeDocument/2006/relationships" xmlns:p="http://schemas.openxmlformats.org/presentationml/2006/main">
   <p:cSld>
@@ -5605,10 +5613,10 @@
       </p:grpSpPr>
       <p:sp>
         <p:nvSpPr>
-          <p:cNvPr id="4" name="Title 3">
+          <p:cNvPr id="2" name="Title 1">
             <a:extLst>
               <a:ext uri="{FF2B5EF4-FFF2-40B4-BE49-F238E27FC236}">
-                <a16:creationId xmlns:a16="http://schemas.microsoft.com/office/drawing/2014/main" id="{3C9174E9-4CDF-052B-06AA-5618A1B221FE}"/>
+                <a16:creationId xmlns:a16="http://schemas.microsoft.com/office/drawing/2014/main" id="{F92F6E53-B2B1-974C-A528-A2F8857ACD21}"/>
               </a:ext>
             </a:extLst>
           </p:cNvPr>
@@ -5626,17 +5634,17 @@
           <a:p>
             <a:r>
               <a:rPr lang="en-US" dirty="0"/>
-              <a:t>Key Drivers of the CAD/USD Exchange Rate</a:t>
-            </a:r>
-          </a:p>
-        </p:txBody>
-      </p:sp>
-      <p:sp>
-        <p:nvSpPr>
-          <p:cNvPr id="5" name="Text Placeholder 4">
+              <a:t>Forecasting Approaches</a:t>
+            </a:r>
+          </a:p>
+        </p:txBody>
+      </p:sp>
+      <p:sp>
+        <p:nvSpPr>
+          <p:cNvPr id="3" name="Content Placeholder 2">
             <a:extLst>
               <a:ext uri="{FF2B5EF4-FFF2-40B4-BE49-F238E27FC236}">
-                <a16:creationId xmlns:a16="http://schemas.microsoft.com/office/drawing/2014/main" id="{9D397D09-EF1C-035D-B6EB-408290330A93}"/>
+                <a16:creationId xmlns:a16="http://schemas.microsoft.com/office/drawing/2014/main" id="{1D6CF543-3291-DE2F-9FF9-97DBD4DD59C8}"/>
               </a:ext>
             </a:extLst>
           </p:cNvPr>
@@ -5644,22 +5652,78 @@
             <a:spLocks noGrp="1"/>
           </p:cNvSpPr>
           <p:nvPr>
-            <p:ph type="body" idx="1"/>
-          </p:nvPr>
-        </p:nvSpPr>
-        <p:spPr/>
-        <p:txBody>
-          <a:bodyPr/>
-          <a:lstStyle/>
-          <a:p>
-            <a:endParaRPr lang="en-US"/>
+            <p:ph idx="1"/>
+          </p:nvPr>
+        </p:nvSpPr>
+        <p:spPr/>
+        <p:txBody>
+          <a:bodyPr/>
+          <a:lstStyle/>
+          <a:p>
+            <a:pPr marL="514350" indent="-514350">
+              <a:buFont typeface="+mj-lt"/>
+              <a:buAutoNum type="arabicPeriod"/>
+            </a:pPr>
+            <a:r>
+              <a:rPr lang="en-US" b="1" dirty="0"/>
+              <a:t>Technical Analysis</a:t>
+            </a:r>
+            <a:r>
+              <a:rPr lang="en-US" dirty="0"/>
+              <a:t>: Discretionary price and volume analysis</a:t>
+            </a:r>
+          </a:p>
+          <a:p>
+            <a:pPr marL="514350" indent="-514350">
+              <a:buFont typeface="+mj-lt"/>
+              <a:buAutoNum type="arabicPeriod"/>
+            </a:pPr>
+            <a:r>
+              <a:rPr lang="en-US" b="1" dirty="0"/>
+              <a:t>Quantitative Analysis</a:t>
+            </a:r>
+            <a:r>
+              <a:rPr lang="en-US" dirty="0"/>
+              <a:t>: Applying statistics and machine learning</a:t>
+            </a:r>
+          </a:p>
+          <a:p>
+            <a:pPr marL="514350" indent="-514350">
+              <a:buFont typeface="+mj-lt"/>
+              <a:buAutoNum type="arabicPeriod"/>
+            </a:pPr>
+            <a:r>
+              <a:rPr lang="en-US" b="1" dirty="0"/>
+              <a:t>Sentiment Analysis</a:t>
+            </a:r>
+            <a:r>
+              <a:rPr lang="en-US" dirty="0"/>
+              <a:t>: General sentiment of market participants</a:t>
+            </a:r>
+          </a:p>
+          <a:p>
+            <a:pPr marL="514350" indent="-514350">
+              <a:buFont typeface="+mj-lt"/>
+              <a:buAutoNum type="arabicPeriod"/>
+            </a:pPr>
+            <a:r>
+              <a:rPr lang="en-US" b="1" dirty="0"/>
+              <a:t>Fundamental Analysis</a:t>
+            </a:r>
+            <a:r>
+              <a:rPr lang="en-US" dirty="0"/>
+              <a:t>: Economical theories on value and equilibrium levels, and supply and demand</a:t>
+            </a:r>
+          </a:p>
+          <a:p>
+            <a:endParaRPr lang="en-US" dirty="0"/>
           </a:p>
         </p:txBody>
       </p:sp>
     </p:spTree>
     <p:extLst>
       <p:ext uri="{BB962C8B-B14F-4D97-AF65-F5344CB8AC3E}">
-        <p14:creationId xmlns:p14="http://schemas.microsoft.com/office/powerpoint/2010/main" val="591847203"/>
+        <p14:creationId xmlns:p14="http://schemas.microsoft.com/office/powerpoint/2010/main" val="2647621218"/>
       </p:ext>
     </p:extLst>
   </p:cSld>
@@ -5670,6 +5734,89 @@
 </file>
 
 <file path=ppt/slides/slide20.xml><?xml version="1.0" encoding="utf-8"?>
+<p:sld xmlns:a="http://schemas.openxmlformats.org/drawingml/2006/main" xmlns:r="http://schemas.openxmlformats.org/officeDocument/2006/relationships" xmlns:p="http://schemas.openxmlformats.org/presentationml/2006/main">
+  <p:cSld>
+    <p:spTree>
+      <p:nvGrpSpPr>
+        <p:cNvPr id="1" name=""/>
+        <p:cNvGrpSpPr/>
+        <p:nvPr/>
+      </p:nvGrpSpPr>
+      <p:grpSpPr>
+        <a:xfrm>
+          <a:off x="0" y="0"/>
+          <a:ext cx="0" cy="0"/>
+          <a:chOff x="0" y="0"/>
+          <a:chExt cx="0" cy="0"/>
+        </a:xfrm>
+      </p:grpSpPr>
+      <p:sp>
+        <p:nvSpPr>
+          <p:cNvPr id="2" name="Title 1">
+            <a:extLst>
+              <a:ext uri="{FF2B5EF4-FFF2-40B4-BE49-F238E27FC236}">
+                <a16:creationId xmlns:a16="http://schemas.microsoft.com/office/drawing/2014/main" id="{F9C550A7-A14D-8F56-6E78-536304B5E29D}"/>
+              </a:ext>
+            </a:extLst>
+          </p:cNvPr>
+          <p:cNvSpPr>
+            <a:spLocks noGrp="1"/>
+          </p:cNvSpPr>
+          <p:nvPr>
+            <p:ph type="title"/>
+          </p:nvPr>
+        </p:nvSpPr>
+        <p:spPr/>
+        <p:txBody>
+          <a:bodyPr/>
+          <a:lstStyle/>
+          <a:p>
+            <a:r>
+              <a:rPr lang="en-US" dirty="0"/>
+              <a:t>Forecast</a:t>
+            </a:r>
+          </a:p>
+        </p:txBody>
+      </p:sp>
+      <p:sp>
+        <p:nvSpPr>
+          <p:cNvPr id="3" name="Text Placeholder 2">
+            <a:extLst>
+              <a:ext uri="{FF2B5EF4-FFF2-40B4-BE49-F238E27FC236}">
+                <a16:creationId xmlns:a16="http://schemas.microsoft.com/office/drawing/2014/main" id="{141B9FD5-312C-3B4A-B9FA-0C8C46F92573}"/>
+              </a:ext>
+            </a:extLst>
+          </p:cNvPr>
+          <p:cNvSpPr>
+            <a:spLocks noGrp="1"/>
+          </p:cNvSpPr>
+          <p:nvPr>
+            <p:ph type="body" idx="1"/>
+          </p:nvPr>
+        </p:nvSpPr>
+        <p:spPr/>
+        <p:txBody>
+          <a:bodyPr/>
+          <a:lstStyle/>
+          <a:p>
+            <a:endParaRPr lang="en-US"/>
+          </a:p>
+        </p:txBody>
+      </p:sp>
+    </p:spTree>
+    <p:extLst>
+      <p:ext uri="{BB962C8B-B14F-4D97-AF65-F5344CB8AC3E}">
+        <p14:creationId xmlns:p14="http://schemas.microsoft.com/office/powerpoint/2010/main" val="2423505088"/>
+      </p:ext>
+    </p:extLst>
+  </p:cSld>
+  <p:clrMapOvr>
+    <a:masterClrMapping/>
+  </p:clrMapOvr>
+</p:sld>
+</file>
+
+<file path=ppt/slides/slide21.xml><?xml version="1.0" encoding="utf-8"?>
 <p:sld xmlns:a="http://schemas.openxmlformats.org/drawingml/2006/main" xmlns:r="http://schemas.openxmlformats.org/officeDocument/2006/relationships" xmlns:p="http://schemas.openxmlformats.org/presentationml/2006/main">
   <p:cSld>
     <p:spTree>
@@ -5941,7 +6088,7 @@
 </p:sld>
 </file>
 
-<file path=ppt/slides/slide21.xml><?xml version="1.0" encoding="utf-8"?>
+<file path=ppt/slides/slide22.xml><?xml version="1.0" encoding="utf-8"?>
 <p:sld xmlns:a="http://schemas.openxmlformats.org/drawingml/2006/main" xmlns:r="http://schemas.openxmlformats.org/officeDocument/2006/relationships" xmlns:p="http://schemas.openxmlformats.org/presentationml/2006/main">
   <p:cSld>
     <p:spTree>
@@ -6031,7 +6178,7 @@
 </p:sld>
 </file>
 
-<file path=ppt/slides/slide22.xml><?xml version="1.0" encoding="utf-8"?>
+<file path=ppt/slides/slide23.xml><?xml version="1.0" encoding="utf-8"?>
 <p:sld xmlns:a="http://schemas.openxmlformats.org/drawingml/2006/main" xmlns:r="http://schemas.openxmlformats.org/officeDocument/2006/relationships" xmlns:p="http://schemas.openxmlformats.org/presentationml/2006/main">
   <p:cSld>
     <p:spTree>
@@ -6303,7 +6450,7 @@
 </p:sld>
 </file>
 
-<file path=ppt/slides/slide23.xml><?xml version="1.0" encoding="utf-8"?>
+<file path=ppt/slides/slide24.xml><?xml version="1.0" encoding="utf-8"?>
 <p:sld xmlns:a="http://schemas.openxmlformats.org/drawingml/2006/main" xmlns:r="http://schemas.openxmlformats.org/officeDocument/2006/relationships" xmlns:p="http://schemas.openxmlformats.org/presentationml/2006/main">
   <p:cSld>
     <p:spTree>
@@ -6389,7 +6536,7 @@
 </p:sld>
 </file>
 
-<file path=ppt/slides/slide24.xml><?xml version="1.0" encoding="utf-8"?>
+<file path=ppt/slides/slide25.xml><?xml version="1.0" encoding="utf-8"?>
 <p:sld xmlns:a="http://schemas.openxmlformats.org/drawingml/2006/main" xmlns:r="http://schemas.openxmlformats.org/officeDocument/2006/relationships" xmlns:p="http://schemas.openxmlformats.org/presentationml/2006/main">
   <p:cSld>
     <p:spTree>
@@ -6518,6 +6665,89 @@
       </p:grpSpPr>
       <p:sp>
         <p:nvSpPr>
+          <p:cNvPr id="4" name="Title 3">
+            <a:extLst>
+              <a:ext uri="{FF2B5EF4-FFF2-40B4-BE49-F238E27FC236}">
+                <a16:creationId xmlns:a16="http://schemas.microsoft.com/office/drawing/2014/main" id="{3C9174E9-4CDF-052B-06AA-5618A1B221FE}"/>
+              </a:ext>
+            </a:extLst>
+          </p:cNvPr>
+          <p:cNvSpPr>
+            <a:spLocks noGrp="1"/>
+          </p:cNvSpPr>
+          <p:nvPr>
+            <p:ph type="title"/>
+          </p:nvPr>
+        </p:nvSpPr>
+        <p:spPr/>
+        <p:txBody>
+          <a:bodyPr/>
+          <a:lstStyle/>
+          <a:p>
+            <a:r>
+              <a:rPr lang="en-US" dirty="0"/>
+              <a:t>Key Drivers of the CAD/USD Exchange Rate</a:t>
+            </a:r>
+          </a:p>
+        </p:txBody>
+      </p:sp>
+      <p:sp>
+        <p:nvSpPr>
+          <p:cNvPr id="5" name="Text Placeholder 4">
+            <a:extLst>
+              <a:ext uri="{FF2B5EF4-FFF2-40B4-BE49-F238E27FC236}">
+                <a16:creationId xmlns:a16="http://schemas.microsoft.com/office/drawing/2014/main" id="{9D397D09-EF1C-035D-B6EB-408290330A93}"/>
+              </a:ext>
+            </a:extLst>
+          </p:cNvPr>
+          <p:cNvSpPr>
+            <a:spLocks noGrp="1"/>
+          </p:cNvSpPr>
+          <p:nvPr>
+            <p:ph type="body" idx="1"/>
+          </p:nvPr>
+        </p:nvSpPr>
+        <p:spPr/>
+        <p:txBody>
+          <a:bodyPr/>
+          <a:lstStyle/>
+          <a:p>
+            <a:endParaRPr lang="en-US"/>
+          </a:p>
+        </p:txBody>
+      </p:sp>
+    </p:spTree>
+    <p:extLst>
+      <p:ext uri="{BB962C8B-B14F-4D97-AF65-F5344CB8AC3E}">
+        <p14:creationId xmlns:p14="http://schemas.microsoft.com/office/powerpoint/2010/main" val="591847203"/>
+      </p:ext>
+    </p:extLst>
+  </p:cSld>
+  <p:clrMapOvr>
+    <a:masterClrMapping/>
+  </p:clrMapOvr>
+</p:sld>
+</file>
+
+<file path=ppt/slides/slide4.xml><?xml version="1.0" encoding="utf-8"?>
+<p:sld xmlns:a="http://schemas.openxmlformats.org/drawingml/2006/main" xmlns:r="http://schemas.openxmlformats.org/officeDocument/2006/relationships" xmlns:p="http://schemas.openxmlformats.org/presentationml/2006/main">
+  <p:cSld>
+    <p:spTree>
+      <p:nvGrpSpPr>
+        <p:cNvPr id="1" name=""/>
+        <p:cNvGrpSpPr/>
+        <p:nvPr/>
+      </p:nvGrpSpPr>
+      <p:grpSpPr>
+        <a:xfrm>
+          <a:off x="0" y="0"/>
+          <a:ext cx="0" cy="0"/>
+          <a:chOff x="0" y="0"/>
+          <a:chExt cx="0" cy="0"/>
+        </a:xfrm>
+      </p:grpSpPr>
+      <p:sp>
+        <p:nvSpPr>
           <p:cNvPr id="2" name="Title 1">
             <a:extLst>
               <a:ext uri="{FF2B5EF4-FFF2-40B4-BE49-F238E27FC236}">
@@ -6632,7 +6862,7 @@
 </p:sld>
 </file>
 
-<file path=ppt/slides/slide4.xml><?xml version="1.0" encoding="utf-8"?>
+<file path=ppt/slides/slide5.xml><?xml version="1.0" encoding="utf-8"?>
 <p:sld xmlns:a="http://schemas.openxmlformats.org/drawingml/2006/main" xmlns:r="http://schemas.openxmlformats.org/officeDocument/2006/relationships" xmlns:p="http://schemas.openxmlformats.org/presentationml/2006/main">
   <p:cSld>
     <p:spTree>
@@ -6722,7 +6952,7 @@
 </p:sld>
 </file>
 
-<file path=ppt/slides/slide5.xml><?xml version="1.0" encoding="utf-8"?>
+<file path=ppt/slides/slide6.xml><?xml version="1.0" encoding="utf-8"?>
 <p:sld xmlns:a="http://schemas.openxmlformats.org/drawingml/2006/main" xmlns:r="http://schemas.openxmlformats.org/officeDocument/2006/relationships" xmlns:p="http://schemas.openxmlformats.org/presentationml/2006/main">
   <p:cSld>
     <p:spTree>
@@ -6812,7 +7042,7 @@
 </p:sld>
 </file>
 
-<file path=ppt/slides/slide6.xml><?xml version="1.0" encoding="utf-8"?>
+<file path=ppt/slides/slide7.xml><?xml version="1.0" encoding="utf-8"?>
 <p:sld xmlns:a="http://schemas.openxmlformats.org/drawingml/2006/main" xmlns:r="http://schemas.openxmlformats.org/officeDocument/2006/relationships" xmlns:p="http://schemas.openxmlformats.org/presentationml/2006/main">
   <p:cSld>
     <p:spTree>
@@ -6902,7 +7132,7 @@
 </p:sld>
 </file>
 
-<file path=ppt/slides/slide7.xml><?xml version="1.0" encoding="utf-8"?>
+<file path=ppt/slides/slide8.xml><?xml version="1.0" encoding="utf-8"?>
 <p:sld xmlns:a="http://schemas.openxmlformats.org/drawingml/2006/main" xmlns:r="http://schemas.openxmlformats.org/officeDocument/2006/relationships" xmlns:p="http://schemas.openxmlformats.org/presentationml/2006/main">
   <p:cSld>
     <p:spTree>
@@ -6992,7 +7222,7 @@
 </p:sld>
 </file>
 
-<file path=ppt/slides/slide8.xml><?xml version="1.0" encoding="utf-8"?>
+<file path=ppt/slides/slide9.xml><?xml version="1.0" encoding="utf-8"?>
 <p:sld xmlns:a="http://schemas.openxmlformats.org/drawingml/2006/main" xmlns:r="http://schemas.openxmlformats.org/officeDocument/2006/relationships" xmlns:p="http://schemas.openxmlformats.org/presentationml/2006/main">
   <p:cSld>
     <p:spTree>
@@ -7105,96 +7335,6 @@
     <p:extLst>
       <p:ext uri="{BB962C8B-B14F-4D97-AF65-F5344CB8AC3E}">
         <p14:creationId xmlns:p14="http://schemas.microsoft.com/office/powerpoint/2010/main" val="1384600304"/>
-      </p:ext>
-    </p:extLst>
-  </p:cSld>
-  <p:clrMapOvr>
-    <a:masterClrMapping/>
-  </p:clrMapOvr>
-</p:sld>
-</file>
-
-<file path=ppt/slides/slide9.xml><?xml version="1.0" encoding="utf-8"?>
-<p:sld xmlns:a="http://schemas.openxmlformats.org/drawingml/2006/main" xmlns:r="http://schemas.openxmlformats.org/officeDocument/2006/relationships" xmlns:p="http://schemas.openxmlformats.org/presentationml/2006/main">
-  <p:cSld>
-    <p:spTree>
-      <p:nvGrpSpPr>
-        <p:cNvPr id="1" name=""/>
-        <p:cNvGrpSpPr/>
-        <p:nvPr/>
-      </p:nvGrpSpPr>
-      <p:grpSpPr>
-        <a:xfrm>
-          <a:off x="0" y="0"/>
-          <a:ext cx="0" cy="0"/>
-          <a:chOff x="0" y="0"/>
-          <a:chExt cx="0" cy="0"/>
-        </a:xfrm>
-      </p:grpSpPr>
-      <p:sp>
-        <p:nvSpPr>
-          <p:cNvPr id="2" name="Title 1">
-            <a:extLst>
-              <a:ext uri="{FF2B5EF4-FFF2-40B4-BE49-F238E27FC236}">
-                <a16:creationId xmlns:a16="http://schemas.microsoft.com/office/drawing/2014/main" id="{0B899074-A63A-EF49-A13A-EA32BC55FAE7}"/>
-              </a:ext>
-            </a:extLst>
-          </p:cNvPr>
-          <p:cNvSpPr>
-            <a:spLocks noGrp="1"/>
-          </p:cNvSpPr>
-          <p:nvPr>
-            <p:ph type="title"/>
-          </p:nvPr>
-        </p:nvSpPr>
-        <p:spPr/>
-        <p:txBody>
-          <a:bodyPr/>
-          <a:lstStyle/>
-          <a:p>
-            <a:r>
-              <a:rPr lang="en-US" dirty="0"/>
-              <a:t>CAD/USD: Simple Linear Regression of Oil and Dollar Index</a:t>
-            </a:r>
-          </a:p>
-        </p:txBody>
-      </p:sp>
-      <p:pic>
-        <p:nvPicPr>
-          <p:cNvPr id="5" name="Content Placeholder 4">
-            <a:extLst>
-              <a:ext uri="{FF2B5EF4-FFF2-40B4-BE49-F238E27FC236}">
-                <a16:creationId xmlns:a16="http://schemas.microsoft.com/office/drawing/2014/main" id="{99111528-A16C-B0B2-CC15-D39042BBC1D1}"/>
-              </a:ext>
-            </a:extLst>
-          </p:cNvPr>
-          <p:cNvPicPr>
-            <a:picLocks noGrp="1" noChangeAspect="1"/>
-          </p:cNvPicPr>
-          <p:nvPr>
-            <p:ph idx="1"/>
-          </p:nvPr>
-        </p:nvPicPr>
-        <p:blipFill>
-          <a:blip r:embed="rId3"/>
-          <a:stretch>
-            <a:fillRect/>
-          </a:stretch>
-        </p:blipFill>
-        <p:spPr>
-          <a:xfrm>
-            <a:off x="2454289" y="1825625"/>
-            <a:ext cx="7283422" cy="4351338"/>
-          </a:xfrm>
-          <a:prstGeom prst="rect">
-            <a:avLst/>
-          </a:prstGeom>
-        </p:spPr>
-      </p:pic>
-    </p:spTree>
-    <p:extLst>
-      <p:ext uri="{BB962C8B-B14F-4D97-AF65-F5344CB8AC3E}">
-        <p14:creationId xmlns:p14="http://schemas.microsoft.com/office/powerpoint/2010/main" val="3768811327"/>
       </p:ext>
     </p:extLst>
   </p:cSld>

--- a/borderland/1-cadusd/Presentation/CADUSD.pptx
+++ b/borderland/1-cadusd/Presentation/CADUSD.pptx
@@ -2,37 +2,41 @@
 <file path=ppt/presentation.xml><?xml version="1.0" encoding="utf-8"?>
 <p:presentation xmlns:a="http://schemas.openxmlformats.org/drawingml/2006/main" xmlns:r="http://schemas.openxmlformats.org/officeDocument/2006/relationships" xmlns:p="http://schemas.openxmlformats.org/presentationml/2006/main" saveSubsetFonts="1">
   <p:sldMasterIdLst>
-    <p:sldMasterId id="2147483684" r:id="rId1"/>
+    <p:sldMasterId id="2147483732" r:id="rId1"/>
   </p:sldMasterIdLst>
   <p:notesMasterIdLst>
-    <p:notesMasterId r:id="rId27"/>
+    <p:notesMasterId r:id="rId31"/>
   </p:notesMasterIdLst>
   <p:sldIdLst>
     <p:sldId id="256" r:id="rId2"/>
     <p:sldId id="283" r:id="rId3"/>
     <p:sldId id="259" r:id="rId4"/>
-    <p:sldId id="257" r:id="rId5"/>
-    <p:sldId id="258" r:id="rId6"/>
-    <p:sldId id="260" r:id="rId7"/>
-    <p:sldId id="261" r:id="rId8"/>
-    <p:sldId id="262" r:id="rId9"/>
-    <p:sldId id="263" r:id="rId10"/>
-    <p:sldId id="264" r:id="rId11"/>
-    <p:sldId id="265" r:id="rId12"/>
-    <p:sldId id="280" r:id="rId13"/>
-    <p:sldId id="279" r:id="rId14"/>
-    <p:sldId id="273" r:id="rId15"/>
-    <p:sldId id="274" r:id="rId16"/>
-    <p:sldId id="275" r:id="rId17"/>
-    <p:sldId id="277" r:id="rId18"/>
-    <p:sldId id="276" r:id="rId19"/>
-    <p:sldId id="278" r:id="rId20"/>
-    <p:sldId id="269" r:id="rId21"/>
-    <p:sldId id="270" r:id="rId22"/>
-    <p:sldId id="281" r:id="rId23"/>
-    <p:sldId id="282" r:id="rId24"/>
-    <p:sldId id="271" r:id="rId25"/>
-    <p:sldId id="272" r:id="rId26"/>
+    <p:sldId id="284" r:id="rId5"/>
+    <p:sldId id="257" r:id="rId6"/>
+    <p:sldId id="258" r:id="rId7"/>
+    <p:sldId id="260" r:id="rId8"/>
+    <p:sldId id="261" r:id="rId9"/>
+    <p:sldId id="262" r:id="rId10"/>
+    <p:sldId id="263" r:id="rId11"/>
+    <p:sldId id="264" r:id="rId12"/>
+    <p:sldId id="265" r:id="rId13"/>
+    <p:sldId id="280" r:id="rId14"/>
+    <p:sldId id="279" r:id="rId15"/>
+    <p:sldId id="273" r:id="rId16"/>
+    <p:sldId id="274" r:id="rId17"/>
+    <p:sldId id="275" r:id="rId18"/>
+    <p:sldId id="277" r:id="rId19"/>
+    <p:sldId id="276" r:id="rId20"/>
+    <p:sldId id="287" r:id="rId21"/>
+    <p:sldId id="278" r:id="rId22"/>
+    <p:sldId id="286" r:id="rId23"/>
+    <p:sldId id="269" r:id="rId24"/>
+    <p:sldId id="285" r:id="rId25"/>
+    <p:sldId id="270" r:id="rId26"/>
+    <p:sldId id="281" r:id="rId27"/>
+    <p:sldId id="282" r:id="rId28"/>
+    <p:sldId id="271" r:id="rId29"/>
+    <p:sldId id="272" r:id="rId30"/>
   </p:sldIdLst>
   <p:sldSz cx="12192000" cy="6858000"/>
   <p:notesSz cx="6858000" cy="9144000"/>
@@ -221,7 +225,7 @@
           <a:p>
             <a:fld id="{A0D978CE-A6C1-477F-AF83-A7D9EEED15D0}" type="datetimeFigureOut">
               <a:rPr lang="en-US" smtClean="0"/>
-              <a:t>9/29/2025</a:t>
+              <a:t>2025-09-29</a:t>
             </a:fld>
             <a:endParaRPr lang="en-US"/>
           </a:p>
@@ -553,7 +557,7 @@
           <a:p>
             <a:fld id="{3A99376B-ADBF-4BED-A802-ABAD07EED65B}" type="slidenum">
               <a:rPr lang="en-US" smtClean="0"/>
-              <a:t>4</a:t>
+              <a:t>5</a:t>
             </a:fld>
             <a:endParaRPr lang="en-US"/>
           </a:p>
@@ -734,7 +738,7 @@
           <a:p>
             <a:fld id="{3A99376B-ADBF-4BED-A802-ABAD07EED65B}" type="slidenum">
               <a:rPr lang="en-US" smtClean="0"/>
-              <a:t>10</a:t>
+              <a:t>11</a:t>
             </a:fld>
             <a:endParaRPr lang="en-US"/>
           </a:p>
@@ -849,7 +853,7 @@
           <a:p>
             <a:fld id="{3A99376B-ADBF-4BED-A802-ABAD07EED65B}" type="slidenum">
               <a:rPr lang="en-US" smtClean="0"/>
-              <a:t>13</a:t>
+              <a:t>14</a:t>
             </a:fld>
             <a:endParaRPr lang="en-US"/>
           </a:p>
@@ -940,7 +944,7 @@
           <a:p>
             <a:fld id="{3A99376B-ADBF-4BED-A802-ABAD07EED65B}" type="slidenum">
               <a:rPr lang="en-US" smtClean="0"/>
-              <a:t>15</a:t>
+              <a:t>16</a:t>
             </a:fld>
             <a:endParaRPr lang="en-US"/>
           </a:p>
@@ -1034,7 +1038,7 @@
           <a:p>
             <a:fld id="{3A99376B-ADBF-4BED-A802-ABAD07EED65B}" type="slidenum">
               <a:rPr lang="en-US" smtClean="0"/>
-              <a:t>16</a:t>
+              <a:t>17</a:t>
             </a:fld>
             <a:endParaRPr lang="en-US"/>
           </a:p>
@@ -1111,6 +1115,9 @@
           <a:p>
             <a:endParaRPr lang="en-US" dirty="0"/>
           </a:p>
+          <a:p>
+            <a:endParaRPr lang="en-US" dirty="0"/>
+          </a:p>
         </p:txBody>
       </p:sp>
       <p:sp>
@@ -1130,7 +1137,7 @@
           <a:p>
             <a:fld id="{3A99376B-ADBF-4BED-A802-ABAD07EED65B}" type="slidenum">
               <a:rPr lang="en-US" smtClean="0"/>
-              <a:t>21</a:t>
+              <a:t>25</a:t>
             </a:fld>
             <a:endParaRPr lang="en-US"/>
           </a:p>
@@ -1223,7 +1230,7 @@
           <a:p>
             <a:fld id="{3A99376B-ADBF-4BED-A802-ABAD07EED65B}" type="slidenum">
               <a:rPr lang="en-US" smtClean="0"/>
-              <a:t>23</a:t>
+              <a:t>27</a:t>
             </a:fld>
             <a:endParaRPr lang="en-US"/>
           </a:p>
@@ -1373,7 +1380,7 @@
           <a:p>
             <a:fld id="{3BBA5F19-0A58-430F-853A-2A12FA5EF2AB}" type="datetimeFigureOut">
               <a:rPr lang="en-US" smtClean="0"/>
-              <a:t>9/29/2025</a:t>
+              <a:t>2025-09-29</a:t>
             </a:fld>
             <a:endParaRPr lang="en-US"/>
           </a:p>
@@ -1424,7 +1431,7 @@
     </p:spTree>
     <p:extLst>
       <p:ext uri="{BB962C8B-B14F-4D97-AF65-F5344CB8AC3E}">
-        <p14:creationId xmlns:p14="http://schemas.microsoft.com/office/powerpoint/2010/main" val="2702080187"/>
+        <p14:creationId xmlns:p14="http://schemas.microsoft.com/office/powerpoint/2010/main" val="3895031579"/>
       </p:ext>
     </p:extLst>
   </p:cSld>
@@ -1543,7 +1550,7 @@
           <a:p>
             <a:fld id="{3BBA5F19-0A58-430F-853A-2A12FA5EF2AB}" type="datetimeFigureOut">
               <a:rPr lang="en-US" smtClean="0"/>
-              <a:t>9/29/2025</a:t>
+              <a:t>2025-09-29</a:t>
             </a:fld>
             <a:endParaRPr lang="en-US"/>
           </a:p>
@@ -1594,7 +1601,7 @@
     </p:spTree>
     <p:extLst>
       <p:ext uri="{BB962C8B-B14F-4D97-AF65-F5344CB8AC3E}">
-        <p14:creationId xmlns:p14="http://schemas.microsoft.com/office/powerpoint/2010/main" val="192597933"/>
+        <p14:creationId xmlns:p14="http://schemas.microsoft.com/office/powerpoint/2010/main" val="568968871"/>
       </p:ext>
     </p:extLst>
   </p:cSld>
@@ -1723,7 +1730,7 @@
           <a:p>
             <a:fld id="{3BBA5F19-0A58-430F-853A-2A12FA5EF2AB}" type="datetimeFigureOut">
               <a:rPr lang="en-US" smtClean="0"/>
-              <a:t>9/29/2025</a:t>
+              <a:t>2025-09-29</a:t>
             </a:fld>
             <a:endParaRPr lang="en-US"/>
           </a:p>
@@ -1774,7 +1781,7 @@
     </p:spTree>
     <p:extLst>
       <p:ext uri="{BB962C8B-B14F-4D97-AF65-F5344CB8AC3E}">
-        <p14:creationId xmlns:p14="http://schemas.microsoft.com/office/powerpoint/2010/main" val="3051131201"/>
+        <p14:creationId xmlns:p14="http://schemas.microsoft.com/office/powerpoint/2010/main" val="2111212507"/>
       </p:ext>
     </p:extLst>
   </p:cSld>
@@ -1893,7 +1900,7 @@
           <a:p>
             <a:fld id="{3BBA5F19-0A58-430F-853A-2A12FA5EF2AB}" type="datetimeFigureOut">
               <a:rPr lang="en-US" smtClean="0"/>
-              <a:t>9/29/2025</a:t>
+              <a:t>2025-09-29</a:t>
             </a:fld>
             <a:endParaRPr lang="en-US"/>
           </a:p>
@@ -1944,7 +1951,7 @@
     </p:spTree>
     <p:extLst>
       <p:ext uri="{BB962C8B-B14F-4D97-AF65-F5344CB8AC3E}">
-        <p14:creationId xmlns:p14="http://schemas.microsoft.com/office/powerpoint/2010/main" val="3652642508"/>
+        <p14:creationId xmlns:p14="http://schemas.microsoft.com/office/powerpoint/2010/main" val="1163423907"/>
       </p:ext>
     </p:extLst>
   </p:cSld>
@@ -2027,7 +2034,7 @@
               <a:defRPr sz="2400">
                 <a:solidFill>
                   <a:schemeClr val="tx1">
-                    <a:shade val="82000"/>
+                    <a:tint val="82000"/>
                   </a:schemeClr>
                 </a:solidFill>
               </a:defRPr>
@@ -2037,7 +2044,7 @@
               <a:defRPr sz="2000">
                 <a:solidFill>
                   <a:schemeClr val="tx1">
-                    <a:shade val="82000"/>
+                    <a:tint val="82000"/>
                   </a:schemeClr>
                 </a:solidFill>
               </a:defRPr>
@@ -2047,7 +2054,7 @@
               <a:defRPr sz="1800">
                 <a:solidFill>
                   <a:schemeClr val="tx1">
-                    <a:shade val="82000"/>
+                    <a:tint val="82000"/>
                   </a:schemeClr>
                 </a:solidFill>
               </a:defRPr>
@@ -2057,7 +2064,7 @@
               <a:defRPr sz="1600">
                 <a:solidFill>
                   <a:schemeClr val="tx1">
-                    <a:shade val="82000"/>
+                    <a:tint val="82000"/>
                   </a:schemeClr>
                 </a:solidFill>
               </a:defRPr>
@@ -2067,7 +2074,7 @@
               <a:defRPr sz="1600">
                 <a:solidFill>
                   <a:schemeClr val="tx1">
-                    <a:shade val="82000"/>
+                    <a:tint val="82000"/>
                   </a:schemeClr>
                 </a:solidFill>
               </a:defRPr>
@@ -2077,7 +2084,7 @@
               <a:defRPr sz="1600">
                 <a:solidFill>
                   <a:schemeClr val="tx1">
-                    <a:shade val="82000"/>
+                    <a:tint val="82000"/>
                   </a:schemeClr>
                 </a:solidFill>
               </a:defRPr>
@@ -2087,7 +2094,7 @@
               <a:defRPr sz="1600">
                 <a:solidFill>
                   <a:schemeClr val="tx1">
-                    <a:shade val="82000"/>
+                    <a:tint val="82000"/>
                   </a:schemeClr>
                 </a:solidFill>
               </a:defRPr>
@@ -2097,7 +2104,7 @@
               <a:defRPr sz="1600">
                 <a:solidFill>
                   <a:schemeClr val="tx1">
-                    <a:shade val="82000"/>
+                    <a:tint val="82000"/>
                   </a:schemeClr>
                 </a:solidFill>
               </a:defRPr>
@@ -2107,7 +2114,7 @@
               <a:defRPr sz="1600">
                 <a:solidFill>
                   <a:schemeClr val="tx1">
-                    <a:shade val="82000"/>
+                    <a:tint val="82000"/>
                   </a:schemeClr>
                 </a:solidFill>
               </a:defRPr>
@@ -2139,7 +2146,7 @@
           <a:p>
             <a:fld id="{3BBA5F19-0A58-430F-853A-2A12FA5EF2AB}" type="datetimeFigureOut">
               <a:rPr lang="en-US" smtClean="0"/>
-              <a:t>9/29/2025</a:t>
+              <a:t>2025-09-29</a:t>
             </a:fld>
             <a:endParaRPr lang="en-US"/>
           </a:p>
@@ -2190,7 +2197,7 @@
     </p:spTree>
     <p:extLst>
       <p:ext uri="{BB962C8B-B14F-4D97-AF65-F5344CB8AC3E}">
-        <p14:creationId xmlns:p14="http://schemas.microsoft.com/office/powerpoint/2010/main" val="57225905"/>
+        <p14:creationId xmlns:p14="http://schemas.microsoft.com/office/powerpoint/2010/main" val="4158793875"/>
       </p:ext>
     </p:extLst>
   </p:cSld>
@@ -2371,7 +2378,7 @@
           <a:p>
             <a:fld id="{3BBA5F19-0A58-430F-853A-2A12FA5EF2AB}" type="datetimeFigureOut">
               <a:rPr lang="en-US" smtClean="0"/>
-              <a:t>9/29/2025</a:t>
+              <a:t>2025-09-29</a:t>
             </a:fld>
             <a:endParaRPr lang="en-US"/>
           </a:p>
@@ -2422,7 +2429,7 @@
     </p:spTree>
     <p:extLst>
       <p:ext uri="{BB962C8B-B14F-4D97-AF65-F5344CB8AC3E}">
-        <p14:creationId xmlns:p14="http://schemas.microsoft.com/office/powerpoint/2010/main" val="470670647"/>
+        <p14:creationId xmlns:p14="http://schemas.microsoft.com/office/powerpoint/2010/main" val="1069190792"/>
       </p:ext>
     </p:extLst>
   </p:cSld>
@@ -2738,7 +2745,7 @@
           <a:p>
             <a:fld id="{3BBA5F19-0A58-430F-853A-2A12FA5EF2AB}" type="datetimeFigureOut">
               <a:rPr lang="en-US" smtClean="0"/>
-              <a:t>9/29/2025</a:t>
+              <a:t>2025-09-29</a:t>
             </a:fld>
             <a:endParaRPr lang="en-US"/>
           </a:p>
@@ -2789,7 +2796,7 @@
     </p:spTree>
     <p:extLst>
       <p:ext uri="{BB962C8B-B14F-4D97-AF65-F5344CB8AC3E}">
-        <p14:creationId xmlns:p14="http://schemas.microsoft.com/office/powerpoint/2010/main" val="2513209609"/>
+        <p14:creationId xmlns:p14="http://schemas.microsoft.com/office/powerpoint/2010/main" val="1642837480"/>
       </p:ext>
     </p:extLst>
   </p:cSld>
@@ -2856,7 +2863,7 @@
           <a:p>
             <a:fld id="{3BBA5F19-0A58-430F-853A-2A12FA5EF2AB}" type="datetimeFigureOut">
               <a:rPr lang="en-US" smtClean="0"/>
-              <a:t>9/29/2025</a:t>
+              <a:t>2025-09-29</a:t>
             </a:fld>
             <a:endParaRPr lang="en-US"/>
           </a:p>
@@ -2907,7 +2914,7 @@
     </p:spTree>
     <p:extLst>
       <p:ext uri="{BB962C8B-B14F-4D97-AF65-F5344CB8AC3E}">
-        <p14:creationId xmlns:p14="http://schemas.microsoft.com/office/powerpoint/2010/main" val="2764683197"/>
+        <p14:creationId xmlns:p14="http://schemas.microsoft.com/office/powerpoint/2010/main" val="2993774378"/>
       </p:ext>
     </p:extLst>
   </p:cSld>
@@ -2951,7 +2958,7 @@
           <a:p>
             <a:fld id="{3BBA5F19-0A58-430F-853A-2A12FA5EF2AB}" type="datetimeFigureOut">
               <a:rPr lang="en-US" smtClean="0"/>
-              <a:t>9/29/2025</a:t>
+              <a:t>2025-09-29</a:t>
             </a:fld>
             <a:endParaRPr lang="en-US"/>
           </a:p>
@@ -3002,7 +3009,7 @@
     </p:spTree>
     <p:extLst>
       <p:ext uri="{BB962C8B-B14F-4D97-AF65-F5344CB8AC3E}">
-        <p14:creationId xmlns:p14="http://schemas.microsoft.com/office/powerpoint/2010/main" val="1261352299"/>
+        <p14:creationId xmlns:p14="http://schemas.microsoft.com/office/powerpoint/2010/main" val="713712955"/>
       </p:ext>
     </p:extLst>
   </p:cSld>
@@ -3228,7 +3235,7 @@
           <a:p>
             <a:fld id="{3BBA5F19-0A58-430F-853A-2A12FA5EF2AB}" type="datetimeFigureOut">
               <a:rPr lang="en-US" smtClean="0"/>
-              <a:t>9/29/2025</a:t>
+              <a:t>2025-09-29</a:t>
             </a:fld>
             <a:endParaRPr lang="en-US"/>
           </a:p>
@@ -3279,7 +3286,7 @@
     </p:spTree>
     <p:extLst>
       <p:ext uri="{BB962C8B-B14F-4D97-AF65-F5344CB8AC3E}">
-        <p14:creationId xmlns:p14="http://schemas.microsoft.com/office/powerpoint/2010/main" val="823421327"/>
+        <p14:creationId xmlns:p14="http://schemas.microsoft.com/office/powerpoint/2010/main" val="4045455359"/>
       </p:ext>
     </p:extLst>
   </p:cSld>
@@ -3485,7 +3492,7 @@
           <a:p>
             <a:fld id="{3BBA5F19-0A58-430F-853A-2A12FA5EF2AB}" type="datetimeFigureOut">
               <a:rPr lang="en-US" smtClean="0"/>
-              <a:t>9/29/2025</a:t>
+              <a:t>2025-09-29</a:t>
             </a:fld>
             <a:endParaRPr lang="en-US"/>
           </a:p>
@@ -3536,7 +3543,7 @@
     </p:spTree>
     <p:extLst>
       <p:ext uri="{BB962C8B-B14F-4D97-AF65-F5344CB8AC3E}">
-        <p14:creationId xmlns:p14="http://schemas.microsoft.com/office/powerpoint/2010/main" val="2509370801"/>
+        <p14:creationId xmlns:p14="http://schemas.microsoft.com/office/powerpoint/2010/main" val="2699288361"/>
       </p:ext>
     </p:extLst>
   </p:cSld>
@@ -3689,7 +3696,7 @@
               <a:defRPr sz="1200">
                 <a:solidFill>
                   <a:schemeClr val="tx1">
-                    <a:shade val="82000"/>
+                    <a:tint val="82000"/>
                   </a:schemeClr>
                 </a:solidFill>
               </a:defRPr>
@@ -3698,7 +3705,7 @@
           <a:p>
             <a:fld id="{3BBA5F19-0A58-430F-853A-2A12FA5EF2AB}" type="datetimeFigureOut">
               <a:rPr lang="en-US" smtClean="0"/>
-              <a:t>9/29/2025</a:t>
+              <a:t>2025-09-29</a:t>
             </a:fld>
             <a:endParaRPr lang="en-US"/>
           </a:p>
@@ -3730,7 +3737,7 @@
               <a:defRPr sz="1200">
                 <a:solidFill>
                   <a:schemeClr val="tx1">
-                    <a:shade val="82000"/>
+                    <a:tint val="82000"/>
                   </a:schemeClr>
                 </a:solidFill>
               </a:defRPr>
@@ -3767,7 +3774,7 @@
               <a:defRPr sz="1200">
                 <a:solidFill>
                   <a:schemeClr val="tx1">
-                    <a:shade val="82000"/>
+                    <a:tint val="82000"/>
                   </a:schemeClr>
                 </a:solidFill>
               </a:defRPr>
@@ -3785,23 +3792,23 @@
     </p:spTree>
     <p:extLst>
       <p:ext uri="{BB962C8B-B14F-4D97-AF65-F5344CB8AC3E}">
-        <p14:creationId xmlns:p14="http://schemas.microsoft.com/office/powerpoint/2010/main" val="4131636208"/>
+        <p14:creationId xmlns:p14="http://schemas.microsoft.com/office/powerpoint/2010/main" val="1018841063"/>
       </p:ext>
     </p:extLst>
   </p:cSld>
-  <p:clrMap bg1="dk1" tx1="lt1" bg2="dk2" tx2="lt2" accent1="accent1" accent2="accent2" accent3="accent3" accent4="accent4" accent5="accent5" accent6="accent6" hlink="hlink" folHlink="folHlink"/>
+  <p:clrMap bg1="lt1" tx1="dk1" bg2="lt2" tx2="dk2" accent1="accent1" accent2="accent2" accent3="accent3" accent4="accent4" accent5="accent5" accent6="accent6" hlink="hlink" folHlink="folHlink"/>
   <p:sldLayoutIdLst>
-    <p:sldLayoutId id="2147483685" r:id="rId1"/>
-    <p:sldLayoutId id="2147483686" r:id="rId2"/>
-    <p:sldLayoutId id="2147483687" r:id="rId3"/>
-    <p:sldLayoutId id="2147483688" r:id="rId4"/>
-    <p:sldLayoutId id="2147483689" r:id="rId5"/>
-    <p:sldLayoutId id="2147483690" r:id="rId6"/>
-    <p:sldLayoutId id="2147483691" r:id="rId7"/>
-    <p:sldLayoutId id="2147483692" r:id="rId8"/>
-    <p:sldLayoutId id="2147483693" r:id="rId9"/>
-    <p:sldLayoutId id="2147483694" r:id="rId10"/>
-    <p:sldLayoutId id="2147483695" r:id="rId11"/>
+    <p:sldLayoutId id="2147483733" r:id="rId1"/>
+    <p:sldLayoutId id="2147483734" r:id="rId2"/>
+    <p:sldLayoutId id="2147483735" r:id="rId3"/>
+    <p:sldLayoutId id="2147483736" r:id="rId4"/>
+    <p:sldLayoutId id="2147483737" r:id="rId5"/>
+    <p:sldLayoutId id="2147483738" r:id="rId6"/>
+    <p:sldLayoutId id="2147483739" r:id="rId7"/>
+    <p:sldLayoutId id="2147483740" r:id="rId8"/>
+    <p:sldLayoutId id="2147483741" r:id="rId9"/>
+    <p:sldLayoutId id="2147483742" r:id="rId10"/>
+    <p:sldLayoutId id="2147483743" r:id="rId11"/>
   </p:sldLayoutIdLst>
   <p:txStyles>
     <p:titleStyle>
@@ -4125,9 +4132,10 @@
           <a:lstStyle/>
           <a:p>
             <a:r>
-              <a:rPr lang="en-US" dirty="0"/>
+              <a:rPr lang="en-US"/>
               <a:t>CAD/USD Outlook</a:t>
             </a:r>
+            <a:endParaRPr lang="en-US" dirty="0"/>
           </a:p>
         </p:txBody>
       </p:sp>
@@ -4153,21 +4161,22 @@
           <a:lstStyle/>
           <a:p>
             <a:r>
-              <a:rPr lang="en-US" dirty="0"/>
+              <a:rPr lang="en-US"/>
               <a:t>Borderland Co-op</a:t>
             </a:r>
           </a:p>
           <a:p>
             <a:r>
-              <a:rPr lang="en-US" dirty="0"/>
+              <a:rPr lang="en-US"/>
               <a:t>Mahdi Ghafarian</a:t>
             </a:r>
           </a:p>
           <a:p>
             <a:r>
-              <a:rPr lang="en-US" dirty="0"/>
+              <a:rPr lang="en-US"/>
               <a:t>Oct 2025</a:t>
             </a:r>
+            <a:endParaRPr lang="en-US" dirty="0"/>
           </a:p>
         </p:txBody>
       </p:sp>
@@ -4206,6 +4215,128 @@
           <p:cNvPr id="2" name="Title 1">
             <a:extLst>
               <a:ext uri="{FF2B5EF4-FFF2-40B4-BE49-F238E27FC236}">
+                <a16:creationId xmlns:a16="http://schemas.microsoft.com/office/drawing/2014/main" id="{6BC4E5D5-285B-BF73-C9EB-89A5A26AAE92}"/>
+              </a:ext>
+            </a:extLst>
+          </p:cNvPr>
+          <p:cNvSpPr>
+            <a:spLocks noGrp="1"/>
+          </p:cNvSpPr>
+          <p:nvPr>
+            <p:ph type="title"/>
+          </p:nvPr>
+        </p:nvSpPr>
+        <p:spPr/>
+        <p:txBody>
+          <a:bodyPr/>
+          <a:lstStyle/>
+          <a:p>
+            <a:r>
+              <a:rPr lang="en-US" dirty="0"/>
+              <a:t>Lasso (L1) Regularized Regression</a:t>
+            </a:r>
+          </a:p>
+        </p:txBody>
+      </p:sp>
+      <p:pic>
+        <p:nvPicPr>
+          <p:cNvPr id="11" name="Content Placeholder 10">
+            <a:extLst>
+              <a:ext uri="{FF2B5EF4-FFF2-40B4-BE49-F238E27FC236}">
+                <a16:creationId xmlns:a16="http://schemas.microsoft.com/office/drawing/2014/main" id="{58E2EEA7-B9A3-0E13-EC64-E391E9FFBA00}"/>
+              </a:ext>
+            </a:extLst>
+          </p:cNvPr>
+          <p:cNvPicPr>
+            <a:picLocks noGrp="1" noChangeAspect="1"/>
+          </p:cNvPicPr>
+          <p:nvPr>
+            <p:ph sz="half" idx="1"/>
+          </p:nvPr>
+        </p:nvPicPr>
+        <p:blipFill>
+          <a:blip r:embed="rId2"/>
+          <a:stretch>
+            <a:fillRect/>
+          </a:stretch>
+        </p:blipFill>
+        <p:spPr>
+          <a:xfrm>
+            <a:off x="1872303" y="1825625"/>
+            <a:ext cx="3113393" cy="4351338"/>
+          </a:xfrm>
+          <a:prstGeom prst="rect">
+            <a:avLst/>
+          </a:prstGeom>
+        </p:spPr>
+      </p:pic>
+      <p:pic>
+        <p:nvPicPr>
+          <p:cNvPr id="13" name="Content Placeholder 12">
+            <a:extLst>
+              <a:ext uri="{FF2B5EF4-FFF2-40B4-BE49-F238E27FC236}">
+                <a16:creationId xmlns:a16="http://schemas.microsoft.com/office/drawing/2014/main" id="{0A2BBA90-FA64-4E64-797E-6D986D3B1581}"/>
+              </a:ext>
+            </a:extLst>
+          </p:cNvPr>
+          <p:cNvPicPr>
+            <a:picLocks noGrp="1" noChangeAspect="1"/>
+          </p:cNvPicPr>
+          <p:nvPr>
+            <p:ph sz="half" idx="2"/>
+          </p:nvPr>
+        </p:nvPicPr>
+        <p:blipFill>
+          <a:blip r:embed="rId3"/>
+          <a:stretch>
+            <a:fillRect/>
+          </a:stretch>
+        </p:blipFill>
+        <p:spPr>
+          <a:xfrm>
+            <a:off x="7362629" y="3353503"/>
+            <a:ext cx="2800741" cy="1295581"/>
+          </a:xfrm>
+          <a:prstGeom prst="rect">
+            <a:avLst/>
+          </a:prstGeom>
+        </p:spPr>
+      </p:pic>
+    </p:spTree>
+    <p:extLst>
+      <p:ext uri="{BB962C8B-B14F-4D97-AF65-F5344CB8AC3E}">
+        <p14:creationId xmlns:p14="http://schemas.microsoft.com/office/powerpoint/2010/main" val="1384600304"/>
+      </p:ext>
+    </p:extLst>
+  </p:cSld>
+  <p:clrMapOvr>
+    <a:masterClrMapping/>
+  </p:clrMapOvr>
+</p:sld>
+</file>
+
+<file path=ppt/slides/slide11.xml><?xml version="1.0" encoding="utf-8"?>
+<p:sld xmlns:a="http://schemas.openxmlformats.org/drawingml/2006/main" xmlns:r="http://schemas.openxmlformats.org/officeDocument/2006/relationships" xmlns:p="http://schemas.openxmlformats.org/presentationml/2006/main">
+  <p:cSld>
+    <p:spTree>
+      <p:nvGrpSpPr>
+        <p:cNvPr id="1" name=""/>
+        <p:cNvGrpSpPr/>
+        <p:nvPr/>
+      </p:nvGrpSpPr>
+      <p:grpSpPr>
+        <a:xfrm>
+          <a:off x="0" y="0"/>
+          <a:ext cx="0" cy="0"/>
+          <a:chOff x="0" y="0"/>
+          <a:chExt cx="0" cy="0"/>
+        </a:xfrm>
+      </p:grpSpPr>
+      <p:sp>
+        <p:nvSpPr>
+          <p:cNvPr id="2" name="Title 1">
+            <a:extLst>
+              <a:ext uri="{FF2B5EF4-FFF2-40B4-BE49-F238E27FC236}">
                 <a16:creationId xmlns:a16="http://schemas.microsoft.com/office/drawing/2014/main" id="{0B899074-A63A-EF49-A13A-EA32BC55FAE7}"/>
               </a:ext>
             </a:extLst>
@@ -4274,89 +4405,6 @@
 </p:sld>
 </file>
 
-<file path=ppt/slides/slide11.xml><?xml version="1.0" encoding="utf-8"?>
-<p:sld xmlns:a="http://schemas.openxmlformats.org/drawingml/2006/main" xmlns:r="http://schemas.openxmlformats.org/officeDocument/2006/relationships" xmlns:p="http://schemas.openxmlformats.org/presentationml/2006/main">
-  <p:cSld>
-    <p:spTree>
-      <p:nvGrpSpPr>
-        <p:cNvPr id="1" name=""/>
-        <p:cNvGrpSpPr/>
-        <p:nvPr/>
-      </p:nvGrpSpPr>
-      <p:grpSpPr>
-        <a:xfrm>
-          <a:off x="0" y="0"/>
-          <a:ext cx="0" cy="0"/>
-          <a:chOff x="0" y="0"/>
-          <a:chExt cx="0" cy="0"/>
-        </a:xfrm>
-      </p:grpSpPr>
-      <p:sp>
-        <p:nvSpPr>
-          <p:cNvPr id="4" name="Title 3">
-            <a:extLst>
-              <a:ext uri="{FF2B5EF4-FFF2-40B4-BE49-F238E27FC236}">
-                <a16:creationId xmlns:a16="http://schemas.microsoft.com/office/drawing/2014/main" id="{EEC66F14-1159-A4C7-BF27-3956C76B429A}"/>
-              </a:ext>
-            </a:extLst>
-          </p:cNvPr>
-          <p:cNvSpPr>
-            <a:spLocks noGrp="1"/>
-          </p:cNvSpPr>
-          <p:nvPr>
-            <p:ph type="title"/>
-          </p:nvPr>
-        </p:nvSpPr>
-        <p:spPr/>
-        <p:txBody>
-          <a:bodyPr/>
-          <a:lstStyle/>
-          <a:p>
-            <a:r>
-              <a:rPr lang="en-US" dirty="0"/>
-              <a:t>Global Economy</a:t>
-            </a:r>
-          </a:p>
-        </p:txBody>
-      </p:sp>
-      <p:sp>
-        <p:nvSpPr>
-          <p:cNvPr id="5" name="Text Placeholder 4">
-            <a:extLst>
-              <a:ext uri="{FF2B5EF4-FFF2-40B4-BE49-F238E27FC236}">
-                <a16:creationId xmlns:a16="http://schemas.microsoft.com/office/drawing/2014/main" id="{7BB505BA-23C5-4351-C416-4482B74C6CBB}"/>
-              </a:ext>
-            </a:extLst>
-          </p:cNvPr>
-          <p:cNvSpPr>
-            <a:spLocks noGrp="1"/>
-          </p:cNvSpPr>
-          <p:nvPr>
-            <p:ph type="body" idx="1"/>
-          </p:nvPr>
-        </p:nvSpPr>
-        <p:spPr/>
-        <p:txBody>
-          <a:bodyPr/>
-          <a:lstStyle/>
-          <a:p>
-            <a:endParaRPr lang="en-US"/>
-          </a:p>
-        </p:txBody>
-      </p:sp>
-    </p:spTree>
-    <p:extLst>
-      <p:ext uri="{BB962C8B-B14F-4D97-AF65-F5344CB8AC3E}">
-        <p14:creationId xmlns:p14="http://schemas.microsoft.com/office/powerpoint/2010/main" val="814161276"/>
-      </p:ext>
-    </p:extLst>
-  </p:cSld>
-  <p:clrMapOvr>
-    <a:masterClrMapping/>
-  </p:clrMapOvr>
-</p:sld>
-</file>
-
 <file path=ppt/slides/slide12.xml><?xml version="1.0" encoding="utf-8"?>
 <p:sld xmlns:a="http://schemas.openxmlformats.org/drawingml/2006/main" xmlns:r="http://schemas.openxmlformats.org/officeDocument/2006/relationships" xmlns:p="http://schemas.openxmlformats.org/presentationml/2006/main">
   <p:cSld>
@@ -4379,6 +4427,89 @@
           <p:cNvPr id="4" name="Title 3">
             <a:extLst>
               <a:ext uri="{FF2B5EF4-FFF2-40B4-BE49-F238E27FC236}">
+                <a16:creationId xmlns:a16="http://schemas.microsoft.com/office/drawing/2014/main" id="{EEC66F14-1159-A4C7-BF27-3956C76B429A}"/>
+              </a:ext>
+            </a:extLst>
+          </p:cNvPr>
+          <p:cNvSpPr>
+            <a:spLocks noGrp="1"/>
+          </p:cNvSpPr>
+          <p:nvPr>
+            <p:ph type="title"/>
+          </p:nvPr>
+        </p:nvSpPr>
+        <p:spPr/>
+        <p:txBody>
+          <a:bodyPr/>
+          <a:lstStyle/>
+          <a:p>
+            <a:r>
+              <a:rPr lang="en-US" dirty="0"/>
+              <a:t>Global Economy</a:t>
+            </a:r>
+          </a:p>
+        </p:txBody>
+      </p:sp>
+      <p:sp>
+        <p:nvSpPr>
+          <p:cNvPr id="5" name="Text Placeholder 4">
+            <a:extLst>
+              <a:ext uri="{FF2B5EF4-FFF2-40B4-BE49-F238E27FC236}">
+                <a16:creationId xmlns:a16="http://schemas.microsoft.com/office/drawing/2014/main" id="{7BB505BA-23C5-4351-C416-4482B74C6CBB}"/>
+              </a:ext>
+            </a:extLst>
+          </p:cNvPr>
+          <p:cNvSpPr>
+            <a:spLocks noGrp="1"/>
+          </p:cNvSpPr>
+          <p:nvPr>
+            <p:ph type="body" idx="1"/>
+          </p:nvPr>
+        </p:nvSpPr>
+        <p:spPr/>
+        <p:txBody>
+          <a:bodyPr/>
+          <a:lstStyle/>
+          <a:p>
+            <a:endParaRPr lang="en-US"/>
+          </a:p>
+        </p:txBody>
+      </p:sp>
+    </p:spTree>
+    <p:extLst>
+      <p:ext uri="{BB962C8B-B14F-4D97-AF65-F5344CB8AC3E}">
+        <p14:creationId xmlns:p14="http://schemas.microsoft.com/office/powerpoint/2010/main" val="814161276"/>
+      </p:ext>
+    </p:extLst>
+  </p:cSld>
+  <p:clrMapOvr>
+    <a:masterClrMapping/>
+  </p:clrMapOvr>
+</p:sld>
+</file>
+
+<file path=ppt/slides/slide13.xml><?xml version="1.0" encoding="utf-8"?>
+<p:sld xmlns:a="http://schemas.openxmlformats.org/drawingml/2006/main" xmlns:r="http://schemas.openxmlformats.org/officeDocument/2006/relationships" xmlns:p="http://schemas.openxmlformats.org/presentationml/2006/main">
+  <p:cSld>
+    <p:spTree>
+      <p:nvGrpSpPr>
+        <p:cNvPr id="1" name=""/>
+        <p:cNvGrpSpPr/>
+        <p:nvPr/>
+      </p:nvGrpSpPr>
+      <p:grpSpPr>
+        <a:xfrm>
+          <a:off x="0" y="0"/>
+          <a:ext cx="0" cy="0"/>
+          <a:chOff x="0" y="0"/>
+          <a:chExt cx="0" cy="0"/>
+        </a:xfrm>
+      </p:grpSpPr>
+      <p:sp>
+        <p:nvSpPr>
+          <p:cNvPr id="4" name="Title 3">
+            <a:extLst>
+              <a:ext uri="{FF2B5EF4-FFF2-40B4-BE49-F238E27FC236}">
                 <a16:creationId xmlns:a16="http://schemas.microsoft.com/office/drawing/2014/main" id="{9FB5C929-75BC-5937-28E4-E5E15193C995}"/>
               </a:ext>
             </a:extLst>
@@ -4579,7 +4710,7 @@
 </p:sld>
 </file>
 
-<file path=ppt/slides/slide13.xml><?xml version="1.0" encoding="utf-8"?>
+<file path=ppt/slides/slide14.xml><?xml version="1.0" encoding="utf-8"?>
 <p:sld xmlns:a="http://schemas.openxmlformats.org/drawingml/2006/main" xmlns:r="http://schemas.openxmlformats.org/officeDocument/2006/relationships" xmlns:p="http://schemas.openxmlformats.org/presentationml/2006/main">
   <p:cSld>
     <p:spTree>
@@ -4750,7 +4881,7 @@
 </p:sld>
 </file>
 
-<file path=ppt/slides/slide14.xml><?xml version="1.0" encoding="utf-8"?>
+<file path=ppt/slides/slide15.xml><?xml version="1.0" encoding="utf-8"?>
 <p:sld xmlns:a="http://schemas.openxmlformats.org/drawingml/2006/main" xmlns:r="http://schemas.openxmlformats.org/officeDocument/2006/relationships" xmlns:p="http://schemas.openxmlformats.org/presentationml/2006/main">
   <p:cSld>
     <p:spTree>
@@ -4833,7 +4964,7 @@
 </p:sld>
 </file>
 
-<file path=ppt/slides/slide15.xml><?xml version="1.0" encoding="utf-8"?>
+<file path=ppt/slides/slide16.xml><?xml version="1.0" encoding="utf-8"?>
 <p:sld xmlns:a="http://schemas.openxmlformats.org/drawingml/2006/main" xmlns:r="http://schemas.openxmlformats.org/officeDocument/2006/relationships" xmlns:p="http://schemas.openxmlformats.org/presentationml/2006/main">
   <p:cSld>
     <p:spTree>
@@ -4934,7 +5065,7 @@
         </p:blipFill>
         <p:spPr>
           <a:xfrm>
-            <a:off x="6418270" y="1825625"/>
+            <a:off x="6205834" y="1825625"/>
             <a:ext cx="5114332" cy="4351338"/>
           </a:xfrm>
           <a:prstGeom prst="rect">
@@ -4989,139 +5120,6 @@
     <p:extLst>
       <p:ext uri="{BB962C8B-B14F-4D97-AF65-F5344CB8AC3E}">
         <p14:creationId xmlns:p14="http://schemas.microsoft.com/office/powerpoint/2010/main" val="3565452992"/>
-      </p:ext>
-    </p:extLst>
-  </p:cSld>
-  <p:clrMapOvr>
-    <a:masterClrMapping/>
-  </p:clrMapOvr>
-</p:sld>
-</file>
-
-<file path=ppt/slides/slide16.xml><?xml version="1.0" encoding="utf-8"?>
-<p:sld xmlns:a="http://schemas.openxmlformats.org/drawingml/2006/main" xmlns:r="http://schemas.openxmlformats.org/officeDocument/2006/relationships" xmlns:p="http://schemas.openxmlformats.org/presentationml/2006/main">
-  <p:cSld>
-    <p:spTree>
-      <p:nvGrpSpPr>
-        <p:cNvPr id="1" name=""/>
-        <p:cNvGrpSpPr/>
-        <p:nvPr/>
-      </p:nvGrpSpPr>
-      <p:grpSpPr>
-        <a:xfrm>
-          <a:off x="0" y="0"/>
-          <a:ext cx="0" cy="0"/>
-          <a:chOff x="0" y="0"/>
-          <a:chExt cx="0" cy="0"/>
-        </a:xfrm>
-      </p:grpSpPr>
-      <p:sp>
-        <p:nvSpPr>
-          <p:cNvPr id="2" name="Title 1">
-            <a:extLst>
-              <a:ext uri="{FF2B5EF4-FFF2-40B4-BE49-F238E27FC236}">
-                <a16:creationId xmlns:a16="http://schemas.microsoft.com/office/drawing/2014/main" id="{26D5FF64-0CDE-0DC6-931F-44688785F22F}"/>
-              </a:ext>
-            </a:extLst>
-          </p:cNvPr>
-          <p:cNvSpPr>
-            <a:spLocks noGrp="1"/>
-          </p:cNvSpPr>
-          <p:nvPr>
-            <p:ph type="title"/>
-          </p:nvPr>
-        </p:nvSpPr>
-        <p:spPr/>
-        <p:txBody>
-          <a:bodyPr/>
-          <a:lstStyle/>
-          <a:p>
-            <a:r>
-              <a:rPr lang="en-US" dirty="0"/>
-              <a:t>Increasing Oil Inventories</a:t>
-            </a:r>
-          </a:p>
-        </p:txBody>
-      </p:sp>
-      <p:sp>
-        <p:nvSpPr>
-          <p:cNvPr id="14" name="TextBox 13">
-            <a:extLst>
-              <a:ext uri="{FF2B5EF4-FFF2-40B4-BE49-F238E27FC236}">
-                <a16:creationId xmlns:a16="http://schemas.microsoft.com/office/drawing/2014/main" id="{8ABED2F8-19EB-612A-AB5F-9DFF1845E031}"/>
-              </a:ext>
-            </a:extLst>
-          </p:cNvPr>
-          <p:cNvSpPr txBox="1"/>
-          <p:nvPr/>
-        </p:nvSpPr>
-        <p:spPr>
-          <a:xfrm>
-            <a:off x="0" y="6492875"/>
-            <a:ext cx="12192000" cy="369332"/>
-          </a:xfrm>
-          <a:prstGeom prst="rect">
-            <a:avLst/>
-          </a:prstGeom>
-          <a:noFill/>
-        </p:spPr>
-        <p:txBody>
-          <a:bodyPr wrap="square" rtlCol="0">
-            <a:spAutoFit/>
-          </a:bodyPr>
-          <a:lstStyle/>
-          <a:p>
-            <a:pPr algn="ctr"/>
-            <a:r>
-              <a:rPr lang="en-US" dirty="0"/>
-              <a:t>Reference: </a:t>
-            </a:r>
-            <a:r>
-              <a:rPr lang="en-US" dirty="0">
-                <a:hlinkClick r:id="rId3"/>
-              </a:rPr>
-              <a:t>U.S. Energy Information Administration (EIA), Short-Term Energy Outlook</a:t>
-            </a:r>
-            <a:endParaRPr lang="x-none" dirty="0"/>
-          </a:p>
-        </p:txBody>
-      </p:sp>
-      <p:pic>
-        <p:nvPicPr>
-          <p:cNvPr id="17" name="Content Placeholder 5">
-            <a:extLst>
-              <a:ext uri="{FF2B5EF4-FFF2-40B4-BE49-F238E27FC236}">
-                <a16:creationId xmlns:a16="http://schemas.microsoft.com/office/drawing/2014/main" id="{5405D9E0-1B71-56C0-9D6A-BCFB3AE5AC9D}"/>
-              </a:ext>
-            </a:extLst>
-          </p:cNvPr>
-          <p:cNvPicPr>
-            <a:picLocks noGrp="1" noChangeAspect="1"/>
-          </p:cNvPicPr>
-          <p:nvPr>
-            <p:ph idx="1"/>
-          </p:nvPr>
-        </p:nvPicPr>
-        <p:blipFill>
-          <a:blip r:embed="rId4"/>
-          <a:stretch>
-            <a:fillRect/>
-          </a:stretch>
-        </p:blipFill>
-        <p:spPr>
-          <a:xfrm>
-            <a:off x="2307103" y="1825625"/>
-            <a:ext cx="7577793" cy="4351338"/>
-          </a:xfrm>
-          <a:prstGeom prst="rect">
-            <a:avLst/>
-          </a:prstGeom>
-        </p:spPr>
-      </p:pic>
-    </p:spTree>
-    <p:extLst>
-      <p:ext uri="{BB962C8B-B14F-4D97-AF65-F5344CB8AC3E}">
-        <p14:creationId xmlns:p14="http://schemas.microsoft.com/office/powerpoint/2010/main" val="1737193659"/>
       </p:ext>
     </p:extLst>
   </p:cSld>
@@ -5150,6 +5148,139 @@
       </p:grpSpPr>
       <p:sp>
         <p:nvSpPr>
+          <p:cNvPr id="2" name="Title 1">
+            <a:extLst>
+              <a:ext uri="{FF2B5EF4-FFF2-40B4-BE49-F238E27FC236}">
+                <a16:creationId xmlns:a16="http://schemas.microsoft.com/office/drawing/2014/main" id="{26D5FF64-0CDE-0DC6-931F-44688785F22F}"/>
+              </a:ext>
+            </a:extLst>
+          </p:cNvPr>
+          <p:cNvSpPr>
+            <a:spLocks noGrp="1"/>
+          </p:cNvSpPr>
+          <p:nvPr>
+            <p:ph type="title"/>
+          </p:nvPr>
+        </p:nvSpPr>
+        <p:spPr/>
+        <p:txBody>
+          <a:bodyPr/>
+          <a:lstStyle/>
+          <a:p>
+            <a:r>
+              <a:rPr lang="en-US" dirty="0"/>
+              <a:t>Increasing Oil Inventories</a:t>
+            </a:r>
+          </a:p>
+        </p:txBody>
+      </p:sp>
+      <p:pic>
+        <p:nvPicPr>
+          <p:cNvPr id="17" name="Content Placeholder 5">
+            <a:extLst>
+              <a:ext uri="{FF2B5EF4-FFF2-40B4-BE49-F238E27FC236}">
+                <a16:creationId xmlns:a16="http://schemas.microsoft.com/office/drawing/2014/main" id="{5405D9E0-1B71-56C0-9D6A-BCFB3AE5AC9D}"/>
+              </a:ext>
+            </a:extLst>
+          </p:cNvPr>
+          <p:cNvPicPr>
+            <a:picLocks noGrp="1" noChangeAspect="1"/>
+          </p:cNvPicPr>
+          <p:nvPr>
+            <p:ph idx="1"/>
+          </p:nvPr>
+        </p:nvPicPr>
+        <p:blipFill>
+          <a:blip r:embed="rId3"/>
+          <a:stretch>
+            <a:fillRect/>
+          </a:stretch>
+        </p:blipFill>
+        <p:spPr>
+          <a:xfrm>
+            <a:off x="2307103" y="1825625"/>
+            <a:ext cx="7577793" cy="4351338"/>
+          </a:xfrm>
+          <a:prstGeom prst="rect">
+            <a:avLst/>
+          </a:prstGeom>
+        </p:spPr>
+      </p:pic>
+      <p:sp>
+        <p:nvSpPr>
+          <p:cNvPr id="14" name="TextBox 13">
+            <a:extLst>
+              <a:ext uri="{FF2B5EF4-FFF2-40B4-BE49-F238E27FC236}">
+                <a16:creationId xmlns:a16="http://schemas.microsoft.com/office/drawing/2014/main" id="{8ABED2F8-19EB-612A-AB5F-9DFF1845E031}"/>
+              </a:ext>
+            </a:extLst>
+          </p:cNvPr>
+          <p:cNvSpPr txBox="1"/>
+          <p:nvPr/>
+        </p:nvSpPr>
+        <p:spPr>
+          <a:xfrm>
+            <a:off x="0" y="6492875"/>
+            <a:ext cx="12192000" cy="369332"/>
+          </a:xfrm>
+          <a:prstGeom prst="rect">
+            <a:avLst/>
+          </a:prstGeom>
+          <a:noFill/>
+        </p:spPr>
+        <p:txBody>
+          <a:bodyPr wrap="square" rtlCol="0">
+            <a:spAutoFit/>
+          </a:bodyPr>
+          <a:lstStyle/>
+          <a:p>
+            <a:pPr algn="ctr"/>
+            <a:r>
+              <a:rPr lang="en-US" dirty="0"/>
+              <a:t>Reference: </a:t>
+            </a:r>
+            <a:r>
+              <a:rPr lang="en-US" dirty="0">
+                <a:hlinkClick r:id="rId4"/>
+              </a:rPr>
+              <a:t>U.S. Energy Information Administration (EIA), Short-Term Energy Outlook</a:t>
+            </a:r>
+            <a:endParaRPr lang="x-none" dirty="0"/>
+          </a:p>
+        </p:txBody>
+      </p:sp>
+    </p:spTree>
+    <p:extLst>
+      <p:ext uri="{BB962C8B-B14F-4D97-AF65-F5344CB8AC3E}">
+        <p14:creationId xmlns:p14="http://schemas.microsoft.com/office/powerpoint/2010/main" val="1737193659"/>
+      </p:ext>
+    </p:extLst>
+  </p:cSld>
+  <p:clrMapOvr>
+    <a:masterClrMapping/>
+  </p:clrMapOvr>
+</p:sld>
+</file>
+
+<file path=ppt/slides/slide18.xml><?xml version="1.0" encoding="utf-8"?>
+<p:sld xmlns:a="http://schemas.openxmlformats.org/drawingml/2006/main" xmlns:r="http://schemas.openxmlformats.org/officeDocument/2006/relationships" xmlns:p="http://schemas.openxmlformats.org/presentationml/2006/main">
+  <p:cSld>
+    <p:spTree>
+      <p:nvGrpSpPr>
+        <p:cNvPr id="1" name=""/>
+        <p:cNvGrpSpPr/>
+        <p:nvPr/>
+      </p:nvGrpSpPr>
+      <p:grpSpPr>
+        <a:xfrm>
+          <a:off x="0" y="0"/>
+          <a:ext cx="0" cy="0"/>
+          <a:chOff x="0" y="0"/>
+          <a:chExt cx="0" cy="0"/>
+        </a:xfrm>
+      </p:grpSpPr>
+      <p:sp>
+        <p:nvSpPr>
           <p:cNvPr id="4" name="Title 3">
             <a:extLst>
               <a:ext uri="{FF2B5EF4-FFF2-40B4-BE49-F238E27FC236}">
@@ -5340,7 +5471,7 @@
 </p:sld>
 </file>
 
-<file path=ppt/slides/slide18.xml><?xml version="1.0" encoding="utf-8"?>
+<file path=ppt/slides/slide19.xml><?xml version="1.0" encoding="utf-8"?>
 <p:sld xmlns:a="http://schemas.openxmlformats.org/drawingml/2006/main" xmlns:r="http://schemas.openxmlformats.org/officeDocument/2006/relationships" xmlns:p="http://schemas.openxmlformats.org/presentationml/2006/main">
   <p:cSld>
     <p:spTree>
@@ -5420,171 +5551,6 @@
     <p:extLst>
       <p:ext uri="{BB962C8B-B14F-4D97-AF65-F5344CB8AC3E}">
         <p14:creationId xmlns:p14="http://schemas.microsoft.com/office/powerpoint/2010/main" val="1537158543"/>
-      </p:ext>
-    </p:extLst>
-  </p:cSld>
-  <p:clrMapOvr>
-    <a:masterClrMapping/>
-  </p:clrMapOvr>
-</p:sld>
-</file>
-
-<file path=ppt/slides/slide19.xml><?xml version="1.0" encoding="utf-8"?>
-<p:sld xmlns:a="http://schemas.openxmlformats.org/drawingml/2006/main" xmlns:r="http://schemas.openxmlformats.org/officeDocument/2006/relationships" xmlns:p="http://schemas.openxmlformats.org/presentationml/2006/main">
-  <p:cSld>
-    <p:spTree>
-      <p:nvGrpSpPr>
-        <p:cNvPr id="1" name=""/>
-        <p:cNvGrpSpPr/>
-        <p:nvPr/>
-      </p:nvGrpSpPr>
-      <p:grpSpPr>
-        <a:xfrm>
-          <a:off x="0" y="0"/>
-          <a:ext cx="0" cy="0"/>
-          <a:chOff x="0" y="0"/>
-          <a:chExt cx="0" cy="0"/>
-        </a:xfrm>
-      </p:grpSpPr>
-      <p:sp>
-        <p:nvSpPr>
-          <p:cNvPr id="4" name="Title 3">
-            <a:extLst>
-              <a:ext uri="{FF2B5EF4-FFF2-40B4-BE49-F238E27FC236}">
-                <a16:creationId xmlns:a16="http://schemas.microsoft.com/office/drawing/2014/main" id="{0F5CEE2D-A57C-9FB3-2F26-6BBD0D32E741}"/>
-              </a:ext>
-            </a:extLst>
-          </p:cNvPr>
-          <p:cNvSpPr>
-            <a:spLocks noGrp="1"/>
-          </p:cNvSpPr>
-          <p:nvPr>
-            <p:ph type="title"/>
-          </p:nvPr>
-        </p:nvSpPr>
-        <p:spPr/>
-        <p:txBody>
-          <a:bodyPr/>
-          <a:lstStyle/>
-          <a:p>
-            <a:r>
-              <a:rPr lang="en-US" dirty="0"/>
-              <a:t>U.S. Dollar Recovers in 2026</a:t>
-            </a:r>
-          </a:p>
-        </p:txBody>
-      </p:sp>
-      <p:pic>
-        <p:nvPicPr>
-          <p:cNvPr id="8" name="Content Placeholder 7">
-            <a:extLst>
-              <a:ext uri="{FF2B5EF4-FFF2-40B4-BE49-F238E27FC236}">
-                <a16:creationId xmlns:a16="http://schemas.microsoft.com/office/drawing/2014/main" id="{E0A1164B-39E3-1F1E-0DC7-33C5DC02FB5E}"/>
-              </a:ext>
-            </a:extLst>
-          </p:cNvPr>
-          <p:cNvPicPr>
-            <a:picLocks noGrp="1" noChangeAspect="1"/>
-          </p:cNvPicPr>
-          <p:nvPr>
-            <p:ph sz="half" idx="1"/>
-          </p:nvPr>
-        </p:nvPicPr>
-        <p:blipFill>
-          <a:blip r:embed="rId2"/>
-          <a:stretch>
-            <a:fillRect/>
-          </a:stretch>
-        </p:blipFill>
-        <p:spPr>
-          <a:xfrm>
-            <a:off x="838200" y="2015597"/>
-            <a:ext cx="5181600" cy="3971394"/>
-          </a:xfrm>
-          <a:prstGeom prst="rect">
-            <a:avLst/>
-          </a:prstGeom>
-        </p:spPr>
-      </p:pic>
-      <p:pic>
-        <p:nvPicPr>
-          <p:cNvPr id="10" name="Content Placeholder 9">
-            <a:extLst>
-              <a:ext uri="{FF2B5EF4-FFF2-40B4-BE49-F238E27FC236}">
-                <a16:creationId xmlns:a16="http://schemas.microsoft.com/office/drawing/2014/main" id="{5D3D8341-AC52-BB7A-FC02-E59C847DE9BC}"/>
-              </a:ext>
-            </a:extLst>
-          </p:cNvPr>
-          <p:cNvPicPr>
-            <a:picLocks noGrp="1" noChangeAspect="1"/>
-          </p:cNvPicPr>
-          <p:nvPr>
-            <p:ph sz="half" idx="2"/>
-          </p:nvPr>
-        </p:nvPicPr>
-        <p:blipFill>
-          <a:blip r:embed="rId3"/>
-          <a:stretch>
-            <a:fillRect/>
-          </a:stretch>
-        </p:blipFill>
-        <p:spPr>
-          <a:xfrm>
-            <a:off x="6172200" y="2016759"/>
-            <a:ext cx="5181600" cy="3969070"/>
-          </a:xfrm>
-          <a:prstGeom prst="rect">
-            <a:avLst/>
-          </a:prstGeom>
-        </p:spPr>
-      </p:pic>
-      <p:sp>
-        <p:nvSpPr>
-          <p:cNvPr id="11" name="TextBox 10">
-            <a:extLst>
-              <a:ext uri="{FF2B5EF4-FFF2-40B4-BE49-F238E27FC236}">
-                <a16:creationId xmlns:a16="http://schemas.microsoft.com/office/drawing/2014/main" id="{C5F93193-585D-1DEB-122E-DEEE87AE9261}"/>
-              </a:ext>
-            </a:extLst>
-          </p:cNvPr>
-          <p:cNvSpPr txBox="1"/>
-          <p:nvPr/>
-        </p:nvSpPr>
-        <p:spPr>
-          <a:xfrm>
-            <a:off x="0" y="6492875"/>
-            <a:ext cx="12192000" cy="369332"/>
-          </a:xfrm>
-          <a:prstGeom prst="rect">
-            <a:avLst/>
-          </a:prstGeom>
-          <a:noFill/>
-        </p:spPr>
-        <p:txBody>
-          <a:bodyPr wrap="square" rtlCol="0">
-            <a:spAutoFit/>
-          </a:bodyPr>
-          <a:lstStyle/>
-          <a:p>
-            <a:pPr algn="ctr"/>
-            <a:r>
-              <a:rPr lang="en-US" dirty="0"/>
-              <a:t>Reference: </a:t>
-            </a:r>
-            <a:r>
-              <a:rPr lang="en-US" dirty="0">
-                <a:hlinkClick r:id="rId4"/>
-              </a:rPr>
-              <a:t>Wells Fargo, International Economic Outlook: August 2025</a:t>
-            </a:r>
-            <a:endParaRPr lang="x-none" dirty="0"/>
-          </a:p>
-        </p:txBody>
-      </p:sp>
-    </p:spTree>
-    <p:extLst>
-      <p:ext uri="{BB962C8B-B14F-4D97-AF65-F5344CB8AC3E}">
-        <p14:creationId xmlns:p14="http://schemas.microsoft.com/office/powerpoint/2010/main" val="78220860"/>
       </p:ext>
     </p:extLst>
   </p:cSld>
@@ -5633,9 +5599,10 @@
           <a:lstStyle/>
           <a:p>
             <a:r>
-              <a:rPr lang="en-US" dirty="0"/>
+              <a:rPr lang="en-US"/>
               <a:t>Forecasting Approaches</a:t>
             </a:r>
+            <a:endParaRPr lang="en-US" dirty="0"/>
           </a:p>
         </p:txBody>
       </p:sp>
@@ -5665,11 +5632,11 @@
               <a:buAutoNum type="arabicPeriod"/>
             </a:pPr>
             <a:r>
-              <a:rPr lang="en-US" b="1" dirty="0"/>
+              <a:rPr lang="en-US" b="1"/>
               <a:t>Technical Analysis</a:t>
             </a:r>
             <a:r>
-              <a:rPr lang="en-US" dirty="0"/>
+              <a:rPr lang="en-US"/>
               <a:t>: Discretionary price and volume analysis</a:t>
             </a:r>
           </a:p>
@@ -5679,11 +5646,11 @@
               <a:buAutoNum type="arabicPeriod"/>
             </a:pPr>
             <a:r>
-              <a:rPr lang="en-US" b="1" dirty="0"/>
+              <a:rPr lang="en-US" b="1"/>
               <a:t>Quantitative Analysis</a:t>
             </a:r>
             <a:r>
-              <a:rPr lang="en-US" dirty="0"/>
+              <a:rPr lang="en-US"/>
               <a:t>: Applying statistics and machine learning</a:t>
             </a:r>
           </a:p>
@@ -5693,11 +5660,11 @@
               <a:buAutoNum type="arabicPeriod"/>
             </a:pPr>
             <a:r>
-              <a:rPr lang="en-US" b="1" dirty="0"/>
+              <a:rPr lang="en-US" b="1"/>
               <a:t>Sentiment Analysis</a:t>
             </a:r>
             <a:r>
-              <a:rPr lang="en-US" dirty="0"/>
+              <a:rPr lang="en-US"/>
               <a:t>: General sentiment of market participants</a:t>
             </a:r>
           </a:p>
@@ -5707,11 +5674,11 @@
               <a:buAutoNum type="arabicPeriod"/>
             </a:pPr>
             <a:r>
-              <a:rPr lang="en-US" b="1" dirty="0"/>
+              <a:rPr lang="en-US" b="1"/>
               <a:t>Fundamental Analysis</a:t>
             </a:r>
             <a:r>
-              <a:rPr lang="en-US" dirty="0"/>
+              <a:rPr lang="en-US"/>
               <a:t>: Economical theories on value and equilibrium levels, and supply and demand</a:t>
             </a:r>
           </a:p>
@@ -5752,6 +5719,394 @@
       </p:grpSpPr>
       <p:sp>
         <p:nvSpPr>
+          <p:cNvPr id="4" name="Title 3">
+            <a:extLst>
+              <a:ext uri="{FF2B5EF4-FFF2-40B4-BE49-F238E27FC236}">
+                <a16:creationId xmlns:a16="http://schemas.microsoft.com/office/drawing/2014/main" id="{A141B948-C648-982F-DFEB-E78A55EECD8B}"/>
+              </a:ext>
+            </a:extLst>
+          </p:cNvPr>
+          <p:cNvSpPr>
+            <a:spLocks noGrp="1"/>
+          </p:cNvSpPr>
+          <p:nvPr>
+            <p:ph type="title"/>
+          </p:nvPr>
+        </p:nvSpPr>
+        <p:spPr/>
+        <p:txBody>
+          <a:bodyPr/>
+          <a:lstStyle/>
+          <a:p>
+            <a:r>
+              <a:rPr lang="en-US" dirty="0"/>
+              <a:t>U.S. Policy Uncertainty</a:t>
+            </a:r>
+          </a:p>
+        </p:txBody>
+      </p:sp>
+      <p:pic>
+        <p:nvPicPr>
+          <p:cNvPr id="9" name="Content Placeholder 8">
+            <a:extLst>
+              <a:ext uri="{FF2B5EF4-FFF2-40B4-BE49-F238E27FC236}">
+                <a16:creationId xmlns:a16="http://schemas.microsoft.com/office/drawing/2014/main" id="{4906473C-25CE-2586-64A4-2F6D52426821}"/>
+              </a:ext>
+            </a:extLst>
+          </p:cNvPr>
+          <p:cNvPicPr>
+            <a:picLocks noGrp="1" noChangeAspect="1"/>
+          </p:cNvPicPr>
+          <p:nvPr>
+            <p:ph idx="1"/>
+          </p:nvPr>
+        </p:nvPicPr>
+        <p:blipFill>
+          <a:blip r:embed="rId2"/>
+          <a:stretch>
+            <a:fillRect/>
+          </a:stretch>
+        </p:blipFill>
+        <p:spPr>
+          <a:xfrm>
+            <a:off x="3203077" y="1825625"/>
+            <a:ext cx="5785845" cy="4351338"/>
+          </a:xfrm>
+          <a:prstGeom prst="rect">
+            <a:avLst/>
+          </a:prstGeom>
+        </p:spPr>
+      </p:pic>
+    </p:spTree>
+    <p:extLst>
+      <p:ext uri="{BB962C8B-B14F-4D97-AF65-F5344CB8AC3E}">
+        <p14:creationId xmlns:p14="http://schemas.microsoft.com/office/powerpoint/2010/main" val="3852196724"/>
+      </p:ext>
+    </p:extLst>
+  </p:cSld>
+  <p:clrMapOvr>
+    <a:masterClrMapping/>
+  </p:clrMapOvr>
+</p:sld>
+</file>
+
+<file path=ppt/slides/slide21.xml><?xml version="1.0" encoding="utf-8"?>
+<p:sld xmlns:a="http://schemas.openxmlformats.org/drawingml/2006/main" xmlns:r="http://schemas.openxmlformats.org/officeDocument/2006/relationships" xmlns:p="http://schemas.openxmlformats.org/presentationml/2006/main">
+  <p:cSld>
+    <p:spTree>
+      <p:nvGrpSpPr>
+        <p:cNvPr id="1" name=""/>
+        <p:cNvGrpSpPr/>
+        <p:nvPr/>
+      </p:nvGrpSpPr>
+      <p:grpSpPr>
+        <a:xfrm>
+          <a:off x="0" y="0"/>
+          <a:ext cx="0" cy="0"/>
+          <a:chOff x="0" y="0"/>
+          <a:chExt cx="0" cy="0"/>
+        </a:xfrm>
+      </p:grpSpPr>
+      <p:sp>
+        <p:nvSpPr>
+          <p:cNvPr id="4" name="Title 3">
+            <a:extLst>
+              <a:ext uri="{FF2B5EF4-FFF2-40B4-BE49-F238E27FC236}">
+                <a16:creationId xmlns:a16="http://schemas.microsoft.com/office/drawing/2014/main" id="{0F5CEE2D-A57C-9FB3-2F26-6BBD0D32E741}"/>
+              </a:ext>
+            </a:extLst>
+          </p:cNvPr>
+          <p:cNvSpPr>
+            <a:spLocks noGrp="1"/>
+          </p:cNvSpPr>
+          <p:nvPr>
+            <p:ph type="title"/>
+          </p:nvPr>
+        </p:nvSpPr>
+        <p:spPr/>
+        <p:txBody>
+          <a:bodyPr/>
+          <a:lstStyle/>
+          <a:p>
+            <a:r>
+              <a:rPr lang="en-US" dirty="0"/>
+              <a:t>U.S. Dollar Recovers in 2026</a:t>
+            </a:r>
+          </a:p>
+        </p:txBody>
+      </p:sp>
+      <p:pic>
+        <p:nvPicPr>
+          <p:cNvPr id="8" name="Content Placeholder 7">
+            <a:extLst>
+              <a:ext uri="{FF2B5EF4-FFF2-40B4-BE49-F238E27FC236}">
+                <a16:creationId xmlns:a16="http://schemas.microsoft.com/office/drawing/2014/main" id="{E0A1164B-39E3-1F1E-0DC7-33C5DC02FB5E}"/>
+              </a:ext>
+            </a:extLst>
+          </p:cNvPr>
+          <p:cNvPicPr>
+            <a:picLocks noGrp="1" noChangeAspect="1"/>
+          </p:cNvPicPr>
+          <p:nvPr>
+            <p:ph sz="half" idx="1"/>
+          </p:nvPr>
+        </p:nvPicPr>
+        <p:blipFill>
+          <a:blip r:embed="rId2"/>
+          <a:stretch>
+            <a:fillRect/>
+          </a:stretch>
+        </p:blipFill>
+        <p:spPr>
+          <a:xfrm>
+            <a:off x="838200" y="2015597"/>
+            <a:ext cx="5181600" cy="3971394"/>
+          </a:xfrm>
+          <a:prstGeom prst="rect">
+            <a:avLst/>
+          </a:prstGeom>
+        </p:spPr>
+      </p:pic>
+      <p:pic>
+        <p:nvPicPr>
+          <p:cNvPr id="10" name="Content Placeholder 9">
+            <a:extLst>
+              <a:ext uri="{FF2B5EF4-FFF2-40B4-BE49-F238E27FC236}">
+                <a16:creationId xmlns:a16="http://schemas.microsoft.com/office/drawing/2014/main" id="{5D3D8341-AC52-BB7A-FC02-E59C847DE9BC}"/>
+              </a:ext>
+            </a:extLst>
+          </p:cNvPr>
+          <p:cNvPicPr>
+            <a:picLocks noGrp="1" noChangeAspect="1"/>
+          </p:cNvPicPr>
+          <p:nvPr>
+            <p:ph sz="half" idx="2"/>
+          </p:nvPr>
+        </p:nvPicPr>
+        <p:blipFill>
+          <a:blip r:embed="rId3"/>
+          <a:stretch>
+            <a:fillRect/>
+          </a:stretch>
+        </p:blipFill>
+        <p:spPr>
+          <a:xfrm>
+            <a:off x="6172200" y="2016759"/>
+            <a:ext cx="5181600" cy="3969070"/>
+          </a:xfrm>
+          <a:prstGeom prst="rect">
+            <a:avLst/>
+          </a:prstGeom>
+        </p:spPr>
+      </p:pic>
+      <p:sp>
+        <p:nvSpPr>
+          <p:cNvPr id="11" name="TextBox 10">
+            <a:extLst>
+              <a:ext uri="{FF2B5EF4-FFF2-40B4-BE49-F238E27FC236}">
+                <a16:creationId xmlns:a16="http://schemas.microsoft.com/office/drawing/2014/main" id="{C5F93193-585D-1DEB-122E-DEEE87AE9261}"/>
+              </a:ext>
+            </a:extLst>
+          </p:cNvPr>
+          <p:cNvSpPr txBox="1"/>
+          <p:nvPr/>
+        </p:nvSpPr>
+        <p:spPr>
+          <a:xfrm>
+            <a:off x="0" y="6492875"/>
+            <a:ext cx="12192000" cy="369332"/>
+          </a:xfrm>
+          <a:prstGeom prst="rect">
+            <a:avLst/>
+          </a:prstGeom>
+          <a:noFill/>
+        </p:spPr>
+        <p:txBody>
+          <a:bodyPr wrap="square" rtlCol="0">
+            <a:spAutoFit/>
+          </a:bodyPr>
+          <a:lstStyle/>
+          <a:p>
+            <a:pPr algn="ctr"/>
+            <a:r>
+              <a:rPr lang="en-US" dirty="0"/>
+              <a:t>Reference: </a:t>
+            </a:r>
+            <a:r>
+              <a:rPr lang="en-US" dirty="0">
+                <a:hlinkClick r:id="rId4"/>
+              </a:rPr>
+              <a:t>Wells Fargo, International Economic Outlook: August 2025</a:t>
+            </a:r>
+            <a:endParaRPr lang="x-none" dirty="0"/>
+          </a:p>
+        </p:txBody>
+      </p:sp>
+    </p:spTree>
+    <p:extLst>
+      <p:ext uri="{BB962C8B-B14F-4D97-AF65-F5344CB8AC3E}">
+        <p14:creationId xmlns:p14="http://schemas.microsoft.com/office/powerpoint/2010/main" val="78220860"/>
+      </p:ext>
+    </p:extLst>
+  </p:cSld>
+  <p:clrMapOvr>
+    <a:masterClrMapping/>
+  </p:clrMapOvr>
+</p:sld>
+</file>
+
+<file path=ppt/slides/slide22.xml><?xml version="1.0" encoding="utf-8"?>
+<p:sld xmlns:a="http://schemas.openxmlformats.org/drawingml/2006/main" xmlns:r="http://schemas.openxmlformats.org/officeDocument/2006/relationships" xmlns:p="http://schemas.openxmlformats.org/presentationml/2006/main">
+  <p:cSld>
+    <p:spTree>
+      <p:nvGrpSpPr>
+        <p:cNvPr id="1" name=""/>
+        <p:cNvGrpSpPr/>
+        <p:nvPr/>
+      </p:nvGrpSpPr>
+      <p:grpSpPr>
+        <a:xfrm>
+          <a:off x="0" y="0"/>
+          <a:ext cx="0" cy="0"/>
+          <a:chOff x="0" y="0"/>
+          <a:chExt cx="0" cy="0"/>
+        </a:xfrm>
+      </p:grpSpPr>
+      <p:sp>
+        <p:nvSpPr>
+          <p:cNvPr id="5" name="Title 4">
+            <a:extLst>
+              <a:ext uri="{FF2B5EF4-FFF2-40B4-BE49-F238E27FC236}">
+                <a16:creationId xmlns:a16="http://schemas.microsoft.com/office/drawing/2014/main" id="{6C3BC0BA-D46E-6357-A3E8-9E0807D145FD}"/>
+              </a:ext>
+            </a:extLst>
+          </p:cNvPr>
+          <p:cNvSpPr>
+            <a:spLocks noGrp="1"/>
+          </p:cNvSpPr>
+          <p:nvPr>
+            <p:ph type="title"/>
+          </p:nvPr>
+        </p:nvSpPr>
+        <p:spPr/>
+        <p:txBody>
+          <a:bodyPr/>
+          <a:lstStyle/>
+          <a:p>
+            <a:r>
+              <a:rPr lang="en-US" dirty="0"/>
+              <a:t>Interest Rate Forecast</a:t>
+            </a:r>
+          </a:p>
+        </p:txBody>
+      </p:sp>
+      <p:pic>
+        <p:nvPicPr>
+          <p:cNvPr id="8" name="Content Placeholder 7">
+            <a:extLst>
+              <a:ext uri="{FF2B5EF4-FFF2-40B4-BE49-F238E27FC236}">
+                <a16:creationId xmlns:a16="http://schemas.microsoft.com/office/drawing/2014/main" id="{993CDF06-FA4E-5A89-55C5-04735820413A}"/>
+              </a:ext>
+            </a:extLst>
+          </p:cNvPr>
+          <p:cNvPicPr>
+            <a:picLocks noGrp="1" noChangeAspect="1"/>
+          </p:cNvPicPr>
+          <p:nvPr>
+            <p:ph idx="1"/>
+          </p:nvPr>
+        </p:nvPicPr>
+        <p:blipFill>
+          <a:blip r:embed="rId2"/>
+          <a:stretch>
+            <a:fillRect/>
+          </a:stretch>
+        </p:blipFill>
+        <p:spPr>
+          <a:xfrm>
+            <a:off x="838200" y="1973111"/>
+            <a:ext cx="10515600" cy="4056366"/>
+          </a:xfrm>
+          <a:prstGeom prst="rect">
+            <a:avLst/>
+          </a:prstGeom>
+        </p:spPr>
+      </p:pic>
+      <p:sp>
+        <p:nvSpPr>
+          <p:cNvPr id="9" name="TextBox 8">
+            <a:extLst>
+              <a:ext uri="{FF2B5EF4-FFF2-40B4-BE49-F238E27FC236}">
+                <a16:creationId xmlns:a16="http://schemas.microsoft.com/office/drawing/2014/main" id="{DE5F56D6-C5DD-403E-12CD-4A14BF285FF8}"/>
+              </a:ext>
+            </a:extLst>
+          </p:cNvPr>
+          <p:cNvSpPr txBox="1"/>
+          <p:nvPr/>
+        </p:nvSpPr>
+        <p:spPr>
+          <a:xfrm>
+            <a:off x="0" y="6492875"/>
+            <a:ext cx="12192000" cy="369332"/>
+          </a:xfrm>
+          <a:prstGeom prst="rect">
+            <a:avLst/>
+          </a:prstGeom>
+          <a:noFill/>
+        </p:spPr>
+        <p:txBody>
+          <a:bodyPr wrap="square" rtlCol="0">
+            <a:spAutoFit/>
+          </a:bodyPr>
+          <a:lstStyle/>
+          <a:p>
+            <a:pPr algn="ctr"/>
+            <a:r>
+              <a:rPr lang="en-US" dirty="0"/>
+              <a:t>Reference: </a:t>
+            </a:r>
+            <a:r>
+              <a:rPr lang="en-US" dirty="0">
+                <a:hlinkClick r:id="rId3"/>
+              </a:rPr>
+              <a:t>Wells Fargo, International Economic Outlook: August 2025</a:t>
+            </a:r>
+            <a:endParaRPr lang="x-none" dirty="0"/>
+          </a:p>
+        </p:txBody>
+      </p:sp>
+    </p:spTree>
+    <p:extLst>
+      <p:ext uri="{BB962C8B-B14F-4D97-AF65-F5344CB8AC3E}">
+        <p14:creationId xmlns:p14="http://schemas.microsoft.com/office/powerpoint/2010/main" val="3892573509"/>
+      </p:ext>
+    </p:extLst>
+  </p:cSld>
+  <p:clrMapOvr>
+    <a:masterClrMapping/>
+  </p:clrMapOvr>
+</p:sld>
+</file>
+
+<file path=ppt/slides/slide23.xml><?xml version="1.0" encoding="utf-8"?>
+<p:sld xmlns:a="http://schemas.openxmlformats.org/drawingml/2006/main" xmlns:r="http://schemas.openxmlformats.org/officeDocument/2006/relationships" xmlns:p="http://schemas.openxmlformats.org/presentationml/2006/main">
+  <p:cSld>
+    <p:spTree>
+      <p:nvGrpSpPr>
+        <p:cNvPr id="1" name=""/>
+        <p:cNvGrpSpPr/>
+        <p:nvPr/>
+      </p:nvGrpSpPr>
+      <p:grpSpPr>
+        <a:xfrm>
+          <a:off x="0" y="0"/>
+          <a:ext cx="0" cy="0"/>
+          <a:chOff x="0" y="0"/>
+          <a:chExt cx="0" cy="0"/>
+        </a:xfrm>
+      </p:grpSpPr>
+      <p:sp>
+        <p:nvSpPr>
           <p:cNvPr id="2" name="Title 1">
             <a:extLst>
               <a:ext uri="{FF2B5EF4-FFF2-40B4-BE49-F238E27FC236}">
@@ -5816,7 +6171,169 @@
 </p:sld>
 </file>
 
-<file path=ppt/slides/slide21.xml><?xml version="1.0" encoding="utf-8"?>
+<file path=ppt/slides/slide24.xml><?xml version="1.0" encoding="utf-8"?>
+<p:sld xmlns:a="http://schemas.openxmlformats.org/drawingml/2006/main" xmlns:r="http://schemas.openxmlformats.org/officeDocument/2006/relationships" xmlns:p="http://schemas.openxmlformats.org/presentationml/2006/main">
+  <p:cSld>
+    <p:spTree>
+      <p:nvGrpSpPr>
+        <p:cNvPr id="1" name=""/>
+        <p:cNvGrpSpPr/>
+        <p:nvPr/>
+      </p:nvGrpSpPr>
+      <p:grpSpPr>
+        <a:xfrm>
+          <a:off x="0" y="0"/>
+          <a:ext cx="0" cy="0"/>
+          <a:chOff x="0" y="0"/>
+          <a:chExt cx="0" cy="0"/>
+        </a:xfrm>
+      </p:grpSpPr>
+      <p:sp>
+        <p:nvSpPr>
+          <p:cNvPr id="4" name="Title 3">
+            <a:extLst>
+              <a:ext uri="{FF2B5EF4-FFF2-40B4-BE49-F238E27FC236}">
+                <a16:creationId xmlns:a16="http://schemas.microsoft.com/office/drawing/2014/main" id="{1D2935B9-2375-7049-3F0E-5FE3C17BF426}"/>
+              </a:ext>
+            </a:extLst>
+          </p:cNvPr>
+          <p:cNvSpPr>
+            <a:spLocks noGrp="1"/>
+          </p:cNvSpPr>
+          <p:nvPr>
+            <p:ph type="title"/>
+          </p:nvPr>
+        </p:nvSpPr>
+        <p:spPr/>
+        <p:txBody>
+          <a:bodyPr/>
+          <a:lstStyle/>
+          <a:p>
+            <a:r>
+              <a:rPr lang="en-US" dirty="0"/>
+              <a:t>Forecasting Exchange Rates</a:t>
+            </a:r>
+          </a:p>
+        </p:txBody>
+      </p:sp>
+      <p:sp>
+        <p:nvSpPr>
+          <p:cNvPr id="5" name="Content Placeholder 4">
+            <a:extLst>
+              <a:ext uri="{FF2B5EF4-FFF2-40B4-BE49-F238E27FC236}">
+                <a16:creationId xmlns:a16="http://schemas.microsoft.com/office/drawing/2014/main" id="{94761414-F034-0949-620B-F15ECC071AEC}"/>
+              </a:ext>
+            </a:extLst>
+          </p:cNvPr>
+          <p:cNvSpPr>
+            <a:spLocks noGrp="1"/>
+          </p:cNvSpPr>
+          <p:nvPr>
+            <p:ph idx="1"/>
+          </p:nvPr>
+        </p:nvSpPr>
+        <p:spPr/>
+        <p:txBody>
+          <a:bodyPr>
+            <a:normAutofit lnSpcReduction="10000"/>
+          </a:bodyPr>
+          <a:lstStyle/>
+          <a:p>
+            <a:r>
+              <a:rPr lang="en-US" dirty="0"/>
+              <a:t>It is well known that exchange rate fluctuations are </a:t>
+            </a:r>
+            <a:r>
+              <a:rPr lang="en-US" b="1" dirty="0"/>
+              <a:t>very difficult to predict</a:t>
+            </a:r>
+            <a:r>
+              <a:rPr lang="en-US" dirty="0"/>
+              <a:t> using </a:t>
+            </a:r>
+            <a:r>
+              <a:rPr lang="en-US" b="1" dirty="0"/>
+              <a:t>economic models</a:t>
+            </a:r>
+            <a:r>
+              <a:rPr lang="en-US" dirty="0"/>
+              <a:t>, and that a </a:t>
+            </a:r>
+            <a:r>
+              <a:rPr lang="en-US" b="1" dirty="0"/>
+              <a:t>random walk </a:t>
+            </a:r>
+            <a:r>
+              <a:rPr lang="en-US" dirty="0"/>
+              <a:t>forecasts exchange rates better than any economic model. </a:t>
+            </a:r>
+            <a:r>
+              <a:rPr lang="x-none" dirty="0">
+                <a:hlinkClick r:id="rId2"/>
+              </a:rPr>
+              <a:t>Exchange Rate Predictability - American Economic Association</a:t>
+            </a:r>
+            <a:endParaRPr lang="en-US" dirty="0"/>
+          </a:p>
+          <a:p>
+            <a:r>
+              <a:rPr lang="en-US" dirty="0"/>
+              <a:t>The view that exchange rates are </a:t>
+            </a:r>
+            <a:r>
+              <a:rPr lang="en-US" b="1" dirty="0"/>
+              <a:t>largely disconnected </a:t>
+            </a:r>
+            <a:r>
+              <a:rPr lang="en-US" dirty="0"/>
+              <a:t>from </a:t>
+            </a:r>
+            <a:r>
+              <a:rPr lang="en-US" b="1" dirty="0"/>
+              <a:t>economic fundamentals at short horizons </a:t>
+            </a:r>
+            <a:r>
+              <a:rPr lang="en-US" dirty="0"/>
+              <a:t>has mainly predominated since the seminal paper by Meese and Rogoff (1983), which showed that exchange rate models were unable to deliver more accurate nominal exchange rate forecasts than the simple prediction of “</a:t>
+            </a:r>
+            <a:r>
+              <a:rPr lang="en-US" b="1" dirty="0"/>
+              <a:t>no change</a:t>
+            </a:r>
+            <a:r>
+              <a:rPr lang="en-US" dirty="0"/>
+              <a:t>” associated with the random walk (RW) model. </a:t>
+            </a:r>
+            <a:r>
+              <a:rPr lang="x-none" dirty="0">
+                <a:hlinkClick r:id="rId3"/>
+              </a:rPr>
+              <a:t>The predictive power of equilibrium exchange rate models</a:t>
+            </a:r>
+            <a:endParaRPr lang="x-none" dirty="0"/>
+          </a:p>
+          <a:p>
+            <a:endParaRPr lang="x-none" dirty="0"/>
+          </a:p>
+          <a:p>
+            <a:endParaRPr lang="en-US" dirty="0"/>
+          </a:p>
+        </p:txBody>
+      </p:sp>
+    </p:spTree>
+    <p:extLst>
+      <p:ext uri="{BB962C8B-B14F-4D97-AF65-F5344CB8AC3E}">
+        <p14:creationId xmlns:p14="http://schemas.microsoft.com/office/powerpoint/2010/main" val="4095017821"/>
+      </p:ext>
+    </p:extLst>
+  </p:cSld>
+  <p:clrMapOvr>
+    <a:masterClrMapping/>
+  </p:clrMapOvr>
+</p:sld>
+</file>
+
+<file path=ppt/slides/slide25.xml><?xml version="1.0" encoding="utf-8"?>
 <p:sld xmlns:a="http://schemas.openxmlformats.org/drawingml/2006/main" xmlns:r="http://schemas.openxmlformats.org/officeDocument/2006/relationships" xmlns:p="http://schemas.openxmlformats.org/presentationml/2006/main">
   <p:cSld>
     <p:spTree>
@@ -6088,7 +6605,7 @@
 </p:sld>
 </file>
 
-<file path=ppt/slides/slide22.xml><?xml version="1.0" encoding="utf-8"?>
+<file path=ppt/slides/slide26.xml><?xml version="1.0" encoding="utf-8"?>
 <p:sld xmlns:a="http://schemas.openxmlformats.org/drawingml/2006/main" xmlns:r="http://schemas.openxmlformats.org/officeDocument/2006/relationships" xmlns:p="http://schemas.openxmlformats.org/presentationml/2006/main">
   <p:cSld>
     <p:spTree>
@@ -6178,7 +6695,7 @@
 </p:sld>
 </file>
 
-<file path=ppt/slides/slide23.xml><?xml version="1.0" encoding="utf-8"?>
+<file path=ppt/slides/slide27.xml><?xml version="1.0" encoding="utf-8"?>
 <p:sld xmlns:a="http://schemas.openxmlformats.org/drawingml/2006/main" xmlns:r="http://schemas.openxmlformats.org/officeDocument/2006/relationships" xmlns:p="http://schemas.openxmlformats.org/presentationml/2006/main">
   <p:cSld>
     <p:spTree>
@@ -6450,7 +6967,7 @@
 </p:sld>
 </file>
 
-<file path=ppt/slides/slide24.xml><?xml version="1.0" encoding="utf-8"?>
+<file path=ppt/slides/slide28.xml><?xml version="1.0" encoding="utf-8"?>
 <p:sld xmlns:a="http://schemas.openxmlformats.org/drawingml/2006/main" xmlns:r="http://schemas.openxmlformats.org/officeDocument/2006/relationships" xmlns:p="http://schemas.openxmlformats.org/presentationml/2006/main">
   <p:cSld>
     <p:spTree>
@@ -6536,7 +7053,7 @@
 </p:sld>
 </file>
 
-<file path=ppt/slides/slide25.xml><?xml version="1.0" encoding="utf-8"?>
+<file path=ppt/slides/slide29.xml><?xml version="1.0" encoding="utf-8"?>
 <p:sld xmlns:a="http://schemas.openxmlformats.org/drawingml/2006/main" xmlns:r="http://schemas.openxmlformats.org/officeDocument/2006/relationships" xmlns:p="http://schemas.openxmlformats.org/presentationml/2006/main">
   <p:cSld>
     <p:spTree>
@@ -6685,9 +7202,10 @@
           <a:lstStyle/>
           <a:p>
             <a:r>
-              <a:rPr lang="en-US" dirty="0"/>
+              <a:rPr lang="en-US"/>
               <a:t>Key Drivers of the CAD/USD Exchange Rate</a:t>
             </a:r>
+            <a:endParaRPr lang="en-US" dirty="0"/>
           </a:p>
         </p:txBody>
       </p:sp>
@@ -6751,7 +7269,7 @@
           <p:cNvPr id="2" name="Title 1">
             <a:extLst>
               <a:ext uri="{FF2B5EF4-FFF2-40B4-BE49-F238E27FC236}">
-                <a16:creationId xmlns:a16="http://schemas.microsoft.com/office/drawing/2014/main" id="{B572453D-FE0B-7161-F6F9-57BA4A917C6D}"/>
+                <a16:creationId xmlns:a16="http://schemas.microsoft.com/office/drawing/2014/main" id="{26BE804A-886F-E852-CFC0-93D75C85FA7B}"/>
               </a:ext>
             </a:extLst>
           </p:cNvPr>
@@ -6768,18 +7286,19 @@
           <a:lstStyle/>
           <a:p>
             <a:r>
-              <a:rPr lang="en-US" dirty="0"/>
-              <a:t>Exchange Rate Models in Economics</a:t>
-            </a:r>
+              <a:rPr lang="en-US"/>
+              <a:t>CAD/USD: 2020 – 2025  </a:t>
+            </a:r>
+            <a:endParaRPr lang="en-US" dirty="0"/>
           </a:p>
         </p:txBody>
       </p:sp>
       <p:pic>
         <p:nvPicPr>
-          <p:cNvPr id="9" name="Content Placeholder 8" descr="A diagram of a currency&#10;&#10;AI-generated content may be incorrect.">
+          <p:cNvPr id="9" name="Content Placeholder 8">
             <a:extLst>
               <a:ext uri="{FF2B5EF4-FFF2-40B4-BE49-F238E27FC236}">
-                <a16:creationId xmlns:a16="http://schemas.microsoft.com/office/drawing/2014/main" id="{2DA107B5-EAB8-7EE1-DE1A-E284768C6479}"/>
+                <a16:creationId xmlns:a16="http://schemas.microsoft.com/office/drawing/2014/main" id="{30498F6F-9E70-A4A9-D8A6-0859EE570D3D}"/>
               </a:ext>
             </a:extLst>
           </p:cNvPr>
@@ -6787,72 +7306,29 @@
             <a:picLocks noGrp="1" noChangeAspect="1"/>
           </p:cNvPicPr>
           <p:nvPr>
-            <p:ph sz="half" idx="1"/>
+            <p:ph idx="1"/>
           </p:nvPr>
         </p:nvPicPr>
         <p:blipFill>
-          <a:blip r:embed="rId3">
-            <a:extLst>
-              <a:ext uri="{28A0092B-C50C-407E-A947-70E740481C1C}">
-                <a14:useLocalDpi xmlns:a14="http://schemas.microsoft.com/office/drawing/2010/main" val="0"/>
-              </a:ext>
-            </a:extLst>
-          </a:blip>
+          <a:blip r:embed="rId2"/>
           <a:stretch>
             <a:fillRect/>
           </a:stretch>
         </p:blipFill>
         <p:spPr>
           <a:xfrm>
-            <a:off x="1185447" y="1825625"/>
-            <a:ext cx="4487105" cy="4351338"/>
+            <a:off x="1173081" y="1389224"/>
+            <a:ext cx="9845838" cy="5103651"/>
           </a:xfrm>
+          <a:prstGeom prst="rect">
+            <a:avLst/>
+          </a:prstGeom>
         </p:spPr>
       </p:pic>
-      <p:sp>
-        <p:nvSpPr>
-          <p:cNvPr id="10" name="Content Placeholder 9">
-            <a:extLst>
-              <a:ext uri="{FF2B5EF4-FFF2-40B4-BE49-F238E27FC236}">
-                <a16:creationId xmlns:a16="http://schemas.microsoft.com/office/drawing/2014/main" id="{717A645D-33CD-2F44-8ABA-658A781E3442}"/>
-              </a:ext>
-            </a:extLst>
-          </p:cNvPr>
-          <p:cNvSpPr>
-            <a:spLocks noGrp="1"/>
-          </p:cNvSpPr>
-          <p:nvPr>
-            <p:ph sz="half" idx="2"/>
-          </p:nvPr>
-        </p:nvSpPr>
-        <p:spPr/>
-        <p:txBody>
-          <a:bodyPr/>
-          <a:lstStyle/>
-          <a:p>
-            <a:r>
-              <a:rPr lang="en-US" dirty="0"/>
-              <a:t>Purchasing Power Parity</a:t>
-            </a:r>
-          </a:p>
-          <a:p>
-            <a:r>
-              <a:rPr lang="en-US" dirty="0"/>
-              <a:t>Interest Rate Parity</a:t>
-            </a:r>
-          </a:p>
-          <a:p>
-            <a:r>
-              <a:rPr lang="en-US" dirty="0"/>
-              <a:t>Relative Economic Strength</a:t>
-            </a:r>
-          </a:p>
-        </p:txBody>
-      </p:sp>
     </p:spTree>
     <p:extLst>
       <p:ext uri="{BB962C8B-B14F-4D97-AF65-F5344CB8AC3E}">
-        <p14:creationId xmlns:p14="http://schemas.microsoft.com/office/powerpoint/2010/main" val="3293303752"/>
+        <p14:creationId xmlns:p14="http://schemas.microsoft.com/office/powerpoint/2010/main" val="1042251118"/>
       </p:ext>
     </p:extLst>
   </p:cSld>
@@ -6884,6 +7360,141 @@
           <p:cNvPr id="2" name="Title 1">
             <a:extLst>
               <a:ext uri="{FF2B5EF4-FFF2-40B4-BE49-F238E27FC236}">
+                <a16:creationId xmlns:a16="http://schemas.microsoft.com/office/drawing/2014/main" id="{B572453D-FE0B-7161-F6F9-57BA4A917C6D}"/>
+              </a:ext>
+            </a:extLst>
+          </p:cNvPr>
+          <p:cNvSpPr>
+            <a:spLocks noGrp="1"/>
+          </p:cNvSpPr>
+          <p:nvPr>
+            <p:ph type="title"/>
+          </p:nvPr>
+        </p:nvSpPr>
+        <p:spPr/>
+        <p:txBody>
+          <a:bodyPr/>
+          <a:lstStyle/>
+          <a:p>
+            <a:r>
+              <a:rPr lang="en-US"/>
+              <a:t>Exchange Rate Models in Economics</a:t>
+            </a:r>
+            <a:endParaRPr lang="en-US" dirty="0"/>
+          </a:p>
+        </p:txBody>
+      </p:sp>
+      <p:pic>
+        <p:nvPicPr>
+          <p:cNvPr id="9" name="Content Placeholder 8" descr="A diagram of a currency&#10;&#10;AI-generated content may be incorrect.">
+            <a:extLst>
+              <a:ext uri="{FF2B5EF4-FFF2-40B4-BE49-F238E27FC236}">
+                <a16:creationId xmlns:a16="http://schemas.microsoft.com/office/drawing/2014/main" id="{2DA107B5-EAB8-7EE1-DE1A-E284768C6479}"/>
+              </a:ext>
+            </a:extLst>
+          </p:cNvPr>
+          <p:cNvPicPr>
+            <a:picLocks noGrp="1" noChangeAspect="1"/>
+          </p:cNvPicPr>
+          <p:nvPr>
+            <p:ph sz="half" idx="1"/>
+          </p:nvPr>
+        </p:nvPicPr>
+        <p:blipFill>
+          <a:blip r:embed="rId3">
+            <a:extLst>
+              <a:ext uri="{28A0092B-C50C-407E-A947-70E740481C1C}">
+                <a14:useLocalDpi xmlns:a14="http://schemas.microsoft.com/office/drawing/2010/main" val="0"/>
+              </a:ext>
+            </a:extLst>
+          </a:blip>
+          <a:stretch>
+            <a:fillRect/>
+          </a:stretch>
+        </p:blipFill>
+        <p:spPr>
+          <a:xfrm>
+            <a:off x="1185447" y="1825625"/>
+            <a:ext cx="4487105" cy="4351338"/>
+          </a:xfrm>
+        </p:spPr>
+      </p:pic>
+      <p:sp>
+        <p:nvSpPr>
+          <p:cNvPr id="10" name="Content Placeholder 9">
+            <a:extLst>
+              <a:ext uri="{FF2B5EF4-FFF2-40B4-BE49-F238E27FC236}">
+                <a16:creationId xmlns:a16="http://schemas.microsoft.com/office/drawing/2014/main" id="{717A645D-33CD-2F44-8ABA-658A781E3442}"/>
+              </a:ext>
+            </a:extLst>
+          </p:cNvPr>
+          <p:cNvSpPr>
+            <a:spLocks noGrp="1"/>
+          </p:cNvSpPr>
+          <p:nvPr>
+            <p:ph sz="half" idx="2"/>
+          </p:nvPr>
+        </p:nvSpPr>
+        <p:spPr/>
+        <p:txBody>
+          <a:bodyPr/>
+          <a:lstStyle/>
+          <a:p>
+            <a:r>
+              <a:rPr lang="en-US"/>
+              <a:t>Purchasing Power Parity</a:t>
+            </a:r>
+          </a:p>
+          <a:p>
+            <a:r>
+              <a:rPr lang="en-US"/>
+              <a:t>Interest Rate Parity</a:t>
+            </a:r>
+          </a:p>
+          <a:p>
+            <a:r>
+              <a:rPr lang="en-US"/>
+              <a:t>Relative Economic Strength</a:t>
+            </a:r>
+            <a:endParaRPr lang="en-US" dirty="0"/>
+          </a:p>
+        </p:txBody>
+      </p:sp>
+    </p:spTree>
+    <p:extLst>
+      <p:ext uri="{BB962C8B-B14F-4D97-AF65-F5344CB8AC3E}">
+        <p14:creationId xmlns:p14="http://schemas.microsoft.com/office/powerpoint/2010/main" val="3293303752"/>
+      </p:ext>
+    </p:extLst>
+  </p:cSld>
+  <p:clrMapOvr>
+    <a:masterClrMapping/>
+  </p:clrMapOvr>
+</p:sld>
+</file>
+
+<file path=ppt/slides/slide6.xml><?xml version="1.0" encoding="utf-8"?>
+<p:sld xmlns:a="http://schemas.openxmlformats.org/drawingml/2006/main" xmlns:r="http://schemas.openxmlformats.org/officeDocument/2006/relationships" xmlns:p="http://schemas.openxmlformats.org/presentationml/2006/main">
+  <p:cSld>
+    <p:spTree>
+      <p:nvGrpSpPr>
+        <p:cNvPr id="1" name=""/>
+        <p:cNvGrpSpPr/>
+        <p:nvPr/>
+      </p:nvGrpSpPr>
+      <p:grpSpPr>
+        <a:xfrm>
+          <a:off x="0" y="0"/>
+          <a:ext cx="0" cy="0"/>
+          <a:chOff x="0" y="0"/>
+          <a:chExt cx="0" cy="0"/>
+        </a:xfrm>
+      </p:grpSpPr>
+      <p:sp>
+        <p:nvSpPr>
+          <p:cNvPr id="2" name="Title 1">
+            <a:extLst>
+              <a:ext uri="{FF2B5EF4-FFF2-40B4-BE49-F238E27FC236}">
                 <a16:creationId xmlns:a16="http://schemas.microsoft.com/office/drawing/2014/main" id="{9ECFC2CE-4B70-4809-C40F-942FA692527D}"/>
               </a:ext>
             </a:extLst>
@@ -6901,9 +7512,10 @@
           <a:lstStyle/>
           <a:p>
             <a:r>
-              <a:rPr lang="en-US" dirty="0"/>
+              <a:rPr lang="en-US"/>
               <a:t>Interest Rate Parity</a:t>
             </a:r>
+            <a:endParaRPr lang="en-US" dirty="0"/>
           </a:p>
         </p:txBody>
       </p:sp>
@@ -6952,7 +7564,7 @@
 </p:sld>
 </file>
 
-<file path=ppt/slides/slide6.xml><?xml version="1.0" encoding="utf-8"?>
+<file path=ppt/slides/slide7.xml><?xml version="1.0" encoding="utf-8"?>
 <p:sld xmlns:a="http://schemas.openxmlformats.org/drawingml/2006/main" xmlns:r="http://schemas.openxmlformats.org/officeDocument/2006/relationships" xmlns:p="http://schemas.openxmlformats.org/presentationml/2006/main">
   <p:cSld>
     <p:spTree>
@@ -7042,7 +7654,7 @@
 </p:sld>
 </file>
 
-<file path=ppt/slides/slide7.xml><?xml version="1.0" encoding="utf-8"?>
+<file path=ppt/slides/slide8.xml><?xml version="1.0" encoding="utf-8"?>
 <p:sld xmlns:a="http://schemas.openxmlformats.org/drawingml/2006/main" xmlns:r="http://schemas.openxmlformats.org/officeDocument/2006/relationships" xmlns:p="http://schemas.openxmlformats.org/presentationml/2006/main">
   <p:cSld>
     <p:spTree>
@@ -7132,7 +7744,7 @@
 </p:sld>
 </file>
 
-<file path=ppt/slides/slide8.xml><?xml version="1.0" encoding="utf-8"?>
+<file path=ppt/slides/slide9.xml><?xml version="1.0" encoding="utf-8"?>
 <p:sld xmlns:a="http://schemas.openxmlformats.org/drawingml/2006/main" xmlns:r="http://schemas.openxmlformats.org/officeDocument/2006/relationships" xmlns:p="http://schemas.openxmlformats.org/presentationml/2006/main">
   <p:cSld>
     <p:spTree>
@@ -7213,128 +7825,6 @@
     <p:extLst>
       <p:ext uri="{BB962C8B-B14F-4D97-AF65-F5344CB8AC3E}">
         <p14:creationId xmlns:p14="http://schemas.microsoft.com/office/powerpoint/2010/main" val="403296574"/>
-      </p:ext>
-    </p:extLst>
-  </p:cSld>
-  <p:clrMapOvr>
-    <a:masterClrMapping/>
-  </p:clrMapOvr>
-</p:sld>
-</file>
-
-<file path=ppt/slides/slide9.xml><?xml version="1.0" encoding="utf-8"?>
-<p:sld xmlns:a="http://schemas.openxmlformats.org/drawingml/2006/main" xmlns:r="http://schemas.openxmlformats.org/officeDocument/2006/relationships" xmlns:p="http://schemas.openxmlformats.org/presentationml/2006/main">
-  <p:cSld>
-    <p:spTree>
-      <p:nvGrpSpPr>
-        <p:cNvPr id="1" name=""/>
-        <p:cNvGrpSpPr/>
-        <p:nvPr/>
-      </p:nvGrpSpPr>
-      <p:grpSpPr>
-        <a:xfrm>
-          <a:off x="0" y="0"/>
-          <a:ext cx="0" cy="0"/>
-          <a:chOff x="0" y="0"/>
-          <a:chExt cx="0" cy="0"/>
-        </a:xfrm>
-      </p:grpSpPr>
-      <p:sp>
-        <p:nvSpPr>
-          <p:cNvPr id="2" name="Title 1">
-            <a:extLst>
-              <a:ext uri="{FF2B5EF4-FFF2-40B4-BE49-F238E27FC236}">
-                <a16:creationId xmlns:a16="http://schemas.microsoft.com/office/drawing/2014/main" id="{6BC4E5D5-285B-BF73-C9EB-89A5A26AAE92}"/>
-              </a:ext>
-            </a:extLst>
-          </p:cNvPr>
-          <p:cNvSpPr>
-            <a:spLocks noGrp="1"/>
-          </p:cNvSpPr>
-          <p:nvPr>
-            <p:ph type="title"/>
-          </p:nvPr>
-        </p:nvSpPr>
-        <p:spPr/>
-        <p:txBody>
-          <a:bodyPr/>
-          <a:lstStyle/>
-          <a:p>
-            <a:r>
-              <a:rPr lang="en-US" dirty="0"/>
-              <a:t>Lasso (L1) Regularized Regression</a:t>
-            </a:r>
-          </a:p>
-        </p:txBody>
-      </p:sp>
-      <p:pic>
-        <p:nvPicPr>
-          <p:cNvPr id="13" name="Content Placeholder 12">
-            <a:extLst>
-              <a:ext uri="{FF2B5EF4-FFF2-40B4-BE49-F238E27FC236}">
-                <a16:creationId xmlns:a16="http://schemas.microsoft.com/office/drawing/2014/main" id="{0A2BBA90-FA64-4E64-797E-6D986D3B1581}"/>
-              </a:ext>
-            </a:extLst>
-          </p:cNvPr>
-          <p:cNvPicPr>
-            <a:picLocks noGrp="1" noChangeAspect="1"/>
-          </p:cNvPicPr>
-          <p:nvPr>
-            <p:ph sz="half" idx="2"/>
-          </p:nvPr>
-        </p:nvPicPr>
-        <p:blipFill>
-          <a:blip r:embed="rId2"/>
-          <a:stretch>
-            <a:fillRect/>
-          </a:stretch>
-        </p:blipFill>
-        <p:spPr>
-          <a:xfrm>
-            <a:off x="7362629" y="3353503"/>
-            <a:ext cx="2800741" cy="1295581"/>
-          </a:xfrm>
-          <a:prstGeom prst="rect">
-            <a:avLst/>
-          </a:prstGeom>
-        </p:spPr>
-      </p:pic>
-      <p:pic>
-        <p:nvPicPr>
-          <p:cNvPr id="11" name="Content Placeholder 10">
-            <a:extLst>
-              <a:ext uri="{FF2B5EF4-FFF2-40B4-BE49-F238E27FC236}">
-                <a16:creationId xmlns:a16="http://schemas.microsoft.com/office/drawing/2014/main" id="{58E2EEA7-B9A3-0E13-EC64-E391E9FFBA00}"/>
-              </a:ext>
-            </a:extLst>
-          </p:cNvPr>
-          <p:cNvPicPr>
-            <a:picLocks noGrp="1" noChangeAspect="1"/>
-          </p:cNvPicPr>
-          <p:nvPr>
-            <p:ph sz="half" idx="1"/>
-          </p:nvPr>
-        </p:nvPicPr>
-        <p:blipFill>
-          <a:blip r:embed="rId3"/>
-          <a:stretch>
-            <a:fillRect/>
-          </a:stretch>
-        </p:blipFill>
-        <p:spPr>
-          <a:xfrm>
-            <a:off x="1872303" y="1825625"/>
-            <a:ext cx="3113393" cy="4351338"/>
-          </a:xfrm>
-          <a:prstGeom prst="rect">
-            <a:avLst/>
-          </a:prstGeom>
-        </p:spPr>
-      </p:pic>
-    </p:spTree>
-    <p:extLst>
-      <p:ext uri="{BB962C8B-B14F-4D97-AF65-F5344CB8AC3E}">
-        <p14:creationId xmlns:p14="http://schemas.microsoft.com/office/powerpoint/2010/main" val="1384600304"/>
       </p:ext>
     </p:extLst>
   </p:cSld>
@@ -7379,10 +7869,10 @@
         <a:srgbClr val="4EA72E"/>
       </a:accent6>
       <a:hlink>
-        <a:srgbClr val="538D9D"/>
+        <a:srgbClr val="467886"/>
       </a:hlink>
       <a:folHlink>
-        <a:srgbClr val="A5738E"/>
+        <a:srgbClr val="96607D"/>
       </a:folHlink>
     </a:clrScheme>
     <a:fontScheme name="Office Theme">
@@ -7653,7 +8143,7 @@
   <a:extraClrSchemeLst/>
   <a:extLst>
     <a:ext uri="{05A4C25C-085E-4340-85A3-A5531E510DB2}">
-      <thm15:themeFamily xmlns:thm15="http://schemas.microsoft.com/office/thememl/2012/main" name="Office Theme" id="{2E142A2C-CD16-42D6-873A-C26D2A0506FA}" vid="{3A418E6B-C5F0-4B95-8D77-61E3EF3B5DF5}"/>
+      <thm15:themeFamily xmlns:thm15="http://schemas.microsoft.com/office/thememl/2012/main" name="Office Theme" id="{2E142A2C-CD16-42D6-873A-C26D2A0506FA}" vid="{1BDDFF52-6CD6-40A5-AB3C-68EB2F1E4D0A}"/>
     </a:ext>
   </a:extLst>
 </a:theme>

--- a/borderland/1-cadusd/Presentation/CADUSD.pptx
+++ b/borderland/1-cadusd/Presentation/CADUSD.pptx
@@ -5,7 +5,7 @@
     <p:sldMasterId id="2147483732" r:id="rId1"/>
   </p:sldMasterIdLst>
   <p:notesMasterIdLst>
-    <p:notesMasterId r:id="rId31"/>
+    <p:notesMasterId r:id="rId33"/>
   </p:notesMasterIdLst>
   <p:sldIdLst>
     <p:sldId id="256" r:id="rId2"/>
@@ -23,20 +23,22 @@
     <p:sldId id="280" r:id="rId14"/>
     <p:sldId id="279" r:id="rId15"/>
     <p:sldId id="273" r:id="rId16"/>
-    <p:sldId id="274" r:id="rId17"/>
-    <p:sldId id="275" r:id="rId18"/>
-    <p:sldId id="277" r:id="rId19"/>
-    <p:sldId id="276" r:id="rId20"/>
-    <p:sldId id="287" r:id="rId21"/>
-    <p:sldId id="278" r:id="rId22"/>
-    <p:sldId id="286" r:id="rId23"/>
-    <p:sldId id="269" r:id="rId24"/>
-    <p:sldId id="285" r:id="rId25"/>
-    <p:sldId id="270" r:id="rId26"/>
-    <p:sldId id="281" r:id="rId27"/>
-    <p:sldId id="282" r:id="rId28"/>
-    <p:sldId id="271" r:id="rId29"/>
-    <p:sldId id="272" r:id="rId30"/>
+    <p:sldId id="288" r:id="rId17"/>
+    <p:sldId id="274" r:id="rId18"/>
+    <p:sldId id="275" r:id="rId19"/>
+    <p:sldId id="277" r:id="rId20"/>
+    <p:sldId id="276" r:id="rId21"/>
+    <p:sldId id="289" r:id="rId22"/>
+    <p:sldId id="287" r:id="rId23"/>
+    <p:sldId id="278" r:id="rId24"/>
+    <p:sldId id="286" r:id="rId25"/>
+    <p:sldId id="269" r:id="rId26"/>
+    <p:sldId id="285" r:id="rId27"/>
+    <p:sldId id="270" r:id="rId28"/>
+    <p:sldId id="281" r:id="rId29"/>
+    <p:sldId id="282" r:id="rId30"/>
+    <p:sldId id="271" r:id="rId31"/>
+    <p:sldId id="272" r:id="rId32"/>
   </p:sldIdLst>
   <p:sldSz cx="12192000" cy="6858000"/>
   <p:notesSz cx="6858000" cy="9144000"/>
@@ -225,7 +227,7 @@
           <a:p>
             <a:fld id="{A0D978CE-A6C1-477F-AF83-A7D9EEED15D0}" type="datetimeFigureOut">
               <a:rPr lang="en-US" smtClean="0"/>
-              <a:t>2025-09-29</a:t>
+              <a:t>10/1/2025</a:t>
             </a:fld>
             <a:endParaRPr lang="en-US"/>
           </a:p>
@@ -944,7 +946,7 @@
           <a:p>
             <a:fld id="{3A99376B-ADBF-4BED-A802-ABAD07EED65B}" type="slidenum">
               <a:rPr lang="en-US" smtClean="0"/>
-              <a:t>16</a:t>
+              <a:t>17</a:t>
             </a:fld>
             <a:endParaRPr lang="en-US"/>
           </a:p>
@@ -1038,7 +1040,7 @@
           <a:p>
             <a:fld id="{3A99376B-ADBF-4BED-A802-ABAD07EED65B}" type="slidenum">
               <a:rPr lang="en-US" smtClean="0"/>
-              <a:t>17</a:t>
+              <a:t>18</a:t>
             </a:fld>
             <a:endParaRPr lang="en-US"/>
           </a:p>
@@ -1137,7 +1139,7 @@
           <a:p>
             <a:fld id="{3A99376B-ADBF-4BED-A802-ABAD07EED65B}" type="slidenum">
               <a:rPr lang="en-US" smtClean="0"/>
-              <a:t>25</a:t>
+              <a:t>27</a:t>
             </a:fld>
             <a:endParaRPr lang="en-US"/>
           </a:p>
@@ -1230,7 +1232,7 @@
           <a:p>
             <a:fld id="{3A99376B-ADBF-4BED-A802-ABAD07EED65B}" type="slidenum">
               <a:rPr lang="en-US" smtClean="0"/>
-              <a:t>27</a:t>
+              <a:t>29</a:t>
             </a:fld>
             <a:endParaRPr lang="en-US"/>
           </a:p>
@@ -1380,7 +1382,7 @@
           <a:p>
             <a:fld id="{3BBA5F19-0A58-430F-853A-2A12FA5EF2AB}" type="datetimeFigureOut">
               <a:rPr lang="en-US" smtClean="0"/>
-              <a:t>2025-09-29</a:t>
+              <a:t>10/1/2025</a:t>
             </a:fld>
             <a:endParaRPr lang="en-US"/>
           </a:p>
@@ -1550,7 +1552,7 @@
           <a:p>
             <a:fld id="{3BBA5F19-0A58-430F-853A-2A12FA5EF2AB}" type="datetimeFigureOut">
               <a:rPr lang="en-US" smtClean="0"/>
-              <a:t>2025-09-29</a:t>
+              <a:t>10/1/2025</a:t>
             </a:fld>
             <a:endParaRPr lang="en-US"/>
           </a:p>
@@ -1730,7 +1732,7 @@
           <a:p>
             <a:fld id="{3BBA5F19-0A58-430F-853A-2A12FA5EF2AB}" type="datetimeFigureOut">
               <a:rPr lang="en-US" smtClean="0"/>
-              <a:t>2025-09-29</a:t>
+              <a:t>10/1/2025</a:t>
             </a:fld>
             <a:endParaRPr lang="en-US"/>
           </a:p>
@@ -1900,7 +1902,7 @@
           <a:p>
             <a:fld id="{3BBA5F19-0A58-430F-853A-2A12FA5EF2AB}" type="datetimeFigureOut">
               <a:rPr lang="en-US" smtClean="0"/>
-              <a:t>2025-09-29</a:t>
+              <a:t>10/1/2025</a:t>
             </a:fld>
             <a:endParaRPr lang="en-US"/>
           </a:p>
@@ -2146,7 +2148,7 @@
           <a:p>
             <a:fld id="{3BBA5F19-0A58-430F-853A-2A12FA5EF2AB}" type="datetimeFigureOut">
               <a:rPr lang="en-US" smtClean="0"/>
-              <a:t>2025-09-29</a:t>
+              <a:t>10/1/2025</a:t>
             </a:fld>
             <a:endParaRPr lang="en-US"/>
           </a:p>
@@ -2378,7 +2380,7 @@
           <a:p>
             <a:fld id="{3BBA5F19-0A58-430F-853A-2A12FA5EF2AB}" type="datetimeFigureOut">
               <a:rPr lang="en-US" smtClean="0"/>
-              <a:t>2025-09-29</a:t>
+              <a:t>10/1/2025</a:t>
             </a:fld>
             <a:endParaRPr lang="en-US"/>
           </a:p>
@@ -2745,7 +2747,7 @@
           <a:p>
             <a:fld id="{3BBA5F19-0A58-430F-853A-2A12FA5EF2AB}" type="datetimeFigureOut">
               <a:rPr lang="en-US" smtClean="0"/>
-              <a:t>2025-09-29</a:t>
+              <a:t>10/1/2025</a:t>
             </a:fld>
             <a:endParaRPr lang="en-US"/>
           </a:p>
@@ -2863,7 +2865,7 @@
           <a:p>
             <a:fld id="{3BBA5F19-0A58-430F-853A-2A12FA5EF2AB}" type="datetimeFigureOut">
               <a:rPr lang="en-US" smtClean="0"/>
-              <a:t>2025-09-29</a:t>
+              <a:t>10/1/2025</a:t>
             </a:fld>
             <a:endParaRPr lang="en-US"/>
           </a:p>
@@ -2958,7 +2960,7 @@
           <a:p>
             <a:fld id="{3BBA5F19-0A58-430F-853A-2A12FA5EF2AB}" type="datetimeFigureOut">
               <a:rPr lang="en-US" smtClean="0"/>
-              <a:t>2025-09-29</a:t>
+              <a:t>10/1/2025</a:t>
             </a:fld>
             <a:endParaRPr lang="en-US"/>
           </a:p>
@@ -3235,7 +3237,7 @@
           <a:p>
             <a:fld id="{3BBA5F19-0A58-430F-853A-2A12FA5EF2AB}" type="datetimeFigureOut">
               <a:rPr lang="en-US" smtClean="0"/>
-              <a:t>2025-09-29</a:t>
+              <a:t>10/1/2025</a:t>
             </a:fld>
             <a:endParaRPr lang="en-US"/>
           </a:p>
@@ -3492,7 +3494,7 @@
           <a:p>
             <a:fld id="{3BBA5F19-0A58-430F-853A-2A12FA5EF2AB}" type="datetimeFigureOut">
               <a:rPr lang="en-US" smtClean="0"/>
-              <a:t>2025-09-29</a:t>
+              <a:t>10/1/2025</a:t>
             </a:fld>
             <a:endParaRPr lang="en-US"/>
           </a:p>
@@ -3705,7 +3707,7 @@
           <a:p>
             <a:fld id="{3BBA5F19-0A58-430F-853A-2A12FA5EF2AB}" type="datetimeFigureOut">
               <a:rPr lang="en-US" smtClean="0"/>
-              <a:t>2025-09-29</a:t>
+              <a:t>10/1/2025</a:t>
             </a:fld>
             <a:endParaRPr lang="en-US"/>
           </a:p>
@@ -4983,6 +4985,96 @@
       </p:grpSpPr>
       <p:sp>
         <p:nvSpPr>
+          <p:cNvPr id="4" name="Title 3">
+            <a:extLst>
+              <a:ext uri="{FF2B5EF4-FFF2-40B4-BE49-F238E27FC236}">
+                <a16:creationId xmlns:a16="http://schemas.microsoft.com/office/drawing/2014/main" id="{34F2D000-2D08-138A-A4CD-300DF3D244EB}"/>
+              </a:ext>
+            </a:extLst>
+          </p:cNvPr>
+          <p:cNvSpPr>
+            <a:spLocks noGrp="1"/>
+          </p:cNvSpPr>
+          <p:nvPr>
+            <p:ph type="title"/>
+          </p:nvPr>
+        </p:nvSpPr>
+        <p:spPr/>
+        <p:txBody>
+          <a:bodyPr/>
+          <a:lstStyle/>
+          <a:p>
+            <a:r>
+              <a:rPr lang="en-US" dirty="0"/>
+              <a:t>Crude Oil is in a downtrend since 2023</a:t>
+            </a:r>
+          </a:p>
+        </p:txBody>
+      </p:sp>
+      <p:pic>
+        <p:nvPicPr>
+          <p:cNvPr id="11" name="Content Placeholder 10">
+            <a:extLst>
+              <a:ext uri="{FF2B5EF4-FFF2-40B4-BE49-F238E27FC236}">
+                <a16:creationId xmlns:a16="http://schemas.microsoft.com/office/drawing/2014/main" id="{6861B697-5706-5EBE-792F-0ACF6B1127E5}"/>
+              </a:ext>
+            </a:extLst>
+          </p:cNvPr>
+          <p:cNvPicPr>
+            <a:picLocks noGrp="1" noChangeAspect="1"/>
+          </p:cNvPicPr>
+          <p:nvPr>
+            <p:ph idx="1"/>
+          </p:nvPr>
+        </p:nvPicPr>
+        <p:blipFill>
+          <a:blip r:embed="rId2"/>
+          <a:stretch>
+            <a:fillRect/>
+          </a:stretch>
+        </p:blipFill>
+        <p:spPr>
+          <a:xfrm>
+            <a:off x="1522481" y="1497331"/>
+            <a:ext cx="9147038" cy="5196840"/>
+          </a:xfrm>
+          <a:prstGeom prst="rect">
+            <a:avLst/>
+          </a:prstGeom>
+        </p:spPr>
+      </p:pic>
+    </p:spTree>
+    <p:extLst>
+      <p:ext uri="{BB962C8B-B14F-4D97-AF65-F5344CB8AC3E}">
+        <p14:creationId xmlns:p14="http://schemas.microsoft.com/office/powerpoint/2010/main" val="3327590972"/>
+      </p:ext>
+    </p:extLst>
+  </p:cSld>
+  <p:clrMapOvr>
+    <a:masterClrMapping/>
+  </p:clrMapOvr>
+</p:sld>
+</file>
+
+<file path=ppt/slides/slide17.xml><?xml version="1.0" encoding="utf-8"?>
+<p:sld xmlns:a="http://schemas.openxmlformats.org/drawingml/2006/main" xmlns:r="http://schemas.openxmlformats.org/officeDocument/2006/relationships" xmlns:p="http://schemas.openxmlformats.org/presentationml/2006/main">
+  <p:cSld>
+    <p:spTree>
+      <p:nvGrpSpPr>
+        <p:cNvPr id="1" name=""/>
+        <p:cNvGrpSpPr/>
+        <p:nvPr/>
+      </p:nvGrpSpPr>
+      <p:grpSpPr>
+        <a:xfrm>
+          <a:off x="0" y="0"/>
+          <a:ext cx="0" cy="0"/>
+          <a:chOff x="0" y="0"/>
+          <a:chExt cx="0" cy="0"/>
+        </a:xfrm>
+      </p:grpSpPr>
+      <p:sp>
+        <p:nvSpPr>
           <p:cNvPr id="9" name="Title 8">
             <a:extLst>
               <a:ext uri="{FF2B5EF4-FFF2-40B4-BE49-F238E27FC236}">
@@ -5129,7 +5221,7 @@
 </p:sld>
 </file>
 
-<file path=ppt/slides/slide17.xml><?xml version="1.0" encoding="utf-8"?>
+<file path=ppt/slides/slide18.xml><?xml version="1.0" encoding="utf-8"?>
 <p:sld xmlns:a="http://schemas.openxmlformats.org/drawingml/2006/main" xmlns:r="http://schemas.openxmlformats.org/officeDocument/2006/relationships" xmlns:p="http://schemas.openxmlformats.org/presentationml/2006/main">
   <p:cSld>
     <p:spTree>
@@ -5262,7 +5354,7 @@
 </p:sld>
 </file>
 
-<file path=ppt/slides/slide18.xml><?xml version="1.0" encoding="utf-8"?>
+<file path=ppt/slides/slide19.xml><?xml version="1.0" encoding="utf-8"?>
 <p:sld xmlns:a="http://schemas.openxmlformats.org/drawingml/2006/main" xmlns:r="http://schemas.openxmlformats.org/officeDocument/2006/relationships" xmlns:p="http://schemas.openxmlformats.org/presentationml/2006/main">
   <p:cSld>
     <p:spTree>
@@ -5462,95 +5554,6 @@
     <p:extLst>
       <p:ext uri="{BB962C8B-B14F-4D97-AF65-F5344CB8AC3E}">
         <p14:creationId xmlns:p14="http://schemas.microsoft.com/office/powerpoint/2010/main" val="3952441491"/>
-      </p:ext>
-    </p:extLst>
-  </p:cSld>
-  <p:clrMapOvr>
-    <a:masterClrMapping/>
-  </p:clrMapOvr>
-</p:sld>
-</file>
-
-<file path=ppt/slides/slide19.xml><?xml version="1.0" encoding="utf-8"?>
-<p:sld xmlns:a="http://schemas.openxmlformats.org/drawingml/2006/main" xmlns:r="http://schemas.openxmlformats.org/officeDocument/2006/relationships" xmlns:p="http://schemas.openxmlformats.org/presentationml/2006/main">
-  <p:cSld>
-    <p:spTree>
-      <p:nvGrpSpPr>
-        <p:cNvPr id="1" name="">
-          <a:extLst>
-            <a:ext uri="{FF2B5EF4-FFF2-40B4-BE49-F238E27FC236}">
-              <a16:creationId xmlns:a16="http://schemas.microsoft.com/office/drawing/2014/main" id="{6DDF2AB2-6393-6872-57EB-BFFCAFA0589A}"/>
-            </a:ext>
-          </a:extLst>
-        </p:cNvPr>
-        <p:cNvGrpSpPr/>
-        <p:nvPr/>
-      </p:nvGrpSpPr>
-      <p:grpSpPr>
-        <a:xfrm>
-          <a:off x="0" y="0"/>
-          <a:ext cx="0" cy="0"/>
-          <a:chOff x="0" y="0"/>
-          <a:chExt cx="0" cy="0"/>
-        </a:xfrm>
-      </p:grpSpPr>
-      <p:sp>
-        <p:nvSpPr>
-          <p:cNvPr id="2" name="Title 1">
-            <a:extLst>
-              <a:ext uri="{FF2B5EF4-FFF2-40B4-BE49-F238E27FC236}">
-                <a16:creationId xmlns:a16="http://schemas.microsoft.com/office/drawing/2014/main" id="{12DD5ED4-F806-7131-B2F9-97E3771D5EEE}"/>
-              </a:ext>
-            </a:extLst>
-          </p:cNvPr>
-          <p:cNvSpPr>
-            <a:spLocks noGrp="1"/>
-          </p:cNvSpPr>
-          <p:nvPr>
-            <p:ph type="title"/>
-          </p:nvPr>
-        </p:nvSpPr>
-        <p:spPr/>
-        <p:txBody>
-          <a:bodyPr/>
-          <a:lstStyle/>
-          <a:p>
-            <a:r>
-              <a:rPr lang="en-US" dirty="0"/>
-              <a:t>U.S. Dollar</a:t>
-            </a:r>
-          </a:p>
-        </p:txBody>
-      </p:sp>
-      <p:sp>
-        <p:nvSpPr>
-          <p:cNvPr id="3" name="Text Placeholder 2">
-            <a:extLst>
-              <a:ext uri="{FF2B5EF4-FFF2-40B4-BE49-F238E27FC236}">
-                <a16:creationId xmlns:a16="http://schemas.microsoft.com/office/drawing/2014/main" id="{F71D4701-1E88-7BD3-B4D6-1D79CE70BB42}"/>
-              </a:ext>
-            </a:extLst>
-          </p:cNvPr>
-          <p:cNvSpPr>
-            <a:spLocks noGrp="1"/>
-          </p:cNvSpPr>
-          <p:nvPr>
-            <p:ph type="body" idx="1"/>
-          </p:nvPr>
-        </p:nvSpPr>
-        <p:spPr/>
-        <p:txBody>
-          <a:bodyPr/>
-          <a:lstStyle/>
-          <a:p>
-            <a:endParaRPr lang="en-US"/>
-          </a:p>
-        </p:txBody>
-      </p:sp>
-    </p:spTree>
-    <p:extLst>
-      <p:ext uri="{BB962C8B-B14F-4D97-AF65-F5344CB8AC3E}">
-        <p14:creationId xmlns:p14="http://schemas.microsoft.com/office/powerpoint/2010/main" val="1537158543"/>
       </p:ext>
     </p:extLst>
   </p:cSld>
@@ -5632,11 +5635,11 @@
               <a:buAutoNum type="arabicPeriod"/>
             </a:pPr>
             <a:r>
-              <a:rPr lang="en-US" b="1"/>
+              <a:rPr lang="en-US" b="1" dirty="0"/>
               <a:t>Technical Analysis</a:t>
             </a:r>
             <a:r>
-              <a:rPr lang="en-US"/>
+              <a:rPr lang="en-US" dirty="0"/>
               <a:t>: Discretionary price and volume analysis</a:t>
             </a:r>
           </a:p>
@@ -5646,11 +5649,11 @@
               <a:buAutoNum type="arabicPeriod"/>
             </a:pPr>
             <a:r>
-              <a:rPr lang="en-US" b="1"/>
+              <a:rPr lang="en-US" b="1" dirty="0"/>
               <a:t>Quantitative Analysis</a:t>
             </a:r>
             <a:r>
-              <a:rPr lang="en-US"/>
+              <a:rPr lang="en-US" dirty="0"/>
               <a:t>: Applying statistics and machine learning</a:t>
             </a:r>
           </a:p>
@@ -5660,11 +5663,11 @@
               <a:buAutoNum type="arabicPeriod"/>
             </a:pPr>
             <a:r>
-              <a:rPr lang="en-US" b="1"/>
+              <a:rPr lang="en-US" b="1" dirty="0"/>
               <a:t>Sentiment Analysis</a:t>
             </a:r>
             <a:r>
-              <a:rPr lang="en-US"/>
+              <a:rPr lang="en-US" dirty="0"/>
               <a:t>: General sentiment of market participants</a:t>
             </a:r>
           </a:p>
@@ -5674,12 +5677,12 @@
               <a:buAutoNum type="arabicPeriod"/>
             </a:pPr>
             <a:r>
-              <a:rPr lang="en-US" b="1"/>
+              <a:rPr lang="en-US" b="1" dirty="0"/>
               <a:t>Fundamental Analysis</a:t>
             </a:r>
             <a:r>
-              <a:rPr lang="en-US"/>
-              <a:t>: Economical theories on value and equilibrium levels, and supply and demand</a:t>
+              <a:rPr lang="en-US" dirty="0"/>
+              <a:t>: Economics and finance theories on value, equilibrium levels, and supply and demand</a:t>
             </a:r>
           </a:p>
           <a:p>
@@ -5701,6 +5704,185 @@
 </file>
 
 <file path=ppt/slides/slide20.xml><?xml version="1.0" encoding="utf-8"?>
+<p:sld xmlns:a="http://schemas.openxmlformats.org/drawingml/2006/main" xmlns:r="http://schemas.openxmlformats.org/officeDocument/2006/relationships" xmlns:p="http://schemas.openxmlformats.org/presentationml/2006/main">
+  <p:cSld>
+    <p:spTree>
+      <p:nvGrpSpPr>
+        <p:cNvPr id="1" name="">
+          <a:extLst>
+            <a:ext uri="{FF2B5EF4-FFF2-40B4-BE49-F238E27FC236}">
+              <a16:creationId xmlns:a16="http://schemas.microsoft.com/office/drawing/2014/main" id="{6DDF2AB2-6393-6872-57EB-BFFCAFA0589A}"/>
+            </a:ext>
+          </a:extLst>
+        </p:cNvPr>
+        <p:cNvGrpSpPr/>
+        <p:nvPr/>
+      </p:nvGrpSpPr>
+      <p:grpSpPr>
+        <a:xfrm>
+          <a:off x="0" y="0"/>
+          <a:ext cx="0" cy="0"/>
+          <a:chOff x="0" y="0"/>
+          <a:chExt cx="0" cy="0"/>
+        </a:xfrm>
+      </p:grpSpPr>
+      <p:sp>
+        <p:nvSpPr>
+          <p:cNvPr id="2" name="Title 1">
+            <a:extLst>
+              <a:ext uri="{FF2B5EF4-FFF2-40B4-BE49-F238E27FC236}">
+                <a16:creationId xmlns:a16="http://schemas.microsoft.com/office/drawing/2014/main" id="{12DD5ED4-F806-7131-B2F9-97E3771D5EEE}"/>
+              </a:ext>
+            </a:extLst>
+          </p:cNvPr>
+          <p:cNvSpPr>
+            <a:spLocks noGrp="1"/>
+          </p:cNvSpPr>
+          <p:nvPr>
+            <p:ph type="title"/>
+          </p:nvPr>
+        </p:nvSpPr>
+        <p:spPr/>
+        <p:txBody>
+          <a:bodyPr/>
+          <a:lstStyle/>
+          <a:p>
+            <a:r>
+              <a:rPr lang="en-US" dirty="0"/>
+              <a:t>U.S. Dollar</a:t>
+            </a:r>
+          </a:p>
+        </p:txBody>
+      </p:sp>
+      <p:sp>
+        <p:nvSpPr>
+          <p:cNvPr id="3" name="Text Placeholder 2">
+            <a:extLst>
+              <a:ext uri="{FF2B5EF4-FFF2-40B4-BE49-F238E27FC236}">
+                <a16:creationId xmlns:a16="http://schemas.microsoft.com/office/drawing/2014/main" id="{F71D4701-1E88-7BD3-B4D6-1D79CE70BB42}"/>
+              </a:ext>
+            </a:extLst>
+          </p:cNvPr>
+          <p:cNvSpPr>
+            <a:spLocks noGrp="1"/>
+          </p:cNvSpPr>
+          <p:nvPr>
+            <p:ph type="body" idx="1"/>
+          </p:nvPr>
+        </p:nvSpPr>
+        <p:spPr/>
+        <p:txBody>
+          <a:bodyPr/>
+          <a:lstStyle/>
+          <a:p>
+            <a:endParaRPr lang="en-US"/>
+          </a:p>
+        </p:txBody>
+      </p:sp>
+    </p:spTree>
+    <p:extLst>
+      <p:ext uri="{BB962C8B-B14F-4D97-AF65-F5344CB8AC3E}">
+        <p14:creationId xmlns:p14="http://schemas.microsoft.com/office/powerpoint/2010/main" val="1537158543"/>
+      </p:ext>
+    </p:extLst>
+  </p:cSld>
+  <p:clrMapOvr>
+    <a:masterClrMapping/>
+  </p:clrMapOvr>
+</p:sld>
+</file>
+
+<file path=ppt/slides/slide21.xml><?xml version="1.0" encoding="utf-8"?>
+<p:sld xmlns:a="http://schemas.openxmlformats.org/drawingml/2006/main" xmlns:r="http://schemas.openxmlformats.org/officeDocument/2006/relationships" xmlns:p="http://schemas.openxmlformats.org/presentationml/2006/main">
+  <p:cSld>
+    <p:spTree>
+      <p:nvGrpSpPr>
+        <p:cNvPr id="1" name=""/>
+        <p:cNvGrpSpPr/>
+        <p:nvPr/>
+      </p:nvGrpSpPr>
+      <p:grpSpPr>
+        <a:xfrm>
+          <a:off x="0" y="0"/>
+          <a:ext cx="0" cy="0"/>
+          <a:chOff x="0" y="0"/>
+          <a:chExt cx="0" cy="0"/>
+        </a:xfrm>
+      </p:grpSpPr>
+      <p:sp>
+        <p:nvSpPr>
+          <p:cNvPr id="2" name="Title 1">
+            <a:extLst>
+              <a:ext uri="{FF2B5EF4-FFF2-40B4-BE49-F238E27FC236}">
+                <a16:creationId xmlns:a16="http://schemas.microsoft.com/office/drawing/2014/main" id="{25BDDC47-2493-3CD5-FC43-B9BCE3C39C0C}"/>
+              </a:ext>
+            </a:extLst>
+          </p:cNvPr>
+          <p:cNvSpPr>
+            <a:spLocks noGrp="1"/>
+          </p:cNvSpPr>
+          <p:nvPr>
+            <p:ph type="title"/>
+          </p:nvPr>
+        </p:nvSpPr>
+        <p:spPr/>
+        <p:txBody>
+          <a:bodyPr/>
+          <a:lstStyle/>
+          <a:p>
+            <a:r>
+              <a:rPr lang="en-US" dirty="0"/>
+              <a:t>Dollar is in an uptrend since 2014</a:t>
+            </a:r>
+          </a:p>
+        </p:txBody>
+      </p:sp>
+      <p:pic>
+        <p:nvPicPr>
+          <p:cNvPr id="5" name="Content Placeholder 4">
+            <a:extLst>
+              <a:ext uri="{FF2B5EF4-FFF2-40B4-BE49-F238E27FC236}">
+                <a16:creationId xmlns:a16="http://schemas.microsoft.com/office/drawing/2014/main" id="{8107719B-5354-2F96-3A63-BDBF775DAD1C}"/>
+              </a:ext>
+            </a:extLst>
+          </p:cNvPr>
+          <p:cNvPicPr>
+            <a:picLocks noGrp="1" noChangeAspect="1"/>
+          </p:cNvPicPr>
+          <p:nvPr>
+            <p:ph idx="1"/>
+          </p:nvPr>
+        </p:nvPicPr>
+        <p:blipFill>
+          <a:blip r:embed="rId2"/>
+          <a:stretch>
+            <a:fillRect/>
+          </a:stretch>
+        </p:blipFill>
+        <p:spPr>
+          <a:xfrm>
+            <a:off x="1408658" y="1417320"/>
+            <a:ext cx="9374683" cy="5326175"/>
+          </a:xfrm>
+          <a:prstGeom prst="rect">
+            <a:avLst/>
+          </a:prstGeom>
+        </p:spPr>
+      </p:pic>
+    </p:spTree>
+    <p:extLst>
+      <p:ext uri="{BB962C8B-B14F-4D97-AF65-F5344CB8AC3E}">
+        <p14:creationId xmlns:p14="http://schemas.microsoft.com/office/powerpoint/2010/main" val="3795185799"/>
+      </p:ext>
+    </p:extLst>
+  </p:cSld>
+  <p:clrMapOvr>
+    <a:masterClrMapping/>
+  </p:clrMapOvr>
+</p:sld>
+</file>
+
+<file path=ppt/slides/slide22.xml><?xml version="1.0" encoding="utf-8"?>
 <p:sld xmlns:a="http://schemas.openxmlformats.org/drawingml/2006/main" xmlns:r="http://schemas.openxmlformats.org/officeDocument/2006/relationships" xmlns:p="http://schemas.openxmlformats.org/presentationml/2006/main">
   <p:cSld>
     <p:spTree>
@@ -5790,7 +5972,7 @@
 </p:sld>
 </file>
 
-<file path=ppt/slides/slide21.xml><?xml version="1.0" encoding="utf-8"?>
+<file path=ppt/slides/slide23.xml><?xml version="1.0" encoding="utf-8"?>
 <p:sld xmlns:a="http://schemas.openxmlformats.org/drawingml/2006/main" xmlns:r="http://schemas.openxmlformats.org/officeDocument/2006/relationships" xmlns:p="http://schemas.openxmlformats.org/presentationml/2006/main">
   <p:cSld>
     <p:spTree>
@@ -5955,7 +6137,7 @@
 </p:sld>
 </file>
 
-<file path=ppt/slides/slide22.xml><?xml version="1.0" encoding="utf-8"?>
+<file path=ppt/slides/slide24.xml><?xml version="1.0" encoding="utf-8"?>
 <p:sld xmlns:a="http://schemas.openxmlformats.org/drawingml/2006/main" xmlns:r="http://schemas.openxmlformats.org/officeDocument/2006/relationships" xmlns:p="http://schemas.openxmlformats.org/presentationml/2006/main">
   <p:cSld>
     <p:spTree>
@@ -6088,7 +6270,7 @@
 </p:sld>
 </file>
 
-<file path=ppt/slides/slide23.xml><?xml version="1.0" encoding="utf-8"?>
+<file path=ppt/slides/slide25.xml><?xml version="1.0" encoding="utf-8"?>
 <p:sld xmlns:a="http://schemas.openxmlformats.org/drawingml/2006/main" xmlns:r="http://schemas.openxmlformats.org/officeDocument/2006/relationships" xmlns:p="http://schemas.openxmlformats.org/presentationml/2006/main">
   <p:cSld>
     <p:spTree>
@@ -6171,7 +6353,7 @@
 </p:sld>
 </file>
 
-<file path=ppt/slides/slide24.xml><?xml version="1.0" encoding="utf-8"?>
+<file path=ppt/slides/slide26.xml><?xml version="1.0" encoding="utf-8"?>
 <p:sld xmlns:a="http://schemas.openxmlformats.org/drawingml/2006/main" xmlns:r="http://schemas.openxmlformats.org/officeDocument/2006/relationships" xmlns:p="http://schemas.openxmlformats.org/presentationml/2006/main">
   <p:cSld>
     <p:spTree>
@@ -6211,7 +6393,7 @@
           <a:p>
             <a:r>
               <a:rPr lang="en-US" dirty="0"/>
-              <a:t>Forecasting Exchange Rates</a:t>
+              <a:t>Forecasting Exchange Rates is Very Difficult</a:t>
             </a:r>
           </a:p>
         </p:txBody>
@@ -6333,7 +6515,7 @@
 </p:sld>
 </file>
 
-<file path=ppt/slides/slide25.xml><?xml version="1.0" encoding="utf-8"?>
+<file path=ppt/slides/slide27.xml><?xml version="1.0" encoding="utf-8"?>
 <p:sld xmlns:a="http://schemas.openxmlformats.org/drawingml/2006/main" xmlns:r="http://schemas.openxmlformats.org/officeDocument/2006/relationships" xmlns:p="http://schemas.openxmlformats.org/presentationml/2006/main">
   <p:cSld>
     <p:spTree>
@@ -6605,7 +6787,7 @@
 </p:sld>
 </file>
 
-<file path=ppt/slides/slide26.xml><?xml version="1.0" encoding="utf-8"?>
+<file path=ppt/slides/slide28.xml><?xml version="1.0" encoding="utf-8"?>
 <p:sld xmlns:a="http://schemas.openxmlformats.org/drawingml/2006/main" xmlns:r="http://schemas.openxmlformats.org/officeDocument/2006/relationships" xmlns:p="http://schemas.openxmlformats.org/presentationml/2006/main">
   <p:cSld>
     <p:spTree>
@@ -6695,7 +6877,7 @@
 </p:sld>
 </file>
 
-<file path=ppt/slides/slide27.xml><?xml version="1.0" encoding="utf-8"?>
+<file path=ppt/slides/slide29.xml><?xml version="1.0" encoding="utf-8"?>
 <p:sld xmlns:a="http://schemas.openxmlformats.org/drawingml/2006/main" xmlns:r="http://schemas.openxmlformats.org/officeDocument/2006/relationships" xmlns:p="http://schemas.openxmlformats.org/presentationml/2006/main">
   <p:cSld>
     <p:spTree>
@@ -6967,202 +7149,6 @@
 </p:sld>
 </file>
 
-<file path=ppt/slides/slide28.xml><?xml version="1.0" encoding="utf-8"?>
-<p:sld xmlns:a="http://schemas.openxmlformats.org/drawingml/2006/main" xmlns:r="http://schemas.openxmlformats.org/officeDocument/2006/relationships" xmlns:p="http://schemas.openxmlformats.org/presentationml/2006/main">
-  <p:cSld>
-    <p:spTree>
-      <p:nvGrpSpPr>
-        <p:cNvPr id="1" name=""/>
-        <p:cNvGrpSpPr/>
-        <p:nvPr/>
-      </p:nvGrpSpPr>
-      <p:grpSpPr>
-        <a:xfrm>
-          <a:off x="0" y="0"/>
-          <a:ext cx="0" cy="0"/>
-          <a:chOff x="0" y="0"/>
-          <a:chExt cx="0" cy="0"/>
-        </a:xfrm>
-      </p:grpSpPr>
-      <p:sp>
-        <p:nvSpPr>
-          <p:cNvPr id="2" name="Title 1">
-            <a:extLst>
-              <a:ext uri="{FF2B5EF4-FFF2-40B4-BE49-F238E27FC236}">
-                <a16:creationId xmlns:a16="http://schemas.microsoft.com/office/drawing/2014/main" id="{96187574-30A3-5FAA-344E-634236DB3BD6}"/>
-              </a:ext>
-            </a:extLst>
-          </p:cNvPr>
-          <p:cNvSpPr>
-            <a:spLocks noGrp="1"/>
-          </p:cNvSpPr>
-          <p:nvPr>
-            <p:ph type="title"/>
-          </p:nvPr>
-        </p:nvSpPr>
-        <p:spPr/>
-        <p:txBody>
-          <a:bodyPr/>
-          <a:lstStyle/>
-          <a:p>
-            <a:r>
-              <a:rPr lang="en-US" dirty="0"/>
-              <a:t>Conclusion</a:t>
-            </a:r>
-          </a:p>
-        </p:txBody>
-      </p:sp>
-      <p:sp>
-        <p:nvSpPr>
-          <p:cNvPr id="3" name="Text Placeholder 2">
-            <a:extLst>
-              <a:ext uri="{FF2B5EF4-FFF2-40B4-BE49-F238E27FC236}">
-                <a16:creationId xmlns:a16="http://schemas.microsoft.com/office/drawing/2014/main" id="{E82B0123-1105-CEDF-A011-7470CFA351EC}"/>
-              </a:ext>
-            </a:extLst>
-          </p:cNvPr>
-          <p:cNvSpPr>
-            <a:spLocks noGrp="1"/>
-          </p:cNvSpPr>
-          <p:nvPr>
-            <p:ph type="body" idx="1"/>
-          </p:nvPr>
-        </p:nvSpPr>
-        <p:spPr/>
-        <p:txBody>
-          <a:bodyPr/>
-          <a:lstStyle/>
-          <a:p>
-            <a:r>
-              <a:rPr lang="en-US" dirty="0"/>
-              <a:t>CAD/USD Bearish Outlook for 2026</a:t>
-            </a:r>
-          </a:p>
-        </p:txBody>
-      </p:sp>
-    </p:spTree>
-    <p:extLst>
-      <p:ext uri="{BB962C8B-B14F-4D97-AF65-F5344CB8AC3E}">
-        <p14:creationId xmlns:p14="http://schemas.microsoft.com/office/powerpoint/2010/main" val="3618783459"/>
-      </p:ext>
-    </p:extLst>
-  </p:cSld>
-  <p:clrMapOvr>
-    <a:masterClrMapping/>
-  </p:clrMapOvr>
-</p:sld>
-</file>
-
-<file path=ppt/slides/slide29.xml><?xml version="1.0" encoding="utf-8"?>
-<p:sld xmlns:a="http://schemas.openxmlformats.org/drawingml/2006/main" xmlns:r="http://schemas.openxmlformats.org/officeDocument/2006/relationships" xmlns:p="http://schemas.openxmlformats.org/presentationml/2006/main">
-  <p:cSld>
-    <p:spTree>
-      <p:nvGrpSpPr>
-        <p:cNvPr id="1" name=""/>
-        <p:cNvGrpSpPr/>
-        <p:nvPr/>
-      </p:nvGrpSpPr>
-      <p:grpSpPr>
-        <a:xfrm>
-          <a:off x="0" y="0"/>
-          <a:ext cx="0" cy="0"/>
-          <a:chOff x="0" y="0"/>
-          <a:chExt cx="0" cy="0"/>
-        </a:xfrm>
-      </p:grpSpPr>
-      <p:sp>
-        <p:nvSpPr>
-          <p:cNvPr id="4" name="Title 3">
-            <a:extLst>
-              <a:ext uri="{FF2B5EF4-FFF2-40B4-BE49-F238E27FC236}">
-                <a16:creationId xmlns:a16="http://schemas.microsoft.com/office/drawing/2014/main" id="{CA76C0B7-99E4-240F-ADFA-256AD5CB968F}"/>
-              </a:ext>
-            </a:extLst>
-          </p:cNvPr>
-          <p:cNvSpPr>
-            <a:spLocks noGrp="1"/>
-          </p:cNvSpPr>
-          <p:nvPr>
-            <p:ph type="title"/>
-          </p:nvPr>
-        </p:nvSpPr>
-        <p:spPr/>
-        <p:txBody>
-          <a:bodyPr/>
-          <a:lstStyle/>
-          <a:p>
-            <a:r>
-              <a:rPr lang="en-US" dirty="0"/>
-              <a:t>Recap</a:t>
-            </a:r>
-          </a:p>
-        </p:txBody>
-      </p:sp>
-      <p:sp>
-        <p:nvSpPr>
-          <p:cNvPr id="5" name="Content Placeholder 4">
-            <a:extLst>
-              <a:ext uri="{FF2B5EF4-FFF2-40B4-BE49-F238E27FC236}">
-                <a16:creationId xmlns:a16="http://schemas.microsoft.com/office/drawing/2014/main" id="{B3D1EB59-8E10-96BE-BBA5-0D310BF762B2}"/>
-              </a:ext>
-            </a:extLst>
-          </p:cNvPr>
-          <p:cNvSpPr>
-            <a:spLocks noGrp="1"/>
-          </p:cNvSpPr>
-          <p:nvPr>
-            <p:ph idx="1"/>
-          </p:nvPr>
-        </p:nvSpPr>
-        <p:spPr/>
-        <p:txBody>
-          <a:bodyPr/>
-          <a:lstStyle/>
-          <a:p>
-            <a:r>
-              <a:rPr lang="en-US" dirty="0"/>
-              <a:t>Economic growth projected to slow in 2026</a:t>
-            </a:r>
-          </a:p>
-          <a:p>
-            <a:r>
-              <a:rPr lang="en-US" dirty="0"/>
-              <a:t>Oil demand declines while inventories rise, signaling oversupply</a:t>
-            </a:r>
-          </a:p>
-          <a:p>
-            <a:r>
-              <a:rPr lang="en-US" dirty="0"/>
-              <a:t>After a period of weakness due to Tariffs, the U.S. dollar rebounds in 2026</a:t>
-            </a:r>
-          </a:p>
-          <a:p>
-            <a:r>
-              <a:rPr lang="en-US" dirty="0"/>
-              <a:t>CAD/USD is positively correlated with oil prices and negatively correlated with the dollar index</a:t>
-            </a:r>
-          </a:p>
-          <a:p>
-            <a:r>
-              <a:rPr lang="en-US" dirty="0"/>
-              <a:t>The CAD/USD downtrend persists into 2026, continuing the decline initiated in 2022.</a:t>
-            </a:r>
-          </a:p>
-        </p:txBody>
-      </p:sp>
-    </p:spTree>
-    <p:extLst>
-      <p:ext uri="{BB962C8B-B14F-4D97-AF65-F5344CB8AC3E}">
-        <p14:creationId xmlns:p14="http://schemas.microsoft.com/office/powerpoint/2010/main" val="2636756083"/>
-      </p:ext>
-    </p:extLst>
-  </p:cSld>
-  <p:clrMapOvr>
-    <a:masterClrMapping/>
-  </p:clrMapOvr>
-</p:sld>
-</file>
-
 <file path=ppt/slides/slide3.xml><?xml version="1.0" encoding="utf-8"?>
 <p:sld xmlns:a="http://schemas.openxmlformats.org/drawingml/2006/main" xmlns:r="http://schemas.openxmlformats.org/officeDocument/2006/relationships" xmlns:p="http://schemas.openxmlformats.org/presentationml/2006/main">
   <p:cSld>
@@ -7238,6 +7224,202 @@
     <p:extLst>
       <p:ext uri="{BB962C8B-B14F-4D97-AF65-F5344CB8AC3E}">
         <p14:creationId xmlns:p14="http://schemas.microsoft.com/office/powerpoint/2010/main" val="591847203"/>
+      </p:ext>
+    </p:extLst>
+  </p:cSld>
+  <p:clrMapOvr>
+    <a:masterClrMapping/>
+  </p:clrMapOvr>
+</p:sld>
+</file>
+
+<file path=ppt/slides/slide30.xml><?xml version="1.0" encoding="utf-8"?>
+<p:sld xmlns:a="http://schemas.openxmlformats.org/drawingml/2006/main" xmlns:r="http://schemas.openxmlformats.org/officeDocument/2006/relationships" xmlns:p="http://schemas.openxmlformats.org/presentationml/2006/main">
+  <p:cSld>
+    <p:spTree>
+      <p:nvGrpSpPr>
+        <p:cNvPr id="1" name=""/>
+        <p:cNvGrpSpPr/>
+        <p:nvPr/>
+      </p:nvGrpSpPr>
+      <p:grpSpPr>
+        <a:xfrm>
+          <a:off x="0" y="0"/>
+          <a:ext cx="0" cy="0"/>
+          <a:chOff x="0" y="0"/>
+          <a:chExt cx="0" cy="0"/>
+        </a:xfrm>
+      </p:grpSpPr>
+      <p:sp>
+        <p:nvSpPr>
+          <p:cNvPr id="2" name="Title 1">
+            <a:extLst>
+              <a:ext uri="{FF2B5EF4-FFF2-40B4-BE49-F238E27FC236}">
+                <a16:creationId xmlns:a16="http://schemas.microsoft.com/office/drawing/2014/main" id="{96187574-30A3-5FAA-344E-634236DB3BD6}"/>
+              </a:ext>
+            </a:extLst>
+          </p:cNvPr>
+          <p:cNvSpPr>
+            <a:spLocks noGrp="1"/>
+          </p:cNvSpPr>
+          <p:nvPr>
+            <p:ph type="title"/>
+          </p:nvPr>
+        </p:nvSpPr>
+        <p:spPr/>
+        <p:txBody>
+          <a:bodyPr/>
+          <a:lstStyle/>
+          <a:p>
+            <a:r>
+              <a:rPr lang="en-US" dirty="0"/>
+              <a:t>Conclusion</a:t>
+            </a:r>
+          </a:p>
+        </p:txBody>
+      </p:sp>
+      <p:sp>
+        <p:nvSpPr>
+          <p:cNvPr id="3" name="Text Placeholder 2">
+            <a:extLst>
+              <a:ext uri="{FF2B5EF4-FFF2-40B4-BE49-F238E27FC236}">
+                <a16:creationId xmlns:a16="http://schemas.microsoft.com/office/drawing/2014/main" id="{E82B0123-1105-CEDF-A011-7470CFA351EC}"/>
+              </a:ext>
+            </a:extLst>
+          </p:cNvPr>
+          <p:cNvSpPr>
+            <a:spLocks noGrp="1"/>
+          </p:cNvSpPr>
+          <p:nvPr>
+            <p:ph type="body" idx="1"/>
+          </p:nvPr>
+        </p:nvSpPr>
+        <p:spPr/>
+        <p:txBody>
+          <a:bodyPr/>
+          <a:lstStyle/>
+          <a:p>
+            <a:r>
+              <a:rPr lang="en-US" dirty="0"/>
+              <a:t>CAD/USD Bearish Outlook for 2026</a:t>
+            </a:r>
+          </a:p>
+        </p:txBody>
+      </p:sp>
+    </p:spTree>
+    <p:extLst>
+      <p:ext uri="{BB962C8B-B14F-4D97-AF65-F5344CB8AC3E}">
+        <p14:creationId xmlns:p14="http://schemas.microsoft.com/office/powerpoint/2010/main" val="3618783459"/>
+      </p:ext>
+    </p:extLst>
+  </p:cSld>
+  <p:clrMapOvr>
+    <a:masterClrMapping/>
+  </p:clrMapOvr>
+</p:sld>
+</file>
+
+<file path=ppt/slides/slide31.xml><?xml version="1.0" encoding="utf-8"?>
+<p:sld xmlns:a="http://schemas.openxmlformats.org/drawingml/2006/main" xmlns:r="http://schemas.openxmlformats.org/officeDocument/2006/relationships" xmlns:p="http://schemas.openxmlformats.org/presentationml/2006/main">
+  <p:cSld>
+    <p:spTree>
+      <p:nvGrpSpPr>
+        <p:cNvPr id="1" name=""/>
+        <p:cNvGrpSpPr/>
+        <p:nvPr/>
+      </p:nvGrpSpPr>
+      <p:grpSpPr>
+        <a:xfrm>
+          <a:off x="0" y="0"/>
+          <a:ext cx="0" cy="0"/>
+          <a:chOff x="0" y="0"/>
+          <a:chExt cx="0" cy="0"/>
+        </a:xfrm>
+      </p:grpSpPr>
+      <p:sp>
+        <p:nvSpPr>
+          <p:cNvPr id="4" name="Title 3">
+            <a:extLst>
+              <a:ext uri="{FF2B5EF4-FFF2-40B4-BE49-F238E27FC236}">
+                <a16:creationId xmlns:a16="http://schemas.microsoft.com/office/drawing/2014/main" id="{CA76C0B7-99E4-240F-ADFA-256AD5CB968F}"/>
+              </a:ext>
+            </a:extLst>
+          </p:cNvPr>
+          <p:cNvSpPr>
+            <a:spLocks noGrp="1"/>
+          </p:cNvSpPr>
+          <p:nvPr>
+            <p:ph type="title"/>
+          </p:nvPr>
+        </p:nvSpPr>
+        <p:spPr/>
+        <p:txBody>
+          <a:bodyPr/>
+          <a:lstStyle/>
+          <a:p>
+            <a:r>
+              <a:rPr lang="en-US" dirty="0"/>
+              <a:t>Recap</a:t>
+            </a:r>
+          </a:p>
+        </p:txBody>
+      </p:sp>
+      <p:sp>
+        <p:nvSpPr>
+          <p:cNvPr id="5" name="Content Placeholder 4">
+            <a:extLst>
+              <a:ext uri="{FF2B5EF4-FFF2-40B4-BE49-F238E27FC236}">
+                <a16:creationId xmlns:a16="http://schemas.microsoft.com/office/drawing/2014/main" id="{B3D1EB59-8E10-96BE-BBA5-0D310BF762B2}"/>
+              </a:ext>
+            </a:extLst>
+          </p:cNvPr>
+          <p:cNvSpPr>
+            <a:spLocks noGrp="1"/>
+          </p:cNvSpPr>
+          <p:nvPr>
+            <p:ph idx="1"/>
+          </p:nvPr>
+        </p:nvSpPr>
+        <p:spPr/>
+        <p:txBody>
+          <a:bodyPr/>
+          <a:lstStyle/>
+          <a:p>
+            <a:r>
+              <a:rPr lang="en-US" dirty="0"/>
+              <a:t>Economic growth projected to slow in 2026</a:t>
+            </a:r>
+          </a:p>
+          <a:p>
+            <a:r>
+              <a:rPr lang="en-US" dirty="0"/>
+              <a:t>Oil demand declines while inventories rise, signaling oversupply</a:t>
+            </a:r>
+          </a:p>
+          <a:p>
+            <a:r>
+              <a:rPr lang="en-US" dirty="0"/>
+              <a:t>After a period of weakness due to Tariffs, the U.S. dollar rebounds in 2026</a:t>
+            </a:r>
+          </a:p>
+          <a:p>
+            <a:r>
+              <a:rPr lang="en-US" dirty="0"/>
+              <a:t>CAD/USD is positively correlated with oil prices and negatively correlated with the dollar index</a:t>
+            </a:r>
+          </a:p>
+          <a:p>
+            <a:r>
+              <a:rPr lang="en-US" dirty="0"/>
+              <a:t>The CAD/USD downtrend persists into 2026, continuing the decline initiated in 2022.</a:t>
+            </a:r>
+          </a:p>
+        </p:txBody>
+      </p:sp>
+    </p:spTree>
+    <p:extLst>
+      <p:ext uri="{BB962C8B-B14F-4D97-AF65-F5344CB8AC3E}">
+        <p14:creationId xmlns:p14="http://schemas.microsoft.com/office/powerpoint/2010/main" val="2636756083"/>
       </p:ext>
     </p:extLst>
   </p:cSld>

--- a/borderland/1-cadusd/Presentation/CADUSD.pptx
+++ b/borderland/1-cadusd/Presentation/CADUSD.pptx
@@ -5,40 +5,41 @@
     <p:sldMasterId id="2147483732" r:id="rId1"/>
   </p:sldMasterIdLst>
   <p:notesMasterIdLst>
-    <p:notesMasterId r:id="rId33"/>
+    <p:notesMasterId r:id="rId34"/>
   </p:notesMasterIdLst>
   <p:sldIdLst>
     <p:sldId id="256" r:id="rId2"/>
-    <p:sldId id="283" r:id="rId3"/>
-    <p:sldId id="259" r:id="rId4"/>
-    <p:sldId id="284" r:id="rId5"/>
-    <p:sldId id="257" r:id="rId6"/>
-    <p:sldId id="258" r:id="rId7"/>
-    <p:sldId id="260" r:id="rId8"/>
-    <p:sldId id="261" r:id="rId9"/>
-    <p:sldId id="262" r:id="rId10"/>
-    <p:sldId id="263" r:id="rId11"/>
-    <p:sldId id="264" r:id="rId12"/>
-    <p:sldId id="265" r:id="rId13"/>
-    <p:sldId id="280" r:id="rId14"/>
-    <p:sldId id="279" r:id="rId15"/>
-    <p:sldId id="273" r:id="rId16"/>
-    <p:sldId id="288" r:id="rId17"/>
-    <p:sldId id="274" r:id="rId18"/>
-    <p:sldId id="275" r:id="rId19"/>
-    <p:sldId id="277" r:id="rId20"/>
-    <p:sldId id="276" r:id="rId21"/>
-    <p:sldId id="289" r:id="rId22"/>
-    <p:sldId id="287" r:id="rId23"/>
-    <p:sldId id="278" r:id="rId24"/>
-    <p:sldId id="286" r:id="rId25"/>
-    <p:sldId id="269" r:id="rId26"/>
-    <p:sldId id="285" r:id="rId27"/>
-    <p:sldId id="270" r:id="rId28"/>
-    <p:sldId id="281" r:id="rId29"/>
-    <p:sldId id="282" r:id="rId30"/>
-    <p:sldId id="271" r:id="rId31"/>
-    <p:sldId id="272" r:id="rId32"/>
+    <p:sldId id="290" r:id="rId3"/>
+    <p:sldId id="283" r:id="rId4"/>
+    <p:sldId id="259" r:id="rId5"/>
+    <p:sldId id="284" r:id="rId6"/>
+    <p:sldId id="257" r:id="rId7"/>
+    <p:sldId id="258" r:id="rId8"/>
+    <p:sldId id="260" r:id="rId9"/>
+    <p:sldId id="261" r:id="rId10"/>
+    <p:sldId id="262" r:id="rId11"/>
+    <p:sldId id="263" r:id="rId12"/>
+    <p:sldId id="264" r:id="rId13"/>
+    <p:sldId id="265" r:id="rId14"/>
+    <p:sldId id="280" r:id="rId15"/>
+    <p:sldId id="279" r:id="rId16"/>
+    <p:sldId id="273" r:id="rId17"/>
+    <p:sldId id="288" r:id="rId18"/>
+    <p:sldId id="274" r:id="rId19"/>
+    <p:sldId id="275" r:id="rId20"/>
+    <p:sldId id="277" r:id="rId21"/>
+    <p:sldId id="276" r:id="rId22"/>
+    <p:sldId id="289" r:id="rId23"/>
+    <p:sldId id="287" r:id="rId24"/>
+    <p:sldId id="278" r:id="rId25"/>
+    <p:sldId id="286" r:id="rId26"/>
+    <p:sldId id="269" r:id="rId27"/>
+    <p:sldId id="285" r:id="rId28"/>
+    <p:sldId id="270" r:id="rId29"/>
+    <p:sldId id="281" r:id="rId30"/>
+    <p:sldId id="282" r:id="rId31"/>
+    <p:sldId id="271" r:id="rId32"/>
+    <p:sldId id="272" r:id="rId33"/>
   </p:sldIdLst>
   <p:sldSz cx="12192000" cy="6858000"/>
   <p:notesSz cx="6858000" cy="9144000"/>
@@ -559,7 +560,7 @@
           <a:p>
             <a:fld id="{3A99376B-ADBF-4BED-A802-ABAD07EED65B}" type="slidenum">
               <a:rPr lang="en-US" smtClean="0"/>
-              <a:t>5</a:t>
+              <a:t>6</a:t>
             </a:fld>
             <a:endParaRPr lang="en-US"/>
           </a:p>
@@ -740,7 +741,7 @@
           <a:p>
             <a:fld id="{3A99376B-ADBF-4BED-A802-ABAD07EED65B}" type="slidenum">
               <a:rPr lang="en-US" smtClean="0"/>
-              <a:t>11</a:t>
+              <a:t>12</a:t>
             </a:fld>
             <a:endParaRPr lang="en-US"/>
           </a:p>
@@ -855,7 +856,7 @@
           <a:p>
             <a:fld id="{3A99376B-ADBF-4BED-A802-ABAD07EED65B}" type="slidenum">
               <a:rPr lang="en-US" smtClean="0"/>
-              <a:t>14</a:t>
+              <a:t>15</a:t>
             </a:fld>
             <a:endParaRPr lang="en-US"/>
           </a:p>
@@ -946,7 +947,7 @@
           <a:p>
             <a:fld id="{3A99376B-ADBF-4BED-A802-ABAD07EED65B}" type="slidenum">
               <a:rPr lang="en-US" smtClean="0"/>
-              <a:t>17</a:t>
+              <a:t>18</a:t>
             </a:fld>
             <a:endParaRPr lang="en-US"/>
           </a:p>
@@ -1040,7 +1041,7 @@
           <a:p>
             <a:fld id="{3A99376B-ADBF-4BED-A802-ABAD07EED65B}" type="slidenum">
               <a:rPr lang="en-US" smtClean="0"/>
-              <a:t>18</a:t>
+              <a:t>19</a:t>
             </a:fld>
             <a:endParaRPr lang="en-US"/>
           </a:p>
@@ -1139,7 +1140,7 @@
           <a:p>
             <a:fld id="{3A99376B-ADBF-4BED-A802-ABAD07EED65B}" type="slidenum">
               <a:rPr lang="en-US" smtClean="0"/>
-              <a:t>27</a:t>
+              <a:t>28</a:t>
             </a:fld>
             <a:endParaRPr lang="en-US"/>
           </a:p>
@@ -1232,7 +1233,7 @@
           <a:p>
             <a:fld id="{3A99376B-ADBF-4BED-A802-ABAD07EED65B}" type="slidenum">
               <a:rPr lang="en-US" smtClean="0"/>
-              <a:t>29</a:t>
+              <a:t>30</a:t>
             </a:fld>
             <a:endParaRPr lang="en-US"/>
           </a:p>
@@ -4217,6 +4218,96 @@
           <p:cNvPr id="2" name="Title 1">
             <a:extLst>
               <a:ext uri="{FF2B5EF4-FFF2-40B4-BE49-F238E27FC236}">
+                <a16:creationId xmlns:a16="http://schemas.microsoft.com/office/drawing/2014/main" id="{BB9F5CB4-761A-0CFA-6810-F801DAB87CFE}"/>
+              </a:ext>
+            </a:extLst>
+          </p:cNvPr>
+          <p:cNvSpPr>
+            <a:spLocks noGrp="1"/>
+          </p:cNvSpPr>
+          <p:nvPr>
+            <p:ph type="title"/>
+          </p:nvPr>
+        </p:nvSpPr>
+        <p:spPr/>
+        <p:txBody>
+          <a:bodyPr/>
+          <a:lstStyle/>
+          <a:p>
+            <a:r>
+              <a:rPr lang="en-US" dirty="0"/>
+              <a:t>Dollar Index (DXY)</a:t>
+            </a:r>
+          </a:p>
+        </p:txBody>
+      </p:sp>
+      <p:pic>
+        <p:nvPicPr>
+          <p:cNvPr id="5" name="Content Placeholder 4">
+            <a:extLst>
+              <a:ext uri="{FF2B5EF4-FFF2-40B4-BE49-F238E27FC236}">
+                <a16:creationId xmlns:a16="http://schemas.microsoft.com/office/drawing/2014/main" id="{269C7277-0160-3C52-0BF7-3D48BF5288E0}"/>
+              </a:ext>
+            </a:extLst>
+          </p:cNvPr>
+          <p:cNvPicPr>
+            <a:picLocks noGrp="1" noChangeAspect="1"/>
+          </p:cNvPicPr>
+          <p:nvPr>
+            <p:ph idx="1"/>
+          </p:nvPr>
+        </p:nvPicPr>
+        <p:blipFill>
+          <a:blip r:embed="rId2"/>
+          <a:stretch>
+            <a:fillRect/>
+          </a:stretch>
+        </p:blipFill>
+        <p:spPr>
+          <a:xfrm>
+            <a:off x="2493406" y="1825625"/>
+            <a:ext cx="7205188" cy="4351338"/>
+          </a:xfrm>
+          <a:prstGeom prst="rect">
+            <a:avLst/>
+          </a:prstGeom>
+        </p:spPr>
+      </p:pic>
+    </p:spTree>
+    <p:extLst>
+      <p:ext uri="{BB962C8B-B14F-4D97-AF65-F5344CB8AC3E}">
+        <p14:creationId xmlns:p14="http://schemas.microsoft.com/office/powerpoint/2010/main" val="403296574"/>
+      </p:ext>
+    </p:extLst>
+  </p:cSld>
+  <p:clrMapOvr>
+    <a:masterClrMapping/>
+  </p:clrMapOvr>
+</p:sld>
+</file>
+
+<file path=ppt/slides/slide11.xml><?xml version="1.0" encoding="utf-8"?>
+<p:sld xmlns:a="http://schemas.openxmlformats.org/drawingml/2006/main" xmlns:r="http://schemas.openxmlformats.org/officeDocument/2006/relationships" xmlns:p="http://schemas.openxmlformats.org/presentationml/2006/main">
+  <p:cSld>
+    <p:spTree>
+      <p:nvGrpSpPr>
+        <p:cNvPr id="1" name=""/>
+        <p:cNvGrpSpPr/>
+        <p:nvPr/>
+      </p:nvGrpSpPr>
+      <p:grpSpPr>
+        <a:xfrm>
+          <a:off x="0" y="0"/>
+          <a:ext cx="0" cy="0"/>
+          <a:chOff x="0" y="0"/>
+          <a:chExt cx="0" cy="0"/>
+        </a:xfrm>
+      </p:grpSpPr>
+      <p:sp>
+        <p:nvSpPr>
+          <p:cNvPr id="2" name="Title 1">
+            <a:extLst>
+              <a:ext uri="{FF2B5EF4-FFF2-40B4-BE49-F238E27FC236}">
                 <a16:creationId xmlns:a16="http://schemas.microsoft.com/office/drawing/2014/main" id="{6BC4E5D5-285B-BF73-C9EB-89A5A26AAE92}"/>
               </a:ext>
             </a:extLst>
@@ -4317,7 +4408,7 @@
 </p:sld>
 </file>
 
-<file path=ppt/slides/slide11.xml><?xml version="1.0" encoding="utf-8"?>
+<file path=ppt/slides/slide12.xml><?xml version="1.0" encoding="utf-8"?>
 <p:sld xmlns:a="http://schemas.openxmlformats.org/drawingml/2006/main" xmlns:r="http://schemas.openxmlformats.org/officeDocument/2006/relationships" xmlns:p="http://schemas.openxmlformats.org/presentationml/2006/main">
   <p:cSld>
     <p:spTree>
@@ -4407,89 +4498,6 @@
 </p:sld>
 </file>
 
-<file path=ppt/slides/slide12.xml><?xml version="1.0" encoding="utf-8"?>
-<p:sld xmlns:a="http://schemas.openxmlformats.org/drawingml/2006/main" xmlns:r="http://schemas.openxmlformats.org/officeDocument/2006/relationships" xmlns:p="http://schemas.openxmlformats.org/presentationml/2006/main">
-  <p:cSld>
-    <p:spTree>
-      <p:nvGrpSpPr>
-        <p:cNvPr id="1" name=""/>
-        <p:cNvGrpSpPr/>
-        <p:nvPr/>
-      </p:nvGrpSpPr>
-      <p:grpSpPr>
-        <a:xfrm>
-          <a:off x="0" y="0"/>
-          <a:ext cx="0" cy="0"/>
-          <a:chOff x="0" y="0"/>
-          <a:chExt cx="0" cy="0"/>
-        </a:xfrm>
-      </p:grpSpPr>
-      <p:sp>
-        <p:nvSpPr>
-          <p:cNvPr id="4" name="Title 3">
-            <a:extLst>
-              <a:ext uri="{FF2B5EF4-FFF2-40B4-BE49-F238E27FC236}">
-                <a16:creationId xmlns:a16="http://schemas.microsoft.com/office/drawing/2014/main" id="{EEC66F14-1159-A4C7-BF27-3956C76B429A}"/>
-              </a:ext>
-            </a:extLst>
-          </p:cNvPr>
-          <p:cNvSpPr>
-            <a:spLocks noGrp="1"/>
-          </p:cNvSpPr>
-          <p:nvPr>
-            <p:ph type="title"/>
-          </p:nvPr>
-        </p:nvSpPr>
-        <p:spPr/>
-        <p:txBody>
-          <a:bodyPr/>
-          <a:lstStyle/>
-          <a:p>
-            <a:r>
-              <a:rPr lang="en-US" dirty="0"/>
-              <a:t>Global Economy</a:t>
-            </a:r>
-          </a:p>
-        </p:txBody>
-      </p:sp>
-      <p:sp>
-        <p:nvSpPr>
-          <p:cNvPr id="5" name="Text Placeholder 4">
-            <a:extLst>
-              <a:ext uri="{FF2B5EF4-FFF2-40B4-BE49-F238E27FC236}">
-                <a16:creationId xmlns:a16="http://schemas.microsoft.com/office/drawing/2014/main" id="{7BB505BA-23C5-4351-C416-4482B74C6CBB}"/>
-              </a:ext>
-            </a:extLst>
-          </p:cNvPr>
-          <p:cNvSpPr>
-            <a:spLocks noGrp="1"/>
-          </p:cNvSpPr>
-          <p:nvPr>
-            <p:ph type="body" idx="1"/>
-          </p:nvPr>
-        </p:nvSpPr>
-        <p:spPr/>
-        <p:txBody>
-          <a:bodyPr/>
-          <a:lstStyle/>
-          <a:p>
-            <a:endParaRPr lang="en-US"/>
-          </a:p>
-        </p:txBody>
-      </p:sp>
-    </p:spTree>
-    <p:extLst>
-      <p:ext uri="{BB962C8B-B14F-4D97-AF65-F5344CB8AC3E}">
-        <p14:creationId xmlns:p14="http://schemas.microsoft.com/office/powerpoint/2010/main" val="814161276"/>
-      </p:ext>
-    </p:extLst>
-  </p:cSld>
-  <p:clrMapOvr>
-    <a:masterClrMapping/>
-  </p:clrMapOvr>
-</p:sld>
-</file>
-
 <file path=ppt/slides/slide13.xml><?xml version="1.0" encoding="utf-8"?>
 <p:sld xmlns:a="http://schemas.openxmlformats.org/drawingml/2006/main" xmlns:r="http://schemas.openxmlformats.org/officeDocument/2006/relationships" xmlns:p="http://schemas.openxmlformats.org/presentationml/2006/main">
   <p:cSld>
@@ -4512,6 +4520,89 @@
           <p:cNvPr id="4" name="Title 3">
             <a:extLst>
               <a:ext uri="{FF2B5EF4-FFF2-40B4-BE49-F238E27FC236}">
+                <a16:creationId xmlns:a16="http://schemas.microsoft.com/office/drawing/2014/main" id="{EEC66F14-1159-A4C7-BF27-3956C76B429A}"/>
+              </a:ext>
+            </a:extLst>
+          </p:cNvPr>
+          <p:cNvSpPr>
+            <a:spLocks noGrp="1"/>
+          </p:cNvSpPr>
+          <p:nvPr>
+            <p:ph type="title"/>
+          </p:nvPr>
+        </p:nvSpPr>
+        <p:spPr/>
+        <p:txBody>
+          <a:bodyPr/>
+          <a:lstStyle/>
+          <a:p>
+            <a:r>
+              <a:rPr lang="en-US" dirty="0"/>
+              <a:t>3. Global Economy</a:t>
+            </a:r>
+          </a:p>
+        </p:txBody>
+      </p:sp>
+      <p:sp>
+        <p:nvSpPr>
+          <p:cNvPr id="5" name="Text Placeholder 4">
+            <a:extLst>
+              <a:ext uri="{FF2B5EF4-FFF2-40B4-BE49-F238E27FC236}">
+                <a16:creationId xmlns:a16="http://schemas.microsoft.com/office/drawing/2014/main" id="{7BB505BA-23C5-4351-C416-4482B74C6CBB}"/>
+              </a:ext>
+            </a:extLst>
+          </p:cNvPr>
+          <p:cNvSpPr>
+            <a:spLocks noGrp="1"/>
+          </p:cNvSpPr>
+          <p:nvPr>
+            <p:ph type="body" idx="1"/>
+          </p:nvPr>
+        </p:nvSpPr>
+        <p:spPr/>
+        <p:txBody>
+          <a:bodyPr/>
+          <a:lstStyle/>
+          <a:p>
+            <a:endParaRPr lang="en-US"/>
+          </a:p>
+        </p:txBody>
+      </p:sp>
+    </p:spTree>
+    <p:extLst>
+      <p:ext uri="{BB962C8B-B14F-4D97-AF65-F5344CB8AC3E}">
+        <p14:creationId xmlns:p14="http://schemas.microsoft.com/office/powerpoint/2010/main" val="814161276"/>
+      </p:ext>
+    </p:extLst>
+  </p:cSld>
+  <p:clrMapOvr>
+    <a:masterClrMapping/>
+  </p:clrMapOvr>
+</p:sld>
+</file>
+
+<file path=ppt/slides/slide14.xml><?xml version="1.0" encoding="utf-8"?>
+<p:sld xmlns:a="http://schemas.openxmlformats.org/drawingml/2006/main" xmlns:r="http://schemas.openxmlformats.org/officeDocument/2006/relationships" xmlns:p="http://schemas.openxmlformats.org/presentationml/2006/main">
+  <p:cSld>
+    <p:spTree>
+      <p:nvGrpSpPr>
+        <p:cNvPr id="1" name=""/>
+        <p:cNvGrpSpPr/>
+        <p:nvPr/>
+      </p:nvGrpSpPr>
+      <p:grpSpPr>
+        <a:xfrm>
+          <a:off x="0" y="0"/>
+          <a:ext cx="0" cy="0"/>
+          <a:chOff x="0" y="0"/>
+          <a:chExt cx="0" cy="0"/>
+        </a:xfrm>
+      </p:grpSpPr>
+      <p:sp>
+        <p:nvSpPr>
+          <p:cNvPr id="4" name="Title 3">
+            <a:extLst>
+              <a:ext uri="{FF2B5EF4-FFF2-40B4-BE49-F238E27FC236}">
                 <a16:creationId xmlns:a16="http://schemas.microsoft.com/office/drawing/2014/main" id="{9FB5C929-75BC-5937-28E4-E5E15193C995}"/>
               </a:ext>
             </a:extLst>
@@ -4712,7 +4803,7 @@
 </p:sld>
 </file>
 
-<file path=ppt/slides/slide14.xml><?xml version="1.0" encoding="utf-8"?>
+<file path=ppt/slides/slide15.xml><?xml version="1.0" encoding="utf-8"?>
 <p:sld xmlns:a="http://schemas.openxmlformats.org/drawingml/2006/main" xmlns:r="http://schemas.openxmlformats.org/officeDocument/2006/relationships" xmlns:p="http://schemas.openxmlformats.org/presentationml/2006/main">
   <p:cSld>
     <p:spTree>
@@ -4883,7 +4974,7 @@
 </p:sld>
 </file>
 
-<file path=ppt/slides/slide15.xml><?xml version="1.0" encoding="utf-8"?>
+<file path=ppt/slides/slide16.xml><?xml version="1.0" encoding="utf-8"?>
 <p:sld xmlns:a="http://schemas.openxmlformats.org/drawingml/2006/main" xmlns:r="http://schemas.openxmlformats.org/officeDocument/2006/relationships" xmlns:p="http://schemas.openxmlformats.org/presentationml/2006/main">
   <p:cSld>
     <p:spTree>
@@ -4923,7 +5014,7 @@
           <a:p>
             <a:r>
               <a:rPr lang="en-US" dirty="0"/>
-              <a:t>Crude Oil</a:t>
+              <a:t>4. Crude Oil</a:t>
             </a:r>
           </a:p>
         </p:txBody>
@@ -4966,7 +5057,7 @@
 </p:sld>
 </file>
 
-<file path=ppt/slides/slide16.xml><?xml version="1.0" encoding="utf-8"?>
+<file path=ppt/slides/slide17.xml><?xml version="1.0" encoding="utf-8"?>
 <p:sld xmlns:a="http://schemas.openxmlformats.org/drawingml/2006/main" xmlns:r="http://schemas.openxmlformats.org/officeDocument/2006/relationships" xmlns:p="http://schemas.openxmlformats.org/presentationml/2006/main">
   <p:cSld>
     <p:spTree>
@@ -5056,7 +5147,7 @@
 </p:sld>
 </file>
 
-<file path=ppt/slides/slide17.xml><?xml version="1.0" encoding="utf-8"?>
+<file path=ppt/slides/slide18.xml><?xml version="1.0" encoding="utf-8"?>
 <p:sld xmlns:a="http://schemas.openxmlformats.org/drawingml/2006/main" xmlns:r="http://schemas.openxmlformats.org/officeDocument/2006/relationships" xmlns:p="http://schemas.openxmlformats.org/presentationml/2006/main">
   <p:cSld>
     <p:spTree>
@@ -5221,7 +5312,7 @@
 </p:sld>
 </file>
 
-<file path=ppt/slides/slide18.xml><?xml version="1.0" encoding="utf-8"?>
+<file path=ppt/slides/slide19.xml><?xml version="1.0" encoding="utf-8"?>
 <p:sld xmlns:a="http://schemas.openxmlformats.org/drawingml/2006/main" xmlns:r="http://schemas.openxmlformats.org/officeDocument/2006/relationships" xmlns:p="http://schemas.openxmlformats.org/presentationml/2006/main">
   <p:cSld>
     <p:spTree>
@@ -5345,215 +5436,6 @@
     <p:extLst>
       <p:ext uri="{BB962C8B-B14F-4D97-AF65-F5344CB8AC3E}">
         <p14:creationId xmlns:p14="http://schemas.microsoft.com/office/powerpoint/2010/main" val="1737193659"/>
-      </p:ext>
-    </p:extLst>
-  </p:cSld>
-  <p:clrMapOvr>
-    <a:masterClrMapping/>
-  </p:clrMapOvr>
-</p:sld>
-</file>
-
-<file path=ppt/slides/slide19.xml><?xml version="1.0" encoding="utf-8"?>
-<p:sld xmlns:a="http://schemas.openxmlformats.org/drawingml/2006/main" xmlns:r="http://schemas.openxmlformats.org/officeDocument/2006/relationships" xmlns:p="http://schemas.openxmlformats.org/presentationml/2006/main">
-  <p:cSld>
-    <p:spTree>
-      <p:nvGrpSpPr>
-        <p:cNvPr id="1" name=""/>
-        <p:cNvGrpSpPr/>
-        <p:nvPr/>
-      </p:nvGrpSpPr>
-      <p:grpSpPr>
-        <a:xfrm>
-          <a:off x="0" y="0"/>
-          <a:ext cx="0" cy="0"/>
-          <a:chOff x="0" y="0"/>
-          <a:chExt cx="0" cy="0"/>
-        </a:xfrm>
-      </p:grpSpPr>
-      <p:sp>
-        <p:nvSpPr>
-          <p:cNvPr id="4" name="Title 3">
-            <a:extLst>
-              <a:ext uri="{FF2B5EF4-FFF2-40B4-BE49-F238E27FC236}">
-                <a16:creationId xmlns:a16="http://schemas.microsoft.com/office/drawing/2014/main" id="{BEF7BD5C-F9CE-9977-ABC9-A2BF5F4E1EAE}"/>
-              </a:ext>
-            </a:extLst>
-          </p:cNvPr>
-          <p:cNvSpPr>
-            <a:spLocks noGrp="1"/>
-          </p:cNvSpPr>
-          <p:nvPr>
-            <p:ph type="title"/>
-          </p:nvPr>
-        </p:nvSpPr>
-        <p:spPr/>
-        <p:txBody>
-          <a:bodyPr/>
-          <a:lstStyle/>
-          <a:p>
-            <a:r>
-              <a:rPr lang="en-US" dirty="0"/>
-              <a:t>Bearish Oil Outlook for 2025-2026</a:t>
-            </a:r>
-          </a:p>
-        </p:txBody>
-      </p:sp>
-      <p:sp>
-        <p:nvSpPr>
-          <p:cNvPr id="5" name="Content Placeholder 4">
-            <a:extLst>
-              <a:ext uri="{FF2B5EF4-FFF2-40B4-BE49-F238E27FC236}">
-                <a16:creationId xmlns:a16="http://schemas.microsoft.com/office/drawing/2014/main" id="{F87A2C41-CE1F-AB73-738B-3E15C2452502}"/>
-              </a:ext>
-            </a:extLst>
-          </p:cNvPr>
-          <p:cNvSpPr>
-            <a:spLocks noGrp="1"/>
-          </p:cNvSpPr>
-          <p:nvPr>
-            <p:ph sz="half" idx="1"/>
-          </p:nvPr>
-        </p:nvSpPr>
-        <p:spPr>
-          <a:xfrm>
-            <a:off x="838200" y="1825625"/>
-            <a:ext cx="4306455" cy="4351338"/>
-          </a:xfrm>
-        </p:spPr>
-        <p:txBody>
-          <a:bodyPr>
-            <a:normAutofit fontScale="77500" lnSpcReduction="20000"/>
-          </a:bodyPr>
-          <a:lstStyle/>
-          <a:p>
-            <a:r>
-              <a:rPr lang="en-US" dirty="0"/>
-              <a:t>J.P. Morgan’s base case for oil remains anchored by the supply-demand balance. Since February, </a:t>
-            </a:r>
-            <a:r>
-              <a:rPr lang="en-US" b="1" dirty="0"/>
-              <a:t>global oil inventories</a:t>
-            </a:r>
-            <a:r>
-              <a:rPr lang="en-US" dirty="0"/>
-              <a:t> have </a:t>
-            </a:r>
-            <a:r>
-              <a:rPr lang="en-US" b="1" dirty="0"/>
-              <a:t>increased</a:t>
-            </a:r>
-            <a:r>
-              <a:rPr lang="en-US" dirty="0"/>
-              <a:t> by almost 240 million barrels, indicating that supply is abundant. </a:t>
-            </a:r>
-          </a:p>
-          <a:p>
-            <a:r>
-              <a:rPr lang="en-US" dirty="0"/>
-              <a:t>Based on our forward physical oil balances, which show a market in a 2.2–2.4 mbd surplus over the second half of 2025, oil is anticipated to trade in the low- to mid-$60/bbl range for the remainder of 2025 and settle at </a:t>
-            </a:r>
-            <a:r>
-              <a:rPr lang="en-US" b="1" dirty="0"/>
-              <a:t>$60/bbl </a:t>
-            </a:r>
-            <a:r>
-              <a:rPr lang="en-US" dirty="0"/>
-              <a:t>in </a:t>
-            </a:r>
-            <a:r>
-              <a:rPr lang="en-US" b="1" dirty="0"/>
-              <a:t>2026</a:t>
-            </a:r>
-            <a:r>
-              <a:rPr lang="en-US" dirty="0"/>
-              <a:t>.</a:t>
-            </a:r>
-          </a:p>
-          <a:p>
-            <a:endParaRPr lang="en-US" dirty="0"/>
-          </a:p>
-        </p:txBody>
-      </p:sp>
-      <p:pic>
-        <p:nvPicPr>
-          <p:cNvPr id="8" name="Content Placeholder 7">
-            <a:extLst>
-              <a:ext uri="{FF2B5EF4-FFF2-40B4-BE49-F238E27FC236}">
-                <a16:creationId xmlns:a16="http://schemas.microsoft.com/office/drawing/2014/main" id="{A429C3CD-A829-AC32-7852-5A826168A66B}"/>
-              </a:ext>
-            </a:extLst>
-          </p:cNvPr>
-          <p:cNvPicPr>
-            <a:picLocks noGrp="1" noChangeAspect="1"/>
-          </p:cNvPicPr>
-          <p:nvPr>
-            <p:ph sz="half" idx="2"/>
-          </p:nvPr>
-        </p:nvPicPr>
-        <p:blipFill>
-          <a:blip r:embed="rId2"/>
-          <a:stretch>
-            <a:fillRect/>
-          </a:stretch>
-        </p:blipFill>
-        <p:spPr>
-          <a:xfrm>
-            <a:off x="5737161" y="1882085"/>
-            <a:ext cx="5616639" cy="4213915"/>
-          </a:xfrm>
-          <a:prstGeom prst="rect">
-            <a:avLst/>
-          </a:prstGeom>
-        </p:spPr>
-      </p:pic>
-      <p:sp>
-        <p:nvSpPr>
-          <p:cNvPr id="9" name="TextBox 8">
-            <a:extLst>
-              <a:ext uri="{FF2B5EF4-FFF2-40B4-BE49-F238E27FC236}">
-                <a16:creationId xmlns:a16="http://schemas.microsoft.com/office/drawing/2014/main" id="{1FD5CF44-CDE2-8807-1CBD-C66E93B6BEFD}"/>
-              </a:ext>
-            </a:extLst>
-          </p:cNvPr>
-          <p:cNvSpPr txBox="1"/>
-          <p:nvPr/>
-        </p:nvSpPr>
-        <p:spPr>
-          <a:xfrm>
-            <a:off x="0" y="6492875"/>
-            <a:ext cx="12192000" cy="369332"/>
-          </a:xfrm>
-          <a:prstGeom prst="rect">
-            <a:avLst/>
-          </a:prstGeom>
-          <a:noFill/>
-        </p:spPr>
-        <p:txBody>
-          <a:bodyPr wrap="square" rtlCol="0">
-            <a:spAutoFit/>
-          </a:bodyPr>
-          <a:lstStyle/>
-          <a:p>
-            <a:pPr algn="ctr"/>
-            <a:r>
-              <a:rPr lang="en-US" dirty="0"/>
-              <a:t>Reference: </a:t>
-            </a:r>
-            <a:r>
-              <a:rPr lang="en-US" dirty="0">
-                <a:hlinkClick r:id="rId3"/>
-              </a:rPr>
-              <a:t> J.P. Morgan Research, Mid-year market outlook 2025</a:t>
-            </a:r>
-            <a:endParaRPr lang="x-none" dirty="0"/>
-          </a:p>
-        </p:txBody>
-      </p:sp>
-    </p:spTree>
-    <p:extLst>
-      <p:ext uri="{BB962C8B-B14F-4D97-AF65-F5344CB8AC3E}">
-        <p14:creationId xmlns:p14="http://schemas.microsoft.com/office/powerpoint/2010/main" val="3952441491"/>
       </p:ext>
     </p:extLst>
   </p:cSld>
@@ -5582,10 +5464,10 @@
       </p:grpSpPr>
       <p:sp>
         <p:nvSpPr>
-          <p:cNvPr id="2" name="Title 1">
+          <p:cNvPr id="4" name="Title 3">
             <a:extLst>
               <a:ext uri="{FF2B5EF4-FFF2-40B4-BE49-F238E27FC236}">
-                <a16:creationId xmlns:a16="http://schemas.microsoft.com/office/drawing/2014/main" id="{F92F6E53-B2B1-974C-A528-A2F8857ACD21}"/>
+                <a16:creationId xmlns:a16="http://schemas.microsoft.com/office/drawing/2014/main" id="{D09379F5-9A77-516D-110C-0E175E48E16E}"/>
               </a:ext>
             </a:extLst>
           </p:cNvPr>
@@ -5602,19 +5484,18 @@
           <a:lstStyle/>
           <a:p>
             <a:r>
-              <a:rPr lang="en-US"/>
-              <a:t>Forecasting Approaches</a:t>
-            </a:r>
-            <a:endParaRPr lang="en-US" dirty="0"/>
-          </a:p>
-        </p:txBody>
-      </p:sp>
-      <p:sp>
-        <p:nvSpPr>
-          <p:cNvPr id="3" name="Content Placeholder 2">
+              <a:rPr lang="en-US" dirty="0"/>
+              <a:t>1. Introduction</a:t>
+            </a:r>
+          </a:p>
+        </p:txBody>
+      </p:sp>
+      <p:sp>
+        <p:nvSpPr>
+          <p:cNvPr id="5" name="Text Placeholder 4">
             <a:extLst>
               <a:ext uri="{FF2B5EF4-FFF2-40B4-BE49-F238E27FC236}">
-                <a16:creationId xmlns:a16="http://schemas.microsoft.com/office/drawing/2014/main" id="{1D6CF543-3291-DE2F-9FF9-97DBD4DD59C8}"/>
+                <a16:creationId xmlns:a16="http://schemas.microsoft.com/office/drawing/2014/main" id="{F4AF0842-1635-2351-B601-E10182F29822}"/>
               </a:ext>
             </a:extLst>
           </p:cNvPr>
@@ -5622,78 +5503,22 @@
             <a:spLocks noGrp="1"/>
           </p:cNvSpPr>
           <p:nvPr>
-            <p:ph idx="1"/>
-          </p:nvPr>
-        </p:nvSpPr>
-        <p:spPr/>
-        <p:txBody>
-          <a:bodyPr/>
-          <a:lstStyle/>
-          <a:p>
-            <a:pPr marL="514350" indent="-514350">
-              <a:buFont typeface="+mj-lt"/>
-              <a:buAutoNum type="arabicPeriod"/>
-            </a:pPr>
-            <a:r>
-              <a:rPr lang="en-US" b="1" dirty="0"/>
-              <a:t>Technical Analysis</a:t>
-            </a:r>
-            <a:r>
-              <a:rPr lang="en-US" dirty="0"/>
-              <a:t>: Discretionary price and volume analysis</a:t>
-            </a:r>
-          </a:p>
-          <a:p>
-            <a:pPr marL="514350" indent="-514350">
-              <a:buFont typeface="+mj-lt"/>
-              <a:buAutoNum type="arabicPeriod"/>
-            </a:pPr>
-            <a:r>
-              <a:rPr lang="en-US" b="1" dirty="0"/>
-              <a:t>Quantitative Analysis</a:t>
-            </a:r>
-            <a:r>
-              <a:rPr lang="en-US" dirty="0"/>
-              <a:t>: Applying statistics and machine learning</a:t>
-            </a:r>
-          </a:p>
-          <a:p>
-            <a:pPr marL="514350" indent="-514350">
-              <a:buFont typeface="+mj-lt"/>
-              <a:buAutoNum type="arabicPeriod"/>
-            </a:pPr>
-            <a:r>
-              <a:rPr lang="en-US" b="1" dirty="0"/>
-              <a:t>Sentiment Analysis</a:t>
-            </a:r>
-            <a:r>
-              <a:rPr lang="en-US" dirty="0"/>
-              <a:t>: General sentiment of market participants</a:t>
-            </a:r>
-          </a:p>
-          <a:p>
-            <a:pPr marL="514350" indent="-514350">
-              <a:buFont typeface="+mj-lt"/>
-              <a:buAutoNum type="arabicPeriod"/>
-            </a:pPr>
-            <a:r>
-              <a:rPr lang="en-US" b="1" dirty="0"/>
-              <a:t>Fundamental Analysis</a:t>
-            </a:r>
-            <a:r>
-              <a:rPr lang="en-US" dirty="0"/>
-              <a:t>: Economics and finance theories on value, equilibrium levels, and supply and demand</a:t>
-            </a:r>
-          </a:p>
-          <a:p>
-            <a:endParaRPr lang="en-US" dirty="0"/>
+            <p:ph type="body" idx="1"/>
+          </p:nvPr>
+        </p:nvSpPr>
+        <p:spPr/>
+        <p:txBody>
+          <a:bodyPr/>
+          <a:lstStyle/>
+          <a:p>
+            <a:endParaRPr lang="en-US"/>
           </a:p>
         </p:txBody>
       </p:sp>
     </p:spTree>
     <p:extLst>
       <p:ext uri="{BB962C8B-B14F-4D97-AF65-F5344CB8AC3E}">
-        <p14:creationId xmlns:p14="http://schemas.microsoft.com/office/powerpoint/2010/main" val="2647621218"/>
+        <p14:creationId xmlns:p14="http://schemas.microsoft.com/office/powerpoint/2010/main" val="358444850"/>
       </p:ext>
     </p:extLst>
   </p:cSld>
@@ -5704,6 +5529,215 @@
 </file>
 
 <file path=ppt/slides/slide20.xml><?xml version="1.0" encoding="utf-8"?>
+<p:sld xmlns:a="http://schemas.openxmlformats.org/drawingml/2006/main" xmlns:r="http://schemas.openxmlformats.org/officeDocument/2006/relationships" xmlns:p="http://schemas.openxmlformats.org/presentationml/2006/main">
+  <p:cSld>
+    <p:spTree>
+      <p:nvGrpSpPr>
+        <p:cNvPr id="1" name=""/>
+        <p:cNvGrpSpPr/>
+        <p:nvPr/>
+      </p:nvGrpSpPr>
+      <p:grpSpPr>
+        <a:xfrm>
+          <a:off x="0" y="0"/>
+          <a:ext cx="0" cy="0"/>
+          <a:chOff x="0" y="0"/>
+          <a:chExt cx="0" cy="0"/>
+        </a:xfrm>
+      </p:grpSpPr>
+      <p:sp>
+        <p:nvSpPr>
+          <p:cNvPr id="4" name="Title 3">
+            <a:extLst>
+              <a:ext uri="{FF2B5EF4-FFF2-40B4-BE49-F238E27FC236}">
+                <a16:creationId xmlns:a16="http://schemas.microsoft.com/office/drawing/2014/main" id="{BEF7BD5C-F9CE-9977-ABC9-A2BF5F4E1EAE}"/>
+              </a:ext>
+            </a:extLst>
+          </p:cNvPr>
+          <p:cNvSpPr>
+            <a:spLocks noGrp="1"/>
+          </p:cNvSpPr>
+          <p:nvPr>
+            <p:ph type="title"/>
+          </p:nvPr>
+        </p:nvSpPr>
+        <p:spPr/>
+        <p:txBody>
+          <a:bodyPr/>
+          <a:lstStyle/>
+          <a:p>
+            <a:r>
+              <a:rPr lang="en-US" dirty="0"/>
+              <a:t>Bearish Oil Outlook for 2025-2026</a:t>
+            </a:r>
+          </a:p>
+        </p:txBody>
+      </p:sp>
+      <p:sp>
+        <p:nvSpPr>
+          <p:cNvPr id="5" name="Content Placeholder 4">
+            <a:extLst>
+              <a:ext uri="{FF2B5EF4-FFF2-40B4-BE49-F238E27FC236}">
+                <a16:creationId xmlns:a16="http://schemas.microsoft.com/office/drawing/2014/main" id="{F87A2C41-CE1F-AB73-738B-3E15C2452502}"/>
+              </a:ext>
+            </a:extLst>
+          </p:cNvPr>
+          <p:cNvSpPr>
+            <a:spLocks noGrp="1"/>
+          </p:cNvSpPr>
+          <p:nvPr>
+            <p:ph sz="half" idx="1"/>
+          </p:nvPr>
+        </p:nvSpPr>
+        <p:spPr>
+          <a:xfrm>
+            <a:off x="838200" y="1825625"/>
+            <a:ext cx="4306455" cy="4351338"/>
+          </a:xfrm>
+        </p:spPr>
+        <p:txBody>
+          <a:bodyPr>
+            <a:normAutofit fontScale="77500" lnSpcReduction="20000"/>
+          </a:bodyPr>
+          <a:lstStyle/>
+          <a:p>
+            <a:r>
+              <a:rPr lang="en-US" dirty="0"/>
+              <a:t>J.P. Morgan’s base case for oil remains anchored by the supply-demand balance. Since February, </a:t>
+            </a:r>
+            <a:r>
+              <a:rPr lang="en-US" b="1" dirty="0"/>
+              <a:t>global oil inventories</a:t>
+            </a:r>
+            <a:r>
+              <a:rPr lang="en-US" dirty="0"/>
+              <a:t> have </a:t>
+            </a:r>
+            <a:r>
+              <a:rPr lang="en-US" b="1" dirty="0"/>
+              <a:t>increased</a:t>
+            </a:r>
+            <a:r>
+              <a:rPr lang="en-US" dirty="0"/>
+              <a:t> by almost 240 million barrels, indicating that supply is abundant. </a:t>
+            </a:r>
+          </a:p>
+          <a:p>
+            <a:r>
+              <a:rPr lang="en-US" dirty="0"/>
+              <a:t>Based on our forward physical oil balances, which show a market in a 2.2–2.4 mbd surplus over the second half of 2025, oil is anticipated to trade in the low- to mid-$60/bbl range for the remainder of 2025 and settle at </a:t>
+            </a:r>
+            <a:r>
+              <a:rPr lang="en-US" b="1" dirty="0"/>
+              <a:t>$60/bbl </a:t>
+            </a:r>
+            <a:r>
+              <a:rPr lang="en-US" dirty="0"/>
+              <a:t>in </a:t>
+            </a:r>
+            <a:r>
+              <a:rPr lang="en-US" b="1" dirty="0"/>
+              <a:t>2026</a:t>
+            </a:r>
+            <a:r>
+              <a:rPr lang="en-US" dirty="0"/>
+              <a:t>.</a:t>
+            </a:r>
+          </a:p>
+          <a:p>
+            <a:endParaRPr lang="en-US" dirty="0"/>
+          </a:p>
+        </p:txBody>
+      </p:sp>
+      <p:pic>
+        <p:nvPicPr>
+          <p:cNvPr id="8" name="Content Placeholder 7">
+            <a:extLst>
+              <a:ext uri="{FF2B5EF4-FFF2-40B4-BE49-F238E27FC236}">
+                <a16:creationId xmlns:a16="http://schemas.microsoft.com/office/drawing/2014/main" id="{A429C3CD-A829-AC32-7852-5A826168A66B}"/>
+              </a:ext>
+            </a:extLst>
+          </p:cNvPr>
+          <p:cNvPicPr>
+            <a:picLocks noGrp="1" noChangeAspect="1"/>
+          </p:cNvPicPr>
+          <p:nvPr>
+            <p:ph sz="half" idx="2"/>
+          </p:nvPr>
+        </p:nvPicPr>
+        <p:blipFill>
+          <a:blip r:embed="rId2"/>
+          <a:stretch>
+            <a:fillRect/>
+          </a:stretch>
+        </p:blipFill>
+        <p:spPr>
+          <a:xfrm>
+            <a:off x="5737161" y="1882085"/>
+            <a:ext cx="5616639" cy="4213915"/>
+          </a:xfrm>
+          <a:prstGeom prst="rect">
+            <a:avLst/>
+          </a:prstGeom>
+        </p:spPr>
+      </p:pic>
+      <p:sp>
+        <p:nvSpPr>
+          <p:cNvPr id="9" name="TextBox 8">
+            <a:extLst>
+              <a:ext uri="{FF2B5EF4-FFF2-40B4-BE49-F238E27FC236}">
+                <a16:creationId xmlns:a16="http://schemas.microsoft.com/office/drawing/2014/main" id="{1FD5CF44-CDE2-8807-1CBD-C66E93B6BEFD}"/>
+              </a:ext>
+            </a:extLst>
+          </p:cNvPr>
+          <p:cNvSpPr txBox="1"/>
+          <p:nvPr/>
+        </p:nvSpPr>
+        <p:spPr>
+          <a:xfrm>
+            <a:off x="0" y="6492875"/>
+            <a:ext cx="12192000" cy="369332"/>
+          </a:xfrm>
+          <a:prstGeom prst="rect">
+            <a:avLst/>
+          </a:prstGeom>
+          <a:noFill/>
+        </p:spPr>
+        <p:txBody>
+          <a:bodyPr wrap="square" rtlCol="0">
+            <a:spAutoFit/>
+          </a:bodyPr>
+          <a:lstStyle/>
+          <a:p>
+            <a:pPr algn="ctr"/>
+            <a:r>
+              <a:rPr lang="en-US" dirty="0"/>
+              <a:t>Reference: </a:t>
+            </a:r>
+            <a:r>
+              <a:rPr lang="en-US" dirty="0">
+                <a:hlinkClick r:id="rId3"/>
+              </a:rPr>
+              <a:t> J.P. Morgan Research, Mid-year market outlook 2025</a:t>
+            </a:r>
+            <a:endParaRPr lang="x-none" dirty="0"/>
+          </a:p>
+        </p:txBody>
+      </p:sp>
+    </p:spTree>
+    <p:extLst>
+      <p:ext uri="{BB962C8B-B14F-4D97-AF65-F5344CB8AC3E}">
+        <p14:creationId xmlns:p14="http://schemas.microsoft.com/office/powerpoint/2010/main" val="3952441491"/>
+      </p:ext>
+    </p:extLst>
+  </p:cSld>
+  <p:clrMapOvr>
+    <a:masterClrMapping/>
+  </p:clrMapOvr>
+</p:sld>
+</file>
+
+<file path=ppt/slides/slide21.xml><?xml version="1.0" encoding="utf-8"?>
 <p:sld xmlns:a="http://schemas.openxmlformats.org/drawingml/2006/main" xmlns:r="http://schemas.openxmlformats.org/officeDocument/2006/relationships" xmlns:p="http://schemas.openxmlformats.org/presentationml/2006/main">
   <p:cSld>
     <p:spTree>
@@ -5749,7 +5783,7 @@
           <a:p>
             <a:r>
               <a:rPr lang="en-US" dirty="0"/>
-              <a:t>U.S. Dollar</a:t>
+              <a:t>5. U.S. Dollar</a:t>
             </a:r>
           </a:p>
         </p:txBody>
@@ -5792,7 +5826,7 @@
 </p:sld>
 </file>
 
-<file path=ppt/slides/slide21.xml><?xml version="1.0" encoding="utf-8"?>
+<file path=ppt/slides/slide22.xml><?xml version="1.0" encoding="utf-8"?>
 <p:sld xmlns:a="http://schemas.openxmlformats.org/drawingml/2006/main" xmlns:r="http://schemas.openxmlformats.org/officeDocument/2006/relationships" xmlns:p="http://schemas.openxmlformats.org/presentationml/2006/main">
   <p:cSld>
     <p:spTree>
@@ -5882,7 +5916,7 @@
 </p:sld>
 </file>
 
-<file path=ppt/slides/slide22.xml><?xml version="1.0" encoding="utf-8"?>
+<file path=ppt/slides/slide23.xml><?xml version="1.0" encoding="utf-8"?>
 <p:sld xmlns:a="http://schemas.openxmlformats.org/drawingml/2006/main" xmlns:r="http://schemas.openxmlformats.org/officeDocument/2006/relationships" xmlns:p="http://schemas.openxmlformats.org/presentationml/2006/main">
   <p:cSld>
     <p:spTree>
@@ -5972,7 +6006,7 @@
 </p:sld>
 </file>
 
-<file path=ppt/slides/slide23.xml><?xml version="1.0" encoding="utf-8"?>
+<file path=ppt/slides/slide24.xml><?xml version="1.0" encoding="utf-8"?>
 <p:sld xmlns:a="http://schemas.openxmlformats.org/drawingml/2006/main" xmlns:r="http://schemas.openxmlformats.org/officeDocument/2006/relationships" xmlns:p="http://schemas.openxmlformats.org/presentationml/2006/main">
   <p:cSld>
     <p:spTree>
@@ -6137,7 +6171,7 @@
 </p:sld>
 </file>
 
-<file path=ppt/slides/slide24.xml><?xml version="1.0" encoding="utf-8"?>
+<file path=ppt/slides/slide25.xml><?xml version="1.0" encoding="utf-8"?>
 <p:sld xmlns:a="http://schemas.openxmlformats.org/drawingml/2006/main" xmlns:r="http://schemas.openxmlformats.org/officeDocument/2006/relationships" xmlns:p="http://schemas.openxmlformats.org/presentationml/2006/main">
   <p:cSld>
     <p:spTree>
@@ -6261,89 +6295,6 @@
     <p:extLst>
       <p:ext uri="{BB962C8B-B14F-4D97-AF65-F5344CB8AC3E}">
         <p14:creationId xmlns:p14="http://schemas.microsoft.com/office/powerpoint/2010/main" val="3892573509"/>
-      </p:ext>
-    </p:extLst>
-  </p:cSld>
-  <p:clrMapOvr>
-    <a:masterClrMapping/>
-  </p:clrMapOvr>
-</p:sld>
-</file>
-
-<file path=ppt/slides/slide25.xml><?xml version="1.0" encoding="utf-8"?>
-<p:sld xmlns:a="http://schemas.openxmlformats.org/drawingml/2006/main" xmlns:r="http://schemas.openxmlformats.org/officeDocument/2006/relationships" xmlns:p="http://schemas.openxmlformats.org/presentationml/2006/main">
-  <p:cSld>
-    <p:spTree>
-      <p:nvGrpSpPr>
-        <p:cNvPr id="1" name=""/>
-        <p:cNvGrpSpPr/>
-        <p:nvPr/>
-      </p:nvGrpSpPr>
-      <p:grpSpPr>
-        <a:xfrm>
-          <a:off x="0" y="0"/>
-          <a:ext cx="0" cy="0"/>
-          <a:chOff x="0" y="0"/>
-          <a:chExt cx="0" cy="0"/>
-        </a:xfrm>
-      </p:grpSpPr>
-      <p:sp>
-        <p:nvSpPr>
-          <p:cNvPr id="2" name="Title 1">
-            <a:extLst>
-              <a:ext uri="{FF2B5EF4-FFF2-40B4-BE49-F238E27FC236}">
-                <a16:creationId xmlns:a16="http://schemas.microsoft.com/office/drawing/2014/main" id="{F9C550A7-A14D-8F56-6E78-536304B5E29D}"/>
-              </a:ext>
-            </a:extLst>
-          </p:cNvPr>
-          <p:cNvSpPr>
-            <a:spLocks noGrp="1"/>
-          </p:cNvSpPr>
-          <p:nvPr>
-            <p:ph type="title"/>
-          </p:nvPr>
-        </p:nvSpPr>
-        <p:spPr/>
-        <p:txBody>
-          <a:bodyPr/>
-          <a:lstStyle/>
-          <a:p>
-            <a:r>
-              <a:rPr lang="en-US" dirty="0"/>
-              <a:t>Forecast</a:t>
-            </a:r>
-          </a:p>
-        </p:txBody>
-      </p:sp>
-      <p:sp>
-        <p:nvSpPr>
-          <p:cNvPr id="3" name="Text Placeholder 2">
-            <a:extLst>
-              <a:ext uri="{FF2B5EF4-FFF2-40B4-BE49-F238E27FC236}">
-                <a16:creationId xmlns:a16="http://schemas.microsoft.com/office/drawing/2014/main" id="{141B9FD5-312C-3B4A-B9FA-0C8C46F92573}"/>
-              </a:ext>
-            </a:extLst>
-          </p:cNvPr>
-          <p:cNvSpPr>
-            <a:spLocks noGrp="1"/>
-          </p:cNvSpPr>
-          <p:nvPr>
-            <p:ph type="body" idx="1"/>
-          </p:nvPr>
-        </p:nvSpPr>
-        <p:spPr/>
-        <p:txBody>
-          <a:bodyPr/>
-          <a:lstStyle/>
-          <a:p>
-            <a:endParaRPr lang="en-US"/>
-          </a:p>
-        </p:txBody>
-      </p:sp>
-    </p:spTree>
-    <p:extLst>
-      <p:ext uri="{BB962C8B-B14F-4D97-AF65-F5344CB8AC3E}">
-        <p14:creationId xmlns:p14="http://schemas.microsoft.com/office/powerpoint/2010/main" val="2423505088"/>
       </p:ext>
     </p:extLst>
   </p:cSld>
@@ -6372,6 +6323,89 @@
       </p:grpSpPr>
       <p:sp>
         <p:nvSpPr>
+          <p:cNvPr id="2" name="Title 1">
+            <a:extLst>
+              <a:ext uri="{FF2B5EF4-FFF2-40B4-BE49-F238E27FC236}">
+                <a16:creationId xmlns:a16="http://schemas.microsoft.com/office/drawing/2014/main" id="{F9C550A7-A14D-8F56-6E78-536304B5E29D}"/>
+              </a:ext>
+            </a:extLst>
+          </p:cNvPr>
+          <p:cNvSpPr>
+            <a:spLocks noGrp="1"/>
+          </p:cNvSpPr>
+          <p:nvPr>
+            <p:ph type="title"/>
+          </p:nvPr>
+        </p:nvSpPr>
+        <p:spPr/>
+        <p:txBody>
+          <a:bodyPr/>
+          <a:lstStyle/>
+          <a:p>
+            <a:r>
+              <a:rPr lang="en-US" dirty="0"/>
+              <a:t>6. Forecast</a:t>
+            </a:r>
+          </a:p>
+        </p:txBody>
+      </p:sp>
+      <p:sp>
+        <p:nvSpPr>
+          <p:cNvPr id="3" name="Text Placeholder 2">
+            <a:extLst>
+              <a:ext uri="{FF2B5EF4-FFF2-40B4-BE49-F238E27FC236}">
+                <a16:creationId xmlns:a16="http://schemas.microsoft.com/office/drawing/2014/main" id="{141B9FD5-312C-3B4A-B9FA-0C8C46F92573}"/>
+              </a:ext>
+            </a:extLst>
+          </p:cNvPr>
+          <p:cNvSpPr>
+            <a:spLocks noGrp="1"/>
+          </p:cNvSpPr>
+          <p:nvPr>
+            <p:ph type="body" idx="1"/>
+          </p:nvPr>
+        </p:nvSpPr>
+        <p:spPr/>
+        <p:txBody>
+          <a:bodyPr/>
+          <a:lstStyle/>
+          <a:p>
+            <a:endParaRPr lang="en-US"/>
+          </a:p>
+        </p:txBody>
+      </p:sp>
+    </p:spTree>
+    <p:extLst>
+      <p:ext uri="{BB962C8B-B14F-4D97-AF65-F5344CB8AC3E}">
+        <p14:creationId xmlns:p14="http://schemas.microsoft.com/office/powerpoint/2010/main" val="2423505088"/>
+      </p:ext>
+    </p:extLst>
+  </p:cSld>
+  <p:clrMapOvr>
+    <a:masterClrMapping/>
+  </p:clrMapOvr>
+</p:sld>
+</file>
+
+<file path=ppt/slides/slide27.xml><?xml version="1.0" encoding="utf-8"?>
+<p:sld xmlns:a="http://schemas.openxmlformats.org/drawingml/2006/main" xmlns:r="http://schemas.openxmlformats.org/officeDocument/2006/relationships" xmlns:p="http://schemas.openxmlformats.org/presentationml/2006/main">
+  <p:cSld>
+    <p:spTree>
+      <p:nvGrpSpPr>
+        <p:cNvPr id="1" name=""/>
+        <p:cNvGrpSpPr/>
+        <p:nvPr/>
+      </p:nvGrpSpPr>
+      <p:grpSpPr>
+        <a:xfrm>
+          <a:off x="0" y="0"/>
+          <a:ext cx="0" cy="0"/>
+          <a:chOff x="0" y="0"/>
+          <a:chExt cx="0" cy="0"/>
+        </a:xfrm>
+      </p:grpSpPr>
+      <p:sp>
+        <p:nvSpPr>
           <p:cNvPr id="4" name="Title 3">
             <a:extLst>
               <a:ext uri="{FF2B5EF4-FFF2-40B4-BE49-F238E27FC236}">
@@ -6515,7 +6549,7 @@
 </p:sld>
 </file>
 
-<file path=ppt/slides/slide27.xml><?xml version="1.0" encoding="utf-8"?>
+<file path=ppt/slides/slide28.xml><?xml version="1.0" encoding="utf-8"?>
 <p:sld xmlns:a="http://schemas.openxmlformats.org/drawingml/2006/main" xmlns:r="http://schemas.openxmlformats.org/officeDocument/2006/relationships" xmlns:p="http://schemas.openxmlformats.org/presentationml/2006/main">
   <p:cSld>
     <p:spTree>
@@ -6787,7 +6821,7 @@
 </p:sld>
 </file>
 
-<file path=ppt/slides/slide28.xml><?xml version="1.0" encoding="utf-8"?>
+<file path=ppt/slides/slide29.xml><?xml version="1.0" encoding="utf-8"?>
 <p:sld xmlns:a="http://schemas.openxmlformats.org/drawingml/2006/main" xmlns:r="http://schemas.openxmlformats.org/officeDocument/2006/relationships" xmlns:p="http://schemas.openxmlformats.org/presentationml/2006/main">
   <p:cSld>
     <p:spTree>
@@ -6877,7 +6911,147 @@
 </p:sld>
 </file>
 
-<file path=ppt/slides/slide29.xml><?xml version="1.0" encoding="utf-8"?>
+<file path=ppt/slides/slide3.xml><?xml version="1.0" encoding="utf-8"?>
+<p:sld xmlns:a="http://schemas.openxmlformats.org/drawingml/2006/main" xmlns:r="http://schemas.openxmlformats.org/officeDocument/2006/relationships" xmlns:p="http://schemas.openxmlformats.org/presentationml/2006/main">
+  <p:cSld>
+    <p:spTree>
+      <p:nvGrpSpPr>
+        <p:cNvPr id="1" name=""/>
+        <p:cNvGrpSpPr/>
+        <p:nvPr/>
+      </p:nvGrpSpPr>
+      <p:grpSpPr>
+        <a:xfrm>
+          <a:off x="0" y="0"/>
+          <a:ext cx="0" cy="0"/>
+          <a:chOff x="0" y="0"/>
+          <a:chExt cx="0" cy="0"/>
+        </a:xfrm>
+      </p:grpSpPr>
+      <p:sp>
+        <p:nvSpPr>
+          <p:cNvPr id="2" name="Title 1">
+            <a:extLst>
+              <a:ext uri="{FF2B5EF4-FFF2-40B4-BE49-F238E27FC236}">
+                <a16:creationId xmlns:a16="http://schemas.microsoft.com/office/drawing/2014/main" id="{F92F6E53-B2B1-974C-A528-A2F8857ACD21}"/>
+              </a:ext>
+            </a:extLst>
+          </p:cNvPr>
+          <p:cNvSpPr>
+            <a:spLocks noGrp="1"/>
+          </p:cNvSpPr>
+          <p:nvPr>
+            <p:ph type="title"/>
+          </p:nvPr>
+        </p:nvSpPr>
+        <p:spPr/>
+        <p:txBody>
+          <a:bodyPr/>
+          <a:lstStyle/>
+          <a:p>
+            <a:r>
+              <a:rPr lang="en-US"/>
+              <a:t>Forecasting Approaches</a:t>
+            </a:r>
+            <a:endParaRPr lang="en-US" dirty="0"/>
+          </a:p>
+        </p:txBody>
+      </p:sp>
+      <p:sp>
+        <p:nvSpPr>
+          <p:cNvPr id="3" name="Content Placeholder 2">
+            <a:extLst>
+              <a:ext uri="{FF2B5EF4-FFF2-40B4-BE49-F238E27FC236}">
+                <a16:creationId xmlns:a16="http://schemas.microsoft.com/office/drawing/2014/main" id="{1D6CF543-3291-DE2F-9FF9-97DBD4DD59C8}"/>
+              </a:ext>
+            </a:extLst>
+          </p:cNvPr>
+          <p:cNvSpPr>
+            <a:spLocks noGrp="1"/>
+          </p:cNvSpPr>
+          <p:nvPr>
+            <p:ph idx="1"/>
+          </p:nvPr>
+        </p:nvSpPr>
+        <p:spPr/>
+        <p:txBody>
+          <a:bodyPr/>
+          <a:lstStyle/>
+          <a:p>
+            <a:pPr marL="514350" indent="-514350">
+              <a:buFont typeface="+mj-lt"/>
+              <a:buAutoNum type="arabicPeriod"/>
+            </a:pPr>
+            <a:r>
+              <a:rPr lang="en-US" b="1" dirty="0"/>
+              <a:t>Technical Analysis</a:t>
+            </a:r>
+            <a:r>
+              <a:rPr lang="en-US" dirty="0"/>
+              <a:t>: Discretionary price and volume analysis</a:t>
+            </a:r>
+          </a:p>
+          <a:p>
+            <a:pPr marL="514350" indent="-514350">
+              <a:buFont typeface="+mj-lt"/>
+              <a:buAutoNum type="arabicPeriod"/>
+            </a:pPr>
+            <a:r>
+              <a:rPr lang="en-US" b="1" dirty="0"/>
+              <a:t>Quantitative Analysis</a:t>
+            </a:r>
+            <a:r>
+              <a:rPr lang="en-US" dirty="0"/>
+              <a:t>: Applying statistics and machine learning</a:t>
+            </a:r>
+          </a:p>
+          <a:p>
+            <a:pPr marL="514350" indent="-514350">
+              <a:buFont typeface="+mj-lt"/>
+              <a:buAutoNum type="arabicPeriod"/>
+            </a:pPr>
+            <a:r>
+              <a:rPr lang="en-US" b="1" dirty="0"/>
+              <a:t>Sentiment Analysis</a:t>
+            </a:r>
+            <a:r>
+              <a:rPr lang="en-US" dirty="0"/>
+              <a:t>: General sentiment of market participants</a:t>
+            </a:r>
+          </a:p>
+          <a:p>
+            <a:pPr marL="514350" indent="-514350">
+              <a:buFont typeface="+mj-lt"/>
+              <a:buAutoNum type="arabicPeriod"/>
+            </a:pPr>
+            <a:r>
+              <a:rPr lang="en-US" b="1" dirty="0"/>
+              <a:t>Fundamental Analysis</a:t>
+            </a:r>
+            <a:r>
+              <a:rPr lang="en-US" dirty="0"/>
+              <a:t>: Economics and finance theories on value, equilibrium levels, and supply and demand</a:t>
+            </a:r>
+          </a:p>
+          <a:p>
+            <a:endParaRPr lang="en-US" dirty="0"/>
+          </a:p>
+        </p:txBody>
+      </p:sp>
+    </p:spTree>
+    <p:extLst>
+      <p:ext uri="{BB962C8B-B14F-4D97-AF65-F5344CB8AC3E}">
+        <p14:creationId xmlns:p14="http://schemas.microsoft.com/office/powerpoint/2010/main" val="2647621218"/>
+      </p:ext>
+    </p:extLst>
+  </p:cSld>
+  <p:clrMapOvr>
+    <a:masterClrMapping/>
+  </p:clrMapOvr>
+</p:sld>
+</file>
+
+<file path=ppt/slides/slide30.xml><?xml version="1.0" encoding="utf-8"?>
 <p:sld xmlns:a="http://schemas.openxmlformats.org/drawingml/2006/main" xmlns:r="http://schemas.openxmlformats.org/officeDocument/2006/relationships" xmlns:p="http://schemas.openxmlformats.org/presentationml/2006/main">
   <p:cSld>
     <p:spTree>
@@ -7149,7 +7323,7 @@
 </p:sld>
 </file>
 
-<file path=ppt/slides/slide3.xml><?xml version="1.0" encoding="utf-8"?>
+<file path=ppt/slides/slide31.xml><?xml version="1.0" encoding="utf-8"?>
 <p:sld xmlns:a="http://schemas.openxmlformats.org/drawingml/2006/main" xmlns:r="http://schemas.openxmlformats.org/officeDocument/2006/relationships" xmlns:p="http://schemas.openxmlformats.org/presentationml/2006/main">
   <p:cSld>
     <p:spTree>
@@ -7168,90 +7342,6 @@
       </p:grpSpPr>
       <p:sp>
         <p:nvSpPr>
-          <p:cNvPr id="4" name="Title 3">
-            <a:extLst>
-              <a:ext uri="{FF2B5EF4-FFF2-40B4-BE49-F238E27FC236}">
-                <a16:creationId xmlns:a16="http://schemas.microsoft.com/office/drawing/2014/main" id="{3C9174E9-4CDF-052B-06AA-5618A1B221FE}"/>
-              </a:ext>
-            </a:extLst>
-          </p:cNvPr>
-          <p:cNvSpPr>
-            <a:spLocks noGrp="1"/>
-          </p:cNvSpPr>
-          <p:nvPr>
-            <p:ph type="title"/>
-          </p:nvPr>
-        </p:nvSpPr>
-        <p:spPr/>
-        <p:txBody>
-          <a:bodyPr/>
-          <a:lstStyle/>
-          <a:p>
-            <a:r>
-              <a:rPr lang="en-US"/>
-              <a:t>Key Drivers of the CAD/USD Exchange Rate</a:t>
-            </a:r>
-            <a:endParaRPr lang="en-US" dirty="0"/>
-          </a:p>
-        </p:txBody>
-      </p:sp>
-      <p:sp>
-        <p:nvSpPr>
-          <p:cNvPr id="5" name="Text Placeholder 4">
-            <a:extLst>
-              <a:ext uri="{FF2B5EF4-FFF2-40B4-BE49-F238E27FC236}">
-                <a16:creationId xmlns:a16="http://schemas.microsoft.com/office/drawing/2014/main" id="{9D397D09-EF1C-035D-B6EB-408290330A93}"/>
-              </a:ext>
-            </a:extLst>
-          </p:cNvPr>
-          <p:cNvSpPr>
-            <a:spLocks noGrp="1"/>
-          </p:cNvSpPr>
-          <p:nvPr>
-            <p:ph type="body" idx="1"/>
-          </p:nvPr>
-        </p:nvSpPr>
-        <p:spPr/>
-        <p:txBody>
-          <a:bodyPr/>
-          <a:lstStyle/>
-          <a:p>
-            <a:endParaRPr lang="en-US"/>
-          </a:p>
-        </p:txBody>
-      </p:sp>
-    </p:spTree>
-    <p:extLst>
-      <p:ext uri="{BB962C8B-B14F-4D97-AF65-F5344CB8AC3E}">
-        <p14:creationId xmlns:p14="http://schemas.microsoft.com/office/powerpoint/2010/main" val="591847203"/>
-      </p:ext>
-    </p:extLst>
-  </p:cSld>
-  <p:clrMapOvr>
-    <a:masterClrMapping/>
-  </p:clrMapOvr>
-</p:sld>
-</file>
-
-<file path=ppt/slides/slide30.xml><?xml version="1.0" encoding="utf-8"?>
-<p:sld xmlns:a="http://schemas.openxmlformats.org/drawingml/2006/main" xmlns:r="http://schemas.openxmlformats.org/officeDocument/2006/relationships" xmlns:p="http://schemas.openxmlformats.org/presentationml/2006/main">
-  <p:cSld>
-    <p:spTree>
-      <p:nvGrpSpPr>
-        <p:cNvPr id="1" name=""/>
-        <p:cNvGrpSpPr/>
-        <p:nvPr/>
-      </p:nvGrpSpPr>
-      <p:grpSpPr>
-        <a:xfrm>
-          <a:off x="0" y="0"/>
-          <a:ext cx="0" cy="0"/>
-          <a:chOff x="0" y="0"/>
-          <a:chExt cx="0" cy="0"/>
-        </a:xfrm>
-      </p:grpSpPr>
-      <p:sp>
-        <p:nvSpPr>
           <p:cNvPr id="2" name="Title 1">
             <a:extLst>
               <a:ext uri="{FF2B5EF4-FFF2-40B4-BE49-F238E27FC236}">
@@ -7273,7 +7363,7 @@
           <a:p>
             <a:r>
               <a:rPr lang="en-US" dirty="0"/>
-              <a:t>Conclusion</a:t>
+              <a:t>7. Conclusion</a:t>
             </a:r>
           </a:p>
         </p:txBody>
@@ -7301,7 +7391,7 @@
           <a:p>
             <a:r>
               <a:rPr lang="en-US" dirty="0"/>
-              <a:t>CAD/USD Bearish Outlook for 2026</a:t>
+              <a:t>CAD/USD: Bearish Outlook for 2026</a:t>
             </a:r>
           </a:p>
         </p:txBody>
@@ -7319,7 +7409,7 @@
 </p:sld>
 </file>
 
-<file path=ppt/slides/slide31.xml><?xml version="1.0" encoding="utf-8"?>
+<file path=ppt/slides/slide32.xml><?xml version="1.0" encoding="utf-8"?>
 <p:sld xmlns:a="http://schemas.openxmlformats.org/drawingml/2006/main" xmlns:r="http://schemas.openxmlformats.org/officeDocument/2006/relationships" xmlns:p="http://schemas.openxmlformats.org/presentationml/2006/main">
   <p:cSld>
     <p:spTree>
@@ -7448,6 +7538,89 @@
       </p:grpSpPr>
       <p:sp>
         <p:nvSpPr>
+          <p:cNvPr id="4" name="Title 3">
+            <a:extLst>
+              <a:ext uri="{FF2B5EF4-FFF2-40B4-BE49-F238E27FC236}">
+                <a16:creationId xmlns:a16="http://schemas.microsoft.com/office/drawing/2014/main" id="{3C9174E9-4CDF-052B-06AA-5618A1B221FE}"/>
+              </a:ext>
+            </a:extLst>
+          </p:cNvPr>
+          <p:cNvSpPr>
+            <a:spLocks noGrp="1"/>
+          </p:cNvSpPr>
+          <p:nvPr>
+            <p:ph type="title"/>
+          </p:nvPr>
+        </p:nvSpPr>
+        <p:spPr/>
+        <p:txBody>
+          <a:bodyPr/>
+          <a:lstStyle/>
+          <a:p>
+            <a:r>
+              <a:rPr lang="en-US" dirty="0"/>
+              <a:t>2. Key Drivers of the CAD/USD Exchange Rate</a:t>
+            </a:r>
+          </a:p>
+        </p:txBody>
+      </p:sp>
+      <p:sp>
+        <p:nvSpPr>
+          <p:cNvPr id="5" name="Text Placeholder 4">
+            <a:extLst>
+              <a:ext uri="{FF2B5EF4-FFF2-40B4-BE49-F238E27FC236}">
+                <a16:creationId xmlns:a16="http://schemas.microsoft.com/office/drawing/2014/main" id="{9D397D09-EF1C-035D-B6EB-408290330A93}"/>
+              </a:ext>
+            </a:extLst>
+          </p:cNvPr>
+          <p:cNvSpPr>
+            <a:spLocks noGrp="1"/>
+          </p:cNvSpPr>
+          <p:nvPr>
+            <p:ph type="body" idx="1"/>
+          </p:nvPr>
+        </p:nvSpPr>
+        <p:spPr/>
+        <p:txBody>
+          <a:bodyPr/>
+          <a:lstStyle/>
+          <a:p>
+            <a:endParaRPr lang="en-US"/>
+          </a:p>
+        </p:txBody>
+      </p:sp>
+    </p:spTree>
+    <p:extLst>
+      <p:ext uri="{BB962C8B-B14F-4D97-AF65-F5344CB8AC3E}">
+        <p14:creationId xmlns:p14="http://schemas.microsoft.com/office/powerpoint/2010/main" val="591847203"/>
+      </p:ext>
+    </p:extLst>
+  </p:cSld>
+  <p:clrMapOvr>
+    <a:masterClrMapping/>
+  </p:clrMapOvr>
+</p:sld>
+</file>
+
+<file path=ppt/slides/slide5.xml><?xml version="1.0" encoding="utf-8"?>
+<p:sld xmlns:a="http://schemas.openxmlformats.org/drawingml/2006/main" xmlns:r="http://schemas.openxmlformats.org/officeDocument/2006/relationships" xmlns:p="http://schemas.openxmlformats.org/presentationml/2006/main">
+  <p:cSld>
+    <p:spTree>
+      <p:nvGrpSpPr>
+        <p:cNvPr id="1" name=""/>
+        <p:cNvGrpSpPr/>
+        <p:nvPr/>
+      </p:nvGrpSpPr>
+      <p:grpSpPr>
+        <a:xfrm>
+          <a:off x="0" y="0"/>
+          <a:ext cx="0" cy="0"/>
+          <a:chOff x="0" y="0"/>
+          <a:chExt cx="0" cy="0"/>
+        </a:xfrm>
+      </p:grpSpPr>
+      <p:sp>
+        <p:nvSpPr>
           <p:cNvPr id="2" name="Title 1">
             <a:extLst>
               <a:ext uri="{FF2B5EF4-FFF2-40B4-BE49-F238E27FC236}">
@@ -7520,7 +7693,7 @@
 </p:sld>
 </file>
 
-<file path=ppt/slides/slide5.xml><?xml version="1.0" encoding="utf-8"?>
+<file path=ppt/slides/slide6.xml><?xml version="1.0" encoding="utf-8"?>
 <p:sld xmlns:a="http://schemas.openxmlformats.org/drawingml/2006/main" xmlns:r="http://schemas.openxmlformats.org/officeDocument/2006/relationships" xmlns:p="http://schemas.openxmlformats.org/presentationml/2006/main">
   <p:cSld>
     <p:spTree>
@@ -7655,7 +7828,7 @@
 </p:sld>
 </file>
 
-<file path=ppt/slides/slide6.xml><?xml version="1.0" encoding="utf-8"?>
+<file path=ppt/slides/slide7.xml><?xml version="1.0" encoding="utf-8"?>
 <p:sld xmlns:a="http://schemas.openxmlformats.org/drawingml/2006/main" xmlns:r="http://schemas.openxmlformats.org/officeDocument/2006/relationships" xmlns:p="http://schemas.openxmlformats.org/presentationml/2006/main">
   <p:cSld>
     <p:spTree>
@@ -7746,7 +7919,7 @@
 </p:sld>
 </file>
 
-<file path=ppt/slides/slide7.xml><?xml version="1.0" encoding="utf-8"?>
+<file path=ppt/slides/slide8.xml><?xml version="1.0" encoding="utf-8"?>
 <p:sld xmlns:a="http://schemas.openxmlformats.org/drawingml/2006/main" xmlns:r="http://schemas.openxmlformats.org/officeDocument/2006/relationships" xmlns:p="http://schemas.openxmlformats.org/presentationml/2006/main">
   <p:cSld>
     <p:spTree>
@@ -7836,7 +8009,7 @@
 </p:sld>
 </file>
 
-<file path=ppt/slides/slide8.xml><?xml version="1.0" encoding="utf-8"?>
+<file path=ppt/slides/slide9.xml><?xml version="1.0" encoding="utf-8"?>
 <p:sld xmlns:a="http://schemas.openxmlformats.org/drawingml/2006/main" xmlns:r="http://schemas.openxmlformats.org/officeDocument/2006/relationships" xmlns:p="http://schemas.openxmlformats.org/presentationml/2006/main">
   <p:cSld>
     <p:spTree>
@@ -7917,96 +8090,6 @@
     <p:extLst>
       <p:ext uri="{BB962C8B-B14F-4D97-AF65-F5344CB8AC3E}">
         <p14:creationId xmlns:p14="http://schemas.microsoft.com/office/powerpoint/2010/main" val="597341993"/>
-      </p:ext>
-    </p:extLst>
-  </p:cSld>
-  <p:clrMapOvr>
-    <a:masterClrMapping/>
-  </p:clrMapOvr>
-</p:sld>
-</file>
-
-<file path=ppt/slides/slide9.xml><?xml version="1.0" encoding="utf-8"?>
-<p:sld xmlns:a="http://schemas.openxmlformats.org/drawingml/2006/main" xmlns:r="http://schemas.openxmlformats.org/officeDocument/2006/relationships" xmlns:p="http://schemas.openxmlformats.org/presentationml/2006/main">
-  <p:cSld>
-    <p:spTree>
-      <p:nvGrpSpPr>
-        <p:cNvPr id="1" name=""/>
-        <p:cNvGrpSpPr/>
-        <p:nvPr/>
-      </p:nvGrpSpPr>
-      <p:grpSpPr>
-        <a:xfrm>
-          <a:off x="0" y="0"/>
-          <a:ext cx="0" cy="0"/>
-          <a:chOff x="0" y="0"/>
-          <a:chExt cx="0" cy="0"/>
-        </a:xfrm>
-      </p:grpSpPr>
-      <p:sp>
-        <p:nvSpPr>
-          <p:cNvPr id="2" name="Title 1">
-            <a:extLst>
-              <a:ext uri="{FF2B5EF4-FFF2-40B4-BE49-F238E27FC236}">
-                <a16:creationId xmlns:a16="http://schemas.microsoft.com/office/drawing/2014/main" id="{BB9F5CB4-761A-0CFA-6810-F801DAB87CFE}"/>
-              </a:ext>
-            </a:extLst>
-          </p:cNvPr>
-          <p:cNvSpPr>
-            <a:spLocks noGrp="1"/>
-          </p:cNvSpPr>
-          <p:nvPr>
-            <p:ph type="title"/>
-          </p:nvPr>
-        </p:nvSpPr>
-        <p:spPr/>
-        <p:txBody>
-          <a:bodyPr/>
-          <a:lstStyle/>
-          <a:p>
-            <a:r>
-              <a:rPr lang="en-US" dirty="0"/>
-              <a:t>Dollar Index (DXY)</a:t>
-            </a:r>
-          </a:p>
-        </p:txBody>
-      </p:sp>
-      <p:pic>
-        <p:nvPicPr>
-          <p:cNvPr id="5" name="Content Placeholder 4">
-            <a:extLst>
-              <a:ext uri="{FF2B5EF4-FFF2-40B4-BE49-F238E27FC236}">
-                <a16:creationId xmlns:a16="http://schemas.microsoft.com/office/drawing/2014/main" id="{269C7277-0160-3C52-0BF7-3D48BF5288E0}"/>
-              </a:ext>
-            </a:extLst>
-          </p:cNvPr>
-          <p:cNvPicPr>
-            <a:picLocks noGrp="1" noChangeAspect="1"/>
-          </p:cNvPicPr>
-          <p:nvPr>
-            <p:ph idx="1"/>
-          </p:nvPr>
-        </p:nvPicPr>
-        <p:blipFill>
-          <a:blip r:embed="rId2"/>
-          <a:stretch>
-            <a:fillRect/>
-          </a:stretch>
-        </p:blipFill>
-        <p:spPr>
-          <a:xfrm>
-            <a:off x="2493406" y="1825625"/>
-            <a:ext cx="7205188" cy="4351338"/>
-          </a:xfrm>
-          <a:prstGeom prst="rect">
-            <a:avLst/>
-          </a:prstGeom>
-        </p:spPr>
-      </p:pic>
-    </p:spTree>
-    <p:extLst>
-      <p:ext uri="{BB962C8B-B14F-4D97-AF65-F5344CB8AC3E}">
-        <p14:creationId xmlns:p14="http://schemas.microsoft.com/office/powerpoint/2010/main" val="403296574"/>
       </p:ext>
     </p:extLst>
   </p:cSld>
